--- a/doc/答辩Slides.pptx
+++ b/doc/答辩Slides.pptx
@@ -6,6 +6,23 @@
   </p:sldMasterIdLst>
   <p:sldIdLst>
     <p:sldId id="256" r:id="rId2"/>
+    <p:sldId id="268" r:id="rId3"/>
+    <p:sldId id="257" r:id="rId4"/>
+    <p:sldId id="258" r:id="rId5"/>
+    <p:sldId id="259" r:id="rId6"/>
+    <p:sldId id="260" r:id="rId7"/>
+    <p:sldId id="261" r:id="rId8"/>
+    <p:sldId id="263" r:id="rId9"/>
+    <p:sldId id="264" r:id="rId10"/>
+    <p:sldId id="262" r:id="rId11"/>
+    <p:sldId id="265" r:id="rId12"/>
+    <p:sldId id="266" r:id="rId13"/>
+    <p:sldId id="269" r:id="rId14"/>
+    <p:sldId id="267" r:id="rId15"/>
+    <p:sldId id="270" r:id="rId16"/>
+    <p:sldId id="271" r:id="rId17"/>
+    <p:sldId id="273" r:id="rId18"/>
+    <p:sldId id="272" r:id="rId19"/>
   </p:sldIdLst>
   <p:sldSz cx="12192000" cy="6858000"/>
   <p:notesSz cx="6858000" cy="9144000"/>
@@ -104,6 +121,11 @@
       </a:defRPr>
     </a:lvl9pPr>
   </p:defaultTextStyle>
+  <p:extLst>
+    <p:ext uri="{EFAFB233-063F-42B5-8137-9DF3F51BA10A}">
+      <p15:sldGuideLst xmlns:p15="http://schemas.microsoft.com/office/powerpoint/2012/main"/>
+    </p:ext>
+  </p:extLst>
 </p:presentation>
 </file>
 
@@ -3321,12 +3343,3647 @@
           <a:chExt cx="0" cy="0"/>
         </a:xfrm>
       </p:grpSpPr>
+      <p:grpSp>
+        <p:nvGrpSpPr>
+          <p:cNvPr id="11" name="组合 10">
+            <a:extLst>
+              <a:ext uri="{FF2B5EF4-FFF2-40B4-BE49-F238E27FC236}">
+                <a16:creationId xmlns:a16="http://schemas.microsoft.com/office/drawing/2014/main" id="{D84D579C-9BE0-4D3B-A407-58AB92A280EB}"/>
+              </a:ext>
+            </a:extLst>
+          </p:cNvPr>
+          <p:cNvGrpSpPr/>
+          <p:nvPr/>
+        </p:nvGrpSpPr>
+        <p:grpSpPr>
+          <a:xfrm>
+            <a:off x="1679359" y="752811"/>
+            <a:ext cx="8602462" cy="1988062"/>
+            <a:chOff x="1661603" y="1223327"/>
+            <a:chExt cx="8602462" cy="1988062"/>
+          </a:xfrm>
+        </p:grpSpPr>
+        <p:pic>
+          <p:nvPicPr>
+            <p:cNvPr id="6" name="图片 5">
+              <a:extLst>
+                <a:ext uri="{FF2B5EF4-FFF2-40B4-BE49-F238E27FC236}">
+                  <a16:creationId xmlns:a16="http://schemas.microsoft.com/office/drawing/2014/main" id="{55BF491D-6A03-4ED1-A58E-2BF3D2E12A77}"/>
+                </a:ext>
+              </a:extLst>
+            </p:cNvPr>
+            <p:cNvPicPr>
+              <a:picLocks noChangeAspect="1"/>
+            </p:cNvPicPr>
+            <p:nvPr/>
+          </p:nvPicPr>
+          <p:blipFill>
+            <a:blip r:embed="rId2">
+              <a:extLst>
+                <a:ext uri="{28A0092B-C50C-407E-A947-70E740481C1C}">
+                  <a14:useLocalDpi xmlns:a14="http://schemas.microsoft.com/office/drawing/2010/main" val="0"/>
+                </a:ext>
+              </a:extLst>
+            </a:blip>
+            <a:stretch>
+              <a:fillRect/>
+            </a:stretch>
+          </p:blipFill>
+          <p:spPr>
+            <a:xfrm>
+              <a:off x="3912749" y="1223327"/>
+              <a:ext cx="4366501" cy="1135290"/>
+            </a:xfrm>
+            <a:prstGeom prst="rect">
+              <a:avLst/>
+            </a:prstGeom>
+          </p:spPr>
+        </p:pic>
+        <p:sp>
+          <p:nvSpPr>
+            <p:cNvPr id="2" name="文本框 1">
+              <a:extLst>
+                <a:ext uri="{FF2B5EF4-FFF2-40B4-BE49-F238E27FC236}">
+                  <a16:creationId xmlns:a16="http://schemas.microsoft.com/office/drawing/2014/main" id="{88411107-A30D-480C-BDDE-D84D9B596B23}"/>
+                </a:ext>
+              </a:extLst>
+            </p:cNvPr>
+            <p:cNvSpPr txBox="1"/>
+            <p:nvPr/>
+          </p:nvSpPr>
+          <p:spPr>
+            <a:xfrm>
+              <a:off x="1661603" y="2503503"/>
+              <a:ext cx="8602462" cy="707886"/>
+            </a:xfrm>
+            <a:prstGeom prst="rect">
+              <a:avLst/>
+            </a:prstGeom>
+            <a:noFill/>
+          </p:spPr>
+          <p:txBody>
+            <a:bodyPr wrap="square" rtlCol="0">
+              <a:spAutoFit/>
+            </a:bodyPr>
+            <a:lstStyle/>
+            <a:p>
+              <a:pPr algn="ctr"/>
+              <a:r>
+                <a:rPr lang="en-US" altLang="zh-CN" sz="4000" b="1" dirty="0">
+                  <a:latin typeface="宋体" panose="02010600030101010101" pitchFamily="2" charset="-122"/>
+                  <a:ea typeface="宋体" panose="02010600030101010101" pitchFamily="2" charset="-122"/>
+                </a:rPr>
+                <a:t>《</a:t>
+              </a:r>
+              <a:r>
+                <a:rPr lang="zh-CN" altLang="en-US" sz="4000" b="1" dirty="0">
+                  <a:latin typeface="宋体" panose="02010600030101010101" pitchFamily="2" charset="-122"/>
+                  <a:ea typeface="宋体" panose="02010600030101010101" pitchFamily="2" charset="-122"/>
+                </a:rPr>
+                <a:t>编译原理</a:t>
+              </a:r>
+              <a:r>
+                <a:rPr lang="en-US" altLang="zh-CN" sz="4000" b="1" dirty="0">
+                  <a:latin typeface="宋体" panose="02010600030101010101" pitchFamily="2" charset="-122"/>
+                  <a:ea typeface="宋体" panose="02010600030101010101" pitchFamily="2" charset="-122"/>
+                </a:rPr>
+                <a:t>》</a:t>
+              </a:r>
+              <a:r>
+                <a:rPr lang="zh-CN" altLang="en-US" sz="4000" b="1" dirty="0">
+                  <a:latin typeface="宋体" panose="02010600030101010101" pitchFamily="2" charset="-122"/>
+                  <a:ea typeface="宋体" panose="02010600030101010101" pitchFamily="2" charset="-122"/>
+                </a:rPr>
+                <a:t>课程设计项目验收答辩</a:t>
+              </a:r>
+            </a:p>
+          </p:txBody>
+        </p:sp>
+      </p:grpSp>
+      <p:grpSp>
+        <p:nvGrpSpPr>
+          <p:cNvPr id="10" name="组合 9">
+            <a:extLst>
+              <a:ext uri="{FF2B5EF4-FFF2-40B4-BE49-F238E27FC236}">
+                <a16:creationId xmlns:a16="http://schemas.microsoft.com/office/drawing/2014/main" id="{FCD5F258-CC06-4AE9-AD45-85161362F657}"/>
+              </a:ext>
+            </a:extLst>
+          </p:cNvPr>
+          <p:cNvGrpSpPr/>
+          <p:nvPr/>
+        </p:nvGrpSpPr>
+        <p:grpSpPr>
+          <a:xfrm>
+            <a:off x="7726378" y="3233691"/>
+            <a:ext cx="3611886" cy="2937319"/>
+            <a:chOff x="8099241" y="3746365"/>
+            <a:chExt cx="3611886" cy="2937319"/>
+          </a:xfrm>
+        </p:grpSpPr>
+        <p:grpSp>
+          <p:nvGrpSpPr>
+            <p:cNvPr id="8" name="组合 7">
+              <a:extLst>
+                <a:ext uri="{FF2B5EF4-FFF2-40B4-BE49-F238E27FC236}">
+                  <a16:creationId xmlns:a16="http://schemas.microsoft.com/office/drawing/2014/main" id="{15A5C43C-3F31-4BBA-9818-EE2AF2CD9143}"/>
+                </a:ext>
+              </a:extLst>
+            </p:cNvPr>
+            <p:cNvGrpSpPr/>
+            <p:nvPr/>
+          </p:nvGrpSpPr>
+          <p:grpSpPr>
+            <a:xfrm>
+              <a:off x="8099241" y="3746365"/>
+              <a:ext cx="3611886" cy="2567987"/>
+              <a:chOff x="8099241" y="3746365"/>
+              <a:chExt cx="3611886" cy="2567987"/>
+            </a:xfrm>
+          </p:grpSpPr>
+          <p:sp>
+            <p:nvSpPr>
+              <p:cNvPr id="5" name="文本框 4">
+                <a:extLst>
+                  <a:ext uri="{FF2B5EF4-FFF2-40B4-BE49-F238E27FC236}">
+                    <a16:creationId xmlns:a16="http://schemas.microsoft.com/office/drawing/2014/main" id="{E5CF8E54-F5E5-4D33-B0F2-830E9BC98219}"/>
+                  </a:ext>
+                </a:extLst>
+              </p:cNvPr>
+              <p:cNvSpPr txBox="1"/>
+              <p:nvPr/>
+            </p:nvSpPr>
+            <p:spPr>
+              <a:xfrm>
+                <a:off x="8772618" y="3746365"/>
+                <a:ext cx="2592280" cy="2127634"/>
+              </a:xfrm>
+              <a:prstGeom prst="rect">
+                <a:avLst/>
+              </a:prstGeom>
+              <a:noFill/>
+            </p:spPr>
+            <p:txBody>
+              <a:bodyPr wrap="square" rtlCol="0">
+                <a:spAutoFit/>
+              </a:bodyPr>
+              <a:lstStyle/>
+              <a:p>
+                <a:pPr>
+                  <a:lnSpc>
+                    <a:spcPct val="150000"/>
+                  </a:lnSpc>
+                </a:pPr>
+                <a:r>
+                  <a:rPr lang="zh-CN" altLang="en-US" b="1" dirty="0"/>
+                  <a:t>组长：</a:t>
+                </a:r>
+                <a:endParaRPr lang="en-US" altLang="zh-CN" b="1" dirty="0"/>
+              </a:p>
+              <a:p>
+                <a:pPr>
+                  <a:lnSpc>
+                    <a:spcPct val="150000"/>
+                  </a:lnSpc>
+                </a:pPr>
+                <a:r>
+                  <a:rPr lang="en-US" altLang="zh-CN" dirty="0"/>
+                  <a:t>    09017227 </a:t>
+                </a:r>
+                <a:r>
+                  <a:rPr lang="zh-CN" altLang="en-US" dirty="0"/>
+                  <a:t>卓　旭</a:t>
+                </a:r>
+                <a:endParaRPr lang="en-US" altLang="zh-CN" dirty="0"/>
+              </a:p>
+              <a:p>
+                <a:pPr>
+                  <a:lnSpc>
+                    <a:spcPct val="150000"/>
+                  </a:lnSpc>
+                </a:pPr>
+                <a:r>
+                  <a:rPr lang="zh-CN" altLang="en-US" b="1" dirty="0"/>
+                  <a:t>组员：</a:t>
+                </a:r>
+                <a:endParaRPr lang="en-US" altLang="zh-CN" b="1" dirty="0"/>
+              </a:p>
+              <a:p>
+                <a:pPr>
+                  <a:lnSpc>
+                    <a:spcPct val="150000"/>
+                  </a:lnSpc>
+                </a:pPr>
+                <a:r>
+                  <a:rPr lang="en-US" altLang="zh-CN" dirty="0"/>
+                  <a:t>    09017224 </a:t>
+                </a:r>
+                <a:r>
+                  <a:rPr lang="zh-CN" altLang="en-US" dirty="0"/>
+                  <a:t>高钰铭</a:t>
+                </a:r>
+                <a:endParaRPr lang="en-US" altLang="zh-CN" dirty="0"/>
+              </a:p>
+              <a:p>
+                <a:pPr>
+                  <a:lnSpc>
+                    <a:spcPct val="150000"/>
+                  </a:lnSpc>
+                </a:pPr>
+                <a:r>
+                  <a:rPr lang="en-US" altLang="zh-CN" dirty="0"/>
+                  <a:t>    09017225 </a:t>
+                </a:r>
+                <a:r>
+                  <a:rPr lang="zh-CN" altLang="en-US" dirty="0"/>
+                  <a:t>沈汉唐</a:t>
+                </a:r>
+              </a:p>
+            </p:txBody>
+          </p:sp>
+          <p:sp>
+            <p:nvSpPr>
+              <p:cNvPr id="7" name="矩形 6">
+                <a:extLst>
+                  <a:ext uri="{FF2B5EF4-FFF2-40B4-BE49-F238E27FC236}">
+                    <a16:creationId xmlns:a16="http://schemas.microsoft.com/office/drawing/2014/main" id="{2DD255EF-9892-4DD4-A778-6D4055EB8F45}"/>
+                  </a:ext>
+                </a:extLst>
+              </p:cNvPr>
+              <p:cNvSpPr/>
+              <p:nvPr/>
+            </p:nvSpPr>
+            <p:spPr>
+              <a:xfrm>
+                <a:off x="8099241" y="5945020"/>
+                <a:ext cx="3611886" cy="369332"/>
+              </a:xfrm>
+              <a:prstGeom prst="rect">
+                <a:avLst/>
+              </a:prstGeom>
+            </p:spPr>
+            <p:txBody>
+              <a:bodyPr wrap="none">
+                <a:spAutoFit/>
+              </a:bodyPr>
+              <a:lstStyle/>
+              <a:p>
+                <a:r>
+                  <a:rPr lang="zh-CN" altLang="en-US" i="1" dirty="0"/>
+                  <a:t>github.com/z0gSh1u/seu-lex-yacc</a:t>
+                </a:r>
+              </a:p>
+            </p:txBody>
+          </p:sp>
+        </p:grpSp>
+        <p:sp>
+          <p:nvSpPr>
+            <p:cNvPr id="9" name="文本框 8">
+              <a:extLst>
+                <a:ext uri="{FF2B5EF4-FFF2-40B4-BE49-F238E27FC236}">
+                  <a16:creationId xmlns:a16="http://schemas.microsoft.com/office/drawing/2014/main" id="{84C22E61-9F81-4E7F-A21D-F447F6D61561}"/>
+                </a:ext>
+              </a:extLst>
+            </p:cNvPr>
+            <p:cNvSpPr txBox="1"/>
+            <p:nvPr/>
+          </p:nvSpPr>
+          <p:spPr>
+            <a:xfrm>
+              <a:off x="8291667" y="6314352"/>
+              <a:ext cx="3227033" cy="369332"/>
+            </a:xfrm>
+            <a:prstGeom prst="rect">
+              <a:avLst/>
+            </a:prstGeom>
+            <a:noFill/>
+          </p:spPr>
+          <p:txBody>
+            <a:bodyPr wrap="square" rtlCol="0">
+              <a:spAutoFit/>
+            </a:bodyPr>
+            <a:lstStyle/>
+            <a:p>
+              <a:r>
+                <a:rPr lang="zh-CN" altLang="en-US" dirty="0"/>
+                <a:t>如有任何问题，欢迎随时打断</a:t>
+              </a:r>
+            </a:p>
+          </p:txBody>
+        </p:sp>
+      </p:grpSp>
+    </p:spTree>
+    <p:extLst>
+      <p:ext uri="{BB962C8B-B14F-4D97-AF65-F5344CB8AC3E}">
+        <p14:creationId xmlns:p14="http://schemas.microsoft.com/office/powerpoint/2010/main" val="3712966250"/>
+      </p:ext>
+    </p:extLst>
+  </p:cSld>
+  <p:clrMapOvr>
+    <a:masterClrMapping/>
+  </p:clrMapOvr>
+</p:sld>
+</file>
+
+<file path=ppt/slides/slide10.xml><?xml version="1.0" encoding="utf-8"?>
+<p:sld xmlns:a="http://schemas.openxmlformats.org/drawingml/2006/main" xmlns:r="http://schemas.openxmlformats.org/officeDocument/2006/relationships" xmlns:p="http://schemas.openxmlformats.org/presentationml/2006/main">
+  <p:cSld>
+    <p:spTree>
+      <p:nvGrpSpPr>
+        <p:cNvPr id="1" name=""/>
+        <p:cNvGrpSpPr/>
+        <p:nvPr/>
+      </p:nvGrpSpPr>
+      <p:grpSpPr>
+        <a:xfrm>
+          <a:off x="0" y="0"/>
+          <a:ext cx="0" cy="0"/>
+          <a:chOff x="0" y="0"/>
+          <a:chExt cx="0" cy="0"/>
+        </a:xfrm>
+      </p:grpSpPr>
+      <p:sp>
+        <p:nvSpPr>
+          <p:cNvPr id="24" name="矩形 23">
+            <a:extLst>
+              <a:ext uri="{FF2B5EF4-FFF2-40B4-BE49-F238E27FC236}">
+                <a16:creationId xmlns:a16="http://schemas.microsoft.com/office/drawing/2014/main" id="{15BF1E7A-ACE9-479A-AAB1-1FD19D973182}"/>
+              </a:ext>
+            </a:extLst>
+          </p:cNvPr>
+          <p:cNvSpPr/>
+          <p:nvPr/>
+        </p:nvSpPr>
+        <p:spPr>
+          <a:xfrm>
+            <a:off x="532660" y="4910259"/>
+            <a:ext cx="8517840" cy="1823453"/>
+          </a:xfrm>
+          <a:prstGeom prst="rect">
+            <a:avLst/>
+          </a:prstGeom>
+          <a:solidFill>
+            <a:schemeClr val="accent6">
+              <a:lumMod val="40000"/>
+              <a:lumOff val="60000"/>
+            </a:schemeClr>
+          </a:solidFill>
+          <a:ln w="28575">
+            <a:noFill/>
+          </a:ln>
+        </p:spPr>
+        <p:style>
+          <a:lnRef idx="2">
+            <a:schemeClr val="accent1">
+              <a:shade val="50000"/>
+            </a:schemeClr>
+          </a:lnRef>
+          <a:fillRef idx="1">
+            <a:schemeClr val="accent1"/>
+          </a:fillRef>
+          <a:effectRef idx="0">
+            <a:schemeClr val="accent1"/>
+          </a:effectRef>
+          <a:fontRef idx="minor">
+            <a:schemeClr val="lt1"/>
+          </a:fontRef>
+        </p:style>
+        <p:txBody>
+          <a:bodyPr rtlCol="0" anchor="ctr"/>
+          <a:lstStyle/>
+          <a:p>
+            <a:pPr algn="ctr"/>
+            <a:endParaRPr lang="zh-CN" altLang="en-US"/>
+          </a:p>
+        </p:txBody>
+      </p:sp>
+      <p:sp>
+        <p:nvSpPr>
+          <p:cNvPr id="16" name="矩形 15">
+            <a:extLst>
+              <a:ext uri="{FF2B5EF4-FFF2-40B4-BE49-F238E27FC236}">
+                <a16:creationId xmlns:a16="http://schemas.microsoft.com/office/drawing/2014/main" id="{F1FA0FA3-319E-46F4-8594-4ED77880399A}"/>
+              </a:ext>
+            </a:extLst>
+          </p:cNvPr>
+          <p:cNvSpPr/>
+          <p:nvPr/>
+        </p:nvSpPr>
+        <p:spPr>
+          <a:xfrm>
+            <a:off x="119064" y="1847533"/>
+            <a:ext cx="8829846" cy="670316"/>
+          </a:xfrm>
+          <a:prstGeom prst="rect">
+            <a:avLst/>
+          </a:prstGeom>
+          <a:solidFill>
+            <a:schemeClr val="accent5">
+              <a:lumMod val="20000"/>
+              <a:lumOff val="80000"/>
+            </a:schemeClr>
+          </a:solidFill>
+        </p:spPr>
+        <p:style>
+          <a:lnRef idx="2">
+            <a:schemeClr val="accent3">
+              <a:shade val="50000"/>
+            </a:schemeClr>
+          </a:lnRef>
+          <a:fillRef idx="1">
+            <a:schemeClr val="accent3"/>
+          </a:fillRef>
+          <a:effectRef idx="0">
+            <a:schemeClr val="accent3"/>
+          </a:effectRef>
+          <a:fontRef idx="minor">
+            <a:schemeClr val="lt1"/>
+          </a:fontRef>
+        </p:style>
+        <p:txBody>
+          <a:bodyPr rtlCol="0" anchor="ctr"/>
+          <a:lstStyle/>
+          <a:p>
+            <a:pPr algn="ctr"/>
+            <a:endParaRPr lang="zh-CN" altLang="en-US"/>
+          </a:p>
+        </p:txBody>
+      </p:sp>
+      <p:sp>
+        <p:nvSpPr>
+          <p:cNvPr id="8" name="文本框 7">
+            <a:extLst>
+              <a:ext uri="{FF2B5EF4-FFF2-40B4-BE49-F238E27FC236}">
+                <a16:creationId xmlns:a16="http://schemas.microsoft.com/office/drawing/2014/main" id="{6B0D3643-452B-4AB2-9704-FD601360456D}"/>
+              </a:ext>
+            </a:extLst>
+          </p:cNvPr>
+          <p:cNvSpPr txBox="1"/>
+          <p:nvPr/>
+        </p:nvSpPr>
+        <p:spPr>
+          <a:xfrm>
+            <a:off x="119064" y="617336"/>
+            <a:ext cx="5433135" cy="400110"/>
+          </a:xfrm>
+          <a:prstGeom prst="rect">
+            <a:avLst/>
+          </a:prstGeom>
+          <a:noFill/>
+        </p:spPr>
+        <p:txBody>
+          <a:bodyPr wrap="square" rtlCol="0">
+            <a:spAutoFit/>
+          </a:bodyPr>
+          <a:lstStyle/>
+          <a:p>
+            <a:r>
+              <a:rPr lang="zh-CN" altLang="en-US" sz="2000" b="1" u="sng" dirty="0"/>
+              <a:t>确定有限状态自动机相关</a:t>
+            </a:r>
+            <a:r>
+              <a:rPr lang="zh-CN" altLang="en-US" sz="2000" b="1" dirty="0"/>
+              <a:t> </a:t>
+            </a:r>
+            <a:r>
+              <a:rPr lang="en-US" altLang="zh-CN" sz="2000" b="1" dirty="0" err="1"/>
+              <a:t>D</a:t>
+            </a:r>
+            <a:r>
+              <a:rPr lang="en-US" altLang="zh-CN" b="1" dirty="0" err="1"/>
+              <a:t>FA.ts</a:t>
+            </a:r>
+            <a:endParaRPr lang="zh-CN" altLang="en-US" b="1" dirty="0"/>
+          </a:p>
+        </p:txBody>
+      </p:sp>
+      <p:sp>
+        <p:nvSpPr>
+          <p:cNvPr id="9" name="文本框 8">
+            <a:extLst>
+              <a:ext uri="{FF2B5EF4-FFF2-40B4-BE49-F238E27FC236}">
+                <a16:creationId xmlns:a16="http://schemas.microsoft.com/office/drawing/2014/main" id="{269DBE3E-2CA7-4D32-8E0E-37817E48F537}"/>
+              </a:ext>
+            </a:extLst>
+          </p:cNvPr>
+          <p:cNvSpPr txBox="1"/>
+          <p:nvPr/>
+        </p:nvSpPr>
+        <p:spPr>
+          <a:xfrm>
+            <a:off x="96176" y="124288"/>
+            <a:ext cx="5999824" cy="523220"/>
+          </a:xfrm>
+          <a:prstGeom prst="rect">
+            <a:avLst/>
+          </a:prstGeom>
+          <a:noFill/>
+        </p:spPr>
+        <p:txBody>
+          <a:bodyPr wrap="square" rtlCol="0">
+            <a:spAutoFit/>
+          </a:bodyPr>
+          <a:lstStyle/>
+          <a:p>
+            <a:pPr algn="ctr"/>
+            <a:r>
+              <a:rPr lang="en-US" altLang="zh-CN" sz="2800" b="1" dirty="0"/>
+              <a:t>PART1 – </a:t>
+            </a:r>
+            <a:r>
+              <a:rPr lang="zh-CN" altLang="en-US" sz="2800" b="1" dirty="0"/>
+              <a:t>词法分析器的生成器</a:t>
+            </a:r>
+            <a:r>
+              <a:rPr lang="en-US" altLang="zh-CN" sz="2800" b="1" dirty="0" err="1"/>
+              <a:t>SeuLex</a:t>
+            </a:r>
+            <a:endParaRPr lang="zh-CN" altLang="en-US" sz="2800" b="1" dirty="0"/>
+          </a:p>
+        </p:txBody>
+      </p:sp>
+      <p:sp>
+        <p:nvSpPr>
+          <p:cNvPr id="5" name="矩形 4">
+            <a:extLst>
+              <a:ext uri="{FF2B5EF4-FFF2-40B4-BE49-F238E27FC236}">
+                <a16:creationId xmlns:a16="http://schemas.microsoft.com/office/drawing/2014/main" id="{BB64C263-1AF2-4659-A4A5-88E277D9B394}"/>
+              </a:ext>
+            </a:extLst>
+          </p:cNvPr>
+          <p:cNvSpPr/>
+          <p:nvPr/>
+        </p:nvSpPr>
+        <p:spPr>
+          <a:xfrm>
+            <a:off x="96176" y="1078090"/>
+            <a:ext cx="8171852" cy="369332"/>
+          </a:xfrm>
+          <a:prstGeom prst="rect">
+            <a:avLst/>
+          </a:prstGeom>
+        </p:spPr>
+        <p:txBody>
+          <a:bodyPr wrap="none">
+            <a:spAutoFit/>
+          </a:bodyPr>
+          <a:lstStyle/>
+          <a:p>
+            <a:r>
+              <a:rPr lang="zh-CN" altLang="zh-CN" dirty="0"/>
+              <a:t>使用子集构造法从</a:t>
+            </a:r>
+            <a:r>
+              <a:rPr lang="en-US" altLang="zh-CN" dirty="0"/>
+              <a:t>NFA</a:t>
+            </a:r>
+            <a:r>
+              <a:rPr lang="zh-CN" altLang="zh-CN" dirty="0"/>
+              <a:t>构造</a:t>
+            </a:r>
+            <a:r>
+              <a:rPr lang="en-US" altLang="zh-CN" dirty="0"/>
+              <a:t>DFA</a:t>
+            </a:r>
+            <a:r>
+              <a:rPr lang="zh-CN" altLang="en-US" dirty="0"/>
+              <a:t>，具体算法可见龙书算法</a:t>
+            </a:r>
+            <a:r>
+              <a:rPr lang="en-US" altLang="zh-CN" dirty="0"/>
+              <a:t>3.20</a:t>
+            </a:r>
+            <a:r>
+              <a:rPr lang="zh-CN" altLang="en-US" dirty="0"/>
+              <a:t>，在此不再赘述</a:t>
+            </a:r>
+            <a:r>
+              <a:rPr lang="zh-CN" altLang="zh-CN" dirty="0"/>
+              <a:t>。</a:t>
+            </a:r>
+            <a:endParaRPr lang="zh-CN" altLang="en-US" dirty="0"/>
+          </a:p>
+        </p:txBody>
+      </p:sp>
       <p:pic>
         <p:nvPicPr>
           <p:cNvPr id="6" name="图片 5">
             <a:extLst>
               <a:ext uri="{FF2B5EF4-FFF2-40B4-BE49-F238E27FC236}">
-                <a16:creationId xmlns:a16="http://schemas.microsoft.com/office/drawing/2014/main" id="{55BF491D-6A03-4ED1-A58E-2BF3D2E12A77}"/>
+                <a16:creationId xmlns:a16="http://schemas.microsoft.com/office/drawing/2014/main" id="{FB0C79E7-5562-49D8-A7B2-5365F7F08DB4}"/>
+              </a:ext>
+            </a:extLst>
+          </p:cNvPr>
+          <p:cNvPicPr>
+            <a:picLocks noChangeAspect="1"/>
+          </p:cNvPicPr>
+          <p:nvPr/>
+        </p:nvPicPr>
+        <p:blipFill>
+          <a:blip r:embed="rId2"/>
+          <a:stretch>
+            <a:fillRect/>
+          </a:stretch>
+        </p:blipFill>
+        <p:spPr>
+          <a:xfrm>
+            <a:off x="5903586" y="4945843"/>
+            <a:ext cx="3146914" cy="1787869"/>
+          </a:xfrm>
+          <a:prstGeom prst="rect">
+            <a:avLst/>
+          </a:prstGeom>
+        </p:spPr>
+      </p:pic>
+      <p:sp>
+        <p:nvSpPr>
+          <p:cNvPr id="12" name="文本框 11">
+            <a:extLst>
+              <a:ext uri="{FF2B5EF4-FFF2-40B4-BE49-F238E27FC236}">
+                <a16:creationId xmlns:a16="http://schemas.microsoft.com/office/drawing/2014/main" id="{84AAF30B-25FF-459E-A18F-AF5F39D58812}"/>
+              </a:ext>
+            </a:extLst>
+          </p:cNvPr>
+          <p:cNvSpPr txBox="1"/>
+          <p:nvPr/>
+        </p:nvSpPr>
+        <p:spPr>
+          <a:xfrm>
+            <a:off x="96176" y="1447422"/>
+            <a:ext cx="1721922" cy="400110"/>
+          </a:xfrm>
+          <a:prstGeom prst="rect">
+            <a:avLst/>
+          </a:prstGeom>
+          <a:noFill/>
+        </p:spPr>
+        <p:txBody>
+          <a:bodyPr wrap="square" rtlCol="0">
+            <a:spAutoFit/>
+          </a:bodyPr>
+          <a:lstStyle/>
+          <a:p>
+            <a:r>
+              <a:rPr lang="zh-CN" altLang="en-US" sz="2000" b="1" u="sng" dirty="0"/>
+              <a:t>问题与解决</a:t>
+            </a:r>
+          </a:p>
+        </p:txBody>
+      </p:sp>
+      <p:sp>
+        <p:nvSpPr>
+          <p:cNvPr id="7" name="矩形 6">
+            <a:extLst>
+              <a:ext uri="{FF2B5EF4-FFF2-40B4-BE49-F238E27FC236}">
+                <a16:creationId xmlns:a16="http://schemas.microsoft.com/office/drawing/2014/main" id="{848308AD-C34A-4BA5-AC09-E1D8EBEC0219}"/>
+              </a:ext>
+            </a:extLst>
+          </p:cNvPr>
+          <p:cNvSpPr/>
+          <p:nvPr/>
+        </p:nvSpPr>
+        <p:spPr>
+          <a:xfrm>
+            <a:off x="96177" y="1871517"/>
+            <a:ext cx="8829846" cy="646331"/>
+          </a:xfrm>
+          <a:prstGeom prst="rect">
+            <a:avLst/>
+          </a:prstGeom>
+        </p:spPr>
+        <p:txBody>
+          <a:bodyPr wrap="square">
+            <a:spAutoFit/>
+          </a:bodyPr>
+          <a:lstStyle/>
+          <a:p>
+            <a:r>
+              <a:rPr lang="zh-CN" altLang="zh-CN" dirty="0"/>
+              <a:t>由于用</a:t>
+            </a:r>
+            <a:r>
+              <a:rPr lang="en-US" altLang="zh-CN" dirty="0"/>
+              <a:t>ANY</a:t>
+            </a:r>
+            <a:r>
+              <a:rPr lang="zh-CN" altLang="zh-CN" dirty="0"/>
+              <a:t>边来表示表示任意字符的点号，因此在确定化过程中需要特别处理，将明确说明迁移字符的边保留，剩下字符组成</a:t>
+            </a:r>
+            <a:r>
+              <a:rPr lang="en-US" altLang="zh-CN" dirty="0"/>
+              <a:t>OTHER</a:t>
+            </a:r>
+            <a:r>
+              <a:rPr lang="zh-CN" altLang="zh-CN" dirty="0"/>
+              <a:t>边。</a:t>
+            </a:r>
+            <a:r>
+              <a:rPr lang="zh-CN" altLang="en-US" dirty="0"/>
+              <a:t>工作机理见图</a:t>
+            </a:r>
+            <a:r>
+              <a:rPr lang="en-US" altLang="zh-CN" dirty="0"/>
+              <a:t>A</a:t>
+            </a:r>
+            <a:r>
+              <a:rPr lang="zh-CN" altLang="en-US" dirty="0"/>
+              <a:t>。</a:t>
+            </a:r>
+          </a:p>
+        </p:txBody>
+      </p:sp>
+      <p:grpSp>
+        <p:nvGrpSpPr>
+          <p:cNvPr id="11" name="组合 10">
+            <a:extLst>
+              <a:ext uri="{FF2B5EF4-FFF2-40B4-BE49-F238E27FC236}">
+                <a16:creationId xmlns:a16="http://schemas.microsoft.com/office/drawing/2014/main" id="{99646AEE-35C1-4F35-963D-98F62BDE7427}"/>
+              </a:ext>
+            </a:extLst>
+          </p:cNvPr>
+          <p:cNvGrpSpPr/>
+          <p:nvPr/>
+        </p:nvGrpSpPr>
+        <p:grpSpPr>
+          <a:xfrm>
+            <a:off x="9195311" y="39306"/>
+            <a:ext cx="2996689" cy="4611008"/>
+            <a:chOff x="8926022" y="2071693"/>
+            <a:chExt cx="2996689" cy="4611008"/>
+          </a:xfrm>
+        </p:grpSpPr>
+        <p:pic>
+          <p:nvPicPr>
+            <p:cNvPr id="3074" name="图片 1">
+              <a:extLst>
+                <a:ext uri="{FF2B5EF4-FFF2-40B4-BE49-F238E27FC236}">
+                  <a16:creationId xmlns:a16="http://schemas.microsoft.com/office/drawing/2014/main" id="{3EDCAB4B-BFA2-49E5-9458-B84492971759}"/>
+                </a:ext>
+              </a:extLst>
+            </p:cNvPr>
+            <p:cNvPicPr>
+              <a:picLocks noChangeAspect="1" noChangeArrowheads="1"/>
+            </p:cNvPicPr>
+            <p:nvPr/>
+          </p:nvPicPr>
+          <p:blipFill rotWithShape="1">
+            <a:blip r:embed="rId3">
+              <a:clrChange>
+                <a:clrFrom>
+                  <a:srgbClr val="FFFFFF"/>
+                </a:clrFrom>
+                <a:clrTo>
+                  <a:srgbClr val="FFFFFF">
+                    <a:alpha val="0"/>
+                  </a:srgbClr>
+                </a:clrTo>
+              </a:clrChange>
+              <a:extLst>
+                <a:ext uri="{28A0092B-C50C-407E-A947-70E740481C1C}">
+                  <a14:useLocalDpi xmlns:a14="http://schemas.microsoft.com/office/drawing/2010/main" val="0"/>
+                </a:ext>
+              </a:extLst>
+            </a:blip>
+            <a:srcRect t="2085" b="2404"/>
+            <a:stretch/>
+          </p:blipFill>
+          <p:spPr bwMode="auto">
+            <a:xfrm>
+              <a:off x="8926022" y="2071693"/>
+              <a:ext cx="2996689" cy="4426342"/>
+            </a:xfrm>
+            <a:prstGeom prst="rect">
+              <a:avLst/>
+            </a:prstGeom>
+            <a:noFill/>
+            <a:ln>
+              <a:noFill/>
+            </a:ln>
+            <a:extLst>
+              <a:ext uri="{909E8E84-426E-40DD-AFC4-6F175D3DCCD1}">
+                <a14:hiddenFill xmlns:a14="http://schemas.microsoft.com/office/drawing/2010/main">
+                  <a:solidFill>
+                    <a:srgbClr val="FFFFFF"/>
+                  </a:solidFill>
+                </a14:hiddenFill>
+              </a:ext>
+              <a:ext uri="{91240B29-F687-4F45-9708-019B960494DF}">
+                <a14:hiddenLine xmlns:a14="http://schemas.microsoft.com/office/drawing/2010/main" w="9525">
+                  <a:solidFill>
+                    <a:srgbClr val="000000"/>
+                  </a:solidFill>
+                  <a:miter lim="800000"/>
+                  <a:headEnd/>
+                  <a:tailEnd/>
+                </a14:hiddenLine>
+              </a:ext>
+            </a:extLst>
+          </p:spPr>
+        </p:pic>
+        <p:sp>
+          <p:nvSpPr>
+            <p:cNvPr id="10" name="文本框 9">
+              <a:extLst>
+                <a:ext uri="{FF2B5EF4-FFF2-40B4-BE49-F238E27FC236}">
+                  <a16:creationId xmlns:a16="http://schemas.microsoft.com/office/drawing/2014/main" id="{16EC6AC1-C4BB-4AD4-B0B3-07B080259EF4}"/>
+                </a:ext>
+              </a:extLst>
+            </p:cNvPr>
+            <p:cNvSpPr txBox="1"/>
+            <p:nvPr/>
+          </p:nvSpPr>
+          <p:spPr>
+            <a:xfrm>
+              <a:off x="10122525" y="6313369"/>
+              <a:ext cx="1198486" cy="369332"/>
+            </a:xfrm>
+            <a:prstGeom prst="rect">
+              <a:avLst/>
+            </a:prstGeom>
+            <a:noFill/>
+          </p:spPr>
+          <p:txBody>
+            <a:bodyPr wrap="square" rtlCol="0">
+              <a:spAutoFit/>
+            </a:bodyPr>
+            <a:lstStyle/>
+            <a:p>
+              <a:r>
+                <a:rPr lang="zh-CN" altLang="en-US" b="1" i="1" u="sng" dirty="0"/>
+                <a:t>图</a:t>
+              </a:r>
+              <a:r>
+                <a:rPr lang="en-US" altLang="zh-CN" b="1" i="1" u="sng" dirty="0"/>
+                <a:t>A</a:t>
+              </a:r>
+              <a:endParaRPr lang="zh-CN" altLang="en-US" b="1" i="1" u="sng" dirty="0"/>
+            </a:p>
+          </p:txBody>
+        </p:sp>
+      </p:grpSp>
+      <p:grpSp>
+        <p:nvGrpSpPr>
+          <p:cNvPr id="15" name="组合 14">
+            <a:extLst>
+              <a:ext uri="{FF2B5EF4-FFF2-40B4-BE49-F238E27FC236}">
+                <a16:creationId xmlns:a16="http://schemas.microsoft.com/office/drawing/2014/main" id="{474228E3-0B00-4919-8FCE-C3B504D69DD5}"/>
+              </a:ext>
+            </a:extLst>
+          </p:cNvPr>
+          <p:cNvGrpSpPr/>
+          <p:nvPr/>
+        </p:nvGrpSpPr>
+        <p:grpSpPr>
+          <a:xfrm>
+            <a:off x="119064" y="2577799"/>
+            <a:ext cx="8829846" cy="1275104"/>
+            <a:chOff x="119064" y="2577799"/>
+            <a:chExt cx="8829846" cy="1275104"/>
+          </a:xfrm>
+        </p:grpSpPr>
+        <p:sp>
+          <p:nvSpPr>
+            <p:cNvPr id="17" name="矩形 16">
+              <a:extLst>
+                <a:ext uri="{FF2B5EF4-FFF2-40B4-BE49-F238E27FC236}">
+                  <a16:creationId xmlns:a16="http://schemas.microsoft.com/office/drawing/2014/main" id="{54E6E55E-71EE-437D-85CF-531E5A6E2011}"/>
+                </a:ext>
+              </a:extLst>
+            </p:cNvPr>
+            <p:cNvSpPr/>
+            <p:nvPr/>
+          </p:nvSpPr>
+          <p:spPr>
+            <a:xfrm>
+              <a:off x="119064" y="2577799"/>
+              <a:ext cx="8829846" cy="1275104"/>
+            </a:xfrm>
+            <a:prstGeom prst="rect">
+              <a:avLst/>
+            </a:prstGeom>
+            <a:solidFill>
+              <a:schemeClr val="accent5">
+                <a:lumMod val="20000"/>
+                <a:lumOff val="80000"/>
+              </a:schemeClr>
+            </a:solidFill>
+          </p:spPr>
+          <p:style>
+            <a:lnRef idx="2">
+              <a:schemeClr val="accent3">
+                <a:shade val="50000"/>
+              </a:schemeClr>
+            </a:lnRef>
+            <a:fillRef idx="1">
+              <a:schemeClr val="accent3"/>
+            </a:fillRef>
+            <a:effectRef idx="0">
+              <a:schemeClr val="accent3"/>
+            </a:effectRef>
+            <a:fontRef idx="minor">
+              <a:schemeClr val="lt1"/>
+            </a:fontRef>
+          </p:style>
+          <p:txBody>
+            <a:bodyPr rtlCol="0" anchor="ctr"/>
+            <a:lstStyle/>
+            <a:p>
+              <a:pPr algn="ctr"/>
+              <a:endParaRPr lang="zh-CN" altLang="en-US"/>
+            </a:p>
+          </p:txBody>
+        </p:sp>
+        <p:sp>
+          <p:nvSpPr>
+            <p:cNvPr id="13" name="矩形 12">
+              <a:extLst>
+                <a:ext uri="{FF2B5EF4-FFF2-40B4-BE49-F238E27FC236}">
+                  <a16:creationId xmlns:a16="http://schemas.microsoft.com/office/drawing/2014/main" id="{32F9464D-9743-45C6-876A-222DA8B611D5}"/>
+                </a:ext>
+              </a:extLst>
+            </p:cNvPr>
+            <p:cNvSpPr/>
+            <p:nvPr/>
+          </p:nvSpPr>
+          <p:spPr>
+            <a:xfrm>
+              <a:off x="119064" y="2610733"/>
+              <a:ext cx="8714218" cy="1200329"/>
+            </a:xfrm>
+            <a:prstGeom prst="rect">
+              <a:avLst/>
+            </a:prstGeom>
+          </p:spPr>
+          <p:txBody>
+            <a:bodyPr wrap="square">
+              <a:spAutoFit/>
+            </a:bodyPr>
+            <a:lstStyle/>
+            <a:p>
+              <a:r>
+                <a:rPr lang="zh-CN" altLang="zh-CN" b="1" dirty="0"/>
+                <a:t>子集构造法的每个</a:t>
+              </a:r>
+              <a:r>
+                <a:rPr lang="en-US" altLang="zh-CN" b="1" dirty="0"/>
+                <a:t>DFA</a:t>
+              </a:r>
+              <a:r>
+                <a:rPr lang="zh-CN" altLang="zh-CN" b="1" dirty="0"/>
+                <a:t>状态都对应于若干个</a:t>
+              </a:r>
+              <a:r>
+                <a:rPr lang="en-US" altLang="zh-CN" b="1" dirty="0"/>
+                <a:t>NFA</a:t>
+              </a:r>
+              <a:r>
+                <a:rPr lang="zh-CN" altLang="zh-CN" b="1" dirty="0"/>
+                <a:t>状态，那么在一个</a:t>
+              </a:r>
+              <a:r>
+                <a:rPr lang="en-US" altLang="zh-CN" b="1" dirty="0"/>
+                <a:t>DFA</a:t>
+              </a:r>
+              <a:r>
+                <a:rPr lang="zh-CN" altLang="zh-CN" b="1" dirty="0"/>
+                <a:t>接收态中，有没有可能包括多种动作代码不同的</a:t>
+              </a:r>
+              <a:r>
+                <a:rPr lang="en-US" altLang="zh-CN" b="1" dirty="0"/>
+                <a:t>NFA</a:t>
+              </a:r>
+              <a:r>
+                <a:rPr lang="zh-CN" altLang="zh-CN" b="1" dirty="0"/>
+                <a:t>接收态？</a:t>
+              </a:r>
+              <a:endParaRPr lang="en-US" altLang="zh-CN" b="1" dirty="0"/>
+            </a:p>
+            <a:p>
+              <a:r>
+                <a:rPr lang="zh-CN" altLang="zh-CN" dirty="0"/>
+                <a:t>答案是肯定的。这种动作代码的冲突问题需要借助动作的优先级，即</a:t>
+              </a:r>
+              <a:r>
+                <a:rPr lang="en-US" altLang="zh-CN" dirty="0"/>
+                <a:t>Lex</a:t>
+              </a:r>
+              <a:r>
+                <a:rPr lang="zh-CN" altLang="zh-CN" dirty="0"/>
+                <a:t>的正则</a:t>
+              </a:r>
+              <a:r>
+                <a:rPr lang="en-US" altLang="zh-CN" dirty="0"/>
+                <a:t>-</a:t>
+              </a:r>
+              <a:r>
+                <a:rPr lang="zh-CN" altLang="zh-CN" dirty="0"/>
+                <a:t>动作部分“先定义的优先高”的规则进行解决。</a:t>
+              </a:r>
+            </a:p>
+          </p:txBody>
+        </p:sp>
+      </p:grpSp>
+      <p:sp>
+        <p:nvSpPr>
+          <p:cNvPr id="20" name="矩形 19">
+            <a:extLst>
+              <a:ext uri="{FF2B5EF4-FFF2-40B4-BE49-F238E27FC236}">
+                <a16:creationId xmlns:a16="http://schemas.microsoft.com/office/drawing/2014/main" id="{61453910-D87F-4622-B197-DA02005A3FB3}"/>
+              </a:ext>
+            </a:extLst>
+          </p:cNvPr>
+          <p:cNvSpPr/>
+          <p:nvPr/>
+        </p:nvSpPr>
+        <p:spPr>
+          <a:xfrm>
+            <a:off x="119064" y="3912853"/>
+            <a:ext cx="8829846" cy="958419"/>
+          </a:xfrm>
+          <a:prstGeom prst="rect">
+            <a:avLst/>
+          </a:prstGeom>
+          <a:solidFill>
+            <a:schemeClr val="accent5">
+              <a:lumMod val="20000"/>
+              <a:lumOff val="80000"/>
+            </a:schemeClr>
+          </a:solidFill>
+        </p:spPr>
+        <p:style>
+          <a:lnRef idx="2">
+            <a:schemeClr val="accent3">
+              <a:shade val="50000"/>
+            </a:schemeClr>
+          </a:lnRef>
+          <a:fillRef idx="1">
+            <a:schemeClr val="accent3"/>
+          </a:fillRef>
+          <a:effectRef idx="0">
+            <a:schemeClr val="accent3"/>
+          </a:effectRef>
+          <a:fontRef idx="minor">
+            <a:schemeClr val="lt1"/>
+          </a:fontRef>
+        </p:style>
+        <p:txBody>
+          <a:bodyPr rtlCol="0" anchor="ctr"/>
+          <a:lstStyle/>
+          <a:p>
+            <a:pPr algn="ctr"/>
+            <a:endParaRPr lang="zh-CN" altLang="en-US"/>
+          </a:p>
+        </p:txBody>
+      </p:sp>
+      <p:sp>
+        <p:nvSpPr>
+          <p:cNvPr id="14" name="矩形 13">
+            <a:extLst>
+              <a:ext uri="{FF2B5EF4-FFF2-40B4-BE49-F238E27FC236}">
+                <a16:creationId xmlns:a16="http://schemas.microsoft.com/office/drawing/2014/main" id="{196C240D-70D2-4533-9A74-FEC8069C514B}"/>
+              </a:ext>
+            </a:extLst>
+          </p:cNvPr>
+          <p:cNvSpPr/>
+          <p:nvPr/>
+        </p:nvSpPr>
+        <p:spPr>
+          <a:xfrm>
+            <a:off x="130508" y="3947942"/>
+            <a:ext cx="8714218" cy="923330"/>
+          </a:xfrm>
+          <a:prstGeom prst="rect">
+            <a:avLst/>
+          </a:prstGeom>
+        </p:spPr>
+        <p:txBody>
+          <a:bodyPr wrap="square">
+            <a:spAutoFit/>
+          </a:bodyPr>
+          <a:lstStyle/>
+          <a:p>
+            <a:r>
+              <a:rPr lang="zh-CN" altLang="en-US" dirty="0"/>
+              <a:t>在</a:t>
+            </a:r>
+            <a:r>
+              <a:rPr lang="en-US" altLang="zh-CN" dirty="0"/>
+              <a:t>DFA</a:t>
+            </a:r>
+            <a:r>
+              <a:rPr lang="zh-CN" altLang="en-US" dirty="0"/>
+              <a:t>最小化时，</a:t>
+            </a:r>
+            <a:r>
+              <a:rPr lang="zh-CN" altLang="zh-CN" dirty="0"/>
+              <a:t>对于</a:t>
+            </a:r>
+            <a:r>
+              <a:rPr lang="zh-CN" altLang="zh-CN" b="1" dirty="0">
+                <a:solidFill>
+                  <a:srgbClr val="FF0000"/>
+                </a:solidFill>
+              </a:rPr>
+              <a:t>接收态，不能把它们放在同一个划分</a:t>
+            </a:r>
+            <a:r>
+              <a:rPr lang="zh-CN" altLang="zh-CN" dirty="0"/>
+              <a:t>，而要在一开始就全部打散到独立的划分（即一个新状态不能包含多个接收态），这是因为接受态上还绑定着“动作代码”属性，因此它们之间不是真正等价的。</a:t>
+            </a:r>
+          </a:p>
+        </p:txBody>
+      </p:sp>
+      <p:grpSp>
+        <p:nvGrpSpPr>
+          <p:cNvPr id="22" name="组合 21">
+            <a:extLst>
+              <a:ext uri="{FF2B5EF4-FFF2-40B4-BE49-F238E27FC236}">
+                <a16:creationId xmlns:a16="http://schemas.microsoft.com/office/drawing/2014/main" id="{8A09D352-9B5D-4522-89E5-5405D6DAF7F9}"/>
+              </a:ext>
+            </a:extLst>
+          </p:cNvPr>
+          <p:cNvGrpSpPr/>
+          <p:nvPr/>
+        </p:nvGrpSpPr>
+        <p:grpSpPr>
+          <a:xfrm>
+            <a:off x="9256273" y="4650314"/>
+            <a:ext cx="2922912" cy="2207686"/>
+            <a:chOff x="9256273" y="4650314"/>
+            <a:chExt cx="2922912" cy="2207686"/>
+          </a:xfrm>
+        </p:grpSpPr>
+        <p:pic>
+          <p:nvPicPr>
+            <p:cNvPr id="3075" name="图片 1">
+              <a:extLst>
+                <a:ext uri="{FF2B5EF4-FFF2-40B4-BE49-F238E27FC236}">
+                  <a16:creationId xmlns:a16="http://schemas.microsoft.com/office/drawing/2014/main" id="{DF5CEBD8-C86A-4087-BF63-FF867C964683}"/>
+                </a:ext>
+              </a:extLst>
+            </p:cNvPr>
+            <p:cNvPicPr>
+              <a:picLocks noChangeAspect="1" noChangeArrowheads="1"/>
+            </p:cNvPicPr>
+            <p:nvPr/>
+          </p:nvPicPr>
+          <p:blipFill>
+            <a:blip r:embed="rId4">
+              <a:extLst>
+                <a:ext uri="{28A0092B-C50C-407E-A947-70E740481C1C}">
+                  <a14:useLocalDpi xmlns:a14="http://schemas.microsoft.com/office/drawing/2010/main" val="0"/>
+                </a:ext>
+              </a:extLst>
+            </a:blip>
+            <a:srcRect/>
+            <a:stretch>
+              <a:fillRect/>
+            </a:stretch>
+          </p:blipFill>
+          <p:spPr bwMode="auto">
+            <a:xfrm>
+              <a:off x="9256273" y="4650314"/>
+              <a:ext cx="2922912" cy="1947422"/>
+            </a:xfrm>
+            <a:prstGeom prst="rect">
+              <a:avLst/>
+            </a:prstGeom>
+            <a:noFill/>
+            <a:ln>
+              <a:noFill/>
+            </a:ln>
+            <a:extLst>
+              <a:ext uri="{909E8E84-426E-40DD-AFC4-6F175D3DCCD1}">
+                <a14:hiddenFill xmlns:a14="http://schemas.microsoft.com/office/drawing/2010/main">
+                  <a:solidFill>
+                    <a:srgbClr val="FFFFFF"/>
+                  </a:solidFill>
+                </a14:hiddenFill>
+              </a:ext>
+              <a:ext uri="{91240B29-F687-4F45-9708-019B960494DF}">
+                <a14:hiddenLine xmlns:a14="http://schemas.microsoft.com/office/drawing/2010/main" w="9525">
+                  <a:solidFill>
+                    <a:srgbClr val="000000"/>
+                  </a:solidFill>
+                  <a:miter lim="800000"/>
+                  <a:headEnd/>
+                  <a:tailEnd/>
+                </a14:hiddenLine>
+              </a:ext>
+            </a:extLst>
+          </p:spPr>
+        </p:pic>
+        <p:sp>
+          <p:nvSpPr>
+            <p:cNvPr id="21" name="文本框 20">
+              <a:extLst>
+                <a:ext uri="{FF2B5EF4-FFF2-40B4-BE49-F238E27FC236}">
+                  <a16:creationId xmlns:a16="http://schemas.microsoft.com/office/drawing/2014/main" id="{65C7E2AE-21DC-4D8E-8610-A8E9F0A2D350}"/>
+                </a:ext>
+              </a:extLst>
+            </p:cNvPr>
+            <p:cNvSpPr txBox="1"/>
+            <p:nvPr/>
+          </p:nvSpPr>
+          <p:spPr>
+            <a:xfrm>
+              <a:off x="10391814" y="6488668"/>
+              <a:ext cx="852257" cy="369332"/>
+            </a:xfrm>
+            <a:prstGeom prst="rect">
+              <a:avLst/>
+            </a:prstGeom>
+            <a:noFill/>
+          </p:spPr>
+          <p:txBody>
+            <a:bodyPr wrap="square" rtlCol="0">
+              <a:spAutoFit/>
+            </a:bodyPr>
+            <a:lstStyle/>
+            <a:p>
+              <a:r>
+                <a:rPr lang="zh-CN" altLang="en-US" b="1" i="1" u="sng" dirty="0"/>
+                <a:t>图</a:t>
+              </a:r>
+              <a:r>
+                <a:rPr lang="en-US" altLang="zh-CN" b="1" i="1" u="sng" dirty="0"/>
+                <a:t>B</a:t>
+              </a:r>
+              <a:endParaRPr lang="zh-CN" altLang="en-US" b="1" i="1" u="sng" dirty="0"/>
+            </a:p>
+          </p:txBody>
+        </p:sp>
+      </p:grpSp>
+      <p:pic>
+        <p:nvPicPr>
+          <p:cNvPr id="23" name="图片 22">
+            <a:extLst>
+              <a:ext uri="{FF2B5EF4-FFF2-40B4-BE49-F238E27FC236}">
+                <a16:creationId xmlns:a16="http://schemas.microsoft.com/office/drawing/2014/main" id="{EBC1BE9E-7897-4A06-9BFF-F3FA2FA3EA12}"/>
+              </a:ext>
+            </a:extLst>
+          </p:cNvPr>
+          <p:cNvPicPr>
+            <a:picLocks noChangeAspect="1"/>
+          </p:cNvPicPr>
+          <p:nvPr/>
+        </p:nvPicPr>
+        <p:blipFill>
+          <a:blip r:embed="rId5"/>
+          <a:stretch>
+            <a:fillRect/>
+          </a:stretch>
+        </p:blipFill>
+        <p:spPr>
+          <a:xfrm>
+            <a:off x="1857015" y="4910259"/>
+            <a:ext cx="4046571" cy="1798476"/>
+          </a:xfrm>
+          <a:prstGeom prst="rect">
+            <a:avLst/>
+          </a:prstGeom>
+        </p:spPr>
+      </p:pic>
+      <p:sp>
+        <p:nvSpPr>
+          <p:cNvPr id="30" name="矩形 29">
+            <a:extLst>
+              <a:ext uri="{FF2B5EF4-FFF2-40B4-BE49-F238E27FC236}">
+                <a16:creationId xmlns:a16="http://schemas.microsoft.com/office/drawing/2014/main" id="{5C608289-164E-4EE1-A2A0-F4B613351BB9}"/>
+              </a:ext>
+            </a:extLst>
+          </p:cNvPr>
+          <p:cNvSpPr/>
+          <p:nvPr/>
+        </p:nvSpPr>
+        <p:spPr>
+          <a:xfrm>
+            <a:off x="600764" y="5468042"/>
+            <a:ext cx="1188147" cy="707886"/>
+          </a:xfrm>
+          <a:prstGeom prst="rect">
+            <a:avLst/>
+          </a:prstGeom>
+        </p:spPr>
+        <p:txBody>
+          <a:bodyPr wrap="none">
+            <a:spAutoFit/>
+          </a:bodyPr>
+          <a:lstStyle/>
+          <a:p>
+            <a:pPr algn="ctr"/>
+            <a:r>
+              <a:rPr lang="zh-CN" altLang="en-US" sz="2000" b="1" dirty="0"/>
+              <a:t>龙书</a:t>
+            </a:r>
+            <a:endParaRPr lang="en-US" altLang="zh-CN" sz="2000" b="1" dirty="0"/>
+          </a:p>
+          <a:p>
+            <a:pPr algn="ctr"/>
+            <a:r>
+              <a:rPr lang="zh-CN" altLang="en-US" sz="2000" b="1" dirty="0"/>
+              <a:t>算法</a:t>
+            </a:r>
+            <a:r>
+              <a:rPr lang="en-US" altLang="zh-CN" sz="2000" b="1" dirty="0"/>
+              <a:t>3.20</a:t>
+            </a:r>
+            <a:endParaRPr lang="zh-CN" altLang="en-US" sz="2000" b="1" dirty="0"/>
+          </a:p>
+        </p:txBody>
+      </p:sp>
+    </p:spTree>
+    <p:extLst>
+      <p:ext uri="{BB962C8B-B14F-4D97-AF65-F5344CB8AC3E}">
+        <p14:creationId xmlns:p14="http://schemas.microsoft.com/office/powerpoint/2010/main" val="3811380161"/>
+      </p:ext>
+    </p:extLst>
+  </p:cSld>
+  <p:clrMapOvr>
+    <a:masterClrMapping/>
+  </p:clrMapOvr>
+</p:sld>
+</file>
+
+<file path=ppt/slides/slide11.xml><?xml version="1.0" encoding="utf-8"?>
+<p:sld xmlns:a="http://schemas.openxmlformats.org/drawingml/2006/main" xmlns:r="http://schemas.openxmlformats.org/officeDocument/2006/relationships" xmlns:p="http://schemas.openxmlformats.org/presentationml/2006/main">
+  <p:cSld>
+    <p:spTree>
+      <p:nvGrpSpPr>
+        <p:cNvPr id="1" name=""/>
+        <p:cNvGrpSpPr/>
+        <p:nvPr/>
+      </p:nvGrpSpPr>
+      <p:grpSpPr>
+        <a:xfrm>
+          <a:off x="0" y="0"/>
+          <a:ext cx="0" cy="0"/>
+          <a:chOff x="0" y="0"/>
+          <a:chExt cx="0" cy="0"/>
+        </a:xfrm>
+      </p:grpSpPr>
+      <p:sp>
+        <p:nvSpPr>
+          <p:cNvPr id="4" name="文本框 3">
+            <a:extLst>
+              <a:ext uri="{FF2B5EF4-FFF2-40B4-BE49-F238E27FC236}">
+                <a16:creationId xmlns:a16="http://schemas.microsoft.com/office/drawing/2014/main" id="{EDE3FB1F-0381-490E-A092-2A99C5725C6B}"/>
+              </a:ext>
+            </a:extLst>
+          </p:cNvPr>
+          <p:cNvSpPr txBox="1"/>
+          <p:nvPr/>
+        </p:nvSpPr>
+        <p:spPr>
+          <a:xfrm>
+            <a:off x="119064" y="617336"/>
+            <a:ext cx="5433135" cy="400110"/>
+          </a:xfrm>
+          <a:prstGeom prst="rect">
+            <a:avLst/>
+          </a:prstGeom>
+          <a:noFill/>
+        </p:spPr>
+        <p:txBody>
+          <a:bodyPr wrap="square" rtlCol="0">
+            <a:spAutoFit/>
+          </a:bodyPr>
+          <a:lstStyle/>
+          <a:p>
+            <a:r>
+              <a:rPr lang="zh-CN" altLang="en-US" sz="2000" b="1" u="sng" dirty="0"/>
+              <a:t>代码生成相关</a:t>
+            </a:r>
+            <a:r>
+              <a:rPr lang="zh-CN" altLang="en-US" sz="2000" b="1" dirty="0"/>
+              <a:t> </a:t>
+            </a:r>
+            <a:r>
+              <a:rPr lang="en-US" altLang="zh-CN" sz="2000" b="1" dirty="0" err="1"/>
+              <a:t>CodeGenerator</a:t>
+            </a:r>
+            <a:r>
+              <a:rPr lang="en-US" altLang="zh-CN" b="1" dirty="0" err="1"/>
+              <a:t>.ts</a:t>
+            </a:r>
+            <a:endParaRPr lang="zh-CN" altLang="en-US" b="1" dirty="0"/>
+          </a:p>
+        </p:txBody>
+      </p:sp>
+      <p:sp>
+        <p:nvSpPr>
+          <p:cNvPr id="5" name="文本框 4">
+            <a:extLst>
+              <a:ext uri="{FF2B5EF4-FFF2-40B4-BE49-F238E27FC236}">
+                <a16:creationId xmlns:a16="http://schemas.microsoft.com/office/drawing/2014/main" id="{C89E0ED8-A4B4-4245-AAAC-B99280E14B45}"/>
+              </a:ext>
+            </a:extLst>
+          </p:cNvPr>
+          <p:cNvSpPr txBox="1"/>
+          <p:nvPr/>
+        </p:nvSpPr>
+        <p:spPr>
+          <a:xfrm>
+            <a:off x="96176" y="124288"/>
+            <a:ext cx="5999824" cy="523220"/>
+          </a:xfrm>
+          <a:prstGeom prst="rect">
+            <a:avLst/>
+          </a:prstGeom>
+          <a:noFill/>
+        </p:spPr>
+        <p:txBody>
+          <a:bodyPr wrap="square" rtlCol="0">
+            <a:spAutoFit/>
+          </a:bodyPr>
+          <a:lstStyle/>
+          <a:p>
+            <a:pPr algn="ctr"/>
+            <a:r>
+              <a:rPr lang="en-US" altLang="zh-CN" sz="2800" b="1" dirty="0"/>
+              <a:t>PART1 – </a:t>
+            </a:r>
+            <a:r>
+              <a:rPr lang="zh-CN" altLang="en-US" sz="2800" b="1" dirty="0"/>
+              <a:t>词法分析器的生成器</a:t>
+            </a:r>
+            <a:r>
+              <a:rPr lang="en-US" altLang="zh-CN" sz="2800" b="1" dirty="0" err="1"/>
+              <a:t>SeuLex</a:t>
+            </a:r>
+            <a:endParaRPr lang="zh-CN" altLang="en-US" sz="2800" b="1" dirty="0"/>
+          </a:p>
+        </p:txBody>
+      </p:sp>
+      <p:sp>
+        <p:nvSpPr>
+          <p:cNvPr id="6" name="矩形 5">
+            <a:extLst>
+              <a:ext uri="{FF2B5EF4-FFF2-40B4-BE49-F238E27FC236}">
+                <a16:creationId xmlns:a16="http://schemas.microsoft.com/office/drawing/2014/main" id="{9B3C0C0D-73E0-48A2-A5F9-B655E8BB3812}"/>
+              </a:ext>
+            </a:extLst>
+          </p:cNvPr>
+          <p:cNvSpPr/>
+          <p:nvPr/>
+        </p:nvSpPr>
+        <p:spPr>
+          <a:xfrm>
+            <a:off x="580007" y="1434158"/>
+            <a:ext cx="10517080" cy="2308196"/>
+          </a:xfrm>
+          <a:prstGeom prst="rect">
+            <a:avLst/>
+          </a:prstGeom>
+        </p:spPr>
+        <p:txBody>
+          <a:bodyPr wrap="square">
+            <a:spAutoFit/>
+          </a:bodyPr>
+          <a:lstStyle/>
+          <a:p>
+            <a:pPr algn="just">
+              <a:lnSpc>
+                <a:spcPct val="115000"/>
+              </a:lnSpc>
+              <a:spcAft>
+                <a:spcPts val="0"/>
+              </a:spcAft>
+            </a:pPr>
+            <a:r>
+              <a:rPr lang="en-US" altLang="zh-CN" sz="1400" dirty="0"/>
+              <a:t>    </a:t>
+            </a:r>
+            <a:r>
+              <a:rPr lang="zh-CN" altLang="zh-CN" sz="1400" dirty="0"/>
+              <a:t>①拷贝</a:t>
+            </a:r>
+            <a:r>
+              <a:rPr lang="en-US" altLang="zh-CN" sz="1400" dirty="0" err="1"/>
+              <a:t>LexParser</a:t>
+            </a:r>
+            <a:r>
+              <a:rPr lang="zh-CN" altLang="zh-CN" sz="1400" dirty="0"/>
+              <a:t>解析出的直接复制部分；</a:t>
+            </a:r>
+          </a:p>
+          <a:p>
+            <a:pPr algn="just">
+              <a:lnSpc>
+                <a:spcPct val="115000"/>
+              </a:lnSpc>
+              <a:spcAft>
+                <a:spcPts val="0"/>
+              </a:spcAft>
+            </a:pPr>
+            <a:r>
+              <a:rPr lang="en-US" altLang="zh-CN" sz="1400" dirty="0"/>
+              <a:t>    </a:t>
+            </a:r>
+            <a:r>
+              <a:rPr lang="zh-CN" altLang="zh-CN" sz="1400" dirty="0"/>
+              <a:t>②生成</a:t>
+            </a:r>
+            <a:r>
+              <a:rPr lang="en-US" altLang="zh-CN" sz="1400" dirty="0" err="1"/>
+              <a:t>seulex</a:t>
+            </a:r>
+            <a:r>
+              <a:rPr lang="zh-CN" altLang="zh-CN" sz="1400" dirty="0"/>
+              <a:t>的一系列预置变量，以及其他一些应用</a:t>
+            </a:r>
+            <a:r>
+              <a:rPr lang="en-US" altLang="zh-CN" sz="1400" dirty="0"/>
+              <a:t>DFA</a:t>
+            </a:r>
+            <a:r>
+              <a:rPr lang="zh-CN" altLang="zh-CN" sz="1400" dirty="0"/>
+              <a:t>进行状态转移时必须的记录变量</a:t>
+            </a:r>
+            <a:r>
+              <a:rPr lang="en-US" altLang="zh-CN" sz="1400" dirty="0"/>
+              <a:t>  </a:t>
+            </a:r>
+          </a:p>
+          <a:p>
+            <a:pPr algn="just">
+              <a:lnSpc>
+                <a:spcPct val="115000"/>
+              </a:lnSpc>
+              <a:spcAft>
+                <a:spcPts val="0"/>
+              </a:spcAft>
+            </a:pPr>
+            <a:r>
+              <a:rPr lang="en-US" altLang="zh-CN" sz="1400" dirty="0"/>
+              <a:t>    </a:t>
+            </a:r>
+            <a:r>
+              <a:rPr lang="zh-CN" altLang="zh-CN" sz="1400" dirty="0"/>
+              <a:t>③根据</a:t>
+            </a:r>
+            <a:r>
+              <a:rPr lang="en-US" altLang="zh-CN" sz="1400" dirty="0"/>
+              <a:t>DFA</a:t>
+            </a:r>
+            <a:r>
+              <a:rPr lang="zh-CN" altLang="zh-CN" sz="1400" dirty="0"/>
+              <a:t>生成状态转移矩阵</a:t>
+            </a:r>
+            <a:r>
+              <a:rPr lang="en-US" altLang="zh-CN" sz="1400" dirty="0"/>
+              <a:t>_</a:t>
+            </a:r>
+            <a:r>
+              <a:rPr lang="en-US" altLang="zh-CN" sz="1400" dirty="0" err="1"/>
+              <a:t>trans_mat</a:t>
+            </a:r>
+            <a:r>
+              <a:rPr lang="zh-CN" altLang="zh-CN" sz="1400" dirty="0"/>
+              <a:t>，元素</a:t>
+            </a:r>
+            <a:r>
+              <a:rPr lang="en-US" altLang="zh-CN" sz="1400" dirty="0"/>
+              <a:t>[</a:t>
+            </a:r>
+            <a:r>
+              <a:rPr lang="en-US" altLang="zh-CN" sz="1400" dirty="0" err="1"/>
+              <a:t>i</a:t>
+            </a:r>
+            <a:r>
+              <a:rPr lang="en-US" altLang="zh-CN" sz="1400" dirty="0"/>
+              <a:t>][k]</a:t>
+            </a:r>
+            <a:r>
+              <a:rPr lang="zh-CN" altLang="zh-CN" sz="1400" dirty="0"/>
+              <a:t>表示在</a:t>
+            </a:r>
+            <a:r>
+              <a:rPr lang="en-US" altLang="zh-CN" sz="1400" dirty="0" err="1"/>
+              <a:t>i</a:t>
+            </a:r>
+            <a:r>
+              <a:rPr lang="zh-CN" altLang="zh-CN" sz="1400" dirty="0"/>
+              <a:t>状态收到</a:t>
+            </a:r>
+            <a:r>
+              <a:rPr lang="en-US" altLang="zh-CN" sz="1400" dirty="0"/>
+              <a:t>k</a:t>
+            </a:r>
+            <a:r>
+              <a:rPr lang="zh-CN" altLang="zh-CN" sz="1400" dirty="0"/>
+              <a:t>字符（</a:t>
+            </a:r>
+            <a:r>
+              <a:rPr lang="en-US" altLang="zh-CN" sz="1400" dirty="0"/>
+              <a:t>ASCII</a:t>
+            </a:r>
+            <a:r>
+              <a:rPr lang="zh-CN" altLang="zh-CN" sz="1400" dirty="0"/>
+              <a:t>码）后转移到的状态的编号，</a:t>
+            </a:r>
+            <a:r>
+              <a:rPr lang="en-US" altLang="zh-CN" sz="1400" dirty="0"/>
+              <a:t>-1</a:t>
+            </a:r>
+            <a:r>
+              <a:rPr lang="zh-CN" altLang="zh-CN" sz="1400" dirty="0"/>
+              <a:t>表示没有此转移</a:t>
+            </a:r>
+            <a:r>
+              <a:rPr lang="en-US" altLang="zh-CN" sz="1400" dirty="0"/>
+              <a:t>       </a:t>
+            </a:r>
+          </a:p>
+          <a:p>
+            <a:pPr algn="just">
+              <a:lnSpc>
+                <a:spcPct val="115000"/>
+              </a:lnSpc>
+              <a:spcAft>
+                <a:spcPts val="0"/>
+              </a:spcAft>
+            </a:pPr>
+            <a:r>
+              <a:rPr lang="en-US" altLang="zh-CN" sz="1400" dirty="0"/>
+              <a:t>    </a:t>
+            </a:r>
+            <a:r>
+              <a:rPr lang="zh-CN" altLang="zh-CN" sz="1400" dirty="0"/>
+              <a:t>④生成接收状态到动作代码的</a:t>
+            </a:r>
+            <a:r>
+              <a:rPr lang="en-US" altLang="zh-CN" sz="1400" dirty="0" err="1"/>
+              <a:t>SwitchCase</a:t>
+            </a:r>
+            <a:r>
+              <a:rPr lang="zh-CN" altLang="zh-CN" sz="1400" dirty="0"/>
+              <a:t>的映射表，</a:t>
+            </a:r>
+            <a:r>
+              <a:rPr lang="en-US" altLang="zh-CN" sz="1400" dirty="0"/>
+              <a:t>_</a:t>
+            </a:r>
+            <a:r>
+              <a:rPr lang="en-US" altLang="zh-CN" sz="1400" dirty="0" err="1"/>
+              <a:t>swi_case</a:t>
+            </a:r>
+            <a:r>
+              <a:rPr lang="en-US" altLang="zh-CN" sz="1400" dirty="0"/>
+              <a:t>[j]=x</a:t>
+            </a:r>
+            <a:r>
+              <a:rPr lang="zh-CN" altLang="zh-CN" sz="1400" dirty="0"/>
+              <a:t>在</a:t>
+            </a:r>
+            <a:r>
+              <a:rPr lang="en-US" altLang="zh-CN" sz="1400" dirty="0"/>
+              <a:t>x</a:t>
+            </a:r>
+            <a:r>
+              <a:rPr lang="zh-CN" altLang="zh-CN" sz="1400" dirty="0"/>
+              <a:t>大于等于</a:t>
+            </a:r>
+            <a:r>
+              <a:rPr lang="en-US" altLang="zh-CN" sz="1400" dirty="0"/>
+              <a:t>0</a:t>
+            </a:r>
+            <a:r>
+              <a:rPr lang="zh-CN" altLang="zh-CN" sz="1400" dirty="0"/>
+              <a:t>时表示是状态</a:t>
+            </a:r>
+            <a:r>
+              <a:rPr lang="en-US" altLang="zh-CN" sz="1400" dirty="0"/>
+              <a:t>j</a:t>
+            </a:r>
+            <a:r>
+              <a:rPr lang="zh-CN" altLang="zh-CN" sz="1400" dirty="0"/>
+              <a:t>是接收态，</a:t>
+            </a:r>
+            <a:r>
+              <a:rPr lang="en-US" altLang="zh-CN" sz="1400" dirty="0"/>
+              <a:t>x</a:t>
+            </a:r>
+            <a:r>
+              <a:rPr lang="zh-CN" altLang="zh-CN" sz="1400" dirty="0"/>
+              <a:t>是动作代码的</a:t>
+            </a:r>
+            <a:r>
+              <a:rPr lang="en-US" altLang="zh-CN" sz="1400" dirty="0"/>
+              <a:t>case</a:t>
+            </a:r>
+            <a:r>
+              <a:rPr lang="zh-CN" altLang="zh-CN" sz="1400" dirty="0"/>
+              <a:t>编号；</a:t>
+            </a:r>
+          </a:p>
+          <a:p>
+            <a:pPr algn="just">
+              <a:lnSpc>
+                <a:spcPct val="115000"/>
+              </a:lnSpc>
+              <a:spcAft>
+                <a:spcPts val="0"/>
+              </a:spcAft>
+            </a:pPr>
+            <a:r>
+              <a:rPr lang="en-US" altLang="zh-CN" sz="1400" dirty="0"/>
+              <a:t>    </a:t>
+            </a:r>
+            <a:r>
+              <a:rPr lang="zh-CN" altLang="zh-CN" sz="1400" dirty="0"/>
+              <a:t>⑤生成</a:t>
+            </a:r>
+            <a:r>
+              <a:rPr lang="en-US" altLang="zh-CN" sz="1400" dirty="0" err="1"/>
+              <a:t>yylex</a:t>
+            </a:r>
+            <a:r>
+              <a:rPr lang="zh-CN" altLang="zh-CN" sz="1400" dirty="0"/>
+              <a:t>函数，这是一个及其关键的函数，每当用户调用</a:t>
+            </a:r>
+            <a:r>
+              <a:rPr lang="en-US" altLang="zh-CN" sz="1400" dirty="0" err="1"/>
+              <a:t>yylex</a:t>
+            </a:r>
+            <a:r>
+              <a:rPr lang="zh-CN" altLang="zh-CN" sz="1400" dirty="0"/>
+              <a:t>时，</a:t>
+            </a:r>
+            <a:r>
+              <a:rPr lang="en-US" altLang="zh-CN" sz="1400" dirty="0" err="1"/>
+              <a:t>seulex</a:t>
+            </a:r>
+            <a:r>
+              <a:rPr lang="zh-CN" altLang="zh-CN" sz="1400" dirty="0"/>
+              <a:t>就匹配一个新的词法单元，并执行对应的动作代码。</a:t>
+            </a:r>
+          </a:p>
+          <a:p>
+            <a:pPr indent="279400" algn="just">
+              <a:lnSpc>
+                <a:spcPct val="115000"/>
+              </a:lnSpc>
+              <a:spcAft>
+                <a:spcPts val="0"/>
+              </a:spcAft>
+            </a:pPr>
+            <a:r>
+              <a:rPr lang="zh-CN" altLang="zh-CN" sz="1400" dirty="0"/>
+              <a:t>在</a:t>
+            </a:r>
+            <a:r>
+              <a:rPr lang="en-US" altLang="zh-CN" sz="1400" dirty="0" err="1"/>
+              <a:t>yylex</a:t>
+            </a:r>
+            <a:r>
+              <a:rPr lang="zh-CN" altLang="zh-CN" sz="1400" dirty="0"/>
+              <a:t>的过程中，碰到换行则</a:t>
+            </a:r>
+            <a:r>
+              <a:rPr lang="en-US" altLang="zh-CN" sz="1400" dirty="0" err="1"/>
+              <a:t>yylineno</a:t>
+            </a:r>
+            <a:r>
+              <a:rPr lang="zh-CN" altLang="zh-CN" sz="1400" dirty="0"/>
+              <a:t>加</a:t>
+            </a:r>
+            <a:r>
+              <a:rPr lang="en-US" altLang="zh-CN" sz="1400" dirty="0"/>
+              <a:t>1</a:t>
+            </a:r>
+            <a:r>
+              <a:rPr lang="zh-CN" altLang="zh-CN" sz="1400" dirty="0"/>
+              <a:t>，碰到</a:t>
+            </a:r>
+            <a:r>
+              <a:rPr lang="en-US" altLang="zh-CN" sz="1400" dirty="0"/>
+              <a:t>EOF</a:t>
+            </a:r>
+            <a:r>
+              <a:rPr lang="zh-CN" altLang="zh-CN" sz="1400" dirty="0"/>
+              <a:t>后，如果</a:t>
+            </a:r>
+            <a:r>
+              <a:rPr lang="en-US" altLang="zh-CN" sz="1400" dirty="0" err="1"/>
+              <a:t>yywrap</a:t>
+            </a:r>
+            <a:r>
+              <a:rPr lang="en-US" altLang="zh-CN" sz="1400" dirty="0"/>
+              <a:t>()</a:t>
+            </a:r>
+            <a:r>
+              <a:rPr lang="zh-CN" altLang="zh-CN" sz="1400" dirty="0"/>
+              <a:t>不返回</a:t>
+            </a:r>
+            <a:r>
+              <a:rPr lang="en-US" altLang="zh-CN" sz="1400" dirty="0"/>
+              <a:t>1</a:t>
+            </a:r>
+            <a:r>
+              <a:rPr lang="zh-CN" altLang="zh-CN" sz="1400" dirty="0"/>
+              <a:t>，则重置</a:t>
+            </a:r>
+            <a:r>
+              <a:rPr lang="en-US" altLang="zh-CN" sz="1400" dirty="0" err="1"/>
+              <a:t>yyin</a:t>
+            </a:r>
+            <a:r>
+              <a:rPr lang="zh-CN" altLang="zh-CN" sz="1400" dirty="0"/>
+              <a:t>指针及各个变量，开始新一轮词法分析。</a:t>
+            </a:r>
+          </a:p>
+          <a:p>
+            <a:pPr indent="279400" algn="just">
+              <a:lnSpc>
+                <a:spcPct val="115000"/>
+              </a:lnSpc>
+              <a:spcAft>
+                <a:spcPts val="0"/>
+              </a:spcAft>
+            </a:pPr>
+            <a:r>
+              <a:rPr lang="zh-CN" altLang="zh-CN" sz="1400" dirty="0"/>
+              <a:t>⑥生成</a:t>
+            </a:r>
+            <a:r>
+              <a:rPr lang="en-US" altLang="zh-CN" sz="1400" dirty="0" err="1"/>
+              <a:t>yyless</a:t>
+            </a:r>
+            <a:r>
+              <a:rPr lang="zh-CN" altLang="zh-CN" sz="1400" dirty="0"/>
+              <a:t>、</a:t>
+            </a:r>
+            <a:r>
+              <a:rPr lang="en-US" altLang="zh-CN" sz="1400" dirty="0" err="1"/>
+              <a:t>yymore</a:t>
+            </a:r>
+            <a:r>
+              <a:rPr lang="zh-CN" altLang="zh-CN" sz="1400" dirty="0"/>
+              <a:t>函数，</a:t>
+            </a:r>
+            <a:r>
+              <a:rPr lang="en-US" altLang="zh-CN" sz="1400" dirty="0" err="1"/>
+              <a:t>yyless</a:t>
+            </a:r>
+            <a:r>
+              <a:rPr lang="en-US" altLang="zh-CN" sz="1400" dirty="0"/>
+              <a:t>(int n)</a:t>
+            </a:r>
+            <a:r>
+              <a:rPr lang="zh-CN" altLang="zh-CN" sz="1400" dirty="0"/>
+              <a:t>允许用户回退</a:t>
+            </a:r>
+            <a:r>
+              <a:rPr lang="en-US" altLang="zh-CN" sz="1400" dirty="0"/>
+              <a:t>n</a:t>
+            </a:r>
+            <a:r>
+              <a:rPr lang="zh-CN" altLang="zh-CN" sz="1400" dirty="0"/>
+              <a:t>字符，</a:t>
+            </a:r>
+            <a:r>
+              <a:rPr lang="en-US" altLang="zh-CN" sz="1400" dirty="0" err="1"/>
+              <a:t>yymore</a:t>
+            </a:r>
+            <a:r>
+              <a:rPr lang="en-US" altLang="zh-CN" sz="1400" dirty="0"/>
+              <a:t>()</a:t>
+            </a:r>
+            <a:r>
+              <a:rPr lang="zh-CN" altLang="zh-CN" sz="1400" dirty="0"/>
+              <a:t>允许用户追加移进一个词法单元。</a:t>
+            </a:r>
+          </a:p>
+          <a:p>
+            <a:pPr indent="279400" algn="just">
+              <a:lnSpc>
+                <a:spcPct val="115000"/>
+              </a:lnSpc>
+              <a:spcAft>
+                <a:spcPts val="0"/>
+              </a:spcAft>
+            </a:pPr>
+            <a:r>
+              <a:rPr lang="zh-CN" altLang="zh-CN" sz="1400" dirty="0"/>
+              <a:t>⑦最后加上用户代码段部分，即完成了词法分析器代码生成。</a:t>
+            </a:r>
+          </a:p>
+        </p:txBody>
+      </p:sp>
+    </p:spTree>
+    <p:extLst>
+      <p:ext uri="{BB962C8B-B14F-4D97-AF65-F5344CB8AC3E}">
+        <p14:creationId xmlns:p14="http://schemas.microsoft.com/office/powerpoint/2010/main" val="120077077"/>
+      </p:ext>
+    </p:extLst>
+  </p:cSld>
+  <p:clrMapOvr>
+    <a:masterClrMapping/>
+  </p:clrMapOvr>
+</p:sld>
+</file>
+
+<file path=ppt/slides/slide12.xml><?xml version="1.0" encoding="utf-8"?>
+<p:sld xmlns:a="http://schemas.openxmlformats.org/drawingml/2006/main" xmlns:r="http://schemas.openxmlformats.org/officeDocument/2006/relationships" xmlns:p="http://schemas.openxmlformats.org/presentationml/2006/main">
+  <p:cSld>
+    <p:spTree>
+      <p:nvGrpSpPr>
+        <p:cNvPr id="1" name=""/>
+        <p:cNvGrpSpPr/>
+        <p:nvPr/>
+      </p:nvGrpSpPr>
+      <p:grpSpPr>
+        <a:xfrm>
+          <a:off x="0" y="0"/>
+          <a:ext cx="0" cy="0"/>
+          <a:chOff x="0" y="0"/>
+          <a:chExt cx="0" cy="0"/>
+        </a:xfrm>
+      </p:grpSpPr>
+      <p:sp>
+        <p:nvSpPr>
+          <p:cNvPr id="4" name="文本框 3">
+            <a:extLst>
+              <a:ext uri="{FF2B5EF4-FFF2-40B4-BE49-F238E27FC236}">
+                <a16:creationId xmlns:a16="http://schemas.microsoft.com/office/drawing/2014/main" id="{6A29A009-4B5A-41C9-B215-BF4583DEBBEF}"/>
+              </a:ext>
+            </a:extLst>
+          </p:cNvPr>
+          <p:cNvSpPr txBox="1"/>
+          <p:nvPr/>
+        </p:nvSpPr>
+        <p:spPr>
+          <a:xfrm>
+            <a:off x="310718" y="647508"/>
+            <a:ext cx="5433135" cy="400110"/>
+          </a:xfrm>
+          <a:prstGeom prst="rect">
+            <a:avLst/>
+          </a:prstGeom>
+          <a:noFill/>
+        </p:spPr>
+        <p:txBody>
+          <a:bodyPr wrap="square" rtlCol="0">
+            <a:spAutoFit/>
+          </a:bodyPr>
+          <a:lstStyle/>
+          <a:p>
+            <a:r>
+              <a:rPr lang="zh-CN" altLang="en-US" sz="2000" b="1" u="sng"/>
+              <a:t>增强功能</a:t>
+            </a:r>
+            <a:endParaRPr lang="zh-CN" altLang="en-US" sz="2000" b="1" u="sng" dirty="0"/>
+          </a:p>
+        </p:txBody>
+      </p:sp>
+      <p:sp>
+        <p:nvSpPr>
+          <p:cNvPr id="5" name="文本框 4">
+            <a:extLst>
+              <a:ext uri="{FF2B5EF4-FFF2-40B4-BE49-F238E27FC236}">
+                <a16:creationId xmlns:a16="http://schemas.microsoft.com/office/drawing/2014/main" id="{61481D72-3006-4B7B-8D46-85FFE46D18E7}"/>
+              </a:ext>
+            </a:extLst>
+          </p:cNvPr>
+          <p:cNvSpPr txBox="1"/>
+          <p:nvPr/>
+        </p:nvSpPr>
+        <p:spPr>
+          <a:xfrm>
+            <a:off x="96176" y="124288"/>
+            <a:ext cx="5999824" cy="523220"/>
+          </a:xfrm>
+          <a:prstGeom prst="rect">
+            <a:avLst/>
+          </a:prstGeom>
+          <a:noFill/>
+        </p:spPr>
+        <p:txBody>
+          <a:bodyPr wrap="square" rtlCol="0">
+            <a:spAutoFit/>
+          </a:bodyPr>
+          <a:lstStyle/>
+          <a:p>
+            <a:pPr algn="ctr"/>
+            <a:r>
+              <a:rPr lang="en-US" altLang="zh-CN" sz="2800" b="1" dirty="0"/>
+              <a:t>PART1 – </a:t>
+            </a:r>
+            <a:r>
+              <a:rPr lang="zh-CN" altLang="en-US" sz="2800" b="1" dirty="0"/>
+              <a:t>词法分析器的生成器</a:t>
+            </a:r>
+            <a:r>
+              <a:rPr lang="en-US" altLang="zh-CN" sz="2800" b="1" dirty="0" err="1"/>
+              <a:t>SeuLex</a:t>
+            </a:r>
+            <a:endParaRPr lang="zh-CN" altLang="en-US" sz="2800" b="1" dirty="0"/>
+          </a:p>
+        </p:txBody>
+      </p:sp>
+      <p:sp>
+        <p:nvSpPr>
+          <p:cNvPr id="8" name="矩形 7">
+            <a:extLst>
+              <a:ext uri="{FF2B5EF4-FFF2-40B4-BE49-F238E27FC236}">
+                <a16:creationId xmlns:a16="http://schemas.microsoft.com/office/drawing/2014/main" id="{3B28EBB0-063D-4FD1-BE63-3990FE1331B9}"/>
+              </a:ext>
+            </a:extLst>
+          </p:cNvPr>
+          <p:cNvSpPr/>
+          <p:nvPr/>
+        </p:nvSpPr>
+        <p:spPr>
+          <a:xfrm>
+            <a:off x="310718" y="1260629"/>
+            <a:ext cx="4607511" cy="1908699"/>
+          </a:xfrm>
+          <a:prstGeom prst="rect">
+            <a:avLst/>
+          </a:prstGeom>
+        </p:spPr>
+        <p:style>
+          <a:lnRef idx="2">
+            <a:schemeClr val="accent1">
+              <a:shade val="50000"/>
+            </a:schemeClr>
+          </a:lnRef>
+          <a:fillRef idx="1">
+            <a:schemeClr val="accent1"/>
+          </a:fillRef>
+          <a:effectRef idx="0">
+            <a:schemeClr val="accent1"/>
+          </a:effectRef>
+          <a:fontRef idx="minor">
+            <a:schemeClr val="lt1"/>
+          </a:fontRef>
+        </p:style>
+        <p:txBody>
+          <a:bodyPr rtlCol="0" anchor="ctr"/>
+          <a:lstStyle/>
+          <a:p>
+            <a:pPr algn="ctr"/>
+            <a:endParaRPr lang="zh-CN" altLang="en-US"/>
+          </a:p>
+        </p:txBody>
+      </p:sp>
+      <p:sp>
+        <p:nvSpPr>
+          <p:cNvPr id="9" name="矩形 8">
+            <a:extLst>
+              <a:ext uri="{FF2B5EF4-FFF2-40B4-BE49-F238E27FC236}">
+                <a16:creationId xmlns:a16="http://schemas.microsoft.com/office/drawing/2014/main" id="{DBC5CE5C-C568-4DF2-AD69-0125DB2102AA}"/>
+              </a:ext>
+            </a:extLst>
+          </p:cNvPr>
+          <p:cNvSpPr/>
+          <p:nvPr/>
+        </p:nvSpPr>
+        <p:spPr>
+          <a:xfrm>
+            <a:off x="310718" y="4616388"/>
+            <a:ext cx="4962618" cy="1908699"/>
+          </a:xfrm>
+          <a:prstGeom prst="rect">
+            <a:avLst/>
+          </a:prstGeom>
+        </p:spPr>
+        <p:style>
+          <a:lnRef idx="2">
+            <a:schemeClr val="accent1">
+              <a:shade val="50000"/>
+            </a:schemeClr>
+          </a:lnRef>
+          <a:fillRef idx="1">
+            <a:schemeClr val="accent1"/>
+          </a:fillRef>
+          <a:effectRef idx="0">
+            <a:schemeClr val="accent1"/>
+          </a:effectRef>
+          <a:fontRef idx="minor">
+            <a:schemeClr val="lt1"/>
+          </a:fontRef>
+        </p:style>
+        <p:txBody>
+          <a:bodyPr rtlCol="0" anchor="ctr"/>
+          <a:lstStyle/>
+          <a:p>
+            <a:pPr algn="ctr"/>
+            <a:endParaRPr lang="zh-CN" altLang="en-US"/>
+          </a:p>
+        </p:txBody>
+      </p:sp>
+      <p:sp>
+        <p:nvSpPr>
+          <p:cNvPr id="10" name="矩形 9">
+            <a:extLst>
+              <a:ext uri="{FF2B5EF4-FFF2-40B4-BE49-F238E27FC236}">
+                <a16:creationId xmlns:a16="http://schemas.microsoft.com/office/drawing/2014/main" id="{53D65669-2AD0-4DA7-943A-1321BFC6132A}"/>
+              </a:ext>
+            </a:extLst>
+          </p:cNvPr>
+          <p:cNvSpPr/>
+          <p:nvPr/>
+        </p:nvSpPr>
+        <p:spPr>
+          <a:xfrm>
+            <a:off x="6096000" y="1260629"/>
+            <a:ext cx="5080986" cy="1669002"/>
+          </a:xfrm>
+          <a:prstGeom prst="rect">
+            <a:avLst/>
+          </a:prstGeom>
+        </p:spPr>
+        <p:style>
+          <a:lnRef idx="2">
+            <a:schemeClr val="accent1">
+              <a:shade val="50000"/>
+            </a:schemeClr>
+          </a:lnRef>
+          <a:fillRef idx="1">
+            <a:schemeClr val="accent1"/>
+          </a:fillRef>
+          <a:effectRef idx="0">
+            <a:schemeClr val="accent1"/>
+          </a:effectRef>
+          <a:fontRef idx="minor">
+            <a:schemeClr val="lt1"/>
+          </a:fontRef>
+        </p:style>
+        <p:txBody>
+          <a:bodyPr rtlCol="0" anchor="ctr"/>
+          <a:lstStyle/>
+          <a:p>
+            <a:pPr algn="ctr"/>
+            <a:endParaRPr lang="zh-CN" altLang="en-US"/>
+          </a:p>
+        </p:txBody>
+      </p:sp>
+      <p:sp>
+        <p:nvSpPr>
+          <p:cNvPr id="11" name="矩形 10">
+            <a:extLst>
+              <a:ext uri="{FF2B5EF4-FFF2-40B4-BE49-F238E27FC236}">
+                <a16:creationId xmlns:a16="http://schemas.microsoft.com/office/drawing/2014/main" id="{E115D52D-E12E-4C25-88AD-5B575D00EBE6}"/>
+              </a:ext>
+            </a:extLst>
+          </p:cNvPr>
+          <p:cNvSpPr/>
+          <p:nvPr/>
+        </p:nvSpPr>
+        <p:spPr>
+          <a:xfrm>
+            <a:off x="6374167" y="4374471"/>
+            <a:ext cx="4802819" cy="2392532"/>
+          </a:xfrm>
+          <a:prstGeom prst="rect">
+            <a:avLst/>
+          </a:prstGeom>
+        </p:spPr>
+        <p:style>
+          <a:lnRef idx="2">
+            <a:schemeClr val="accent1">
+              <a:shade val="50000"/>
+            </a:schemeClr>
+          </a:lnRef>
+          <a:fillRef idx="1">
+            <a:schemeClr val="accent1"/>
+          </a:fillRef>
+          <a:effectRef idx="0">
+            <a:schemeClr val="accent1"/>
+          </a:effectRef>
+          <a:fontRef idx="minor">
+            <a:schemeClr val="lt1"/>
+          </a:fontRef>
+        </p:style>
+        <p:txBody>
+          <a:bodyPr rtlCol="0" anchor="ctr"/>
+          <a:lstStyle/>
+          <a:p>
+            <a:pPr algn="ctr"/>
+            <a:endParaRPr lang="zh-CN" altLang="en-US"/>
+          </a:p>
+        </p:txBody>
+      </p:sp>
+    </p:spTree>
+    <p:extLst>
+      <p:ext uri="{BB962C8B-B14F-4D97-AF65-F5344CB8AC3E}">
+        <p14:creationId xmlns:p14="http://schemas.microsoft.com/office/powerpoint/2010/main" val="1507787848"/>
+      </p:ext>
+    </p:extLst>
+  </p:cSld>
+  <p:clrMapOvr>
+    <a:masterClrMapping/>
+  </p:clrMapOvr>
+</p:sld>
+</file>
+
+<file path=ppt/slides/slide13.xml><?xml version="1.0" encoding="utf-8"?>
+<p:sld xmlns:a="http://schemas.openxmlformats.org/drawingml/2006/main" xmlns:r="http://schemas.openxmlformats.org/officeDocument/2006/relationships" xmlns:p="http://schemas.openxmlformats.org/presentationml/2006/main">
+  <p:cSld>
+    <p:spTree>
+      <p:nvGrpSpPr>
+        <p:cNvPr id="1" name=""/>
+        <p:cNvGrpSpPr/>
+        <p:nvPr/>
+      </p:nvGrpSpPr>
+      <p:grpSpPr>
+        <a:xfrm>
+          <a:off x="0" y="0"/>
+          <a:ext cx="0" cy="0"/>
+          <a:chOff x="0" y="0"/>
+          <a:chExt cx="0" cy="0"/>
+        </a:xfrm>
+      </p:grpSpPr>
+      <p:sp>
+        <p:nvSpPr>
+          <p:cNvPr id="5" name="文本框 4">
+            <a:extLst>
+              <a:ext uri="{FF2B5EF4-FFF2-40B4-BE49-F238E27FC236}">
+                <a16:creationId xmlns:a16="http://schemas.microsoft.com/office/drawing/2014/main" id="{94ED1E4E-0B48-4C4A-8293-9D37C345CE22}"/>
+              </a:ext>
+            </a:extLst>
+          </p:cNvPr>
+          <p:cNvSpPr txBox="1"/>
+          <p:nvPr/>
+        </p:nvSpPr>
+        <p:spPr>
+          <a:xfrm>
+            <a:off x="2082554" y="2883893"/>
+            <a:ext cx="8026891" cy="646331"/>
+          </a:xfrm>
+          <a:prstGeom prst="rect">
+            <a:avLst/>
+          </a:prstGeom>
+          <a:noFill/>
+        </p:spPr>
+        <p:txBody>
+          <a:bodyPr wrap="square" rtlCol="0">
+            <a:spAutoFit/>
+          </a:bodyPr>
+          <a:lstStyle/>
+          <a:p>
+            <a:pPr algn="ctr"/>
+            <a:r>
+              <a:rPr lang="en-US" altLang="zh-CN" sz="3600" b="1" dirty="0"/>
+              <a:t>PART2 – </a:t>
+            </a:r>
+            <a:r>
+              <a:rPr lang="zh-CN" altLang="en-US" sz="3600" b="1" dirty="0"/>
+              <a:t>语法分析器的生成器</a:t>
+            </a:r>
+            <a:r>
+              <a:rPr lang="en-US" altLang="zh-CN" sz="3600" b="1" dirty="0" err="1"/>
+              <a:t>SeuYacc</a:t>
+            </a:r>
+            <a:endParaRPr lang="zh-CN" altLang="en-US" sz="3600" b="1" dirty="0"/>
+          </a:p>
+        </p:txBody>
+      </p:sp>
+    </p:spTree>
+    <p:extLst>
+      <p:ext uri="{BB962C8B-B14F-4D97-AF65-F5344CB8AC3E}">
+        <p14:creationId xmlns:p14="http://schemas.microsoft.com/office/powerpoint/2010/main" val="775598932"/>
+      </p:ext>
+    </p:extLst>
+  </p:cSld>
+  <p:clrMapOvr>
+    <a:masterClrMapping/>
+  </p:clrMapOvr>
+</p:sld>
+</file>
+
+<file path=ppt/slides/slide14.xml><?xml version="1.0" encoding="utf-8"?>
+<p:sld xmlns:a="http://schemas.openxmlformats.org/drawingml/2006/main" xmlns:r="http://schemas.openxmlformats.org/officeDocument/2006/relationships" xmlns:p="http://schemas.openxmlformats.org/presentationml/2006/main">
+  <p:cSld>
+    <p:spTree>
+      <p:nvGrpSpPr>
+        <p:cNvPr id="1" name=""/>
+        <p:cNvGrpSpPr/>
+        <p:nvPr/>
+      </p:nvGrpSpPr>
+      <p:grpSpPr>
+        <a:xfrm>
+          <a:off x="0" y="0"/>
+          <a:ext cx="0" cy="0"/>
+          <a:chOff x="0" y="0"/>
+          <a:chExt cx="0" cy="0"/>
+        </a:xfrm>
+      </p:grpSpPr>
+      <p:graphicFrame>
+        <p:nvGraphicFramePr>
+          <p:cNvPr id="4" name="表格 3">
+            <a:extLst>
+              <a:ext uri="{FF2B5EF4-FFF2-40B4-BE49-F238E27FC236}">
+                <a16:creationId xmlns:a16="http://schemas.microsoft.com/office/drawing/2014/main" id="{8561F92B-9958-48DD-AF2D-8B0D259D47A8}"/>
+              </a:ext>
+            </a:extLst>
+          </p:cNvPr>
+          <p:cNvGraphicFramePr>
+            <a:graphicFrameLocks noGrp="1"/>
+          </p:cNvGraphicFramePr>
+          <p:nvPr>
+            <p:extLst>
+              <p:ext uri="{D42A27DB-BD31-4B8C-83A1-F6EECF244321}">
+                <p14:modId xmlns:p14="http://schemas.microsoft.com/office/powerpoint/2010/main" val="3606502268"/>
+              </p:ext>
+            </p:extLst>
+          </p:nvPr>
+        </p:nvGraphicFramePr>
+        <p:xfrm>
+          <a:off x="1895577" y="2113722"/>
+          <a:ext cx="8400846" cy="2919916"/>
+        </p:xfrm>
+        <a:graphic>
+          <a:graphicData uri="http://schemas.openxmlformats.org/drawingml/2006/table">
+            <a:tbl>
+              <a:tblPr>
+                <a:tableStyleId>{073A0DAA-6AF3-43AB-8588-CEC1D06C72B9}</a:tableStyleId>
+              </a:tblPr>
+              <a:tblGrid>
+                <a:gridCol w="1369732">
+                  <a:extLst>
+                    <a:ext uri="{9D8B030D-6E8A-4147-A177-3AD203B41FA5}">
+                      <a16:colId xmlns:a16="http://schemas.microsoft.com/office/drawing/2014/main" val="4231098300"/>
+                    </a:ext>
+                  </a:extLst>
+                </a:gridCol>
+                <a:gridCol w="1145219">
+                  <a:extLst>
+                    <a:ext uri="{9D8B030D-6E8A-4147-A177-3AD203B41FA5}">
+                      <a16:colId xmlns:a16="http://schemas.microsoft.com/office/drawing/2014/main" val="3561863441"/>
+                    </a:ext>
+                  </a:extLst>
+                </a:gridCol>
+                <a:gridCol w="5885895">
+                  <a:extLst>
+                    <a:ext uri="{9D8B030D-6E8A-4147-A177-3AD203B41FA5}">
+                      <a16:colId xmlns:a16="http://schemas.microsoft.com/office/drawing/2014/main" val="3329964673"/>
+                    </a:ext>
+                  </a:extLst>
+                </a:gridCol>
+              </a:tblGrid>
+              <a:tr h="729979">
+                <a:tc>
+                  <a:txBody>
+                    <a:bodyPr/>
+                    <a:lstStyle/>
+                    <a:p>
+                      <a:pPr algn="l">
+                        <a:spcAft>
+                          <a:spcPts val="0"/>
+                        </a:spcAft>
+                      </a:pPr>
+                      <a:r>
+                        <a:rPr lang="zh-CN" sz="1600" b="1" kern="100" dirty="0">
+                          <a:effectLst/>
+                        </a:rPr>
+                        <a:t>学</a:t>
+                      </a:r>
+                      <a:r>
+                        <a:rPr lang="en-US" sz="1600" b="1" kern="100" dirty="0">
+                          <a:effectLst/>
+                        </a:rPr>
+                        <a:t>  </a:t>
+                      </a:r>
+                      <a:r>
+                        <a:rPr lang="zh-CN" sz="1600" b="1" kern="100" dirty="0">
+                          <a:effectLst/>
+                        </a:rPr>
+                        <a:t>号</a:t>
+                      </a:r>
+                      <a:endParaRPr lang="zh-CN" sz="1100" b="1" kern="100" dirty="0">
+                        <a:effectLst/>
+                        <a:latin typeface="Times New Roman" panose="02020603050405020304" pitchFamily="18" charset="0"/>
+                        <a:ea typeface="宋体" panose="02010600030101010101" pitchFamily="2" charset="-122"/>
+                      </a:endParaRPr>
+                    </a:p>
+                  </a:txBody>
+                  <a:tcPr marL="68580" marR="68580" marT="0" marB="0" anchor="ctr"/>
+                </a:tc>
+                <a:tc>
+                  <a:txBody>
+                    <a:bodyPr/>
+                    <a:lstStyle/>
+                    <a:p>
+                      <a:pPr algn="l">
+                        <a:spcAft>
+                          <a:spcPts val="0"/>
+                        </a:spcAft>
+                      </a:pPr>
+                      <a:r>
+                        <a:rPr lang="zh-CN" sz="1600" b="1" kern="100">
+                          <a:effectLst/>
+                        </a:rPr>
+                        <a:t>姓</a:t>
+                      </a:r>
+                      <a:r>
+                        <a:rPr lang="en-US" sz="1600" b="1" kern="100">
+                          <a:effectLst/>
+                        </a:rPr>
+                        <a:t>  </a:t>
+                      </a:r>
+                      <a:r>
+                        <a:rPr lang="zh-CN" sz="1600" b="1" kern="100">
+                          <a:effectLst/>
+                        </a:rPr>
+                        <a:t>名</a:t>
+                      </a:r>
+                      <a:endParaRPr lang="zh-CN" sz="1100" b="1" kern="100">
+                        <a:effectLst/>
+                        <a:latin typeface="Times New Roman" panose="02020603050405020304" pitchFamily="18" charset="0"/>
+                        <a:ea typeface="宋体" panose="02010600030101010101" pitchFamily="2" charset="-122"/>
+                      </a:endParaRPr>
+                    </a:p>
+                  </a:txBody>
+                  <a:tcPr marL="68580" marR="68580" marT="0" marB="0" anchor="ctr"/>
+                </a:tc>
+                <a:tc>
+                  <a:txBody>
+                    <a:bodyPr/>
+                    <a:lstStyle/>
+                    <a:p>
+                      <a:pPr algn="l">
+                        <a:spcAft>
+                          <a:spcPts val="0"/>
+                        </a:spcAft>
+                      </a:pPr>
+                      <a:r>
+                        <a:rPr lang="zh-CN" sz="1600" b="1" kern="100" dirty="0">
+                          <a:effectLst/>
+                        </a:rPr>
+                        <a:t>承</a:t>
+                      </a:r>
+                      <a:r>
+                        <a:rPr lang="en-US" sz="1600" b="1" kern="100" dirty="0">
+                          <a:effectLst/>
+                        </a:rPr>
+                        <a:t>  </a:t>
+                      </a:r>
+                      <a:r>
+                        <a:rPr lang="zh-CN" sz="1600" b="1" kern="100" dirty="0">
+                          <a:effectLst/>
+                        </a:rPr>
+                        <a:t>担</a:t>
+                      </a:r>
+                      <a:r>
+                        <a:rPr lang="en-US" sz="1600" b="1" kern="100" dirty="0">
+                          <a:effectLst/>
+                        </a:rPr>
+                        <a:t>  </a:t>
+                      </a:r>
+                      <a:r>
+                        <a:rPr lang="zh-CN" sz="1600" b="1" kern="100" dirty="0">
+                          <a:effectLst/>
+                        </a:rPr>
+                        <a:t>的</a:t>
+                      </a:r>
+                      <a:r>
+                        <a:rPr lang="en-US" sz="1600" b="1" kern="100" dirty="0">
+                          <a:effectLst/>
+                        </a:rPr>
+                        <a:t>  </a:t>
+                      </a:r>
+                      <a:r>
+                        <a:rPr lang="zh-CN" sz="1600" b="1" kern="100" dirty="0">
+                          <a:effectLst/>
+                        </a:rPr>
+                        <a:t>任</a:t>
+                      </a:r>
+                      <a:r>
+                        <a:rPr lang="en-US" sz="1600" b="1" kern="100" dirty="0">
+                          <a:effectLst/>
+                        </a:rPr>
+                        <a:t>  </a:t>
+                      </a:r>
+                      <a:r>
+                        <a:rPr lang="zh-CN" sz="1600" b="1" kern="100" dirty="0">
+                          <a:effectLst/>
+                        </a:rPr>
+                        <a:t>务</a:t>
+                      </a:r>
+                      <a:endParaRPr lang="zh-CN" sz="1100" b="1" kern="100" dirty="0">
+                        <a:effectLst/>
+                        <a:latin typeface="Times New Roman" panose="02020603050405020304" pitchFamily="18" charset="0"/>
+                        <a:ea typeface="宋体" panose="02010600030101010101" pitchFamily="2" charset="-122"/>
+                      </a:endParaRPr>
+                    </a:p>
+                  </a:txBody>
+                  <a:tcPr marL="68580" marR="68580" marT="0" marB="0" anchor="ctr"/>
+                </a:tc>
+                <a:extLst>
+                  <a:ext uri="{0D108BD9-81ED-4DB2-BD59-A6C34878D82A}">
+                    <a16:rowId xmlns:a16="http://schemas.microsoft.com/office/drawing/2014/main" val="3821652628"/>
+                  </a:ext>
+                </a:extLst>
+              </a:tr>
+              <a:tr h="729979">
+                <a:tc>
+                  <a:txBody>
+                    <a:bodyPr/>
+                    <a:lstStyle/>
+                    <a:p>
+                      <a:pPr algn="l">
+                        <a:spcAft>
+                          <a:spcPts val="0"/>
+                        </a:spcAft>
+                      </a:pPr>
+                      <a:r>
+                        <a:rPr lang="en-US" sz="1400" kern="100" dirty="0">
+                          <a:effectLst/>
+                        </a:rPr>
+                        <a:t>09017227</a:t>
+                      </a:r>
+                      <a:endParaRPr lang="zh-CN" sz="1050" kern="100" dirty="0">
+                        <a:effectLst/>
+                        <a:latin typeface="Times New Roman" panose="02020603050405020304" pitchFamily="18" charset="0"/>
+                        <a:ea typeface="宋体" panose="02010600030101010101" pitchFamily="2" charset="-122"/>
+                      </a:endParaRPr>
+                    </a:p>
+                  </a:txBody>
+                  <a:tcPr marL="68580" marR="68580" marT="0" marB="0" anchor="ctr"/>
+                </a:tc>
+                <a:tc>
+                  <a:txBody>
+                    <a:bodyPr/>
+                    <a:lstStyle/>
+                    <a:p>
+                      <a:pPr algn="l">
+                        <a:spcAft>
+                          <a:spcPts val="0"/>
+                        </a:spcAft>
+                      </a:pPr>
+                      <a:r>
+                        <a:rPr lang="zh-CN" sz="1400" kern="100" dirty="0">
+                          <a:effectLst/>
+                        </a:rPr>
+                        <a:t>卓  旭</a:t>
+                      </a:r>
+                      <a:endParaRPr lang="zh-CN" sz="1050" kern="100" dirty="0">
+                        <a:effectLst/>
+                        <a:latin typeface="Times New Roman" panose="02020603050405020304" pitchFamily="18" charset="0"/>
+                        <a:ea typeface="宋体" panose="02010600030101010101" pitchFamily="2" charset="-122"/>
+                      </a:endParaRPr>
+                    </a:p>
+                  </a:txBody>
+                  <a:tcPr marL="68580" marR="68580" marT="0" marB="0" anchor="ctr"/>
+                </a:tc>
+                <a:tc>
+                  <a:txBody>
+                    <a:bodyPr/>
+                    <a:lstStyle/>
+                    <a:p>
+                      <a:pPr algn="l">
+                        <a:spcAft>
+                          <a:spcPts val="0"/>
+                        </a:spcAft>
+                      </a:pPr>
+                      <a:r>
+                        <a:rPr lang="en-US" altLang="zh-CN" sz="1400" kern="100" dirty="0">
+                          <a:effectLst/>
+                        </a:rPr>
+                        <a:t>LR1</a:t>
+                      </a:r>
+                      <a:r>
+                        <a:rPr lang="zh-CN" altLang="en-US" sz="1400" kern="100" dirty="0">
+                          <a:effectLst/>
+                        </a:rPr>
+                        <a:t>自动机的构建、</a:t>
+                      </a:r>
+                      <a:r>
+                        <a:rPr lang="en-US" altLang="zh-CN" sz="1400" kern="100" dirty="0">
+                          <a:effectLst/>
+                        </a:rPr>
+                        <a:t>LR1</a:t>
+                      </a:r>
+                      <a:r>
+                        <a:rPr lang="zh-CN" altLang="en-US" sz="1400" kern="100" dirty="0">
+                          <a:effectLst/>
+                        </a:rPr>
+                        <a:t>语法分析表的生成、可视化功能</a:t>
+                      </a:r>
+                      <a:endParaRPr lang="zh-CN" sz="1050" kern="100" dirty="0">
+                        <a:effectLst/>
+                        <a:latin typeface="Times New Roman" panose="02020603050405020304" pitchFamily="18" charset="0"/>
+                        <a:ea typeface="宋体" panose="02010600030101010101" pitchFamily="2" charset="-122"/>
+                      </a:endParaRPr>
+                    </a:p>
+                  </a:txBody>
+                  <a:tcPr marL="68580" marR="68580" marT="0" marB="0" anchor="ctr"/>
+                </a:tc>
+                <a:extLst>
+                  <a:ext uri="{0D108BD9-81ED-4DB2-BD59-A6C34878D82A}">
+                    <a16:rowId xmlns:a16="http://schemas.microsoft.com/office/drawing/2014/main" val="982792582"/>
+                  </a:ext>
+                </a:extLst>
+              </a:tr>
+              <a:tr h="729979">
+                <a:tc>
+                  <a:txBody>
+                    <a:bodyPr/>
+                    <a:lstStyle/>
+                    <a:p>
+                      <a:pPr algn="l">
+                        <a:spcAft>
+                          <a:spcPts val="0"/>
+                        </a:spcAft>
+                      </a:pPr>
+                      <a:r>
+                        <a:rPr lang="en-US" sz="1400" kern="100">
+                          <a:effectLst/>
+                        </a:rPr>
+                        <a:t>09017224</a:t>
+                      </a:r>
+                      <a:endParaRPr lang="zh-CN" sz="1050" kern="100">
+                        <a:effectLst/>
+                        <a:latin typeface="Times New Roman" panose="02020603050405020304" pitchFamily="18" charset="0"/>
+                        <a:ea typeface="宋体" panose="02010600030101010101" pitchFamily="2" charset="-122"/>
+                      </a:endParaRPr>
+                    </a:p>
+                  </a:txBody>
+                  <a:tcPr marL="68580" marR="68580" marT="0" marB="0" anchor="ctr"/>
+                </a:tc>
+                <a:tc>
+                  <a:txBody>
+                    <a:bodyPr/>
+                    <a:lstStyle/>
+                    <a:p>
+                      <a:pPr algn="l">
+                        <a:spcAft>
+                          <a:spcPts val="0"/>
+                        </a:spcAft>
+                      </a:pPr>
+                      <a:r>
+                        <a:rPr lang="zh-CN" sz="1400" kern="100" dirty="0">
+                          <a:effectLst/>
+                        </a:rPr>
+                        <a:t>高钰铭</a:t>
+                      </a:r>
+                      <a:endParaRPr lang="zh-CN" sz="1050" kern="100" dirty="0">
+                        <a:effectLst/>
+                        <a:latin typeface="Times New Roman" panose="02020603050405020304" pitchFamily="18" charset="0"/>
+                        <a:ea typeface="宋体" panose="02010600030101010101" pitchFamily="2" charset="-122"/>
+                      </a:endParaRPr>
+                    </a:p>
+                  </a:txBody>
+                  <a:tcPr marL="68580" marR="68580" marT="0" marB="0" anchor="ctr"/>
+                </a:tc>
+                <a:tc>
+                  <a:txBody>
+                    <a:bodyPr/>
+                    <a:lstStyle/>
+                    <a:p>
+                      <a:pPr algn="l">
+                        <a:spcAft>
+                          <a:spcPts val="0"/>
+                        </a:spcAft>
+                      </a:pPr>
+                      <a:r>
+                        <a:rPr lang="en-US" altLang="zh-CN" sz="1400" kern="100" dirty="0">
+                          <a:effectLst/>
+                        </a:rPr>
+                        <a:t>.y</a:t>
+                      </a:r>
+                      <a:r>
+                        <a:rPr lang="zh-CN" altLang="en-US" sz="1400" kern="100" dirty="0">
+                          <a:effectLst/>
+                        </a:rPr>
+                        <a:t>文件的解析、</a:t>
+                      </a:r>
+                      <a:r>
+                        <a:rPr lang="en-US" altLang="zh-CN" sz="1400" kern="100" dirty="0">
+                          <a:effectLst/>
+                        </a:rPr>
+                        <a:t>LR1</a:t>
+                      </a:r>
+                      <a:r>
+                        <a:rPr lang="zh-CN" altLang="en-US" sz="1400" kern="100" dirty="0">
+                          <a:effectLst/>
+                        </a:rPr>
+                        <a:t>自动机的构建、语法分析器代码生成、符号表构建</a:t>
+                      </a:r>
+                      <a:endParaRPr lang="zh-CN" sz="1050" kern="100" dirty="0">
+                        <a:effectLst/>
+                        <a:latin typeface="Times New Roman" panose="02020603050405020304" pitchFamily="18" charset="0"/>
+                        <a:ea typeface="宋体" panose="02010600030101010101" pitchFamily="2" charset="-122"/>
+                      </a:endParaRPr>
+                    </a:p>
+                  </a:txBody>
+                  <a:tcPr marL="68580" marR="68580" marT="0" marB="0" anchor="ctr"/>
+                </a:tc>
+                <a:extLst>
+                  <a:ext uri="{0D108BD9-81ED-4DB2-BD59-A6C34878D82A}">
+                    <a16:rowId xmlns:a16="http://schemas.microsoft.com/office/drawing/2014/main" val="3025706016"/>
+                  </a:ext>
+                </a:extLst>
+              </a:tr>
+              <a:tr h="729979">
+                <a:tc>
+                  <a:txBody>
+                    <a:bodyPr/>
+                    <a:lstStyle/>
+                    <a:p>
+                      <a:pPr algn="l">
+                        <a:spcAft>
+                          <a:spcPts val="0"/>
+                        </a:spcAft>
+                      </a:pPr>
+                      <a:r>
+                        <a:rPr lang="en-US" sz="1400" kern="100">
+                          <a:effectLst/>
+                        </a:rPr>
+                        <a:t>09017225</a:t>
+                      </a:r>
+                      <a:endParaRPr lang="zh-CN" sz="1050" kern="100">
+                        <a:effectLst/>
+                        <a:latin typeface="Times New Roman" panose="02020603050405020304" pitchFamily="18" charset="0"/>
+                        <a:ea typeface="宋体" panose="02010600030101010101" pitchFamily="2" charset="-122"/>
+                      </a:endParaRPr>
+                    </a:p>
+                  </a:txBody>
+                  <a:tcPr marL="68580" marR="68580" marT="0" marB="0" anchor="ctr"/>
+                </a:tc>
+                <a:tc>
+                  <a:txBody>
+                    <a:bodyPr/>
+                    <a:lstStyle/>
+                    <a:p>
+                      <a:pPr algn="l">
+                        <a:spcAft>
+                          <a:spcPts val="0"/>
+                        </a:spcAft>
+                      </a:pPr>
+                      <a:r>
+                        <a:rPr lang="zh-CN" sz="1400" kern="100" dirty="0">
+                          <a:effectLst/>
+                        </a:rPr>
+                        <a:t>沈汉唐</a:t>
+                      </a:r>
+                      <a:endParaRPr lang="zh-CN" sz="1050" kern="100" dirty="0">
+                        <a:effectLst/>
+                        <a:latin typeface="Times New Roman" panose="02020603050405020304" pitchFamily="18" charset="0"/>
+                        <a:ea typeface="宋体" panose="02010600030101010101" pitchFamily="2" charset="-122"/>
+                      </a:endParaRPr>
+                    </a:p>
+                  </a:txBody>
+                  <a:tcPr marL="68580" marR="68580" marT="0" marB="0" anchor="ctr"/>
+                </a:tc>
+                <a:tc>
+                  <a:txBody>
+                    <a:bodyPr/>
+                    <a:lstStyle/>
+                    <a:p>
+                      <a:pPr algn="l">
+                        <a:spcAft>
+                          <a:spcPts val="0"/>
+                        </a:spcAft>
+                      </a:pPr>
+                      <a:r>
+                        <a:rPr lang="en-US" altLang="zh-CN" sz="1400" kern="100" dirty="0">
+                          <a:effectLst/>
+                        </a:rPr>
+                        <a:t>LR1</a:t>
+                      </a:r>
+                      <a:r>
+                        <a:rPr lang="zh-CN" altLang="en-US" sz="1400" kern="100" dirty="0">
+                          <a:effectLst/>
+                        </a:rPr>
+                        <a:t>自动机的构建、</a:t>
+                      </a:r>
+                      <a:r>
+                        <a:rPr lang="en-US" altLang="zh-CN" sz="1400" kern="100" dirty="0">
+                          <a:effectLst/>
+                        </a:rPr>
+                        <a:t>LR1</a:t>
+                      </a:r>
+                      <a:r>
+                        <a:rPr lang="zh-CN" altLang="en-US" sz="1400" kern="100" dirty="0">
+                          <a:effectLst/>
+                        </a:rPr>
+                        <a:t>向</a:t>
+                      </a:r>
+                      <a:r>
+                        <a:rPr lang="en-US" altLang="zh-CN" sz="1400" kern="100" dirty="0">
+                          <a:effectLst/>
+                        </a:rPr>
+                        <a:t>LALR</a:t>
+                      </a:r>
+                      <a:r>
+                        <a:rPr lang="zh-CN" altLang="en-US" sz="1400" kern="100" dirty="0">
+                          <a:effectLst/>
+                        </a:rPr>
+                        <a:t>的转换</a:t>
+                      </a:r>
+                      <a:endParaRPr lang="zh-CN" sz="1050" kern="100" dirty="0">
+                        <a:effectLst/>
+                        <a:latin typeface="Times New Roman" panose="02020603050405020304" pitchFamily="18" charset="0"/>
+                        <a:ea typeface="宋体" panose="02010600030101010101" pitchFamily="2" charset="-122"/>
+                      </a:endParaRPr>
+                    </a:p>
+                  </a:txBody>
+                  <a:tcPr marL="68580" marR="68580" marT="0" marB="0" anchor="ctr"/>
+                </a:tc>
+                <a:extLst>
+                  <a:ext uri="{0D108BD9-81ED-4DB2-BD59-A6C34878D82A}">
+                    <a16:rowId xmlns:a16="http://schemas.microsoft.com/office/drawing/2014/main" val="3024726611"/>
+                  </a:ext>
+                </a:extLst>
+              </a:tr>
+            </a:tbl>
+          </a:graphicData>
+        </a:graphic>
+      </p:graphicFrame>
+      <p:sp>
+        <p:nvSpPr>
+          <p:cNvPr id="5" name="文本框 4">
+            <a:extLst>
+              <a:ext uri="{FF2B5EF4-FFF2-40B4-BE49-F238E27FC236}">
+                <a16:creationId xmlns:a16="http://schemas.microsoft.com/office/drawing/2014/main" id="{94ED1E4E-0B48-4C4A-8293-9D37C345CE22}"/>
+              </a:ext>
+            </a:extLst>
+          </p:cNvPr>
+          <p:cNvSpPr txBox="1"/>
+          <p:nvPr/>
+        </p:nvSpPr>
+        <p:spPr>
+          <a:xfrm>
+            <a:off x="96176" y="124288"/>
+            <a:ext cx="6402278" cy="523220"/>
+          </a:xfrm>
+          <a:prstGeom prst="rect">
+            <a:avLst/>
+          </a:prstGeom>
+          <a:noFill/>
+        </p:spPr>
+        <p:txBody>
+          <a:bodyPr wrap="square" rtlCol="0">
+            <a:spAutoFit/>
+          </a:bodyPr>
+          <a:lstStyle/>
+          <a:p>
+            <a:pPr algn="ctr"/>
+            <a:r>
+              <a:rPr lang="en-US" altLang="zh-CN" sz="2800" b="1" dirty="0"/>
+              <a:t>PART2 – </a:t>
+            </a:r>
+            <a:r>
+              <a:rPr lang="zh-CN" altLang="en-US" sz="2800" b="1" dirty="0"/>
+              <a:t>词法分析器的生成器</a:t>
+            </a:r>
+            <a:r>
+              <a:rPr lang="en-US" altLang="zh-CN" sz="2800" b="1" dirty="0" err="1"/>
+              <a:t>SeuYacc</a:t>
+            </a:r>
+            <a:endParaRPr lang="zh-CN" altLang="en-US" sz="2800" b="1" dirty="0"/>
+          </a:p>
+        </p:txBody>
+      </p:sp>
+      <p:sp>
+        <p:nvSpPr>
+          <p:cNvPr id="6" name="文本框 5">
+            <a:extLst>
+              <a:ext uri="{FF2B5EF4-FFF2-40B4-BE49-F238E27FC236}">
+                <a16:creationId xmlns:a16="http://schemas.microsoft.com/office/drawing/2014/main" id="{9752B11F-74CB-4705-A607-DC211471AF7B}"/>
+              </a:ext>
+            </a:extLst>
+          </p:cNvPr>
+          <p:cNvSpPr txBox="1"/>
+          <p:nvPr/>
+        </p:nvSpPr>
+        <p:spPr>
+          <a:xfrm>
+            <a:off x="1860417" y="1651247"/>
+            <a:ext cx="2095131" cy="369332"/>
+          </a:xfrm>
+          <a:prstGeom prst="rect">
+            <a:avLst/>
+          </a:prstGeom>
+          <a:noFill/>
+        </p:spPr>
+        <p:txBody>
+          <a:bodyPr wrap="square" rtlCol="0">
+            <a:spAutoFit/>
+          </a:bodyPr>
+          <a:lstStyle/>
+          <a:p>
+            <a:r>
+              <a:rPr lang="zh-CN" altLang="en-US" b="1" u="sng" dirty="0"/>
+              <a:t>组内分工贡献情况</a:t>
+            </a:r>
+          </a:p>
+        </p:txBody>
+      </p:sp>
+    </p:spTree>
+    <p:extLst>
+      <p:ext uri="{BB962C8B-B14F-4D97-AF65-F5344CB8AC3E}">
+        <p14:creationId xmlns:p14="http://schemas.microsoft.com/office/powerpoint/2010/main" val="1088947098"/>
+      </p:ext>
+    </p:extLst>
+  </p:cSld>
+  <p:clrMapOvr>
+    <a:masterClrMapping/>
+  </p:clrMapOvr>
+</p:sld>
+</file>
+
+<file path=ppt/slides/slide15.xml><?xml version="1.0" encoding="utf-8"?>
+<p:sld xmlns:a="http://schemas.openxmlformats.org/drawingml/2006/main" xmlns:r="http://schemas.openxmlformats.org/officeDocument/2006/relationships" xmlns:p="http://schemas.openxmlformats.org/presentationml/2006/main">
+  <p:cSld>
+    <p:spTree>
+      <p:nvGrpSpPr>
+        <p:cNvPr id="1" name=""/>
+        <p:cNvGrpSpPr/>
+        <p:nvPr/>
+      </p:nvGrpSpPr>
+      <p:grpSpPr>
+        <a:xfrm>
+          <a:off x="0" y="0"/>
+          <a:ext cx="0" cy="0"/>
+          <a:chOff x="0" y="0"/>
+          <a:chExt cx="0" cy="0"/>
+        </a:xfrm>
+      </p:grpSpPr>
+      <p:sp>
+        <p:nvSpPr>
+          <p:cNvPr id="6" name="文本框 5">
+            <a:extLst>
+              <a:ext uri="{FF2B5EF4-FFF2-40B4-BE49-F238E27FC236}">
+                <a16:creationId xmlns:a16="http://schemas.microsoft.com/office/drawing/2014/main" id="{3287BE23-6279-4380-AE4E-126DE1472C60}"/>
+              </a:ext>
+            </a:extLst>
+          </p:cNvPr>
+          <p:cNvSpPr txBox="1"/>
+          <p:nvPr/>
+        </p:nvSpPr>
+        <p:spPr>
+          <a:xfrm>
+            <a:off x="597240" y="226628"/>
+            <a:ext cx="11112407" cy="3374129"/>
+          </a:xfrm>
+          <a:prstGeom prst="rect">
+            <a:avLst/>
+          </a:prstGeom>
+          <a:noFill/>
+        </p:spPr>
+        <p:txBody>
+          <a:bodyPr wrap="square" rtlCol="0">
+            <a:spAutoFit/>
+          </a:bodyPr>
+          <a:lstStyle/>
+          <a:p>
+            <a:pPr>
+              <a:lnSpc>
+                <a:spcPct val="150000"/>
+              </a:lnSpc>
+            </a:pPr>
+            <a:endParaRPr lang="en-US" altLang="zh-CN" b="1" dirty="0"/>
+          </a:p>
+          <a:p>
+            <a:pPr>
+              <a:lnSpc>
+                <a:spcPct val="150000"/>
+              </a:lnSpc>
+            </a:pPr>
+            <a:r>
+              <a:rPr lang="zh-CN" altLang="en-US" b="1" u="sng" dirty="0"/>
+              <a:t>编程语言：</a:t>
+            </a:r>
+            <a:r>
+              <a:rPr lang="en-US" altLang="zh-CN" dirty="0"/>
+              <a:t>TypeScript + JavaScript</a:t>
+            </a:r>
+            <a:r>
+              <a:rPr lang="zh-CN" altLang="en-US" dirty="0"/>
+              <a:t>，一点点函数式，运行于</a:t>
+            </a:r>
+            <a:r>
+              <a:rPr lang="en-US" altLang="zh-CN" dirty="0"/>
+              <a:t>Node.js</a:t>
+            </a:r>
+            <a:r>
+              <a:rPr lang="zh-CN" altLang="en-US" dirty="0"/>
+              <a:t>运行时</a:t>
+            </a:r>
+            <a:endParaRPr lang="en-US" altLang="zh-CN" dirty="0"/>
+          </a:p>
+          <a:p>
+            <a:pPr>
+              <a:lnSpc>
+                <a:spcPct val="150000"/>
+              </a:lnSpc>
+            </a:pPr>
+            <a:r>
+              <a:rPr lang="zh-CN" altLang="en-US" b="1" u="sng" dirty="0"/>
+              <a:t>测试用编译对象：</a:t>
+            </a:r>
+            <a:endParaRPr lang="en-US" altLang="zh-CN" b="1" u="sng" dirty="0"/>
+          </a:p>
+          <a:p>
+            <a:pPr>
+              <a:lnSpc>
+                <a:spcPct val="150000"/>
+              </a:lnSpc>
+            </a:pPr>
+            <a:r>
+              <a:rPr lang="en-US" altLang="zh-CN" b="1" dirty="0"/>
+              <a:t>        </a:t>
+            </a:r>
+            <a:r>
+              <a:rPr lang="zh-CN" altLang="en-US" b="1" dirty="0"/>
+              <a:t>对</a:t>
+            </a:r>
+            <a:r>
+              <a:rPr lang="en-US" altLang="zh-CN" b="1" dirty="0"/>
+              <a:t>C</a:t>
+            </a:r>
+            <a:r>
+              <a:rPr lang="zh-CN" altLang="en-US" b="1" dirty="0"/>
+              <a:t>的分析</a:t>
+            </a:r>
+            <a:r>
+              <a:rPr lang="zh-CN" altLang="en-US" dirty="0"/>
+              <a:t>，如果将</a:t>
+            </a:r>
+            <a:r>
+              <a:rPr lang="en-US" altLang="zh-CN" dirty="0"/>
+              <a:t>c99.y</a:t>
+            </a:r>
+            <a:r>
+              <a:rPr lang="zh-CN" altLang="en-US" dirty="0"/>
+              <a:t>直接作为编译对象，即使经过一定优化，也需耗时数十分钟。因此我们对它进行大规模删减，将处理时间控制到</a:t>
+            </a:r>
+            <a:r>
+              <a:rPr lang="en-US" altLang="zh-CN" dirty="0"/>
+              <a:t>5</a:t>
+            </a:r>
+            <a:r>
+              <a:rPr lang="zh-CN" altLang="en-US" dirty="0"/>
+              <a:t>分钟左右。</a:t>
+            </a:r>
+            <a:endParaRPr lang="en-US" altLang="zh-CN" dirty="0"/>
+          </a:p>
+          <a:p>
+            <a:pPr>
+              <a:lnSpc>
+                <a:spcPct val="150000"/>
+              </a:lnSpc>
+            </a:pPr>
+            <a:r>
+              <a:rPr lang="en-US" altLang="zh-CN" dirty="0"/>
+              <a:t>       </a:t>
+            </a:r>
+            <a:r>
+              <a:rPr lang="zh-CN" altLang="en-US" dirty="0"/>
+              <a:t>另外，</a:t>
+            </a:r>
+            <a:r>
+              <a:rPr lang="en-US" altLang="zh-CN" dirty="0"/>
+              <a:t>c99.y</a:t>
+            </a:r>
+            <a:r>
+              <a:rPr lang="zh-CN" altLang="en-US" dirty="0"/>
+              <a:t>头部声明没有左右结合关系，因此我们还写了一个</a:t>
+            </a:r>
+            <a:r>
+              <a:rPr lang="zh-CN" altLang="en-US" b="1" dirty="0"/>
+              <a:t>计算器</a:t>
+            </a:r>
+            <a:r>
+              <a:rPr lang="zh-CN" altLang="en-US" dirty="0"/>
+              <a:t>的</a:t>
+            </a:r>
+            <a:r>
+              <a:rPr lang="en-US" altLang="zh-CN" dirty="0"/>
+              <a:t>.l</a:t>
+            </a:r>
+            <a:r>
+              <a:rPr lang="zh-CN" altLang="en-US" dirty="0"/>
+              <a:t>与</a:t>
+            </a:r>
+            <a:r>
+              <a:rPr lang="en-US" altLang="zh-CN" dirty="0"/>
+              <a:t>.y</a:t>
+            </a:r>
+            <a:r>
+              <a:rPr lang="zh-CN" altLang="en-US" dirty="0"/>
+              <a:t>，用于测试结合性解决冲突。</a:t>
+            </a:r>
+            <a:endParaRPr lang="en-US" altLang="zh-CN" dirty="0"/>
+          </a:p>
+          <a:p>
+            <a:pPr>
+              <a:lnSpc>
+                <a:spcPct val="150000"/>
+              </a:lnSpc>
+            </a:pPr>
+            <a:r>
+              <a:rPr lang="zh-CN" altLang="en-US" b="1" u="sng" dirty="0"/>
+              <a:t>支持的</a:t>
+            </a:r>
+            <a:r>
+              <a:rPr lang="en-US" altLang="zh-CN" b="1" u="sng" dirty="0" err="1"/>
+              <a:t>Yacc</a:t>
+            </a:r>
+            <a:r>
+              <a:rPr lang="zh-CN" altLang="en-US" b="1" u="sng" dirty="0"/>
+              <a:t>特性：</a:t>
+            </a:r>
+            <a:endParaRPr lang="en-US" altLang="zh-CN" b="1" u="sng" dirty="0"/>
+          </a:p>
+          <a:p>
+            <a:pPr>
+              <a:lnSpc>
+                <a:spcPct val="150000"/>
+              </a:lnSpc>
+            </a:pPr>
+            <a:endParaRPr lang="zh-CN" altLang="en-US" b="1" dirty="0"/>
+          </a:p>
+        </p:txBody>
+      </p:sp>
+      <p:graphicFrame>
+        <p:nvGraphicFramePr>
+          <p:cNvPr id="8" name="表格 8">
+            <a:extLst>
+              <a:ext uri="{FF2B5EF4-FFF2-40B4-BE49-F238E27FC236}">
+                <a16:creationId xmlns:a16="http://schemas.microsoft.com/office/drawing/2014/main" id="{F32498CF-B40B-44DF-811B-5AE5B7471FA3}"/>
+              </a:ext>
+            </a:extLst>
+          </p:cNvPr>
+          <p:cNvGraphicFramePr>
+            <a:graphicFrameLocks noGrp="1"/>
+          </p:cNvGraphicFramePr>
+          <p:nvPr>
+            <p:extLst>
+              <p:ext uri="{D42A27DB-BD31-4B8C-83A1-F6EECF244321}">
+                <p14:modId xmlns:p14="http://schemas.microsoft.com/office/powerpoint/2010/main" val="2935225503"/>
+              </p:ext>
+            </p:extLst>
+          </p:nvPr>
+        </p:nvGraphicFramePr>
+        <p:xfrm>
+          <a:off x="1030796" y="3286957"/>
+          <a:ext cx="10130407" cy="3708400"/>
+        </p:xfrm>
+        <a:graphic>
+          <a:graphicData uri="http://schemas.openxmlformats.org/drawingml/2006/table">
+            <a:tbl>
+              <a:tblPr firstRow="1" bandRow="1">
+                <a:tableStyleId>{2D5ABB26-0587-4C30-8999-92F81FD0307C}</a:tableStyleId>
+              </a:tblPr>
+              <a:tblGrid>
+                <a:gridCol w="10130407">
+                  <a:extLst>
+                    <a:ext uri="{9D8B030D-6E8A-4147-A177-3AD203B41FA5}">
+                      <a16:colId xmlns:a16="http://schemas.microsoft.com/office/drawing/2014/main" val="1145553745"/>
+                    </a:ext>
+                  </a:extLst>
+                </a:gridCol>
+              </a:tblGrid>
+              <a:tr h="370840">
+                <a:tc>
+                  <a:txBody>
+                    <a:bodyPr/>
+                    <a:lstStyle/>
+                    <a:p>
+                      <a:r>
+                        <a:rPr lang="zh-CN" altLang="en-US" dirty="0"/>
+                        <a:t>完整支持正则表达式</a:t>
+                      </a:r>
+                      <a:r>
+                        <a:rPr lang="zh-CN" altLang="en-US" b="1" dirty="0"/>
+                        <a:t>五大元符号</a:t>
+                      </a:r>
+                      <a:r>
+                        <a:rPr lang="zh-CN" altLang="en-US" dirty="0"/>
+                        <a:t>：</a:t>
+                      </a:r>
+                      <a:r>
+                        <a:rPr lang="en-US" altLang="zh-CN" dirty="0"/>
+                        <a:t>? + * | .</a:t>
+                      </a:r>
+                      <a:r>
+                        <a:rPr lang="zh-CN" altLang="en-US" dirty="0"/>
+                        <a:t>（</a:t>
+                      </a:r>
+                      <a:r>
+                        <a:rPr lang="en-US" altLang="zh-CN" dirty="0"/>
+                        <a:t>0</a:t>
+                      </a:r>
+                      <a:r>
+                        <a:rPr lang="zh-CN" altLang="en-US" dirty="0"/>
+                        <a:t>或</a:t>
+                      </a:r>
+                      <a:r>
+                        <a:rPr lang="en-US" altLang="zh-CN" dirty="0"/>
+                        <a:t>1</a:t>
+                      </a:r>
+                      <a:r>
+                        <a:rPr lang="zh-CN" altLang="en-US" dirty="0"/>
+                        <a:t>次，</a:t>
+                      </a:r>
+                      <a:r>
+                        <a:rPr lang="en-US" altLang="zh-CN" dirty="0"/>
+                        <a:t>1</a:t>
+                      </a:r>
+                      <a:r>
+                        <a:rPr lang="zh-CN" altLang="en-US" dirty="0"/>
+                        <a:t>次或以上，</a:t>
+                      </a:r>
+                      <a:r>
+                        <a:rPr lang="en-US" altLang="zh-CN" dirty="0"/>
+                        <a:t>0</a:t>
+                      </a:r>
+                      <a:r>
+                        <a:rPr lang="zh-CN" altLang="en-US" dirty="0"/>
+                        <a:t>次或以上，或，任意字符）</a:t>
+                      </a:r>
+                    </a:p>
+                  </a:txBody>
+                  <a:tcPr/>
+                </a:tc>
+                <a:extLst>
+                  <a:ext uri="{0D108BD9-81ED-4DB2-BD59-A6C34878D82A}">
+                    <a16:rowId xmlns:a16="http://schemas.microsoft.com/office/drawing/2014/main" val="693625799"/>
+                  </a:ext>
+                </a:extLst>
+              </a:tr>
+              <a:tr h="370840">
+                <a:tc>
+                  <a:txBody>
+                    <a:bodyPr/>
+                    <a:lstStyle/>
+                    <a:p>
+                      <a:r>
+                        <a:rPr lang="zh-CN" altLang="en-US" dirty="0"/>
+                        <a:t>正则</a:t>
+                      </a:r>
+                      <a:r>
+                        <a:rPr lang="en-US" altLang="zh-CN" dirty="0"/>
+                        <a:t>-</a:t>
+                      </a:r>
+                      <a:r>
+                        <a:rPr lang="zh-CN" altLang="en-US" dirty="0"/>
+                        <a:t>动作定义部分可以使用</a:t>
+                      </a:r>
+                      <a:r>
+                        <a:rPr lang="zh-CN" altLang="en-US" b="1" dirty="0"/>
+                        <a:t>或符</a:t>
+                      </a:r>
+                      <a:r>
+                        <a:rPr lang="en-US" altLang="zh-CN" b="1" dirty="0"/>
+                        <a:t>|</a:t>
+                      </a:r>
+                      <a:r>
+                        <a:rPr lang="zh-CN" altLang="en-US" dirty="0"/>
+                        <a:t>，让多条正则共享动作代码</a:t>
+                      </a:r>
+                    </a:p>
+                  </a:txBody>
+                  <a:tcPr/>
+                </a:tc>
+                <a:extLst>
+                  <a:ext uri="{0D108BD9-81ED-4DB2-BD59-A6C34878D82A}">
+                    <a16:rowId xmlns:a16="http://schemas.microsoft.com/office/drawing/2014/main" val="81934371"/>
+                  </a:ext>
+                </a:extLst>
+              </a:tr>
+              <a:tr h="370840">
+                <a:tc>
+                  <a:txBody>
+                    <a:bodyPr/>
+                    <a:lstStyle/>
+                    <a:p>
+                      <a:r>
+                        <a:rPr lang="zh-CN" altLang="en-US" dirty="0"/>
+                        <a:t>支持</a:t>
+                      </a:r>
+                      <a:r>
+                        <a:rPr lang="zh-CN" altLang="en-US" b="1" dirty="0"/>
+                        <a:t>正则别名</a:t>
+                      </a:r>
+                      <a:r>
+                        <a:rPr lang="zh-CN" altLang="en-US" dirty="0"/>
+                        <a:t>定义</a:t>
+                      </a:r>
+                    </a:p>
+                  </a:txBody>
+                  <a:tcPr/>
+                </a:tc>
+                <a:extLst>
+                  <a:ext uri="{0D108BD9-81ED-4DB2-BD59-A6C34878D82A}">
+                    <a16:rowId xmlns:a16="http://schemas.microsoft.com/office/drawing/2014/main" val="791020925"/>
+                  </a:ext>
+                </a:extLst>
+              </a:tr>
+              <a:tr h="370840">
+                <a:tc>
+                  <a:txBody>
+                    <a:bodyPr/>
+                    <a:lstStyle/>
+                    <a:p>
+                      <a:r>
+                        <a:rPr lang="zh-CN" altLang="en-US" dirty="0"/>
+                        <a:t>支持正则表达式</a:t>
+                      </a:r>
+                      <a:r>
+                        <a:rPr lang="zh-CN" altLang="en-US" b="1" dirty="0"/>
+                        <a:t>范围与范围补</a:t>
+                      </a:r>
+                      <a:r>
+                        <a:rPr lang="zh-CN" altLang="en-US" dirty="0"/>
+                        <a:t>（</a:t>
+                      </a:r>
+                      <a:r>
+                        <a:rPr lang="en-US" altLang="zh-CN" dirty="0"/>
+                        <a:t>ASCII</a:t>
+                      </a:r>
+                      <a:r>
+                        <a:rPr lang="zh-CN" altLang="en-US" dirty="0"/>
+                        <a:t>为全集）：</a:t>
+                      </a:r>
+                      <a:r>
+                        <a:rPr lang="en-US" altLang="zh-CN" dirty="0"/>
+                        <a:t>[A-Za-z0-9_]</a:t>
+                      </a:r>
+                      <a:r>
+                        <a:rPr lang="zh-CN" altLang="en-US" dirty="0"/>
+                        <a:t>、</a:t>
+                      </a:r>
+                      <a:r>
+                        <a:rPr lang="en-US" altLang="zh-CN" dirty="0"/>
+                        <a:t>[^"]</a:t>
+                      </a:r>
+                      <a:endParaRPr lang="zh-CN" altLang="en-US" dirty="0"/>
+                    </a:p>
+                  </a:txBody>
+                  <a:tcPr/>
+                </a:tc>
+                <a:extLst>
+                  <a:ext uri="{0D108BD9-81ED-4DB2-BD59-A6C34878D82A}">
+                    <a16:rowId xmlns:a16="http://schemas.microsoft.com/office/drawing/2014/main" val="1352103625"/>
+                  </a:ext>
+                </a:extLst>
+              </a:tr>
+              <a:tr h="370840">
+                <a:tc>
+                  <a:txBody>
+                    <a:bodyPr/>
+                    <a:lstStyle/>
+                    <a:p>
+                      <a:r>
+                        <a:rPr lang="zh-CN" altLang="en-US" dirty="0"/>
+                        <a:t>可以使用</a:t>
+                      </a:r>
+                      <a:r>
+                        <a:rPr lang="zh-CN" altLang="en-US" b="1" dirty="0"/>
+                        <a:t>范围型转义字符</a:t>
+                      </a:r>
+                      <a:r>
+                        <a:rPr lang="en-US" altLang="zh-CN" dirty="0"/>
+                        <a:t>\d</a:t>
+                      </a:r>
+                      <a:r>
+                        <a:rPr lang="zh-CN" altLang="en-US" dirty="0"/>
+                        <a:t>（</a:t>
+                      </a:r>
+                      <a:r>
+                        <a:rPr lang="en-US" altLang="zh-CN" dirty="0"/>
+                        <a:t>[0-9]</a:t>
+                      </a:r>
+                      <a:r>
+                        <a:rPr lang="zh-CN" altLang="en-US" dirty="0"/>
+                        <a:t>）和</a:t>
+                      </a:r>
+                      <a:r>
+                        <a:rPr lang="en-US" altLang="zh-CN" dirty="0"/>
+                        <a:t>\s</a:t>
+                      </a:r>
+                      <a:r>
+                        <a:rPr lang="zh-CN" altLang="en-US" dirty="0"/>
+                        <a:t>（</a:t>
+                      </a:r>
+                      <a:r>
+                        <a:rPr lang="en-US" altLang="zh-CN" dirty="0"/>
+                        <a:t>[ \t\r\n]</a:t>
+                      </a:r>
+                      <a:r>
+                        <a:rPr lang="zh-CN" altLang="en-US" dirty="0"/>
+                        <a:t>）</a:t>
+                      </a:r>
+                    </a:p>
+                  </a:txBody>
+                  <a:tcPr/>
+                </a:tc>
+                <a:extLst>
+                  <a:ext uri="{0D108BD9-81ED-4DB2-BD59-A6C34878D82A}">
+                    <a16:rowId xmlns:a16="http://schemas.microsoft.com/office/drawing/2014/main" val="606111304"/>
+                  </a:ext>
+                </a:extLst>
+              </a:tr>
+              <a:tr h="370840">
+                <a:tc>
+                  <a:txBody>
+                    <a:bodyPr/>
+                    <a:lstStyle/>
+                    <a:p>
+                      <a:r>
+                        <a:rPr lang="zh-CN" altLang="en-US" dirty="0"/>
+                        <a:t>支持</a:t>
+                      </a:r>
+                      <a:r>
+                        <a:rPr lang="en-US" altLang="zh-CN" b="1" dirty="0" err="1"/>
+                        <a:t>yylineno</a:t>
+                      </a:r>
+                      <a:r>
+                        <a:rPr lang="zh-CN" altLang="en-US" dirty="0"/>
+                        <a:t>获取行号、</a:t>
+                      </a:r>
+                      <a:r>
+                        <a:rPr lang="en-US" altLang="zh-CN" b="1" dirty="0" err="1"/>
+                        <a:t>yyleng</a:t>
+                      </a:r>
+                      <a:r>
+                        <a:rPr lang="zh-CN" altLang="en-US" dirty="0"/>
+                        <a:t>获取词法单元长度、</a:t>
+                      </a:r>
+                      <a:r>
+                        <a:rPr lang="en-US" altLang="zh-CN" b="1" dirty="0" err="1"/>
+                        <a:t>yytext</a:t>
+                      </a:r>
+                      <a:r>
+                        <a:rPr lang="zh-CN" altLang="en-US" dirty="0"/>
+                        <a:t>获取当前匹配字符串</a:t>
+                      </a:r>
+                    </a:p>
+                  </a:txBody>
+                  <a:tcPr/>
+                </a:tc>
+                <a:extLst>
+                  <a:ext uri="{0D108BD9-81ED-4DB2-BD59-A6C34878D82A}">
+                    <a16:rowId xmlns:a16="http://schemas.microsoft.com/office/drawing/2014/main" val="2247018593"/>
+                  </a:ext>
+                </a:extLst>
+              </a:tr>
+              <a:tr h="370840">
+                <a:tc>
+                  <a:txBody>
+                    <a:bodyPr/>
+                    <a:lstStyle/>
+                    <a:p>
+                      <a:r>
+                        <a:rPr lang="zh-CN" altLang="en-US" dirty="0"/>
+                        <a:t>支持</a:t>
+                      </a:r>
+                      <a:r>
+                        <a:rPr lang="en-US" altLang="zh-CN" b="1" dirty="0" err="1"/>
+                        <a:t>yyless</a:t>
+                      </a:r>
+                      <a:r>
+                        <a:rPr lang="zh-CN" altLang="en-US" dirty="0"/>
+                        <a:t>回退词法单元、</a:t>
+                      </a:r>
+                      <a:r>
+                        <a:rPr lang="en-US" altLang="zh-CN" b="1" dirty="0" err="1"/>
+                        <a:t>yymore</a:t>
+                      </a:r>
+                      <a:r>
+                        <a:rPr lang="zh-CN" altLang="en-US" dirty="0"/>
+                        <a:t>补进词法单元</a:t>
+                      </a:r>
+                    </a:p>
+                  </a:txBody>
+                  <a:tcPr/>
+                </a:tc>
+                <a:extLst>
+                  <a:ext uri="{0D108BD9-81ED-4DB2-BD59-A6C34878D82A}">
+                    <a16:rowId xmlns:a16="http://schemas.microsoft.com/office/drawing/2014/main" val="3695011139"/>
+                  </a:ext>
+                </a:extLst>
+              </a:tr>
+              <a:tr h="370840">
+                <a:tc>
+                  <a:txBody>
+                    <a:bodyPr/>
+                    <a:lstStyle/>
+                    <a:p>
+                      <a:r>
+                        <a:rPr lang="zh-CN" altLang="en-US" dirty="0"/>
+                        <a:t>支持</a:t>
+                      </a:r>
+                      <a:r>
+                        <a:rPr lang="en-US" altLang="zh-CN" b="1" dirty="0" err="1"/>
+                        <a:t>yywrap</a:t>
+                      </a:r>
+                      <a:r>
+                        <a:rPr lang="zh-CN" altLang="en-US" dirty="0"/>
+                        <a:t>多输入文件连续处理、</a:t>
+                      </a:r>
+                      <a:r>
+                        <a:rPr lang="en-US" altLang="zh-CN" b="1" dirty="0"/>
+                        <a:t>ECHO</a:t>
+                      </a:r>
+                      <a:r>
+                        <a:rPr lang="zh-CN" altLang="en-US" dirty="0"/>
+                        <a:t>输出</a:t>
+                      </a:r>
+                      <a:r>
+                        <a:rPr lang="en-US" altLang="zh-CN" dirty="0" err="1"/>
+                        <a:t>yytext</a:t>
+                      </a:r>
+                      <a:endParaRPr lang="zh-CN" altLang="en-US" dirty="0"/>
+                    </a:p>
+                  </a:txBody>
+                  <a:tcPr/>
+                </a:tc>
+                <a:extLst>
+                  <a:ext uri="{0D108BD9-81ED-4DB2-BD59-A6C34878D82A}">
+                    <a16:rowId xmlns:a16="http://schemas.microsoft.com/office/drawing/2014/main" val="2267204239"/>
+                  </a:ext>
+                </a:extLst>
+              </a:tr>
+              <a:tr h="370840">
+                <a:tc>
+                  <a:txBody>
+                    <a:bodyPr/>
+                    <a:lstStyle/>
+                    <a:p>
+                      <a:r>
+                        <a:rPr lang="zh-CN" altLang="en-US" dirty="0"/>
+                        <a:t>实现了</a:t>
+                      </a:r>
+                      <a:r>
+                        <a:rPr lang="zh-CN" altLang="en-US" b="1" dirty="0"/>
+                        <a:t>最长匹配原则</a:t>
+                      </a:r>
+                    </a:p>
+                  </a:txBody>
+                  <a:tcPr/>
+                </a:tc>
+                <a:extLst>
+                  <a:ext uri="{0D108BD9-81ED-4DB2-BD59-A6C34878D82A}">
+                    <a16:rowId xmlns:a16="http://schemas.microsoft.com/office/drawing/2014/main" val="1062450618"/>
+                  </a:ext>
+                </a:extLst>
+              </a:tr>
+              <a:tr h="370840">
+                <a:tc>
+                  <a:txBody>
+                    <a:bodyPr/>
+                    <a:lstStyle/>
+                    <a:p>
+                      <a:r>
+                        <a:rPr lang="zh-CN" altLang="en-US" dirty="0"/>
+                        <a:t>可在用户程序段重定向</a:t>
+                      </a:r>
+                      <a:r>
+                        <a:rPr lang="en-US" altLang="zh-CN" b="1" dirty="0" err="1"/>
+                        <a:t>yyin</a:t>
+                      </a:r>
+                      <a:r>
+                        <a:rPr lang="zh-CN" altLang="en-US" dirty="0"/>
+                        <a:t>和</a:t>
+                      </a:r>
+                      <a:r>
+                        <a:rPr lang="en-US" altLang="zh-CN" b="1" dirty="0" err="1"/>
+                        <a:t>yyout</a:t>
+                      </a:r>
+                      <a:r>
+                        <a:rPr lang="zh-CN" altLang="en-US" dirty="0"/>
+                        <a:t>输出流，默认为</a:t>
+                      </a:r>
+                      <a:r>
+                        <a:rPr lang="en-US" altLang="zh-CN" dirty="0" err="1"/>
+                        <a:t>yyout</a:t>
+                      </a:r>
+                      <a:r>
+                        <a:rPr lang="en-US" altLang="zh-CN" dirty="0"/>
+                        <a:t> = </a:t>
+                      </a:r>
+                      <a:r>
+                        <a:rPr lang="en-US" altLang="zh-CN" dirty="0" err="1"/>
+                        <a:t>stdout</a:t>
+                      </a:r>
+                      <a:endParaRPr lang="zh-CN" altLang="en-US" dirty="0"/>
+                    </a:p>
+                  </a:txBody>
+                  <a:tcPr/>
+                </a:tc>
+                <a:extLst>
+                  <a:ext uri="{0D108BD9-81ED-4DB2-BD59-A6C34878D82A}">
+                    <a16:rowId xmlns:a16="http://schemas.microsoft.com/office/drawing/2014/main" val="3015836943"/>
+                  </a:ext>
+                </a:extLst>
+              </a:tr>
+            </a:tbl>
+          </a:graphicData>
+        </a:graphic>
+      </p:graphicFrame>
+      <p:pic>
+        <p:nvPicPr>
+          <p:cNvPr id="11" name="图片 10">
+            <a:extLst>
+              <a:ext uri="{FF2B5EF4-FFF2-40B4-BE49-F238E27FC236}">
+                <a16:creationId xmlns:a16="http://schemas.microsoft.com/office/drawing/2014/main" id="{7F3787C4-7990-4C6C-9579-E21154F47704}"/>
               </a:ext>
             </a:extLst>
           </p:cNvPr>
@@ -3349,8 +7006,1677 @@
         </p:blipFill>
         <p:spPr>
           <a:xfrm>
-            <a:off x="3108498" y="2028683"/>
-            <a:ext cx="5975003" cy="1553501"/>
+            <a:off x="8147728" y="630345"/>
+            <a:ext cx="882311" cy="882311"/>
+          </a:xfrm>
+          <a:prstGeom prst="rect">
+            <a:avLst/>
+          </a:prstGeom>
+        </p:spPr>
+      </p:pic>
+      <p:sp>
+        <p:nvSpPr>
+          <p:cNvPr id="7" name="文本框 6">
+            <a:extLst>
+              <a:ext uri="{FF2B5EF4-FFF2-40B4-BE49-F238E27FC236}">
+                <a16:creationId xmlns:a16="http://schemas.microsoft.com/office/drawing/2014/main" id="{F255E82F-A4BB-4492-948E-3A145E2BFFF5}"/>
+              </a:ext>
+            </a:extLst>
+          </p:cNvPr>
+          <p:cNvSpPr txBox="1"/>
+          <p:nvPr/>
+        </p:nvSpPr>
+        <p:spPr>
+          <a:xfrm>
+            <a:off x="96176" y="124288"/>
+            <a:ext cx="6402278" cy="523220"/>
+          </a:xfrm>
+          <a:prstGeom prst="rect">
+            <a:avLst/>
+          </a:prstGeom>
+          <a:noFill/>
+        </p:spPr>
+        <p:txBody>
+          <a:bodyPr wrap="square" rtlCol="0">
+            <a:spAutoFit/>
+          </a:bodyPr>
+          <a:lstStyle/>
+          <a:p>
+            <a:pPr algn="ctr"/>
+            <a:r>
+              <a:rPr lang="en-US" altLang="zh-CN" sz="2800" b="1" dirty="0"/>
+              <a:t>PART2 – </a:t>
+            </a:r>
+            <a:r>
+              <a:rPr lang="zh-CN" altLang="en-US" sz="2800" b="1" dirty="0"/>
+              <a:t>词法分析器的生成器</a:t>
+            </a:r>
+            <a:r>
+              <a:rPr lang="en-US" altLang="zh-CN" sz="2800" b="1" dirty="0" err="1"/>
+              <a:t>SeuYacc</a:t>
+            </a:r>
+            <a:endParaRPr lang="zh-CN" altLang="en-US" sz="2800" b="1" dirty="0"/>
+          </a:p>
+        </p:txBody>
+      </p:sp>
+    </p:spTree>
+    <p:extLst>
+      <p:ext uri="{BB962C8B-B14F-4D97-AF65-F5344CB8AC3E}">
+        <p14:creationId xmlns:p14="http://schemas.microsoft.com/office/powerpoint/2010/main" val="1504797479"/>
+      </p:ext>
+    </p:extLst>
+  </p:cSld>
+  <p:clrMapOvr>
+    <a:masterClrMapping/>
+  </p:clrMapOvr>
+</p:sld>
+</file>
+
+<file path=ppt/slides/slide16.xml><?xml version="1.0" encoding="utf-8"?>
+<p:sld xmlns:a="http://schemas.openxmlformats.org/drawingml/2006/main" xmlns:r="http://schemas.openxmlformats.org/officeDocument/2006/relationships" xmlns:p="http://schemas.openxmlformats.org/presentationml/2006/main">
+  <p:cSld>
+    <p:spTree>
+      <p:nvGrpSpPr>
+        <p:cNvPr id="1" name=""/>
+        <p:cNvGrpSpPr/>
+        <p:nvPr/>
+      </p:nvGrpSpPr>
+      <p:grpSpPr>
+        <a:xfrm>
+          <a:off x="0" y="0"/>
+          <a:ext cx="0" cy="0"/>
+          <a:chOff x="0" y="0"/>
+          <a:chExt cx="0" cy="0"/>
+        </a:xfrm>
+      </p:grpSpPr>
+    </p:spTree>
+    <p:extLst>
+      <p:ext uri="{BB962C8B-B14F-4D97-AF65-F5344CB8AC3E}">
+        <p14:creationId xmlns:p14="http://schemas.microsoft.com/office/powerpoint/2010/main" val="132415710"/>
+      </p:ext>
+    </p:extLst>
+  </p:cSld>
+  <p:clrMapOvr>
+    <a:masterClrMapping/>
+  </p:clrMapOvr>
+</p:sld>
+</file>
+
+<file path=ppt/slides/slide17.xml><?xml version="1.0" encoding="utf-8"?>
+<p:sld xmlns:a="http://schemas.openxmlformats.org/drawingml/2006/main" xmlns:r="http://schemas.openxmlformats.org/officeDocument/2006/relationships" xmlns:p="http://schemas.openxmlformats.org/presentationml/2006/main">
+  <p:cSld>
+    <p:spTree>
+      <p:nvGrpSpPr>
+        <p:cNvPr id="1" name=""/>
+        <p:cNvGrpSpPr/>
+        <p:nvPr/>
+      </p:nvGrpSpPr>
+      <p:grpSpPr>
+        <a:xfrm>
+          <a:off x="0" y="0"/>
+          <a:ext cx="0" cy="0"/>
+          <a:chOff x="0" y="0"/>
+          <a:chExt cx="0" cy="0"/>
+        </a:xfrm>
+      </p:grpSpPr>
+    </p:spTree>
+    <p:extLst>
+      <p:ext uri="{BB962C8B-B14F-4D97-AF65-F5344CB8AC3E}">
+        <p14:creationId xmlns:p14="http://schemas.microsoft.com/office/powerpoint/2010/main" val="3404420247"/>
+      </p:ext>
+    </p:extLst>
+  </p:cSld>
+  <p:clrMapOvr>
+    <a:masterClrMapping/>
+  </p:clrMapOvr>
+</p:sld>
+</file>
+
+<file path=ppt/slides/slide18.xml><?xml version="1.0" encoding="utf-8"?>
+<p:sld xmlns:a="http://schemas.openxmlformats.org/drawingml/2006/main" xmlns:r="http://schemas.openxmlformats.org/officeDocument/2006/relationships" xmlns:p="http://schemas.openxmlformats.org/presentationml/2006/main">
+  <p:cSld>
+    <p:spTree>
+      <p:nvGrpSpPr>
+        <p:cNvPr id="1" name=""/>
+        <p:cNvGrpSpPr/>
+        <p:nvPr/>
+      </p:nvGrpSpPr>
+      <p:grpSpPr>
+        <a:xfrm>
+          <a:off x="0" y="0"/>
+          <a:ext cx="0" cy="0"/>
+          <a:chOff x="0" y="0"/>
+          <a:chExt cx="0" cy="0"/>
+        </a:xfrm>
+      </p:grpSpPr>
+      <p:sp>
+        <p:nvSpPr>
+          <p:cNvPr id="5" name="文本框 4">
+            <a:extLst>
+              <a:ext uri="{FF2B5EF4-FFF2-40B4-BE49-F238E27FC236}">
+                <a16:creationId xmlns:a16="http://schemas.microsoft.com/office/drawing/2014/main" id="{94ED1E4E-0B48-4C4A-8293-9D37C345CE22}"/>
+              </a:ext>
+            </a:extLst>
+          </p:cNvPr>
+          <p:cNvSpPr txBox="1"/>
+          <p:nvPr/>
+        </p:nvSpPr>
+        <p:spPr>
+          <a:xfrm>
+            <a:off x="2082554" y="2883893"/>
+            <a:ext cx="8026891" cy="646331"/>
+          </a:xfrm>
+          <a:prstGeom prst="rect">
+            <a:avLst/>
+          </a:prstGeom>
+          <a:noFill/>
+        </p:spPr>
+        <p:txBody>
+          <a:bodyPr wrap="square" rtlCol="0">
+            <a:spAutoFit/>
+          </a:bodyPr>
+          <a:lstStyle/>
+          <a:p>
+            <a:pPr algn="ctr"/>
+            <a:r>
+              <a:rPr lang="zh-CN" altLang="en-US" sz="3600" b="1" dirty="0"/>
+              <a:t>集中</a:t>
+            </a:r>
+            <a:r>
+              <a:rPr lang="en-US" altLang="zh-CN" sz="3600" b="1" dirty="0"/>
+              <a:t>Q&amp;A</a:t>
+            </a:r>
+            <a:endParaRPr lang="zh-CN" altLang="en-US" sz="3600" b="1" dirty="0"/>
+          </a:p>
+        </p:txBody>
+      </p:sp>
+    </p:spTree>
+    <p:extLst>
+      <p:ext uri="{BB962C8B-B14F-4D97-AF65-F5344CB8AC3E}">
+        <p14:creationId xmlns:p14="http://schemas.microsoft.com/office/powerpoint/2010/main" val="3571861970"/>
+      </p:ext>
+    </p:extLst>
+  </p:cSld>
+  <p:clrMapOvr>
+    <a:masterClrMapping/>
+  </p:clrMapOvr>
+</p:sld>
+</file>
+
+<file path=ppt/slides/slide2.xml><?xml version="1.0" encoding="utf-8"?>
+<p:sld xmlns:a="http://schemas.openxmlformats.org/drawingml/2006/main" xmlns:r="http://schemas.openxmlformats.org/officeDocument/2006/relationships" xmlns:p="http://schemas.openxmlformats.org/presentationml/2006/main">
+  <p:cSld>
+    <p:spTree>
+      <p:nvGrpSpPr>
+        <p:cNvPr id="1" name=""/>
+        <p:cNvGrpSpPr/>
+        <p:nvPr/>
+      </p:nvGrpSpPr>
+      <p:grpSpPr>
+        <a:xfrm>
+          <a:off x="0" y="0"/>
+          <a:ext cx="0" cy="0"/>
+          <a:chOff x="0" y="0"/>
+          <a:chExt cx="0" cy="0"/>
+        </a:xfrm>
+      </p:grpSpPr>
+      <p:sp>
+        <p:nvSpPr>
+          <p:cNvPr id="5" name="文本框 4">
+            <a:extLst>
+              <a:ext uri="{FF2B5EF4-FFF2-40B4-BE49-F238E27FC236}">
+                <a16:creationId xmlns:a16="http://schemas.microsoft.com/office/drawing/2014/main" id="{94ED1E4E-0B48-4C4A-8293-9D37C345CE22}"/>
+              </a:ext>
+            </a:extLst>
+          </p:cNvPr>
+          <p:cNvSpPr txBox="1"/>
+          <p:nvPr/>
+        </p:nvSpPr>
+        <p:spPr>
+          <a:xfrm>
+            <a:off x="2082554" y="2883893"/>
+            <a:ext cx="8026891" cy="646331"/>
+          </a:xfrm>
+          <a:prstGeom prst="rect">
+            <a:avLst/>
+          </a:prstGeom>
+          <a:noFill/>
+        </p:spPr>
+        <p:txBody>
+          <a:bodyPr wrap="square" rtlCol="0">
+            <a:spAutoFit/>
+          </a:bodyPr>
+          <a:lstStyle/>
+          <a:p>
+            <a:pPr algn="ctr"/>
+            <a:r>
+              <a:rPr lang="en-US" altLang="zh-CN" sz="3600" b="1" dirty="0"/>
+              <a:t>PART1 – </a:t>
+            </a:r>
+            <a:r>
+              <a:rPr lang="zh-CN" altLang="en-US" sz="3600" b="1" dirty="0"/>
+              <a:t>词法分析器的生成器</a:t>
+            </a:r>
+            <a:r>
+              <a:rPr lang="en-US" altLang="zh-CN" sz="3600" b="1" dirty="0" err="1"/>
+              <a:t>SeuLex</a:t>
+            </a:r>
+            <a:endParaRPr lang="zh-CN" altLang="en-US" sz="3600" b="1" dirty="0"/>
+          </a:p>
+        </p:txBody>
+      </p:sp>
+    </p:spTree>
+    <p:extLst>
+      <p:ext uri="{BB962C8B-B14F-4D97-AF65-F5344CB8AC3E}">
+        <p14:creationId xmlns:p14="http://schemas.microsoft.com/office/powerpoint/2010/main" val="2651328713"/>
+      </p:ext>
+    </p:extLst>
+  </p:cSld>
+  <p:clrMapOvr>
+    <a:masterClrMapping/>
+  </p:clrMapOvr>
+</p:sld>
+</file>
+
+<file path=ppt/slides/slide3.xml><?xml version="1.0" encoding="utf-8"?>
+<p:sld xmlns:a="http://schemas.openxmlformats.org/drawingml/2006/main" xmlns:r="http://schemas.openxmlformats.org/officeDocument/2006/relationships" xmlns:p="http://schemas.openxmlformats.org/presentationml/2006/main">
+  <p:cSld>
+    <p:spTree>
+      <p:nvGrpSpPr>
+        <p:cNvPr id="1" name=""/>
+        <p:cNvGrpSpPr/>
+        <p:nvPr/>
+      </p:nvGrpSpPr>
+      <p:grpSpPr>
+        <a:xfrm>
+          <a:off x="0" y="0"/>
+          <a:ext cx="0" cy="0"/>
+          <a:chOff x="0" y="0"/>
+          <a:chExt cx="0" cy="0"/>
+        </a:xfrm>
+      </p:grpSpPr>
+      <p:graphicFrame>
+        <p:nvGraphicFramePr>
+          <p:cNvPr id="4" name="表格 3">
+            <a:extLst>
+              <a:ext uri="{FF2B5EF4-FFF2-40B4-BE49-F238E27FC236}">
+                <a16:creationId xmlns:a16="http://schemas.microsoft.com/office/drawing/2014/main" id="{8561F92B-9958-48DD-AF2D-8B0D259D47A8}"/>
+              </a:ext>
+            </a:extLst>
+          </p:cNvPr>
+          <p:cNvGraphicFramePr>
+            <a:graphicFrameLocks noGrp="1"/>
+          </p:cNvGraphicFramePr>
+          <p:nvPr>
+            <p:extLst>
+              <p:ext uri="{D42A27DB-BD31-4B8C-83A1-F6EECF244321}">
+                <p14:modId xmlns:p14="http://schemas.microsoft.com/office/powerpoint/2010/main" val="267256279"/>
+              </p:ext>
+            </p:extLst>
+          </p:nvPr>
+        </p:nvGraphicFramePr>
+        <p:xfrm>
+          <a:off x="1895577" y="2113722"/>
+          <a:ext cx="8400846" cy="2919916"/>
+        </p:xfrm>
+        <a:graphic>
+          <a:graphicData uri="http://schemas.openxmlformats.org/drawingml/2006/table">
+            <a:tbl>
+              <a:tblPr>
+                <a:tableStyleId>{073A0DAA-6AF3-43AB-8588-CEC1D06C72B9}</a:tableStyleId>
+              </a:tblPr>
+              <a:tblGrid>
+                <a:gridCol w="1369732">
+                  <a:extLst>
+                    <a:ext uri="{9D8B030D-6E8A-4147-A177-3AD203B41FA5}">
+                      <a16:colId xmlns:a16="http://schemas.microsoft.com/office/drawing/2014/main" val="4231098300"/>
+                    </a:ext>
+                  </a:extLst>
+                </a:gridCol>
+                <a:gridCol w="1145219">
+                  <a:extLst>
+                    <a:ext uri="{9D8B030D-6E8A-4147-A177-3AD203B41FA5}">
+                      <a16:colId xmlns:a16="http://schemas.microsoft.com/office/drawing/2014/main" val="3561863441"/>
+                    </a:ext>
+                  </a:extLst>
+                </a:gridCol>
+                <a:gridCol w="5885895">
+                  <a:extLst>
+                    <a:ext uri="{9D8B030D-6E8A-4147-A177-3AD203B41FA5}">
+                      <a16:colId xmlns:a16="http://schemas.microsoft.com/office/drawing/2014/main" val="3329964673"/>
+                    </a:ext>
+                  </a:extLst>
+                </a:gridCol>
+              </a:tblGrid>
+              <a:tr h="729979">
+                <a:tc>
+                  <a:txBody>
+                    <a:bodyPr/>
+                    <a:lstStyle/>
+                    <a:p>
+                      <a:pPr algn="l">
+                        <a:spcAft>
+                          <a:spcPts val="0"/>
+                        </a:spcAft>
+                      </a:pPr>
+                      <a:r>
+                        <a:rPr lang="zh-CN" sz="1600" b="1" kern="100" dirty="0">
+                          <a:effectLst/>
+                        </a:rPr>
+                        <a:t>学</a:t>
+                      </a:r>
+                      <a:r>
+                        <a:rPr lang="en-US" sz="1600" b="1" kern="100" dirty="0">
+                          <a:effectLst/>
+                        </a:rPr>
+                        <a:t>  </a:t>
+                      </a:r>
+                      <a:r>
+                        <a:rPr lang="zh-CN" sz="1600" b="1" kern="100" dirty="0">
+                          <a:effectLst/>
+                        </a:rPr>
+                        <a:t>号</a:t>
+                      </a:r>
+                      <a:endParaRPr lang="zh-CN" sz="1100" b="1" kern="100" dirty="0">
+                        <a:effectLst/>
+                        <a:latin typeface="Times New Roman" panose="02020603050405020304" pitchFamily="18" charset="0"/>
+                        <a:ea typeface="宋体" panose="02010600030101010101" pitchFamily="2" charset="-122"/>
+                      </a:endParaRPr>
+                    </a:p>
+                  </a:txBody>
+                  <a:tcPr marL="68580" marR="68580" marT="0" marB="0" anchor="ctr"/>
+                </a:tc>
+                <a:tc>
+                  <a:txBody>
+                    <a:bodyPr/>
+                    <a:lstStyle/>
+                    <a:p>
+                      <a:pPr algn="l">
+                        <a:spcAft>
+                          <a:spcPts val="0"/>
+                        </a:spcAft>
+                      </a:pPr>
+                      <a:r>
+                        <a:rPr lang="zh-CN" sz="1600" b="1" kern="100">
+                          <a:effectLst/>
+                        </a:rPr>
+                        <a:t>姓</a:t>
+                      </a:r>
+                      <a:r>
+                        <a:rPr lang="en-US" sz="1600" b="1" kern="100">
+                          <a:effectLst/>
+                        </a:rPr>
+                        <a:t>  </a:t>
+                      </a:r>
+                      <a:r>
+                        <a:rPr lang="zh-CN" sz="1600" b="1" kern="100">
+                          <a:effectLst/>
+                        </a:rPr>
+                        <a:t>名</a:t>
+                      </a:r>
+                      <a:endParaRPr lang="zh-CN" sz="1100" b="1" kern="100">
+                        <a:effectLst/>
+                        <a:latin typeface="Times New Roman" panose="02020603050405020304" pitchFamily="18" charset="0"/>
+                        <a:ea typeface="宋体" panose="02010600030101010101" pitchFamily="2" charset="-122"/>
+                      </a:endParaRPr>
+                    </a:p>
+                  </a:txBody>
+                  <a:tcPr marL="68580" marR="68580" marT="0" marB="0" anchor="ctr"/>
+                </a:tc>
+                <a:tc>
+                  <a:txBody>
+                    <a:bodyPr/>
+                    <a:lstStyle/>
+                    <a:p>
+                      <a:pPr algn="l">
+                        <a:spcAft>
+                          <a:spcPts val="0"/>
+                        </a:spcAft>
+                      </a:pPr>
+                      <a:r>
+                        <a:rPr lang="zh-CN" sz="1600" b="1" kern="100" dirty="0">
+                          <a:effectLst/>
+                        </a:rPr>
+                        <a:t>承</a:t>
+                      </a:r>
+                      <a:r>
+                        <a:rPr lang="en-US" sz="1600" b="1" kern="100" dirty="0">
+                          <a:effectLst/>
+                        </a:rPr>
+                        <a:t>  </a:t>
+                      </a:r>
+                      <a:r>
+                        <a:rPr lang="zh-CN" sz="1600" b="1" kern="100" dirty="0">
+                          <a:effectLst/>
+                        </a:rPr>
+                        <a:t>担</a:t>
+                      </a:r>
+                      <a:r>
+                        <a:rPr lang="en-US" sz="1600" b="1" kern="100" dirty="0">
+                          <a:effectLst/>
+                        </a:rPr>
+                        <a:t>  </a:t>
+                      </a:r>
+                      <a:r>
+                        <a:rPr lang="zh-CN" sz="1600" b="1" kern="100" dirty="0">
+                          <a:effectLst/>
+                        </a:rPr>
+                        <a:t>的</a:t>
+                      </a:r>
+                      <a:r>
+                        <a:rPr lang="en-US" sz="1600" b="1" kern="100" dirty="0">
+                          <a:effectLst/>
+                        </a:rPr>
+                        <a:t>  </a:t>
+                      </a:r>
+                      <a:r>
+                        <a:rPr lang="zh-CN" sz="1600" b="1" kern="100" dirty="0">
+                          <a:effectLst/>
+                        </a:rPr>
+                        <a:t>任</a:t>
+                      </a:r>
+                      <a:r>
+                        <a:rPr lang="en-US" sz="1600" b="1" kern="100" dirty="0">
+                          <a:effectLst/>
+                        </a:rPr>
+                        <a:t>  </a:t>
+                      </a:r>
+                      <a:r>
+                        <a:rPr lang="zh-CN" sz="1600" b="1" kern="100" dirty="0">
+                          <a:effectLst/>
+                        </a:rPr>
+                        <a:t>务</a:t>
+                      </a:r>
+                      <a:endParaRPr lang="zh-CN" sz="1100" b="1" kern="100" dirty="0">
+                        <a:effectLst/>
+                        <a:latin typeface="Times New Roman" panose="02020603050405020304" pitchFamily="18" charset="0"/>
+                        <a:ea typeface="宋体" panose="02010600030101010101" pitchFamily="2" charset="-122"/>
+                      </a:endParaRPr>
+                    </a:p>
+                  </a:txBody>
+                  <a:tcPr marL="68580" marR="68580" marT="0" marB="0" anchor="ctr"/>
+                </a:tc>
+                <a:extLst>
+                  <a:ext uri="{0D108BD9-81ED-4DB2-BD59-A6C34878D82A}">
+                    <a16:rowId xmlns:a16="http://schemas.microsoft.com/office/drawing/2014/main" val="3821652628"/>
+                  </a:ext>
+                </a:extLst>
+              </a:tr>
+              <a:tr h="729979">
+                <a:tc>
+                  <a:txBody>
+                    <a:bodyPr/>
+                    <a:lstStyle/>
+                    <a:p>
+                      <a:pPr algn="l">
+                        <a:spcAft>
+                          <a:spcPts val="0"/>
+                        </a:spcAft>
+                      </a:pPr>
+                      <a:r>
+                        <a:rPr lang="en-US" sz="1400" kern="100" dirty="0">
+                          <a:effectLst/>
+                        </a:rPr>
+                        <a:t>09017227</a:t>
+                      </a:r>
+                      <a:endParaRPr lang="zh-CN" sz="1050" kern="100" dirty="0">
+                        <a:effectLst/>
+                        <a:latin typeface="Times New Roman" panose="02020603050405020304" pitchFamily="18" charset="0"/>
+                        <a:ea typeface="宋体" panose="02010600030101010101" pitchFamily="2" charset="-122"/>
+                      </a:endParaRPr>
+                    </a:p>
+                  </a:txBody>
+                  <a:tcPr marL="68580" marR="68580" marT="0" marB="0" anchor="ctr"/>
+                </a:tc>
+                <a:tc>
+                  <a:txBody>
+                    <a:bodyPr/>
+                    <a:lstStyle/>
+                    <a:p>
+                      <a:pPr algn="l">
+                        <a:spcAft>
+                          <a:spcPts val="0"/>
+                        </a:spcAft>
+                      </a:pPr>
+                      <a:r>
+                        <a:rPr lang="zh-CN" sz="1400" kern="100" dirty="0">
+                          <a:effectLst/>
+                        </a:rPr>
+                        <a:t>卓  旭</a:t>
+                      </a:r>
+                      <a:endParaRPr lang="zh-CN" sz="1050" kern="100" dirty="0">
+                        <a:effectLst/>
+                        <a:latin typeface="Times New Roman" panose="02020603050405020304" pitchFamily="18" charset="0"/>
+                        <a:ea typeface="宋体" panose="02010600030101010101" pitchFamily="2" charset="-122"/>
+                      </a:endParaRPr>
+                    </a:p>
+                  </a:txBody>
+                  <a:tcPr marL="68580" marR="68580" marT="0" marB="0" anchor="ctr"/>
+                </a:tc>
+                <a:tc>
+                  <a:txBody>
+                    <a:bodyPr/>
+                    <a:lstStyle/>
+                    <a:p>
+                      <a:pPr algn="l">
+                        <a:spcAft>
+                          <a:spcPts val="0"/>
+                        </a:spcAft>
+                      </a:pPr>
+                      <a:r>
+                        <a:rPr lang="en-US" sz="1400" kern="100" dirty="0">
+                          <a:effectLst/>
+                        </a:rPr>
+                        <a:t>.l</a:t>
+                      </a:r>
+                      <a:r>
+                        <a:rPr lang="zh-CN" sz="1400" kern="100" dirty="0">
+                          <a:effectLst/>
+                        </a:rPr>
+                        <a:t>文件的解析；正则表达式转</a:t>
+                      </a:r>
+                      <a:r>
+                        <a:rPr lang="en-US" sz="1400" kern="100" dirty="0">
+                          <a:effectLst/>
+                        </a:rPr>
+                        <a:t>NFA</a:t>
+                      </a:r>
+                      <a:r>
+                        <a:rPr lang="zh-CN" sz="1400" kern="100" dirty="0">
+                          <a:effectLst/>
+                        </a:rPr>
+                        <a:t>；自动机可视化；词法分析器代码生成</a:t>
+                      </a:r>
+                      <a:endParaRPr lang="zh-CN" sz="1050" kern="100" dirty="0">
+                        <a:effectLst/>
+                        <a:latin typeface="Times New Roman" panose="02020603050405020304" pitchFamily="18" charset="0"/>
+                        <a:ea typeface="宋体" panose="02010600030101010101" pitchFamily="2" charset="-122"/>
+                      </a:endParaRPr>
+                    </a:p>
+                  </a:txBody>
+                  <a:tcPr marL="68580" marR="68580" marT="0" marB="0" anchor="ctr"/>
+                </a:tc>
+                <a:extLst>
+                  <a:ext uri="{0D108BD9-81ED-4DB2-BD59-A6C34878D82A}">
+                    <a16:rowId xmlns:a16="http://schemas.microsoft.com/office/drawing/2014/main" val="982792582"/>
+                  </a:ext>
+                </a:extLst>
+              </a:tr>
+              <a:tr h="729979">
+                <a:tc>
+                  <a:txBody>
+                    <a:bodyPr/>
+                    <a:lstStyle/>
+                    <a:p>
+                      <a:pPr algn="l">
+                        <a:spcAft>
+                          <a:spcPts val="0"/>
+                        </a:spcAft>
+                      </a:pPr>
+                      <a:r>
+                        <a:rPr lang="en-US" sz="1400" kern="100">
+                          <a:effectLst/>
+                        </a:rPr>
+                        <a:t>09017224</a:t>
+                      </a:r>
+                      <a:endParaRPr lang="zh-CN" sz="1050" kern="100">
+                        <a:effectLst/>
+                        <a:latin typeface="Times New Roman" panose="02020603050405020304" pitchFamily="18" charset="0"/>
+                        <a:ea typeface="宋体" panose="02010600030101010101" pitchFamily="2" charset="-122"/>
+                      </a:endParaRPr>
+                    </a:p>
+                  </a:txBody>
+                  <a:tcPr marL="68580" marR="68580" marT="0" marB="0" anchor="ctr"/>
+                </a:tc>
+                <a:tc>
+                  <a:txBody>
+                    <a:bodyPr/>
+                    <a:lstStyle/>
+                    <a:p>
+                      <a:pPr algn="l">
+                        <a:spcAft>
+                          <a:spcPts val="0"/>
+                        </a:spcAft>
+                      </a:pPr>
+                      <a:r>
+                        <a:rPr lang="zh-CN" sz="1400" kern="100" dirty="0">
+                          <a:effectLst/>
+                        </a:rPr>
+                        <a:t>高钰铭</a:t>
+                      </a:r>
+                      <a:endParaRPr lang="zh-CN" sz="1050" kern="100" dirty="0">
+                        <a:effectLst/>
+                        <a:latin typeface="Times New Roman" panose="02020603050405020304" pitchFamily="18" charset="0"/>
+                        <a:ea typeface="宋体" panose="02010600030101010101" pitchFamily="2" charset="-122"/>
+                      </a:endParaRPr>
+                    </a:p>
+                  </a:txBody>
+                  <a:tcPr marL="68580" marR="68580" marT="0" marB="0" anchor="ctr"/>
+                </a:tc>
+                <a:tc>
+                  <a:txBody>
+                    <a:bodyPr/>
+                    <a:lstStyle/>
+                    <a:p>
+                      <a:pPr algn="l">
+                        <a:spcAft>
+                          <a:spcPts val="0"/>
+                        </a:spcAft>
+                      </a:pPr>
+                      <a:r>
+                        <a:rPr lang="en-US" sz="1400" kern="100" dirty="0">
+                          <a:effectLst/>
+                        </a:rPr>
+                        <a:t>.l</a:t>
+                      </a:r>
+                      <a:r>
+                        <a:rPr lang="zh-CN" sz="1400" kern="100" dirty="0">
+                          <a:effectLst/>
+                        </a:rPr>
+                        <a:t>文件的解析；</a:t>
+                      </a:r>
+                      <a:r>
+                        <a:rPr lang="en-US" sz="1400" kern="100" dirty="0">
+                          <a:effectLst/>
+                        </a:rPr>
+                        <a:t>NFA</a:t>
+                      </a:r>
+                      <a:r>
+                        <a:rPr lang="zh-CN" sz="1400" kern="100" dirty="0">
+                          <a:effectLst/>
+                        </a:rPr>
+                        <a:t>转</a:t>
+                      </a:r>
+                      <a:r>
+                        <a:rPr lang="en-US" sz="1400" kern="100" dirty="0">
+                          <a:effectLst/>
+                        </a:rPr>
+                        <a:t>DFA</a:t>
+                      </a:r>
+                      <a:r>
+                        <a:rPr lang="zh-CN" sz="1400" kern="100" dirty="0">
+                          <a:effectLst/>
+                        </a:rPr>
+                        <a:t>；词法分析器代码生成；</a:t>
+                      </a:r>
+                      <a:r>
+                        <a:rPr lang="en-US" sz="1400" kern="100" dirty="0">
+                          <a:effectLst/>
+                        </a:rPr>
+                        <a:t>C</a:t>
+                      </a:r>
+                      <a:r>
+                        <a:rPr lang="zh-CN" sz="1400" kern="100" dirty="0">
+                          <a:effectLst/>
+                        </a:rPr>
+                        <a:t>字符串操作库</a:t>
+                      </a:r>
+                      <a:endParaRPr lang="zh-CN" sz="1050" kern="100" dirty="0">
+                        <a:effectLst/>
+                        <a:latin typeface="Times New Roman" panose="02020603050405020304" pitchFamily="18" charset="0"/>
+                        <a:ea typeface="宋体" panose="02010600030101010101" pitchFamily="2" charset="-122"/>
+                      </a:endParaRPr>
+                    </a:p>
+                  </a:txBody>
+                  <a:tcPr marL="68580" marR="68580" marT="0" marB="0" anchor="ctr"/>
+                </a:tc>
+                <a:extLst>
+                  <a:ext uri="{0D108BD9-81ED-4DB2-BD59-A6C34878D82A}">
+                    <a16:rowId xmlns:a16="http://schemas.microsoft.com/office/drawing/2014/main" val="3025706016"/>
+                  </a:ext>
+                </a:extLst>
+              </a:tr>
+              <a:tr h="729979">
+                <a:tc>
+                  <a:txBody>
+                    <a:bodyPr/>
+                    <a:lstStyle/>
+                    <a:p>
+                      <a:pPr algn="l">
+                        <a:spcAft>
+                          <a:spcPts val="0"/>
+                        </a:spcAft>
+                      </a:pPr>
+                      <a:r>
+                        <a:rPr lang="en-US" sz="1400" kern="100">
+                          <a:effectLst/>
+                        </a:rPr>
+                        <a:t>09017225</a:t>
+                      </a:r>
+                      <a:endParaRPr lang="zh-CN" sz="1050" kern="100">
+                        <a:effectLst/>
+                        <a:latin typeface="Times New Roman" panose="02020603050405020304" pitchFamily="18" charset="0"/>
+                        <a:ea typeface="宋体" panose="02010600030101010101" pitchFamily="2" charset="-122"/>
+                      </a:endParaRPr>
+                    </a:p>
+                  </a:txBody>
+                  <a:tcPr marL="68580" marR="68580" marT="0" marB="0" anchor="ctr"/>
+                </a:tc>
+                <a:tc>
+                  <a:txBody>
+                    <a:bodyPr/>
+                    <a:lstStyle/>
+                    <a:p>
+                      <a:pPr algn="l">
+                        <a:spcAft>
+                          <a:spcPts val="0"/>
+                        </a:spcAft>
+                      </a:pPr>
+                      <a:r>
+                        <a:rPr lang="zh-CN" sz="1400" kern="100" dirty="0">
+                          <a:effectLst/>
+                        </a:rPr>
+                        <a:t>沈汉唐</a:t>
+                      </a:r>
+                      <a:endParaRPr lang="zh-CN" sz="1050" kern="100" dirty="0">
+                        <a:effectLst/>
+                        <a:latin typeface="Times New Roman" panose="02020603050405020304" pitchFamily="18" charset="0"/>
+                        <a:ea typeface="宋体" panose="02010600030101010101" pitchFamily="2" charset="-122"/>
+                      </a:endParaRPr>
+                    </a:p>
+                  </a:txBody>
+                  <a:tcPr marL="68580" marR="68580" marT="0" marB="0" anchor="ctr"/>
+                </a:tc>
+                <a:tc>
+                  <a:txBody>
+                    <a:bodyPr/>
+                    <a:lstStyle/>
+                    <a:p>
+                      <a:pPr algn="l">
+                        <a:spcAft>
+                          <a:spcPts val="0"/>
+                        </a:spcAft>
+                      </a:pPr>
+                      <a:r>
+                        <a:rPr lang="en-US" sz="1400" kern="100" dirty="0">
+                          <a:effectLst/>
+                        </a:rPr>
+                        <a:t>NFA</a:t>
+                      </a:r>
+                      <a:r>
+                        <a:rPr lang="zh-CN" sz="1400" kern="100" dirty="0">
+                          <a:effectLst/>
+                        </a:rPr>
+                        <a:t>的合并；</a:t>
+                      </a:r>
+                      <a:r>
+                        <a:rPr lang="en-US" sz="1400" kern="100" dirty="0">
+                          <a:effectLst/>
+                        </a:rPr>
+                        <a:t>DFA</a:t>
+                      </a:r>
+                      <a:r>
+                        <a:rPr lang="zh-CN" sz="1400" kern="100" dirty="0">
+                          <a:effectLst/>
+                        </a:rPr>
+                        <a:t>的最小化；</a:t>
+                      </a:r>
+                      <a:r>
+                        <a:rPr lang="en-US" sz="1400" kern="100" dirty="0">
+                          <a:effectLst/>
+                        </a:rPr>
+                        <a:t>C</a:t>
+                      </a:r>
+                      <a:r>
+                        <a:rPr lang="zh-CN" sz="1400" kern="100" dirty="0">
+                          <a:effectLst/>
+                        </a:rPr>
+                        <a:t>代码美化功能</a:t>
+                      </a:r>
+                      <a:endParaRPr lang="zh-CN" sz="1050" kern="100" dirty="0">
+                        <a:effectLst/>
+                        <a:latin typeface="Times New Roman" panose="02020603050405020304" pitchFamily="18" charset="0"/>
+                        <a:ea typeface="宋体" panose="02010600030101010101" pitchFamily="2" charset="-122"/>
+                      </a:endParaRPr>
+                    </a:p>
+                  </a:txBody>
+                  <a:tcPr marL="68580" marR="68580" marT="0" marB="0" anchor="ctr"/>
+                </a:tc>
+                <a:extLst>
+                  <a:ext uri="{0D108BD9-81ED-4DB2-BD59-A6C34878D82A}">
+                    <a16:rowId xmlns:a16="http://schemas.microsoft.com/office/drawing/2014/main" val="3024726611"/>
+                  </a:ext>
+                </a:extLst>
+              </a:tr>
+            </a:tbl>
+          </a:graphicData>
+        </a:graphic>
+      </p:graphicFrame>
+      <p:sp>
+        <p:nvSpPr>
+          <p:cNvPr id="5" name="文本框 4">
+            <a:extLst>
+              <a:ext uri="{FF2B5EF4-FFF2-40B4-BE49-F238E27FC236}">
+                <a16:creationId xmlns:a16="http://schemas.microsoft.com/office/drawing/2014/main" id="{94ED1E4E-0B48-4C4A-8293-9D37C345CE22}"/>
+              </a:ext>
+            </a:extLst>
+          </p:cNvPr>
+          <p:cNvSpPr txBox="1"/>
+          <p:nvPr/>
+        </p:nvSpPr>
+        <p:spPr>
+          <a:xfrm>
+            <a:off x="96176" y="124288"/>
+            <a:ext cx="5999824" cy="523220"/>
+          </a:xfrm>
+          <a:prstGeom prst="rect">
+            <a:avLst/>
+          </a:prstGeom>
+          <a:noFill/>
+        </p:spPr>
+        <p:txBody>
+          <a:bodyPr wrap="square" rtlCol="0">
+            <a:spAutoFit/>
+          </a:bodyPr>
+          <a:lstStyle/>
+          <a:p>
+            <a:pPr algn="ctr"/>
+            <a:r>
+              <a:rPr lang="en-US" altLang="zh-CN" sz="2800" b="1" dirty="0"/>
+              <a:t>PART1 – </a:t>
+            </a:r>
+            <a:r>
+              <a:rPr lang="zh-CN" altLang="en-US" sz="2800" b="1" dirty="0"/>
+              <a:t>词法分析器的生成器</a:t>
+            </a:r>
+            <a:r>
+              <a:rPr lang="en-US" altLang="zh-CN" sz="2800" b="1" dirty="0" err="1"/>
+              <a:t>SeuLex</a:t>
+            </a:r>
+            <a:endParaRPr lang="zh-CN" altLang="en-US" sz="2800" b="1" dirty="0"/>
+          </a:p>
+        </p:txBody>
+      </p:sp>
+      <p:sp>
+        <p:nvSpPr>
+          <p:cNvPr id="6" name="文本框 5">
+            <a:extLst>
+              <a:ext uri="{FF2B5EF4-FFF2-40B4-BE49-F238E27FC236}">
+                <a16:creationId xmlns:a16="http://schemas.microsoft.com/office/drawing/2014/main" id="{9752B11F-74CB-4705-A607-DC211471AF7B}"/>
+              </a:ext>
+            </a:extLst>
+          </p:cNvPr>
+          <p:cNvSpPr txBox="1"/>
+          <p:nvPr/>
+        </p:nvSpPr>
+        <p:spPr>
+          <a:xfrm>
+            <a:off x="1860417" y="1651247"/>
+            <a:ext cx="2095131" cy="369332"/>
+          </a:xfrm>
+          <a:prstGeom prst="rect">
+            <a:avLst/>
+          </a:prstGeom>
+          <a:noFill/>
+        </p:spPr>
+        <p:txBody>
+          <a:bodyPr wrap="square" rtlCol="0">
+            <a:spAutoFit/>
+          </a:bodyPr>
+          <a:lstStyle/>
+          <a:p>
+            <a:r>
+              <a:rPr lang="zh-CN" altLang="en-US" b="1" u="sng" dirty="0"/>
+              <a:t>组内分工贡献情况</a:t>
+            </a:r>
+          </a:p>
+        </p:txBody>
+      </p:sp>
+    </p:spTree>
+    <p:extLst>
+      <p:ext uri="{BB962C8B-B14F-4D97-AF65-F5344CB8AC3E}">
+        <p14:creationId xmlns:p14="http://schemas.microsoft.com/office/powerpoint/2010/main" val="3101963539"/>
+      </p:ext>
+    </p:extLst>
+  </p:cSld>
+  <p:clrMapOvr>
+    <a:masterClrMapping/>
+  </p:clrMapOvr>
+</p:sld>
+</file>
+
+<file path=ppt/slides/slide4.xml><?xml version="1.0" encoding="utf-8"?>
+<p:sld xmlns:a="http://schemas.openxmlformats.org/drawingml/2006/main" xmlns:r="http://schemas.openxmlformats.org/officeDocument/2006/relationships" xmlns:p="http://schemas.openxmlformats.org/presentationml/2006/main">
+  <p:cSld>
+    <p:spTree>
+      <p:nvGrpSpPr>
+        <p:cNvPr id="1" name=""/>
+        <p:cNvGrpSpPr/>
+        <p:nvPr/>
+      </p:nvGrpSpPr>
+      <p:grpSpPr>
+        <a:xfrm>
+          <a:off x="0" y="0"/>
+          <a:ext cx="0" cy="0"/>
+          <a:chOff x="0" y="0"/>
+          <a:chExt cx="0" cy="0"/>
+        </a:xfrm>
+      </p:grpSpPr>
+      <p:sp>
+        <p:nvSpPr>
+          <p:cNvPr id="5" name="文本框 4">
+            <a:extLst>
+              <a:ext uri="{FF2B5EF4-FFF2-40B4-BE49-F238E27FC236}">
+                <a16:creationId xmlns:a16="http://schemas.microsoft.com/office/drawing/2014/main" id="{9B20879E-3E8E-4F6D-8109-098D75AB05A2}"/>
+              </a:ext>
+            </a:extLst>
+          </p:cNvPr>
+          <p:cNvSpPr txBox="1"/>
+          <p:nvPr/>
+        </p:nvSpPr>
+        <p:spPr>
+          <a:xfrm>
+            <a:off x="96176" y="124288"/>
+            <a:ext cx="5999824" cy="523220"/>
+          </a:xfrm>
+          <a:prstGeom prst="rect">
+            <a:avLst/>
+          </a:prstGeom>
+          <a:noFill/>
+        </p:spPr>
+        <p:txBody>
+          <a:bodyPr wrap="square" rtlCol="0">
+            <a:spAutoFit/>
+          </a:bodyPr>
+          <a:lstStyle/>
+          <a:p>
+            <a:pPr algn="ctr"/>
+            <a:r>
+              <a:rPr lang="en-US" altLang="zh-CN" sz="2800" b="1" dirty="0"/>
+              <a:t>PART1 – </a:t>
+            </a:r>
+            <a:r>
+              <a:rPr lang="zh-CN" altLang="en-US" sz="2800" b="1" dirty="0"/>
+              <a:t>词法分析器的生成器</a:t>
+            </a:r>
+            <a:r>
+              <a:rPr lang="en-US" altLang="zh-CN" sz="2800" b="1" dirty="0" err="1"/>
+              <a:t>SeuLex</a:t>
+            </a:r>
+            <a:endParaRPr lang="zh-CN" altLang="en-US" sz="2800" b="1" dirty="0"/>
+          </a:p>
+        </p:txBody>
+      </p:sp>
+      <p:sp>
+        <p:nvSpPr>
+          <p:cNvPr id="6" name="文本框 5">
+            <a:extLst>
+              <a:ext uri="{FF2B5EF4-FFF2-40B4-BE49-F238E27FC236}">
+                <a16:creationId xmlns:a16="http://schemas.microsoft.com/office/drawing/2014/main" id="{3287BE23-6279-4380-AE4E-126DE1472C60}"/>
+              </a:ext>
+            </a:extLst>
+          </p:cNvPr>
+          <p:cNvSpPr txBox="1"/>
+          <p:nvPr/>
+        </p:nvSpPr>
+        <p:spPr>
+          <a:xfrm>
+            <a:off x="597241" y="226628"/>
+            <a:ext cx="10484526" cy="2958630"/>
+          </a:xfrm>
+          <a:prstGeom prst="rect">
+            <a:avLst/>
+          </a:prstGeom>
+          <a:noFill/>
+        </p:spPr>
+        <p:txBody>
+          <a:bodyPr wrap="square" rtlCol="0">
+            <a:spAutoFit/>
+          </a:bodyPr>
+          <a:lstStyle/>
+          <a:p>
+            <a:pPr>
+              <a:lnSpc>
+                <a:spcPct val="150000"/>
+              </a:lnSpc>
+            </a:pPr>
+            <a:endParaRPr lang="en-US" altLang="zh-CN" b="1" dirty="0"/>
+          </a:p>
+          <a:p>
+            <a:pPr>
+              <a:lnSpc>
+                <a:spcPct val="150000"/>
+              </a:lnSpc>
+            </a:pPr>
+            <a:r>
+              <a:rPr lang="zh-CN" altLang="en-US" b="1" u="sng" dirty="0"/>
+              <a:t>编程语言：</a:t>
+            </a:r>
+            <a:r>
+              <a:rPr lang="en-US" altLang="zh-CN" dirty="0"/>
+              <a:t>TypeScript + JavaScript</a:t>
+            </a:r>
+            <a:r>
+              <a:rPr lang="zh-CN" altLang="en-US" dirty="0"/>
+              <a:t>，一点点函数式，运行于</a:t>
+            </a:r>
+            <a:r>
+              <a:rPr lang="en-US" altLang="zh-CN" dirty="0"/>
+              <a:t>Node.js</a:t>
+            </a:r>
+            <a:r>
+              <a:rPr lang="zh-CN" altLang="en-US" dirty="0"/>
+              <a:t>运行时</a:t>
+            </a:r>
+            <a:endParaRPr lang="en-US" altLang="zh-CN" dirty="0"/>
+          </a:p>
+          <a:p>
+            <a:pPr>
+              <a:lnSpc>
+                <a:spcPct val="150000"/>
+              </a:lnSpc>
+            </a:pPr>
+            <a:r>
+              <a:rPr lang="zh-CN" altLang="en-US" b="1" u="sng" dirty="0"/>
+              <a:t>测试用编译对象：</a:t>
+            </a:r>
+            <a:endParaRPr lang="en-US" altLang="zh-CN" b="1" u="sng" dirty="0"/>
+          </a:p>
+          <a:p>
+            <a:pPr>
+              <a:lnSpc>
+                <a:spcPct val="150000"/>
+              </a:lnSpc>
+            </a:pPr>
+            <a:r>
+              <a:rPr lang="en-US" altLang="zh-CN" b="1" dirty="0"/>
+              <a:t>        </a:t>
+            </a:r>
+            <a:r>
+              <a:rPr lang="zh-CN" altLang="zh-CN" dirty="0"/>
+              <a:t>基本实现</a:t>
+            </a:r>
+            <a:r>
+              <a:rPr lang="en-US" altLang="zh-CN" dirty="0"/>
+              <a:t>C</a:t>
+            </a:r>
+            <a:r>
+              <a:rPr lang="zh-CN" altLang="zh-CN" dirty="0"/>
+              <a:t>语言全集作为编译对象。在</a:t>
+            </a:r>
+            <a:r>
+              <a:rPr lang="en-US" altLang="zh-CN" dirty="0"/>
+              <a:t>c99.l</a:t>
+            </a:r>
+            <a:r>
+              <a:rPr lang="zh-CN" altLang="zh-CN" dirty="0"/>
+              <a:t>中删除了少许不常用的词法定义（如</a:t>
+            </a:r>
+            <a:r>
+              <a:rPr lang="en-US" altLang="zh-CN" dirty="0"/>
+              <a:t>LL</a:t>
+            </a:r>
+            <a:r>
+              <a:rPr lang="zh-CN" altLang="zh-CN" dirty="0"/>
+              <a:t>后标、</a:t>
+            </a:r>
+            <a:r>
+              <a:rPr lang="en-US" altLang="zh-CN" dirty="0"/>
+              <a:t>&lt;:</a:t>
+            </a:r>
+            <a:r>
+              <a:rPr lang="zh-CN" altLang="zh-CN" dirty="0"/>
+              <a:t>符号），重写了一些正则表达式（如将字符串字面量重写为</a:t>
+            </a:r>
+            <a:r>
+              <a:rPr lang="en-US" altLang="zh-CN" dirty="0">
+                <a:latin typeface="Courier New" panose="02070309020205020404" pitchFamily="49" charset="0"/>
+                <a:cs typeface="Courier New" panose="02070309020205020404" pitchFamily="49" charset="0"/>
+              </a:rPr>
+              <a:t>\”[^”\n]*\”</a:t>
+            </a:r>
+            <a:r>
+              <a:rPr lang="zh-CN" altLang="zh-CN" dirty="0"/>
+              <a:t>），其余部分</a:t>
+            </a:r>
+            <a:r>
+              <a:rPr lang="zh-CN" altLang="en-US" dirty="0"/>
+              <a:t>基本</a:t>
+            </a:r>
+            <a:r>
+              <a:rPr lang="zh-CN" altLang="zh-CN" dirty="0"/>
+              <a:t>没有删改。</a:t>
+            </a:r>
+            <a:endParaRPr lang="en-US" altLang="zh-CN" dirty="0"/>
+          </a:p>
+          <a:p>
+            <a:pPr>
+              <a:lnSpc>
+                <a:spcPct val="150000"/>
+              </a:lnSpc>
+            </a:pPr>
+            <a:r>
+              <a:rPr lang="zh-CN" altLang="en-US" b="1" u="sng" dirty="0"/>
+              <a:t>支持的</a:t>
+            </a:r>
+            <a:r>
+              <a:rPr lang="en-US" altLang="zh-CN" b="1" u="sng" dirty="0"/>
+              <a:t>Lex</a:t>
+            </a:r>
+            <a:r>
+              <a:rPr lang="zh-CN" altLang="en-US" b="1" u="sng" dirty="0"/>
+              <a:t>特性：</a:t>
+            </a:r>
+            <a:endParaRPr lang="en-US" altLang="zh-CN" b="1" u="sng" dirty="0"/>
+          </a:p>
+          <a:p>
+            <a:pPr>
+              <a:lnSpc>
+                <a:spcPct val="150000"/>
+              </a:lnSpc>
+            </a:pPr>
+            <a:endParaRPr lang="zh-CN" altLang="en-US" b="1" dirty="0"/>
+          </a:p>
+        </p:txBody>
+      </p:sp>
+      <p:graphicFrame>
+        <p:nvGraphicFramePr>
+          <p:cNvPr id="8" name="表格 8">
+            <a:extLst>
+              <a:ext uri="{FF2B5EF4-FFF2-40B4-BE49-F238E27FC236}">
+                <a16:creationId xmlns:a16="http://schemas.microsoft.com/office/drawing/2014/main" id="{F32498CF-B40B-44DF-811B-5AE5B7471FA3}"/>
+              </a:ext>
+            </a:extLst>
+          </p:cNvPr>
+          <p:cNvGraphicFramePr>
+            <a:graphicFrameLocks noGrp="1"/>
+          </p:cNvGraphicFramePr>
+          <p:nvPr>
+            <p:extLst>
+              <p:ext uri="{D42A27DB-BD31-4B8C-83A1-F6EECF244321}">
+                <p14:modId xmlns:p14="http://schemas.microsoft.com/office/powerpoint/2010/main" val="1928247035"/>
+              </p:ext>
+            </p:extLst>
+          </p:nvPr>
+        </p:nvGraphicFramePr>
+        <p:xfrm>
+          <a:off x="951360" y="2798685"/>
+          <a:ext cx="10130407" cy="3708400"/>
+        </p:xfrm>
+        <a:graphic>
+          <a:graphicData uri="http://schemas.openxmlformats.org/drawingml/2006/table">
+            <a:tbl>
+              <a:tblPr firstRow="1" bandRow="1">
+                <a:tableStyleId>{2D5ABB26-0587-4C30-8999-92F81FD0307C}</a:tableStyleId>
+              </a:tblPr>
+              <a:tblGrid>
+                <a:gridCol w="10130407">
+                  <a:extLst>
+                    <a:ext uri="{9D8B030D-6E8A-4147-A177-3AD203B41FA5}">
+                      <a16:colId xmlns:a16="http://schemas.microsoft.com/office/drawing/2014/main" val="1145553745"/>
+                    </a:ext>
+                  </a:extLst>
+                </a:gridCol>
+              </a:tblGrid>
+              <a:tr h="370840">
+                <a:tc>
+                  <a:txBody>
+                    <a:bodyPr/>
+                    <a:lstStyle/>
+                    <a:p>
+                      <a:r>
+                        <a:rPr lang="zh-CN" altLang="en-US" dirty="0"/>
+                        <a:t>完整支持正则表达式</a:t>
+                      </a:r>
+                      <a:r>
+                        <a:rPr lang="zh-CN" altLang="en-US" b="1" dirty="0"/>
+                        <a:t>五大元符号</a:t>
+                      </a:r>
+                      <a:r>
+                        <a:rPr lang="zh-CN" altLang="en-US" dirty="0"/>
+                        <a:t>：</a:t>
+                      </a:r>
+                      <a:r>
+                        <a:rPr lang="en-US" altLang="zh-CN" dirty="0"/>
+                        <a:t>? + * | .</a:t>
+                      </a:r>
+                      <a:r>
+                        <a:rPr lang="zh-CN" altLang="en-US" dirty="0"/>
+                        <a:t>（</a:t>
+                      </a:r>
+                      <a:r>
+                        <a:rPr lang="en-US" altLang="zh-CN" dirty="0"/>
+                        <a:t>0</a:t>
+                      </a:r>
+                      <a:r>
+                        <a:rPr lang="zh-CN" altLang="en-US" dirty="0"/>
+                        <a:t>或</a:t>
+                      </a:r>
+                      <a:r>
+                        <a:rPr lang="en-US" altLang="zh-CN" dirty="0"/>
+                        <a:t>1</a:t>
+                      </a:r>
+                      <a:r>
+                        <a:rPr lang="zh-CN" altLang="en-US" dirty="0"/>
+                        <a:t>次，</a:t>
+                      </a:r>
+                      <a:r>
+                        <a:rPr lang="en-US" altLang="zh-CN" dirty="0"/>
+                        <a:t>1</a:t>
+                      </a:r>
+                      <a:r>
+                        <a:rPr lang="zh-CN" altLang="en-US" dirty="0"/>
+                        <a:t>次或以上，</a:t>
+                      </a:r>
+                      <a:r>
+                        <a:rPr lang="en-US" altLang="zh-CN" dirty="0"/>
+                        <a:t>0</a:t>
+                      </a:r>
+                      <a:r>
+                        <a:rPr lang="zh-CN" altLang="en-US" dirty="0"/>
+                        <a:t>次或以上，或，任意字符）</a:t>
+                      </a:r>
+                    </a:p>
+                  </a:txBody>
+                  <a:tcPr/>
+                </a:tc>
+                <a:extLst>
+                  <a:ext uri="{0D108BD9-81ED-4DB2-BD59-A6C34878D82A}">
+                    <a16:rowId xmlns:a16="http://schemas.microsoft.com/office/drawing/2014/main" val="693625799"/>
+                  </a:ext>
+                </a:extLst>
+              </a:tr>
+              <a:tr h="370840">
+                <a:tc>
+                  <a:txBody>
+                    <a:bodyPr/>
+                    <a:lstStyle/>
+                    <a:p>
+                      <a:r>
+                        <a:rPr lang="zh-CN" altLang="en-US" dirty="0"/>
+                        <a:t>正则</a:t>
+                      </a:r>
+                      <a:r>
+                        <a:rPr lang="en-US" altLang="zh-CN" dirty="0"/>
+                        <a:t>-</a:t>
+                      </a:r>
+                      <a:r>
+                        <a:rPr lang="zh-CN" altLang="en-US" dirty="0"/>
+                        <a:t>动作定义部分可以使用</a:t>
+                      </a:r>
+                      <a:r>
+                        <a:rPr lang="zh-CN" altLang="en-US" b="1" dirty="0"/>
+                        <a:t>或符</a:t>
+                      </a:r>
+                      <a:r>
+                        <a:rPr lang="en-US" altLang="zh-CN" b="1" dirty="0"/>
+                        <a:t>|</a:t>
+                      </a:r>
+                      <a:r>
+                        <a:rPr lang="zh-CN" altLang="en-US" dirty="0"/>
+                        <a:t>，让多条正则共享动作代码</a:t>
+                      </a:r>
+                    </a:p>
+                  </a:txBody>
+                  <a:tcPr/>
+                </a:tc>
+                <a:extLst>
+                  <a:ext uri="{0D108BD9-81ED-4DB2-BD59-A6C34878D82A}">
+                    <a16:rowId xmlns:a16="http://schemas.microsoft.com/office/drawing/2014/main" val="81934371"/>
+                  </a:ext>
+                </a:extLst>
+              </a:tr>
+              <a:tr h="370840">
+                <a:tc>
+                  <a:txBody>
+                    <a:bodyPr/>
+                    <a:lstStyle/>
+                    <a:p>
+                      <a:r>
+                        <a:rPr lang="zh-CN" altLang="en-US" dirty="0"/>
+                        <a:t>支持</a:t>
+                      </a:r>
+                      <a:r>
+                        <a:rPr lang="zh-CN" altLang="en-US" b="1" dirty="0"/>
+                        <a:t>正则别名</a:t>
+                      </a:r>
+                      <a:r>
+                        <a:rPr lang="zh-CN" altLang="en-US" dirty="0"/>
+                        <a:t>定义</a:t>
+                      </a:r>
+                    </a:p>
+                  </a:txBody>
+                  <a:tcPr/>
+                </a:tc>
+                <a:extLst>
+                  <a:ext uri="{0D108BD9-81ED-4DB2-BD59-A6C34878D82A}">
+                    <a16:rowId xmlns:a16="http://schemas.microsoft.com/office/drawing/2014/main" val="791020925"/>
+                  </a:ext>
+                </a:extLst>
+              </a:tr>
+              <a:tr h="370840">
+                <a:tc>
+                  <a:txBody>
+                    <a:bodyPr/>
+                    <a:lstStyle/>
+                    <a:p>
+                      <a:r>
+                        <a:rPr lang="zh-CN" altLang="en-US" dirty="0"/>
+                        <a:t>支持正则表达式</a:t>
+                      </a:r>
+                      <a:r>
+                        <a:rPr lang="zh-CN" altLang="en-US" b="1" dirty="0"/>
+                        <a:t>范围与范围补</a:t>
+                      </a:r>
+                      <a:r>
+                        <a:rPr lang="zh-CN" altLang="en-US" dirty="0"/>
+                        <a:t>（</a:t>
+                      </a:r>
+                      <a:r>
+                        <a:rPr lang="en-US" altLang="zh-CN" dirty="0"/>
+                        <a:t>ASCII</a:t>
+                      </a:r>
+                      <a:r>
+                        <a:rPr lang="zh-CN" altLang="en-US" dirty="0"/>
+                        <a:t>为全集）：</a:t>
+                      </a:r>
+                      <a:r>
+                        <a:rPr lang="en-US" altLang="zh-CN" dirty="0"/>
+                        <a:t>[A-Za-z0-9_]</a:t>
+                      </a:r>
+                      <a:r>
+                        <a:rPr lang="zh-CN" altLang="en-US" dirty="0"/>
+                        <a:t>、</a:t>
+                      </a:r>
+                      <a:r>
+                        <a:rPr lang="en-US" altLang="zh-CN" dirty="0"/>
+                        <a:t>[^"]</a:t>
+                      </a:r>
+                      <a:endParaRPr lang="zh-CN" altLang="en-US" dirty="0"/>
+                    </a:p>
+                  </a:txBody>
+                  <a:tcPr/>
+                </a:tc>
+                <a:extLst>
+                  <a:ext uri="{0D108BD9-81ED-4DB2-BD59-A6C34878D82A}">
+                    <a16:rowId xmlns:a16="http://schemas.microsoft.com/office/drawing/2014/main" val="1352103625"/>
+                  </a:ext>
+                </a:extLst>
+              </a:tr>
+              <a:tr h="370840">
+                <a:tc>
+                  <a:txBody>
+                    <a:bodyPr/>
+                    <a:lstStyle/>
+                    <a:p>
+                      <a:r>
+                        <a:rPr lang="zh-CN" altLang="en-US" dirty="0"/>
+                        <a:t>可以使用</a:t>
+                      </a:r>
+                      <a:r>
+                        <a:rPr lang="zh-CN" altLang="en-US" b="1" dirty="0"/>
+                        <a:t>范围型转义字符</a:t>
+                      </a:r>
+                      <a:r>
+                        <a:rPr lang="en-US" altLang="zh-CN" dirty="0"/>
+                        <a:t>\d</a:t>
+                      </a:r>
+                      <a:r>
+                        <a:rPr lang="zh-CN" altLang="en-US" dirty="0"/>
+                        <a:t>（</a:t>
+                      </a:r>
+                      <a:r>
+                        <a:rPr lang="en-US" altLang="zh-CN" dirty="0"/>
+                        <a:t>[0-9]</a:t>
+                      </a:r>
+                      <a:r>
+                        <a:rPr lang="zh-CN" altLang="en-US" dirty="0"/>
+                        <a:t>）和</a:t>
+                      </a:r>
+                      <a:r>
+                        <a:rPr lang="en-US" altLang="zh-CN" dirty="0"/>
+                        <a:t>\s</a:t>
+                      </a:r>
+                      <a:r>
+                        <a:rPr lang="zh-CN" altLang="en-US" dirty="0"/>
+                        <a:t>（</a:t>
+                      </a:r>
+                      <a:r>
+                        <a:rPr lang="en-US" altLang="zh-CN" dirty="0"/>
+                        <a:t>[ \t\r\n]</a:t>
+                      </a:r>
+                      <a:r>
+                        <a:rPr lang="zh-CN" altLang="en-US" dirty="0"/>
+                        <a:t>）</a:t>
+                      </a:r>
+                    </a:p>
+                  </a:txBody>
+                  <a:tcPr/>
+                </a:tc>
+                <a:extLst>
+                  <a:ext uri="{0D108BD9-81ED-4DB2-BD59-A6C34878D82A}">
+                    <a16:rowId xmlns:a16="http://schemas.microsoft.com/office/drawing/2014/main" val="606111304"/>
+                  </a:ext>
+                </a:extLst>
+              </a:tr>
+              <a:tr h="370840">
+                <a:tc>
+                  <a:txBody>
+                    <a:bodyPr/>
+                    <a:lstStyle/>
+                    <a:p>
+                      <a:r>
+                        <a:rPr lang="zh-CN" altLang="en-US" dirty="0"/>
+                        <a:t>支持</a:t>
+                      </a:r>
+                      <a:r>
+                        <a:rPr lang="en-US" altLang="zh-CN" b="1" dirty="0" err="1"/>
+                        <a:t>yylineno</a:t>
+                      </a:r>
+                      <a:r>
+                        <a:rPr lang="zh-CN" altLang="en-US" dirty="0"/>
+                        <a:t>获取行号、</a:t>
+                      </a:r>
+                      <a:r>
+                        <a:rPr lang="en-US" altLang="zh-CN" b="1" dirty="0" err="1"/>
+                        <a:t>yyleng</a:t>
+                      </a:r>
+                      <a:r>
+                        <a:rPr lang="zh-CN" altLang="en-US" dirty="0"/>
+                        <a:t>获取词法单元长度、</a:t>
+                      </a:r>
+                      <a:r>
+                        <a:rPr lang="en-US" altLang="zh-CN" b="1" dirty="0" err="1"/>
+                        <a:t>yytext</a:t>
+                      </a:r>
+                      <a:r>
+                        <a:rPr lang="zh-CN" altLang="en-US" dirty="0"/>
+                        <a:t>获取当前匹配字符串</a:t>
+                      </a:r>
+                    </a:p>
+                  </a:txBody>
+                  <a:tcPr/>
+                </a:tc>
+                <a:extLst>
+                  <a:ext uri="{0D108BD9-81ED-4DB2-BD59-A6C34878D82A}">
+                    <a16:rowId xmlns:a16="http://schemas.microsoft.com/office/drawing/2014/main" val="2247018593"/>
+                  </a:ext>
+                </a:extLst>
+              </a:tr>
+              <a:tr h="370840">
+                <a:tc>
+                  <a:txBody>
+                    <a:bodyPr/>
+                    <a:lstStyle/>
+                    <a:p>
+                      <a:r>
+                        <a:rPr lang="zh-CN" altLang="en-US" dirty="0"/>
+                        <a:t>支持</a:t>
+                      </a:r>
+                      <a:r>
+                        <a:rPr lang="en-US" altLang="zh-CN" b="1" dirty="0" err="1"/>
+                        <a:t>yyless</a:t>
+                      </a:r>
+                      <a:r>
+                        <a:rPr lang="zh-CN" altLang="en-US" dirty="0"/>
+                        <a:t>回退词法单元、</a:t>
+                      </a:r>
+                      <a:r>
+                        <a:rPr lang="en-US" altLang="zh-CN" b="1" dirty="0" err="1"/>
+                        <a:t>yymore</a:t>
+                      </a:r>
+                      <a:r>
+                        <a:rPr lang="zh-CN" altLang="en-US" dirty="0"/>
+                        <a:t>补进词法单元</a:t>
+                      </a:r>
+                    </a:p>
+                  </a:txBody>
+                  <a:tcPr/>
+                </a:tc>
+                <a:extLst>
+                  <a:ext uri="{0D108BD9-81ED-4DB2-BD59-A6C34878D82A}">
+                    <a16:rowId xmlns:a16="http://schemas.microsoft.com/office/drawing/2014/main" val="3695011139"/>
+                  </a:ext>
+                </a:extLst>
+              </a:tr>
+              <a:tr h="370840">
+                <a:tc>
+                  <a:txBody>
+                    <a:bodyPr/>
+                    <a:lstStyle/>
+                    <a:p>
+                      <a:r>
+                        <a:rPr lang="zh-CN" altLang="en-US" dirty="0"/>
+                        <a:t>支持</a:t>
+                      </a:r>
+                      <a:r>
+                        <a:rPr lang="en-US" altLang="zh-CN" b="1" dirty="0" err="1"/>
+                        <a:t>yywrap</a:t>
+                      </a:r>
+                      <a:r>
+                        <a:rPr lang="zh-CN" altLang="en-US" dirty="0"/>
+                        <a:t>多输入文件连续处理、</a:t>
+                      </a:r>
+                      <a:r>
+                        <a:rPr lang="en-US" altLang="zh-CN" b="1" dirty="0"/>
+                        <a:t>ECHO</a:t>
+                      </a:r>
+                      <a:r>
+                        <a:rPr lang="zh-CN" altLang="en-US" dirty="0"/>
+                        <a:t>输出</a:t>
+                      </a:r>
+                      <a:r>
+                        <a:rPr lang="en-US" altLang="zh-CN" dirty="0" err="1"/>
+                        <a:t>yytext</a:t>
+                      </a:r>
+                      <a:endParaRPr lang="zh-CN" altLang="en-US" dirty="0"/>
+                    </a:p>
+                  </a:txBody>
+                  <a:tcPr/>
+                </a:tc>
+                <a:extLst>
+                  <a:ext uri="{0D108BD9-81ED-4DB2-BD59-A6C34878D82A}">
+                    <a16:rowId xmlns:a16="http://schemas.microsoft.com/office/drawing/2014/main" val="2267204239"/>
+                  </a:ext>
+                </a:extLst>
+              </a:tr>
+              <a:tr h="370840">
+                <a:tc>
+                  <a:txBody>
+                    <a:bodyPr/>
+                    <a:lstStyle/>
+                    <a:p>
+                      <a:r>
+                        <a:rPr lang="zh-CN" altLang="en-US" dirty="0"/>
+                        <a:t>实现了</a:t>
+                      </a:r>
+                      <a:r>
+                        <a:rPr lang="zh-CN" altLang="en-US" b="1" dirty="0"/>
+                        <a:t>最长匹配原则</a:t>
+                      </a:r>
+                    </a:p>
+                  </a:txBody>
+                  <a:tcPr/>
+                </a:tc>
+                <a:extLst>
+                  <a:ext uri="{0D108BD9-81ED-4DB2-BD59-A6C34878D82A}">
+                    <a16:rowId xmlns:a16="http://schemas.microsoft.com/office/drawing/2014/main" val="1062450618"/>
+                  </a:ext>
+                </a:extLst>
+              </a:tr>
+              <a:tr h="370840">
+                <a:tc>
+                  <a:txBody>
+                    <a:bodyPr/>
+                    <a:lstStyle/>
+                    <a:p>
+                      <a:r>
+                        <a:rPr lang="zh-CN" altLang="en-US" dirty="0"/>
+                        <a:t>可在用户程序段重定向</a:t>
+                      </a:r>
+                      <a:r>
+                        <a:rPr lang="en-US" altLang="zh-CN" b="1" dirty="0" err="1"/>
+                        <a:t>yyin</a:t>
+                      </a:r>
+                      <a:r>
+                        <a:rPr lang="zh-CN" altLang="en-US" dirty="0"/>
+                        <a:t>和</a:t>
+                      </a:r>
+                      <a:r>
+                        <a:rPr lang="en-US" altLang="zh-CN" b="1" dirty="0" err="1"/>
+                        <a:t>yyout</a:t>
+                      </a:r>
+                      <a:r>
+                        <a:rPr lang="zh-CN" altLang="en-US" dirty="0"/>
+                        <a:t>输出流，默认为</a:t>
+                      </a:r>
+                      <a:r>
+                        <a:rPr lang="en-US" altLang="zh-CN" dirty="0" err="1"/>
+                        <a:t>yyout</a:t>
+                      </a:r>
+                      <a:r>
+                        <a:rPr lang="en-US" altLang="zh-CN" dirty="0"/>
+                        <a:t> = </a:t>
+                      </a:r>
+                      <a:r>
+                        <a:rPr lang="en-US" altLang="zh-CN" dirty="0" err="1"/>
+                        <a:t>stdout</a:t>
+                      </a:r>
+                      <a:endParaRPr lang="zh-CN" altLang="en-US" dirty="0"/>
+                    </a:p>
+                  </a:txBody>
+                  <a:tcPr/>
+                </a:tc>
+                <a:extLst>
+                  <a:ext uri="{0D108BD9-81ED-4DB2-BD59-A6C34878D82A}">
+                    <a16:rowId xmlns:a16="http://schemas.microsoft.com/office/drawing/2014/main" val="3015836943"/>
+                  </a:ext>
+                </a:extLst>
+              </a:tr>
+            </a:tbl>
+          </a:graphicData>
+        </a:graphic>
+      </p:graphicFrame>
+      <p:pic>
+        <p:nvPicPr>
+          <p:cNvPr id="11" name="图片 10">
+            <a:extLst>
+              <a:ext uri="{FF2B5EF4-FFF2-40B4-BE49-F238E27FC236}">
+                <a16:creationId xmlns:a16="http://schemas.microsoft.com/office/drawing/2014/main" id="{7F3787C4-7990-4C6C-9579-E21154F47704}"/>
+              </a:ext>
+            </a:extLst>
+          </p:cNvPr>
+          <p:cNvPicPr>
+            <a:picLocks noChangeAspect="1"/>
+          </p:cNvPicPr>
+          <p:nvPr/>
+        </p:nvPicPr>
+        <p:blipFill>
+          <a:blip r:embed="rId2">
+            <a:extLst>
+              <a:ext uri="{28A0092B-C50C-407E-A947-70E740481C1C}">
+                <a14:useLocalDpi xmlns:a14="http://schemas.microsoft.com/office/drawing/2010/main" val="0"/>
+              </a:ext>
+            </a:extLst>
+          </a:blip>
+          <a:stretch>
+            <a:fillRect/>
+          </a:stretch>
+        </p:blipFill>
+        <p:spPr>
+          <a:xfrm>
+            <a:off x="8147728" y="630345"/>
+            <a:ext cx="882311" cy="882311"/>
           </a:xfrm>
           <a:prstGeom prst="rect">
             <a:avLst/>
@@ -3360,7 +8686,3137 @@
     </p:spTree>
     <p:extLst>
       <p:ext uri="{BB962C8B-B14F-4D97-AF65-F5344CB8AC3E}">
-        <p14:creationId xmlns:p14="http://schemas.microsoft.com/office/powerpoint/2010/main" val="3712966250"/>
+        <p14:creationId xmlns:p14="http://schemas.microsoft.com/office/powerpoint/2010/main" val="527021856"/>
+      </p:ext>
+    </p:extLst>
+  </p:cSld>
+  <p:clrMapOvr>
+    <a:masterClrMapping/>
+  </p:clrMapOvr>
+</p:sld>
+</file>
+
+<file path=ppt/slides/slide5.xml><?xml version="1.0" encoding="utf-8"?>
+<p:sld xmlns:a="http://schemas.openxmlformats.org/drawingml/2006/main" xmlns:r="http://schemas.openxmlformats.org/officeDocument/2006/relationships" xmlns:p="http://schemas.openxmlformats.org/presentationml/2006/main">
+  <p:cSld>
+    <p:spTree>
+      <p:nvGrpSpPr>
+        <p:cNvPr id="1" name=""/>
+        <p:cNvGrpSpPr/>
+        <p:nvPr/>
+      </p:nvGrpSpPr>
+      <p:grpSpPr>
+        <a:xfrm>
+          <a:off x="0" y="0"/>
+          <a:ext cx="0" cy="0"/>
+          <a:chOff x="0" y="0"/>
+          <a:chExt cx="0" cy="0"/>
+        </a:xfrm>
+      </p:grpSpPr>
+      <p:pic>
+        <p:nvPicPr>
+          <p:cNvPr id="2050" name="图片 1">
+            <a:extLst>
+              <a:ext uri="{FF2B5EF4-FFF2-40B4-BE49-F238E27FC236}">
+                <a16:creationId xmlns:a16="http://schemas.microsoft.com/office/drawing/2014/main" id="{758BE0D8-CDFD-4AC3-A409-91BF99E2F975}"/>
+              </a:ext>
+            </a:extLst>
+          </p:cNvPr>
+          <p:cNvPicPr>
+            <a:picLocks noChangeAspect="1" noChangeArrowheads="1"/>
+          </p:cNvPicPr>
+          <p:nvPr/>
+        </p:nvPicPr>
+        <p:blipFill>
+          <a:blip r:embed="rId2">
+            <a:extLst>
+              <a:ext uri="{28A0092B-C50C-407E-A947-70E740481C1C}">
+                <a14:useLocalDpi xmlns:a14="http://schemas.microsoft.com/office/drawing/2010/main" val="0"/>
+              </a:ext>
+            </a:extLst>
+          </a:blip>
+          <a:srcRect/>
+          <a:stretch>
+            <a:fillRect/>
+          </a:stretch>
+        </p:blipFill>
+        <p:spPr bwMode="auto">
+          <a:xfrm>
+            <a:off x="3010250" y="2068497"/>
+            <a:ext cx="5364855" cy="3680630"/>
+          </a:xfrm>
+          <a:prstGeom prst="rect">
+            <a:avLst/>
+          </a:prstGeom>
+          <a:noFill/>
+          <a:ln>
+            <a:noFill/>
+          </a:ln>
+          <a:extLst>
+            <a:ext uri="{909E8E84-426E-40DD-AFC4-6F175D3DCCD1}">
+              <a14:hiddenFill xmlns:a14="http://schemas.microsoft.com/office/drawing/2010/main">
+                <a:solidFill>
+                  <a:srgbClr val="FFFFFF"/>
+                </a:solidFill>
+              </a14:hiddenFill>
+            </a:ext>
+            <a:ext uri="{91240B29-F687-4F45-9708-019B960494DF}">
+              <a14:hiddenLine xmlns:a14="http://schemas.microsoft.com/office/drawing/2010/main" w="9525">
+                <a:solidFill>
+                  <a:srgbClr val="000000"/>
+                </a:solidFill>
+                <a:miter lim="800000"/>
+                <a:headEnd/>
+                <a:tailEnd/>
+              </a14:hiddenLine>
+            </a:ext>
+          </a:extLst>
+        </p:spPr>
+      </p:pic>
+      <p:sp>
+        <p:nvSpPr>
+          <p:cNvPr id="5" name="文本框 4">
+            <a:extLst>
+              <a:ext uri="{FF2B5EF4-FFF2-40B4-BE49-F238E27FC236}">
+                <a16:creationId xmlns:a16="http://schemas.microsoft.com/office/drawing/2014/main" id="{8F63DC0B-8CBF-4514-BF0F-39EFBD2138FA}"/>
+              </a:ext>
+            </a:extLst>
+          </p:cNvPr>
+          <p:cNvSpPr txBox="1"/>
+          <p:nvPr/>
+        </p:nvSpPr>
+        <p:spPr>
+          <a:xfrm>
+            <a:off x="96176" y="124288"/>
+            <a:ext cx="5999824" cy="523220"/>
+          </a:xfrm>
+          <a:prstGeom prst="rect">
+            <a:avLst/>
+          </a:prstGeom>
+          <a:noFill/>
+        </p:spPr>
+        <p:txBody>
+          <a:bodyPr wrap="square" rtlCol="0">
+            <a:spAutoFit/>
+          </a:bodyPr>
+          <a:lstStyle/>
+          <a:p>
+            <a:pPr algn="ctr"/>
+            <a:r>
+              <a:rPr lang="en-US" altLang="zh-CN" sz="2800" b="1" dirty="0"/>
+              <a:t>PART1 – </a:t>
+            </a:r>
+            <a:r>
+              <a:rPr lang="zh-CN" altLang="en-US" sz="2800" b="1" dirty="0"/>
+              <a:t>词法分析器的生成器</a:t>
+            </a:r>
+            <a:r>
+              <a:rPr lang="en-US" altLang="zh-CN" sz="2800" b="1" dirty="0" err="1"/>
+              <a:t>SeuLex</a:t>
+            </a:r>
+            <a:endParaRPr lang="zh-CN" altLang="en-US" sz="2800" b="1" dirty="0"/>
+          </a:p>
+        </p:txBody>
+      </p:sp>
+      <p:sp>
+        <p:nvSpPr>
+          <p:cNvPr id="4" name="文本框 3">
+            <a:extLst>
+              <a:ext uri="{FF2B5EF4-FFF2-40B4-BE49-F238E27FC236}">
+                <a16:creationId xmlns:a16="http://schemas.microsoft.com/office/drawing/2014/main" id="{D45092C6-AD47-4CCD-AB56-407272607974}"/>
+              </a:ext>
+            </a:extLst>
+          </p:cNvPr>
+          <p:cNvSpPr txBox="1"/>
+          <p:nvPr/>
+        </p:nvSpPr>
+        <p:spPr>
+          <a:xfrm>
+            <a:off x="2379540" y="1321937"/>
+            <a:ext cx="2476870" cy="369332"/>
+          </a:xfrm>
+          <a:prstGeom prst="rect">
+            <a:avLst/>
+          </a:prstGeom>
+          <a:noFill/>
+        </p:spPr>
+        <p:txBody>
+          <a:bodyPr wrap="square" rtlCol="0">
+            <a:spAutoFit/>
+          </a:bodyPr>
+          <a:lstStyle/>
+          <a:p>
+            <a:r>
+              <a:rPr lang="zh-CN" altLang="en-US" b="1" u="sng" dirty="0"/>
+              <a:t>主体部分工作流图</a:t>
+            </a:r>
+          </a:p>
+        </p:txBody>
+      </p:sp>
+    </p:spTree>
+    <p:extLst>
+      <p:ext uri="{BB962C8B-B14F-4D97-AF65-F5344CB8AC3E}">
+        <p14:creationId xmlns:p14="http://schemas.microsoft.com/office/powerpoint/2010/main" val="1851083466"/>
+      </p:ext>
+    </p:extLst>
+  </p:cSld>
+  <p:clrMapOvr>
+    <a:masterClrMapping/>
+  </p:clrMapOvr>
+</p:sld>
+</file>
+
+<file path=ppt/slides/slide6.xml><?xml version="1.0" encoding="utf-8"?>
+<p:sld xmlns:a="http://schemas.openxmlformats.org/drawingml/2006/main" xmlns:r="http://schemas.openxmlformats.org/officeDocument/2006/relationships" xmlns:p="http://schemas.openxmlformats.org/presentationml/2006/main">
+  <p:cSld>
+    <p:spTree>
+      <p:nvGrpSpPr>
+        <p:cNvPr id="1" name=""/>
+        <p:cNvGrpSpPr/>
+        <p:nvPr/>
+      </p:nvGrpSpPr>
+      <p:grpSpPr>
+        <a:xfrm>
+          <a:off x="0" y="0"/>
+          <a:ext cx="0" cy="0"/>
+          <a:chOff x="0" y="0"/>
+          <a:chExt cx="0" cy="0"/>
+        </a:xfrm>
+      </p:grpSpPr>
+      <p:sp>
+        <p:nvSpPr>
+          <p:cNvPr id="12" name="矩形 11">
+            <a:extLst>
+              <a:ext uri="{FF2B5EF4-FFF2-40B4-BE49-F238E27FC236}">
+                <a16:creationId xmlns:a16="http://schemas.microsoft.com/office/drawing/2014/main" id="{06930648-42DF-4565-B58C-86A692D2102D}"/>
+              </a:ext>
+            </a:extLst>
+          </p:cNvPr>
+          <p:cNvSpPr/>
+          <p:nvPr/>
+        </p:nvSpPr>
+        <p:spPr>
+          <a:xfrm>
+            <a:off x="472168" y="2741349"/>
+            <a:ext cx="11158886" cy="3810049"/>
+          </a:xfrm>
+          <a:prstGeom prst="rect">
+            <a:avLst/>
+          </a:prstGeom>
+          <a:solidFill>
+            <a:schemeClr val="accent5">
+              <a:lumMod val="20000"/>
+              <a:lumOff val="80000"/>
+            </a:schemeClr>
+          </a:solidFill>
+        </p:spPr>
+        <p:style>
+          <a:lnRef idx="2">
+            <a:schemeClr val="accent3">
+              <a:shade val="50000"/>
+            </a:schemeClr>
+          </a:lnRef>
+          <a:fillRef idx="1">
+            <a:schemeClr val="accent3"/>
+          </a:fillRef>
+          <a:effectRef idx="0">
+            <a:schemeClr val="accent3"/>
+          </a:effectRef>
+          <a:fontRef idx="minor">
+            <a:schemeClr val="lt1"/>
+          </a:fontRef>
+        </p:style>
+        <p:txBody>
+          <a:bodyPr rtlCol="0" anchor="ctr"/>
+          <a:lstStyle/>
+          <a:p>
+            <a:pPr algn="ctr"/>
+            <a:endParaRPr lang="zh-CN" altLang="en-US"/>
+          </a:p>
+        </p:txBody>
+      </p:sp>
+      <p:sp>
+        <p:nvSpPr>
+          <p:cNvPr id="4" name="文本框 3">
+            <a:extLst>
+              <a:ext uri="{FF2B5EF4-FFF2-40B4-BE49-F238E27FC236}">
+                <a16:creationId xmlns:a16="http://schemas.microsoft.com/office/drawing/2014/main" id="{FCD2CE2B-5B54-4975-B509-2268664E13A4}"/>
+              </a:ext>
+            </a:extLst>
+          </p:cNvPr>
+          <p:cNvSpPr txBox="1"/>
+          <p:nvPr/>
+        </p:nvSpPr>
+        <p:spPr>
+          <a:xfrm>
+            <a:off x="96176" y="124288"/>
+            <a:ext cx="5999824" cy="523220"/>
+          </a:xfrm>
+          <a:prstGeom prst="rect">
+            <a:avLst/>
+          </a:prstGeom>
+          <a:noFill/>
+        </p:spPr>
+        <p:txBody>
+          <a:bodyPr wrap="square" rtlCol="0">
+            <a:spAutoFit/>
+          </a:bodyPr>
+          <a:lstStyle/>
+          <a:p>
+            <a:pPr algn="ctr"/>
+            <a:r>
+              <a:rPr lang="en-US" altLang="zh-CN" sz="2800" b="1" dirty="0"/>
+              <a:t>PART1 – </a:t>
+            </a:r>
+            <a:r>
+              <a:rPr lang="zh-CN" altLang="en-US" sz="2800" b="1" dirty="0"/>
+              <a:t>词法分析器的生成器</a:t>
+            </a:r>
+            <a:r>
+              <a:rPr lang="en-US" altLang="zh-CN" sz="2800" b="1" dirty="0" err="1"/>
+              <a:t>SeuLex</a:t>
+            </a:r>
+            <a:endParaRPr lang="zh-CN" altLang="en-US" sz="2800" b="1" dirty="0"/>
+          </a:p>
+        </p:txBody>
+      </p:sp>
+      <p:sp>
+        <p:nvSpPr>
+          <p:cNvPr id="5" name="矩形 4">
+            <a:extLst>
+              <a:ext uri="{FF2B5EF4-FFF2-40B4-BE49-F238E27FC236}">
+                <a16:creationId xmlns:a16="http://schemas.microsoft.com/office/drawing/2014/main" id="{9E3B2F12-99D7-44DA-A76A-D581C1A6E90B}"/>
+              </a:ext>
+            </a:extLst>
+          </p:cNvPr>
+          <p:cNvSpPr/>
+          <p:nvPr/>
+        </p:nvSpPr>
+        <p:spPr>
+          <a:xfrm>
+            <a:off x="399840" y="805704"/>
+            <a:ext cx="3235181" cy="400110"/>
+          </a:xfrm>
+          <a:prstGeom prst="rect">
+            <a:avLst/>
+          </a:prstGeom>
+        </p:spPr>
+        <p:txBody>
+          <a:bodyPr wrap="none">
+            <a:spAutoFit/>
+          </a:bodyPr>
+          <a:lstStyle/>
+          <a:p>
+            <a:r>
+              <a:rPr lang="en-US" altLang="zh-CN" sz="2000" b="1" u="sng" dirty="0"/>
+              <a:t>Lex</a:t>
+            </a:r>
+            <a:r>
+              <a:rPr lang="zh-CN" altLang="zh-CN" sz="2000" b="1" u="sng" dirty="0"/>
+              <a:t>文件解析器</a:t>
+            </a:r>
+            <a:r>
+              <a:rPr lang="en-US" altLang="zh-CN" sz="2000" b="1" dirty="0"/>
+              <a:t>  </a:t>
+            </a:r>
+            <a:r>
+              <a:rPr lang="en-US" altLang="zh-CN" b="1" dirty="0" err="1"/>
+              <a:t>LexParser.ts</a:t>
+            </a:r>
+            <a:endParaRPr lang="zh-CN" altLang="en-US" b="1" dirty="0"/>
+          </a:p>
+        </p:txBody>
+      </p:sp>
+      <p:sp>
+        <p:nvSpPr>
+          <p:cNvPr id="6" name="矩形 5">
+            <a:extLst>
+              <a:ext uri="{FF2B5EF4-FFF2-40B4-BE49-F238E27FC236}">
+                <a16:creationId xmlns:a16="http://schemas.microsoft.com/office/drawing/2014/main" id="{3537A48B-80FE-4D14-9E5A-FDCF09B81782}"/>
+              </a:ext>
+            </a:extLst>
+          </p:cNvPr>
+          <p:cNvSpPr/>
+          <p:nvPr/>
+        </p:nvSpPr>
+        <p:spPr>
+          <a:xfrm>
+            <a:off x="472168" y="3110681"/>
+            <a:ext cx="4107402" cy="3372783"/>
+          </a:xfrm>
+          <a:prstGeom prst="rect">
+            <a:avLst/>
+          </a:prstGeom>
+        </p:spPr>
+        <p:txBody>
+          <a:bodyPr wrap="square">
+            <a:spAutoFit/>
+          </a:bodyPr>
+          <a:lstStyle/>
+          <a:p>
+            <a:pPr>
+              <a:lnSpc>
+                <a:spcPct val="150000"/>
+              </a:lnSpc>
+            </a:pPr>
+            <a:r>
+              <a:rPr lang="en-US" altLang="zh-CN" dirty="0">
+                <a:latin typeface="Iosevka SS01" panose="02000509000000000000" pitchFamily="49" charset="0"/>
+              </a:rPr>
+              <a:t>{title} { </a:t>
+            </a:r>
+            <a:r>
+              <a:rPr lang="en-US" altLang="zh-CN" dirty="0" err="1">
+                <a:latin typeface="Iosevka SS01" panose="02000509000000000000" pitchFamily="49" charset="0"/>
+              </a:rPr>
+              <a:t>dosomething</a:t>
+            </a:r>
+            <a:r>
+              <a:rPr lang="en-US" altLang="zh-CN" dirty="0">
+                <a:latin typeface="Iosevka SS01" panose="02000509000000000000" pitchFamily="49" charset="0"/>
+              </a:rPr>
+              <a:t>; </a:t>
+            </a:r>
+            <a:r>
+              <a:rPr lang="en-US" altLang="zh-CN" dirty="0" err="1">
+                <a:latin typeface="Iosevka SS01" panose="02000509000000000000" pitchFamily="49" charset="0"/>
+              </a:rPr>
+              <a:t>doelse</a:t>
+            </a:r>
+            <a:r>
+              <a:rPr lang="en-US" altLang="zh-CN" dirty="0">
+                <a:latin typeface="Iosevka SS01" panose="02000509000000000000" pitchFamily="49" charset="0"/>
+              </a:rPr>
+              <a:t>; }</a:t>
+            </a:r>
+          </a:p>
+          <a:p>
+            <a:pPr>
+              <a:lnSpc>
+                <a:spcPct val="150000"/>
+              </a:lnSpc>
+            </a:pPr>
+            <a:r>
+              <a:rPr lang="en-US" altLang="zh-CN" dirty="0">
+                <a:latin typeface="Iosevka SS01" panose="02000509000000000000" pitchFamily="49" charset="0"/>
+              </a:rPr>
+              <a:t>[a-</a:t>
+            </a:r>
+            <a:r>
+              <a:rPr lang="en-US" altLang="zh-CN" dirty="0" err="1">
+                <a:latin typeface="Iosevka SS01" panose="02000509000000000000" pitchFamily="49" charset="0"/>
+              </a:rPr>
+              <a:t>zA</a:t>
+            </a:r>
+            <a:r>
+              <a:rPr lang="en-US" altLang="zh-CN" dirty="0">
+                <a:latin typeface="Iosevka SS01" panose="02000509000000000000" pitchFamily="49" charset="0"/>
+              </a:rPr>
+              <a:t>-Z_] { </a:t>
+            </a:r>
+          </a:p>
+          <a:p>
+            <a:pPr>
+              <a:lnSpc>
+                <a:spcPct val="150000"/>
+              </a:lnSpc>
+            </a:pPr>
+            <a:r>
+              <a:rPr lang="en-US" altLang="zh-CN" dirty="0">
+                <a:latin typeface="Iosevka SS01" panose="02000509000000000000" pitchFamily="49" charset="0"/>
+              </a:rPr>
+              <a:t>  </a:t>
+            </a:r>
+            <a:r>
+              <a:rPr lang="en-US" altLang="zh-CN" dirty="0" err="1">
+                <a:latin typeface="Iosevka SS01" panose="02000509000000000000" pitchFamily="49" charset="0"/>
+              </a:rPr>
+              <a:t>dosomething</a:t>
+            </a:r>
+            <a:r>
+              <a:rPr lang="en-US" altLang="zh-CN" dirty="0">
+                <a:latin typeface="Iosevka SS01" panose="02000509000000000000" pitchFamily="49" charset="0"/>
+              </a:rPr>
+              <a:t>; </a:t>
+            </a:r>
+            <a:r>
+              <a:rPr lang="en-US" altLang="zh-CN" dirty="0" err="1">
+                <a:latin typeface="Iosevka SS01" panose="02000509000000000000" pitchFamily="49" charset="0"/>
+              </a:rPr>
+              <a:t>doelse</a:t>
+            </a:r>
+            <a:r>
+              <a:rPr lang="en-US" altLang="zh-CN" dirty="0">
+                <a:latin typeface="Iosevka SS01" panose="02000509000000000000" pitchFamily="49" charset="0"/>
+              </a:rPr>
+              <a:t>; </a:t>
+            </a:r>
+          </a:p>
+          <a:p>
+            <a:pPr>
+              <a:lnSpc>
+                <a:spcPct val="150000"/>
+              </a:lnSpc>
+            </a:pPr>
+            <a:r>
+              <a:rPr lang="en-US" altLang="zh-CN" dirty="0">
+                <a:latin typeface="Iosevka SS01" panose="02000509000000000000" pitchFamily="49" charset="0"/>
+              </a:rPr>
+              <a:t>}</a:t>
+            </a:r>
+          </a:p>
+          <a:p>
+            <a:pPr>
+              <a:lnSpc>
+                <a:spcPct val="150000"/>
+              </a:lnSpc>
+            </a:pPr>
+            <a:r>
+              <a:rPr lang="en-US" altLang="zh-CN" dirty="0" err="1">
+                <a:latin typeface="Iosevka SS01" panose="02000509000000000000" pitchFamily="49" charset="0"/>
+              </a:rPr>
+              <a:t>a+b</a:t>
+            </a:r>
+            <a:r>
+              <a:rPr lang="en-US" altLang="zh-CN" dirty="0">
+                <a:latin typeface="Iosevka SS01" panose="02000509000000000000" pitchFamily="49" charset="0"/>
+              </a:rPr>
+              <a:t>? return 0;</a:t>
+            </a:r>
+          </a:p>
+          <a:p>
+            <a:pPr>
+              <a:lnSpc>
+                <a:spcPct val="150000"/>
+              </a:lnSpc>
+            </a:pPr>
+            <a:r>
+              <a:rPr lang="en-US" altLang="zh-CN" dirty="0">
+                <a:latin typeface="Iosevka SS01" panose="02000509000000000000" pitchFamily="49" charset="0"/>
+              </a:rPr>
+              <a:t>(\r|\n) ;</a:t>
+            </a:r>
+          </a:p>
+          <a:p>
+            <a:pPr>
+              <a:lnSpc>
+                <a:spcPct val="150000"/>
+              </a:lnSpc>
+            </a:pPr>
+            <a:r>
+              <a:rPr lang="en-US" altLang="zh-CN" dirty="0">
+                <a:latin typeface="Iosevka SS01" panose="02000509000000000000" pitchFamily="49" charset="0"/>
+              </a:rPr>
+              <a:t>P |</a:t>
+            </a:r>
+          </a:p>
+          <a:p>
+            <a:pPr>
+              <a:lnSpc>
+                <a:spcPct val="150000"/>
+              </a:lnSpc>
+            </a:pPr>
+            <a:r>
+              <a:rPr lang="en-US" altLang="zh-CN" dirty="0">
+                <a:latin typeface="Iosevka SS01" panose="02000509000000000000" pitchFamily="49" charset="0"/>
+              </a:rPr>
+              <a:t>B {</a:t>
+            </a:r>
+            <a:r>
+              <a:rPr lang="en-US" altLang="zh-CN" dirty="0" err="1">
+                <a:latin typeface="Iosevka SS01" panose="02000509000000000000" pitchFamily="49" charset="0"/>
+              </a:rPr>
+              <a:t>dosomething</a:t>
+            </a:r>
+            <a:r>
+              <a:rPr lang="en-US" altLang="zh-CN" dirty="0">
+                <a:latin typeface="Iosevka SS01" panose="02000509000000000000" pitchFamily="49" charset="0"/>
+              </a:rPr>
+              <a:t>;}</a:t>
+            </a:r>
+          </a:p>
+        </p:txBody>
+      </p:sp>
+      <p:sp>
+        <p:nvSpPr>
+          <p:cNvPr id="7" name="矩形 6">
+            <a:extLst>
+              <a:ext uri="{FF2B5EF4-FFF2-40B4-BE49-F238E27FC236}">
+                <a16:creationId xmlns:a16="http://schemas.microsoft.com/office/drawing/2014/main" id="{99D4BEEA-408E-4A11-AB53-E48F61DFF08D}"/>
+              </a:ext>
+            </a:extLst>
+          </p:cNvPr>
+          <p:cNvSpPr/>
+          <p:nvPr/>
+        </p:nvSpPr>
+        <p:spPr>
+          <a:xfrm>
+            <a:off x="399840" y="1175036"/>
+            <a:ext cx="11158886" cy="881139"/>
+          </a:xfrm>
+          <a:prstGeom prst="rect">
+            <a:avLst/>
+          </a:prstGeom>
+        </p:spPr>
+        <p:txBody>
+          <a:bodyPr wrap="square">
+            <a:spAutoFit/>
+          </a:bodyPr>
+          <a:lstStyle/>
+          <a:p>
+            <a:pPr>
+              <a:lnSpc>
+                <a:spcPct val="150000"/>
+              </a:lnSpc>
+            </a:pPr>
+            <a:r>
+              <a:rPr lang="zh-CN" altLang="zh-CN" dirty="0"/>
+              <a:t>通过对文件内容逐行扫描，</a:t>
+            </a:r>
+            <a:r>
+              <a:rPr lang="zh-CN" altLang="en-US" dirty="0"/>
+              <a:t>借助</a:t>
+            </a:r>
+            <a:r>
+              <a:rPr lang="zh-CN" altLang="zh-CN" dirty="0"/>
+              <a:t>定界符</a:t>
+            </a:r>
+            <a:r>
+              <a:rPr lang="en-US" altLang="zh-CN" dirty="0"/>
+              <a:t>%%</a:t>
+            </a:r>
+            <a:r>
+              <a:rPr lang="zh-CN" altLang="zh-CN" dirty="0"/>
+              <a:t>和</a:t>
+            </a:r>
+            <a:r>
+              <a:rPr lang="en-US" altLang="zh-CN" dirty="0"/>
+              <a:t>%}</a:t>
+            </a:r>
+            <a:r>
+              <a:rPr lang="zh-CN" altLang="zh-CN" dirty="0"/>
+              <a:t>等进行判别</a:t>
+            </a:r>
+            <a:r>
+              <a:rPr lang="zh-CN" altLang="en-US" dirty="0"/>
+              <a:t>，获取</a:t>
+            </a:r>
+            <a:r>
+              <a:rPr lang="en-US" altLang="zh-CN" dirty="0"/>
+              <a:t>.l</a:t>
+            </a:r>
+            <a:r>
+              <a:rPr lang="zh-CN" altLang="en-US" dirty="0"/>
+              <a:t>文件的四大部分：</a:t>
+            </a:r>
+            <a:r>
+              <a:rPr lang="zh-CN" altLang="zh-CN" b="1" dirty="0"/>
+              <a:t>开头的直接复制部分、主体的正则</a:t>
+            </a:r>
+            <a:r>
+              <a:rPr lang="en-US" altLang="zh-CN" b="1" dirty="0"/>
+              <a:t>-</a:t>
+            </a:r>
+            <a:r>
+              <a:rPr lang="zh-CN" altLang="zh-CN" b="1" dirty="0"/>
+              <a:t>动作部分、末尾的用户</a:t>
+            </a:r>
+            <a:r>
+              <a:rPr lang="en-US" altLang="zh-CN" b="1" dirty="0"/>
+              <a:t>C</a:t>
+            </a:r>
+            <a:r>
+              <a:rPr lang="zh-CN" altLang="zh-CN" b="1" dirty="0"/>
+              <a:t>代码部分、夹杂在中间的正则别名部分</a:t>
+            </a:r>
+            <a:r>
+              <a:rPr lang="zh-CN" altLang="zh-CN" dirty="0"/>
+              <a:t>，</a:t>
+            </a:r>
+            <a:r>
+              <a:rPr lang="zh-CN" altLang="en-US" dirty="0"/>
+              <a:t>顺便检查</a:t>
+            </a:r>
+            <a:r>
+              <a:rPr lang="en-US" altLang="zh-CN" dirty="0"/>
+              <a:t>.l</a:t>
+            </a:r>
+            <a:r>
+              <a:rPr lang="zh-CN" altLang="en-US" dirty="0"/>
+              <a:t>文件结构是否合法。</a:t>
+            </a:r>
+            <a:endParaRPr lang="en-US" altLang="zh-CN" dirty="0"/>
+          </a:p>
+        </p:txBody>
+      </p:sp>
+      <p:sp>
+        <p:nvSpPr>
+          <p:cNvPr id="8" name="文本框 7">
+            <a:extLst>
+              <a:ext uri="{FF2B5EF4-FFF2-40B4-BE49-F238E27FC236}">
+                <a16:creationId xmlns:a16="http://schemas.microsoft.com/office/drawing/2014/main" id="{554B8A3C-64D1-4C40-BBE8-3F079B756BFC}"/>
+              </a:ext>
+            </a:extLst>
+          </p:cNvPr>
+          <p:cNvSpPr txBox="1"/>
+          <p:nvPr/>
+        </p:nvSpPr>
+        <p:spPr>
+          <a:xfrm>
+            <a:off x="399840" y="2240841"/>
+            <a:ext cx="1721922" cy="400110"/>
+          </a:xfrm>
+          <a:prstGeom prst="rect">
+            <a:avLst/>
+          </a:prstGeom>
+          <a:noFill/>
+        </p:spPr>
+        <p:txBody>
+          <a:bodyPr wrap="square" rtlCol="0">
+            <a:spAutoFit/>
+          </a:bodyPr>
+          <a:lstStyle/>
+          <a:p>
+            <a:r>
+              <a:rPr lang="zh-CN" altLang="en-US" sz="2000" b="1" u="sng" dirty="0"/>
+              <a:t>问题与解决</a:t>
+            </a:r>
+          </a:p>
+        </p:txBody>
+      </p:sp>
+      <p:sp>
+        <p:nvSpPr>
+          <p:cNvPr id="9" name="矩形 8">
+            <a:extLst>
+              <a:ext uri="{FF2B5EF4-FFF2-40B4-BE49-F238E27FC236}">
+                <a16:creationId xmlns:a16="http://schemas.microsoft.com/office/drawing/2014/main" id="{F0AE2D8B-AA00-4466-8F6D-1A7EC35F037A}"/>
+              </a:ext>
+            </a:extLst>
+          </p:cNvPr>
+          <p:cNvSpPr/>
+          <p:nvPr/>
+        </p:nvSpPr>
+        <p:spPr>
+          <a:xfrm>
+            <a:off x="472168" y="2741349"/>
+            <a:ext cx="9951763" cy="369332"/>
+          </a:xfrm>
+          <a:prstGeom prst="rect">
+            <a:avLst/>
+          </a:prstGeom>
+        </p:spPr>
+        <p:txBody>
+          <a:bodyPr wrap="none">
+            <a:spAutoFit/>
+          </a:bodyPr>
+          <a:lstStyle/>
+          <a:p>
+            <a:r>
+              <a:rPr lang="zh-CN" altLang="en-US" b="1" dirty="0"/>
+              <a:t>如何健壮地处理</a:t>
+            </a:r>
+            <a:r>
+              <a:rPr lang="zh-CN" altLang="zh-CN" b="1" dirty="0"/>
+              <a:t>千奇百怪的正则</a:t>
+            </a:r>
+            <a:r>
+              <a:rPr lang="en-US" altLang="zh-CN" b="1" dirty="0"/>
+              <a:t>-</a:t>
+            </a:r>
+            <a:r>
+              <a:rPr lang="zh-CN" altLang="zh-CN" b="1" dirty="0"/>
+              <a:t>别名部分的定义形式</a:t>
+            </a:r>
+            <a:r>
+              <a:rPr lang="zh-CN" altLang="en-US" b="1" dirty="0"/>
+              <a:t>？</a:t>
+            </a:r>
+            <a:r>
+              <a:rPr lang="zh-CN" altLang="en-US" b="1" i="1" dirty="0"/>
+              <a:t>（我们调查了</a:t>
+            </a:r>
+            <a:r>
+              <a:rPr lang="en-US" altLang="zh-CN" b="1" i="1" dirty="0"/>
+              <a:t>Flex</a:t>
+            </a:r>
+            <a:r>
+              <a:rPr lang="zh-CN" altLang="en-US" b="1" i="1" dirty="0"/>
+              <a:t>的做法，是用</a:t>
+            </a:r>
+            <a:r>
+              <a:rPr lang="en-US" altLang="zh-CN" b="1" i="1" dirty="0"/>
+              <a:t>.l</a:t>
+            </a:r>
+            <a:r>
+              <a:rPr lang="zh-CN" altLang="en-US" b="1" i="1" dirty="0"/>
+              <a:t>描述</a:t>
+            </a:r>
+            <a:r>
+              <a:rPr lang="en-US" altLang="zh-CN" b="1" i="1" dirty="0"/>
+              <a:t>.l</a:t>
+            </a:r>
+            <a:r>
+              <a:rPr lang="zh-CN" altLang="en-US" b="1" i="1" dirty="0"/>
+              <a:t>）</a:t>
+            </a:r>
+          </a:p>
+        </p:txBody>
+      </p:sp>
+      <p:sp>
+        <p:nvSpPr>
+          <p:cNvPr id="10" name="矩形 9">
+            <a:extLst>
+              <a:ext uri="{FF2B5EF4-FFF2-40B4-BE49-F238E27FC236}">
+                <a16:creationId xmlns:a16="http://schemas.microsoft.com/office/drawing/2014/main" id="{E5220EB4-A3D8-411E-86BF-FB98EFC4CBBE}"/>
+              </a:ext>
+            </a:extLst>
+          </p:cNvPr>
+          <p:cNvSpPr/>
+          <p:nvPr/>
+        </p:nvSpPr>
+        <p:spPr>
+          <a:xfrm>
+            <a:off x="4579570" y="3075066"/>
+            <a:ext cx="7063664" cy="1712135"/>
+          </a:xfrm>
+          <a:prstGeom prst="rect">
+            <a:avLst/>
+          </a:prstGeom>
+        </p:spPr>
+        <p:txBody>
+          <a:bodyPr wrap="square">
+            <a:spAutoFit/>
+          </a:bodyPr>
+          <a:lstStyle/>
+          <a:p>
+            <a:pPr>
+              <a:lnSpc>
+                <a:spcPct val="150000"/>
+              </a:lnSpc>
+            </a:pPr>
+            <a:r>
+              <a:rPr lang="zh-CN" altLang="zh-CN" dirty="0"/>
+              <a:t>使用大量的</a:t>
+            </a:r>
+            <a:r>
+              <a:rPr lang="zh-CN" altLang="zh-CN" b="1" dirty="0"/>
+              <a:t>状态变量来记录当前的状态</a:t>
+            </a:r>
+            <a:r>
+              <a:rPr lang="zh-CN" altLang="zh-CN" dirty="0"/>
+              <a:t>，实现可靠的解析。这相当于手工构造了一个状态机。</a:t>
+            </a:r>
+            <a:endParaRPr lang="en-US" altLang="zh-CN" dirty="0"/>
+          </a:p>
+          <a:p>
+            <a:pPr>
+              <a:lnSpc>
+                <a:spcPct val="150000"/>
+              </a:lnSpc>
+            </a:pPr>
+            <a:r>
+              <a:rPr lang="zh-CN" altLang="zh-CN" dirty="0"/>
+              <a:t>这本来可以通过</a:t>
+            </a:r>
+            <a:r>
+              <a:rPr lang="en-US" altLang="zh-CN" dirty="0"/>
+              <a:t>JavaScript</a:t>
+            </a:r>
+            <a:r>
+              <a:rPr lang="zh-CN" altLang="zh-CN" dirty="0"/>
+              <a:t>的正则表达式很简单可靠地实现，但在一个处理正则表达式的程序里使用正则表达式，总有投机取巧之嫌。</a:t>
+            </a:r>
+            <a:endParaRPr lang="zh-CN" altLang="en-US" dirty="0"/>
+          </a:p>
+        </p:txBody>
+      </p:sp>
+      <p:sp>
+        <p:nvSpPr>
+          <p:cNvPr id="11" name="矩形 10">
+            <a:extLst>
+              <a:ext uri="{FF2B5EF4-FFF2-40B4-BE49-F238E27FC236}">
+                <a16:creationId xmlns:a16="http://schemas.microsoft.com/office/drawing/2014/main" id="{8F593CEC-C5EA-432F-8D76-72B29EF4F865}"/>
+              </a:ext>
+            </a:extLst>
+          </p:cNvPr>
+          <p:cNvSpPr/>
+          <p:nvPr/>
+        </p:nvSpPr>
+        <p:spPr>
+          <a:xfrm>
+            <a:off x="4579569" y="4797072"/>
+            <a:ext cx="6697427" cy="1754326"/>
+          </a:xfrm>
+          <a:prstGeom prst="rect">
+            <a:avLst/>
+          </a:prstGeom>
+        </p:spPr>
+        <p:txBody>
+          <a:bodyPr wrap="square">
+            <a:spAutoFit/>
+          </a:bodyPr>
+          <a:lstStyle/>
+          <a:p>
+            <a:pPr algn="just">
+              <a:spcAft>
+                <a:spcPts val="0"/>
+              </a:spcAft>
+            </a:pPr>
+            <a:r>
+              <a:rPr lang="en-US" altLang="zh-CN" dirty="0" err="1">
+                <a:latin typeface="Iosevka SS01" panose="02000509000000000000" pitchFamily="49" charset="0"/>
+              </a:rPr>
+              <a:t>isReadingRegex</a:t>
+            </a:r>
+            <a:r>
+              <a:rPr lang="en-US" altLang="zh-CN" dirty="0">
+                <a:latin typeface="Iosevka SS01" panose="02000509000000000000" pitchFamily="49" charset="0"/>
+              </a:rPr>
+              <a:t> = true, // </a:t>
+            </a:r>
+            <a:r>
+              <a:rPr lang="zh-CN" altLang="zh-CN" dirty="0">
+                <a:latin typeface="Iosevka SS01" panose="02000509000000000000" pitchFamily="49" charset="0"/>
+              </a:rPr>
+              <a:t>是否正在读取正则</a:t>
+            </a:r>
+          </a:p>
+          <a:p>
+            <a:pPr algn="just">
+              <a:spcAft>
+                <a:spcPts val="0"/>
+              </a:spcAft>
+            </a:pPr>
+            <a:r>
+              <a:rPr lang="en-US" altLang="zh-CN" dirty="0" err="1">
+                <a:latin typeface="Iosevka SS01" panose="02000509000000000000" pitchFamily="49" charset="0"/>
+              </a:rPr>
+              <a:t>isWaitingOr</a:t>
+            </a:r>
+            <a:r>
+              <a:rPr lang="en-US" altLang="zh-CN" dirty="0">
+                <a:latin typeface="Iosevka SS01" panose="02000509000000000000" pitchFamily="49" charset="0"/>
+              </a:rPr>
+              <a:t> = false, // </a:t>
+            </a:r>
+            <a:r>
+              <a:rPr lang="zh-CN" altLang="zh-CN" dirty="0">
+                <a:latin typeface="Iosevka SS01" panose="02000509000000000000" pitchFamily="49" charset="0"/>
+              </a:rPr>
+              <a:t>是否正在等待正则间的“或”运算符</a:t>
+            </a:r>
+          </a:p>
+          <a:p>
+            <a:pPr algn="just">
+              <a:spcAft>
+                <a:spcPts val="0"/>
+              </a:spcAft>
+            </a:pPr>
+            <a:r>
+              <a:rPr lang="en-US" altLang="zh-CN" dirty="0" err="1">
+                <a:latin typeface="Iosevka SS01" panose="02000509000000000000" pitchFamily="49" charset="0"/>
+              </a:rPr>
+              <a:t>isInQuote</a:t>
+            </a:r>
+            <a:r>
+              <a:rPr lang="en-US" altLang="zh-CN" dirty="0">
+                <a:latin typeface="Iosevka SS01" panose="02000509000000000000" pitchFamily="49" charset="0"/>
+              </a:rPr>
+              <a:t> = false, // </a:t>
+            </a:r>
+            <a:r>
+              <a:rPr lang="zh-CN" altLang="zh-CN" dirty="0">
+                <a:latin typeface="Iosevka SS01" panose="02000509000000000000" pitchFamily="49" charset="0"/>
+              </a:rPr>
+              <a:t>是否在引号内</a:t>
+            </a:r>
+          </a:p>
+          <a:p>
+            <a:pPr algn="just">
+              <a:spcAft>
+                <a:spcPts val="0"/>
+              </a:spcAft>
+            </a:pPr>
+            <a:r>
+              <a:rPr lang="en-US" altLang="zh-CN" dirty="0" err="1">
+                <a:latin typeface="Iosevka SS01" panose="02000509000000000000" pitchFamily="49" charset="0"/>
+              </a:rPr>
+              <a:t>isSlash</a:t>
+            </a:r>
+            <a:r>
+              <a:rPr lang="en-US" altLang="zh-CN" dirty="0">
+                <a:latin typeface="Iosevka SS01" panose="02000509000000000000" pitchFamily="49" charset="0"/>
+              </a:rPr>
+              <a:t> = false, // </a:t>
+            </a:r>
+            <a:r>
+              <a:rPr lang="zh-CN" altLang="zh-CN" dirty="0">
+                <a:latin typeface="Iosevka SS01" panose="02000509000000000000" pitchFamily="49" charset="0"/>
+              </a:rPr>
+              <a:t>是否转义</a:t>
+            </a:r>
+          </a:p>
+          <a:p>
+            <a:pPr algn="just">
+              <a:spcAft>
+                <a:spcPts val="0"/>
+              </a:spcAft>
+            </a:pPr>
+            <a:r>
+              <a:rPr lang="en-US" altLang="zh-CN" dirty="0" err="1">
+                <a:latin typeface="Iosevka SS01" panose="02000509000000000000" pitchFamily="49" charset="0"/>
+              </a:rPr>
+              <a:t>isInBrackets</a:t>
+            </a:r>
+            <a:r>
+              <a:rPr lang="en-US" altLang="zh-CN" dirty="0">
+                <a:latin typeface="Iosevka SS01" panose="02000509000000000000" pitchFamily="49" charset="0"/>
+              </a:rPr>
+              <a:t> = false, // </a:t>
+            </a:r>
+            <a:r>
+              <a:rPr lang="zh-CN" altLang="zh-CN" dirty="0">
+                <a:latin typeface="Iosevka SS01" panose="02000509000000000000" pitchFamily="49" charset="0"/>
+              </a:rPr>
+              <a:t>是否在方括号内</a:t>
+            </a:r>
+          </a:p>
+          <a:p>
+            <a:r>
+              <a:rPr lang="en-US" altLang="zh-CN" dirty="0" err="1">
+                <a:latin typeface="Iosevka SS01" panose="02000509000000000000" pitchFamily="49" charset="0"/>
+              </a:rPr>
+              <a:t>braceLevel</a:t>
+            </a:r>
+            <a:r>
+              <a:rPr lang="en-US" altLang="zh-CN" dirty="0">
+                <a:latin typeface="Iosevka SS01" panose="02000509000000000000" pitchFamily="49" charset="0"/>
+              </a:rPr>
+              <a:t> = 0, // </a:t>
+            </a:r>
+            <a:r>
+              <a:rPr lang="zh-CN" altLang="zh-CN" dirty="0">
+                <a:latin typeface="Iosevka SS01" panose="02000509000000000000" pitchFamily="49" charset="0"/>
+              </a:rPr>
+              <a:t>读取动作时处于第几层花括号内</a:t>
+            </a:r>
+            <a:endParaRPr lang="zh-CN" altLang="en-US" dirty="0">
+              <a:latin typeface="Iosevka SS01" panose="02000509000000000000" pitchFamily="49" charset="0"/>
+            </a:endParaRPr>
+          </a:p>
+        </p:txBody>
+      </p:sp>
+    </p:spTree>
+    <p:extLst>
+      <p:ext uri="{BB962C8B-B14F-4D97-AF65-F5344CB8AC3E}">
+        <p14:creationId xmlns:p14="http://schemas.microsoft.com/office/powerpoint/2010/main" val="2577255295"/>
+      </p:ext>
+    </p:extLst>
+  </p:cSld>
+  <p:clrMapOvr>
+    <a:masterClrMapping/>
+  </p:clrMapOvr>
+</p:sld>
+</file>
+
+<file path=ppt/slides/slide7.xml><?xml version="1.0" encoding="utf-8"?>
+<p:sld xmlns:a="http://schemas.openxmlformats.org/drawingml/2006/main" xmlns:r="http://schemas.openxmlformats.org/officeDocument/2006/relationships" xmlns:p="http://schemas.openxmlformats.org/presentationml/2006/main">
+  <p:cSld>
+    <p:spTree>
+      <p:nvGrpSpPr>
+        <p:cNvPr id="1" name=""/>
+        <p:cNvGrpSpPr/>
+        <p:nvPr/>
+      </p:nvGrpSpPr>
+      <p:grpSpPr>
+        <a:xfrm>
+          <a:off x="0" y="0"/>
+          <a:ext cx="0" cy="0"/>
+          <a:chOff x="0" y="0"/>
+          <a:chExt cx="0" cy="0"/>
+        </a:xfrm>
+      </p:grpSpPr>
+      <p:sp>
+        <p:nvSpPr>
+          <p:cNvPr id="4" name="文本框 3">
+            <a:extLst>
+              <a:ext uri="{FF2B5EF4-FFF2-40B4-BE49-F238E27FC236}">
+                <a16:creationId xmlns:a16="http://schemas.microsoft.com/office/drawing/2014/main" id="{F52B385C-C5B6-440B-A49B-87160973D6A4}"/>
+              </a:ext>
+            </a:extLst>
+          </p:cNvPr>
+          <p:cNvSpPr txBox="1"/>
+          <p:nvPr/>
+        </p:nvSpPr>
+        <p:spPr>
+          <a:xfrm>
+            <a:off x="96176" y="124288"/>
+            <a:ext cx="5999824" cy="523220"/>
+          </a:xfrm>
+          <a:prstGeom prst="rect">
+            <a:avLst/>
+          </a:prstGeom>
+          <a:noFill/>
+        </p:spPr>
+        <p:txBody>
+          <a:bodyPr wrap="square" rtlCol="0">
+            <a:spAutoFit/>
+          </a:bodyPr>
+          <a:lstStyle/>
+          <a:p>
+            <a:pPr algn="ctr"/>
+            <a:r>
+              <a:rPr lang="en-US" altLang="zh-CN" sz="2800" b="1" dirty="0"/>
+              <a:t>PART1 – </a:t>
+            </a:r>
+            <a:r>
+              <a:rPr lang="zh-CN" altLang="en-US" sz="2800" b="1" dirty="0"/>
+              <a:t>词法分析器的生成器</a:t>
+            </a:r>
+            <a:r>
+              <a:rPr lang="en-US" altLang="zh-CN" sz="2800" b="1" dirty="0" err="1"/>
+              <a:t>SeuLex</a:t>
+            </a:r>
+            <a:endParaRPr lang="zh-CN" altLang="en-US" sz="2800" b="1" dirty="0"/>
+          </a:p>
+        </p:txBody>
+      </p:sp>
+      <p:sp>
+        <p:nvSpPr>
+          <p:cNvPr id="5" name="文本框 4">
+            <a:extLst>
+              <a:ext uri="{FF2B5EF4-FFF2-40B4-BE49-F238E27FC236}">
+                <a16:creationId xmlns:a16="http://schemas.microsoft.com/office/drawing/2014/main" id="{AA36884D-0B00-4273-868C-483C382FE487}"/>
+              </a:ext>
+            </a:extLst>
+          </p:cNvPr>
+          <p:cNvSpPr txBox="1"/>
+          <p:nvPr/>
+        </p:nvSpPr>
+        <p:spPr>
+          <a:xfrm>
+            <a:off x="577048" y="807306"/>
+            <a:ext cx="2965141" cy="400110"/>
+          </a:xfrm>
+          <a:prstGeom prst="rect">
+            <a:avLst/>
+          </a:prstGeom>
+          <a:noFill/>
+        </p:spPr>
+        <p:txBody>
+          <a:bodyPr wrap="square" rtlCol="0">
+            <a:spAutoFit/>
+          </a:bodyPr>
+          <a:lstStyle/>
+          <a:p>
+            <a:r>
+              <a:rPr lang="zh-CN" altLang="en-US" sz="2000" b="1" u="sng" dirty="0"/>
+              <a:t>正则表达式类</a:t>
+            </a:r>
+            <a:r>
+              <a:rPr lang="zh-CN" altLang="en-US" sz="2000" b="1" dirty="0"/>
+              <a:t> </a:t>
+            </a:r>
+            <a:r>
+              <a:rPr lang="en-US" altLang="zh-CN" sz="2000" b="1" dirty="0" err="1"/>
+              <a:t>Regex.ts</a:t>
+            </a:r>
+            <a:endParaRPr lang="zh-CN" altLang="en-US" sz="2000" b="1" dirty="0"/>
+          </a:p>
+        </p:txBody>
+      </p:sp>
+      <p:sp>
+        <p:nvSpPr>
+          <p:cNvPr id="6" name="矩形 5">
+            <a:extLst>
+              <a:ext uri="{FF2B5EF4-FFF2-40B4-BE49-F238E27FC236}">
+                <a16:creationId xmlns:a16="http://schemas.microsoft.com/office/drawing/2014/main" id="{1A193ED1-7499-49ED-972C-27132DB8769A}"/>
+              </a:ext>
+            </a:extLst>
+          </p:cNvPr>
+          <p:cNvSpPr/>
+          <p:nvPr/>
+        </p:nvSpPr>
+        <p:spPr>
+          <a:xfrm>
+            <a:off x="1019583" y="1109727"/>
+            <a:ext cx="5889754" cy="1712135"/>
+          </a:xfrm>
+          <a:prstGeom prst="rect">
+            <a:avLst/>
+          </a:prstGeom>
+        </p:spPr>
+        <p:txBody>
+          <a:bodyPr wrap="none">
+            <a:spAutoFit/>
+          </a:bodyPr>
+          <a:lstStyle/>
+          <a:p>
+            <a:pPr>
+              <a:lnSpc>
+                <a:spcPct val="150000"/>
+              </a:lnSpc>
+            </a:pPr>
+            <a:r>
+              <a:rPr lang="en-US" altLang="zh-CN" dirty="0"/>
+              <a:t>STEP1 - </a:t>
+            </a:r>
+            <a:r>
+              <a:rPr lang="zh-CN" altLang="zh-CN" dirty="0"/>
+              <a:t>展开范围型转义字符</a:t>
+            </a:r>
+            <a:r>
+              <a:rPr lang="en-US" altLang="zh-CN" dirty="0"/>
+              <a:t>\d</a:t>
+            </a:r>
+            <a:r>
+              <a:rPr lang="zh-CN" altLang="zh-CN" dirty="0"/>
+              <a:t>（</a:t>
+            </a:r>
+            <a:r>
+              <a:rPr lang="en-US" altLang="zh-CN" dirty="0"/>
+              <a:t>[0-9]</a:t>
+            </a:r>
+            <a:r>
+              <a:rPr lang="zh-CN" altLang="zh-CN" dirty="0"/>
+              <a:t>）和</a:t>
+            </a:r>
+            <a:r>
+              <a:rPr lang="en-US" altLang="zh-CN" dirty="0"/>
+              <a:t>\s</a:t>
+            </a:r>
+            <a:r>
+              <a:rPr lang="zh-CN" altLang="zh-CN" dirty="0"/>
+              <a:t>（</a:t>
+            </a:r>
+            <a:r>
+              <a:rPr lang="en-US" altLang="zh-CN" dirty="0"/>
+              <a:t>[ \t\r\n]</a:t>
+            </a:r>
+            <a:r>
+              <a:rPr lang="zh-CN" altLang="zh-CN" dirty="0"/>
+              <a:t>）</a:t>
+            </a:r>
+            <a:endParaRPr lang="en-US" altLang="zh-CN" dirty="0"/>
+          </a:p>
+          <a:p>
+            <a:pPr>
+              <a:lnSpc>
+                <a:spcPct val="150000"/>
+              </a:lnSpc>
+            </a:pPr>
+            <a:r>
+              <a:rPr lang="en-US" altLang="zh-CN" dirty="0"/>
+              <a:t>STEP2 - </a:t>
+            </a:r>
+            <a:r>
+              <a:rPr lang="zh-CN" altLang="zh-CN" dirty="0"/>
+              <a:t>展开方框范围</a:t>
+            </a:r>
+            <a:endParaRPr lang="en-US" altLang="zh-CN" dirty="0"/>
+          </a:p>
+          <a:p>
+            <a:pPr>
+              <a:lnSpc>
+                <a:spcPct val="150000"/>
+              </a:lnSpc>
+            </a:pPr>
+            <a:r>
+              <a:rPr lang="en-US" altLang="zh-CN" dirty="0"/>
+              <a:t>STEP3 - </a:t>
+            </a:r>
+            <a:r>
+              <a:rPr lang="zh-CN" altLang="zh-CN" dirty="0"/>
+              <a:t>加点处理</a:t>
+            </a:r>
+            <a:endParaRPr lang="en-US" altLang="zh-CN" dirty="0"/>
+          </a:p>
+          <a:p>
+            <a:pPr>
+              <a:lnSpc>
+                <a:spcPct val="150000"/>
+              </a:lnSpc>
+            </a:pPr>
+            <a:r>
+              <a:rPr lang="en-US" altLang="zh-CN" dirty="0"/>
+              <a:t>STEP4 – </a:t>
+            </a:r>
+            <a:r>
+              <a:rPr lang="zh-CN" altLang="en-US" dirty="0"/>
+              <a:t>借助栈转换为后缀正则表达式</a:t>
+            </a:r>
+          </a:p>
+        </p:txBody>
+      </p:sp>
+      <p:sp>
+        <p:nvSpPr>
+          <p:cNvPr id="8" name="文本框 7">
+            <a:extLst>
+              <a:ext uri="{FF2B5EF4-FFF2-40B4-BE49-F238E27FC236}">
+                <a16:creationId xmlns:a16="http://schemas.microsoft.com/office/drawing/2014/main" id="{018FDCB3-09C6-483F-8CDA-D44CE78149CD}"/>
+              </a:ext>
+            </a:extLst>
+          </p:cNvPr>
+          <p:cNvSpPr txBox="1"/>
+          <p:nvPr/>
+        </p:nvSpPr>
+        <p:spPr>
+          <a:xfrm>
+            <a:off x="577048" y="2899669"/>
+            <a:ext cx="1721922" cy="400110"/>
+          </a:xfrm>
+          <a:prstGeom prst="rect">
+            <a:avLst/>
+          </a:prstGeom>
+          <a:noFill/>
+        </p:spPr>
+        <p:txBody>
+          <a:bodyPr wrap="square" rtlCol="0">
+            <a:spAutoFit/>
+          </a:bodyPr>
+          <a:lstStyle/>
+          <a:p>
+            <a:r>
+              <a:rPr lang="zh-CN" altLang="en-US" sz="2000" b="1" u="sng" dirty="0"/>
+              <a:t>问题与解决</a:t>
+            </a:r>
+          </a:p>
+        </p:txBody>
+      </p:sp>
+      <p:sp>
+        <p:nvSpPr>
+          <p:cNvPr id="9" name="矩形 8">
+            <a:extLst>
+              <a:ext uri="{FF2B5EF4-FFF2-40B4-BE49-F238E27FC236}">
+                <a16:creationId xmlns:a16="http://schemas.microsoft.com/office/drawing/2014/main" id="{8F900E2A-B7EE-4858-A2AB-6D6AC0D532EF}"/>
+              </a:ext>
+            </a:extLst>
+          </p:cNvPr>
+          <p:cNvSpPr/>
+          <p:nvPr/>
+        </p:nvSpPr>
+        <p:spPr>
+          <a:xfrm>
+            <a:off x="577049" y="3519626"/>
+            <a:ext cx="4605860" cy="2396971"/>
+          </a:xfrm>
+          <a:prstGeom prst="rect">
+            <a:avLst/>
+          </a:prstGeom>
+          <a:solidFill>
+            <a:schemeClr val="accent5">
+              <a:lumMod val="20000"/>
+              <a:lumOff val="80000"/>
+            </a:schemeClr>
+          </a:solidFill>
+        </p:spPr>
+        <p:style>
+          <a:lnRef idx="2">
+            <a:schemeClr val="accent3">
+              <a:shade val="50000"/>
+            </a:schemeClr>
+          </a:lnRef>
+          <a:fillRef idx="1">
+            <a:schemeClr val="accent3"/>
+          </a:fillRef>
+          <a:effectRef idx="0">
+            <a:schemeClr val="accent3"/>
+          </a:effectRef>
+          <a:fontRef idx="minor">
+            <a:schemeClr val="lt1"/>
+          </a:fontRef>
+        </p:style>
+        <p:txBody>
+          <a:bodyPr rtlCol="0" anchor="ctr"/>
+          <a:lstStyle/>
+          <a:p>
+            <a:pPr algn="ctr"/>
+            <a:endParaRPr lang="zh-CN" altLang="en-US"/>
+          </a:p>
+        </p:txBody>
+      </p:sp>
+      <p:sp>
+        <p:nvSpPr>
+          <p:cNvPr id="10" name="矩形 9">
+            <a:extLst>
+              <a:ext uri="{FF2B5EF4-FFF2-40B4-BE49-F238E27FC236}">
+                <a16:creationId xmlns:a16="http://schemas.microsoft.com/office/drawing/2014/main" id="{EB86D76F-C91E-4AF3-84E1-4D9B539016D8}"/>
+              </a:ext>
+            </a:extLst>
+          </p:cNvPr>
+          <p:cNvSpPr/>
+          <p:nvPr/>
+        </p:nvSpPr>
+        <p:spPr>
+          <a:xfrm>
+            <a:off x="577048" y="3588798"/>
+            <a:ext cx="4605861" cy="923330"/>
+          </a:xfrm>
+          <a:prstGeom prst="rect">
+            <a:avLst/>
+          </a:prstGeom>
+        </p:spPr>
+        <p:txBody>
+          <a:bodyPr wrap="square">
+            <a:spAutoFit/>
+          </a:bodyPr>
+          <a:lstStyle/>
+          <a:p>
+            <a:r>
+              <a:rPr lang="zh-CN" altLang="en-US" b="1" dirty="0"/>
+              <a:t>加点处理时若向正则内直接插入任何表示点的字符，都不能否认冲突的可能性，程序不够健壮。</a:t>
+            </a:r>
+          </a:p>
+        </p:txBody>
+      </p:sp>
+      <p:sp>
+        <p:nvSpPr>
+          <p:cNvPr id="11" name="文本框 10">
+            <a:extLst>
+              <a:ext uri="{FF2B5EF4-FFF2-40B4-BE49-F238E27FC236}">
+                <a16:creationId xmlns:a16="http://schemas.microsoft.com/office/drawing/2014/main" id="{68534E03-5445-4290-B7B6-F91A369A50C8}"/>
+              </a:ext>
+            </a:extLst>
+          </p:cNvPr>
+          <p:cNvSpPr txBox="1"/>
+          <p:nvPr/>
+        </p:nvSpPr>
+        <p:spPr>
+          <a:xfrm>
+            <a:off x="577047" y="4459310"/>
+            <a:ext cx="4508207" cy="646331"/>
+          </a:xfrm>
+          <a:prstGeom prst="rect">
+            <a:avLst/>
+          </a:prstGeom>
+          <a:noFill/>
+        </p:spPr>
+        <p:txBody>
+          <a:bodyPr wrap="square" rtlCol="0">
+            <a:spAutoFit/>
+          </a:bodyPr>
+          <a:lstStyle/>
+          <a:p>
+            <a:r>
+              <a:rPr lang="en-US" altLang="zh-CN" dirty="0"/>
+              <a:t>        </a:t>
+            </a:r>
+            <a:r>
+              <a:rPr lang="zh-CN" altLang="en-US" dirty="0"/>
+              <a:t>采用</a:t>
+            </a:r>
+            <a:r>
+              <a:rPr lang="zh-CN" altLang="zh-CN" dirty="0"/>
+              <a:t>“隐式加点”方法，使用数组来表示连缀关系，彻底避免冲突</a:t>
+            </a:r>
+            <a:r>
+              <a:rPr lang="zh-CN" altLang="en-US" dirty="0"/>
+              <a:t>。</a:t>
+            </a:r>
+          </a:p>
+        </p:txBody>
+      </p:sp>
+      <p:graphicFrame>
+        <p:nvGraphicFramePr>
+          <p:cNvPr id="13" name="表格 12">
+            <a:extLst>
+              <a:ext uri="{FF2B5EF4-FFF2-40B4-BE49-F238E27FC236}">
+                <a16:creationId xmlns:a16="http://schemas.microsoft.com/office/drawing/2014/main" id="{70F60419-7716-4DB2-AAE4-610252B86520}"/>
+              </a:ext>
+            </a:extLst>
+          </p:cNvPr>
+          <p:cNvGraphicFramePr>
+            <a:graphicFrameLocks noGrp="1"/>
+          </p:cNvGraphicFramePr>
+          <p:nvPr>
+            <p:extLst>
+              <p:ext uri="{D42A27DB-BD31-4B8C-83A1-F6EECF244321}">
+                <p14:modId xmlns:p14="http://schemas.microsoft.com/office/powerpoint/2010/main" val="718461356"/>
+              </p:ext>
+            </p:extLst>
+          </p:nvPr>
+        </p:nvGraphicFramePr>
+        <p:xfrm>
+          <a:off x="690807" y="5165335"/>
+          <a:ext cx="4394448" cy="559181"/>
+        </p:xfrm>
+        <a:graphic>
+          <a:graphicData uri="http://schemas.openxmlformats.org/drawingml/2006/table">
+            <a:tbl>
+              <a:tblPr firstRow="1" firstCol="1" bandRow="1">
+                <a:tableStyleId>{5940675A-B579-460E-94D1-54222C63F5DA}</a:tableStyleId>
+              </a:tblPr>
+              <a:tblGrid>
+                <a:gridCol w="1455939">
+                  <a:extLst>
+                    <a:ext uri="{9D8B030D-6E8A-4147-A177-3AD203B41FA5}">
+                      <a16:colId xmlns:a16="http://schemas.microsoft.com/office/drawing/2014/main" val="658732058"/>
+                    </a:ext>
+                  </a:extLst>
+                </a:gridCol>
+                <a:gridCol w="2938509">
+                  <a:extLst>
+                    <a:ext uri="{9D8B030D-6E8A-4147-A177-3AD203B41FA5}">
+                      <a16:colId xmlns:a16="http://schemas.microsoft.com/office/drawing/2014/main" val="443146790"/>
+                    </a:ext>
+                  </a:extLst>
+                </a:gridCol>
+              </a:tblGrid>
+              <a:tr h="0">
+                <a:tc>
+                  <a:txBody>
+                    <a:bodyPr/>
+                    <a:lstStyle/>
+                    <a:p>
+                      <a:pPr algn="ctr">
+                        <a:lnSpc>
+                          <a:spcPct val="115000"/>
+                        </a:lnSpc>
+                        <a:spcAft>
+                          <a:spcPts val="0"/>
+                        </a:spcAft>
+                      </a:pPr>
+                      <a:r>
+                        <a:rPr lang="zh-CN" sz="1600" b="1" kern="100" dirty="0">
+                          <a:effectLst/>
+                        </a:rPr>
+                        <a:t>正则表达式</a:t>
+                      </a:r>
+                      <a:endParaRPr lang="zh-CN" sz="1400" b="1" kern="100" dirty="0">
+                        <a:effectLst/>
+                        <a:latin typeface="Times New Roman" panose="02020603050405020304" pitchFamily="18" charset="0"/>
+                        <a:ea typeface="宋体" panose="02010600030101010101" pitchFamily="2" charset="-122"/>
+                      </a:endParaRPr>
+                    </a:p>
+                  </a:txBody>
+                  <a:tcPr marL="68580" marR="68580" marT="0" marB="0"/>
+                </a:tc>
+                <a:tc>
+                  <a:txBody>
+                    <a:bodyPr/>
+                    <a:lstStyle/>
+                    <a:p>
+                      <a:pPr algn="ctr">
+                        <a:lnSpc>
+                          <a:spcPct val="115000"/>
+                        </a:lnSpc>
+                        <a:spcAft>
+                          <a:spcPts val="0"/>
+                        </a:spcAft>
+                      </a:pPr>
+                      <a:r>
+                        <a:rPr lang="zh-CN" sz="1600" b="1" kern="100" dirty="0">
+                          <a:effectLst/>
+                        </a:rPr>
+                        <a:t>加点结果</a:t>
+                      </a:r>
+                      <a:endParaRPr lang="zh-CN" sz="1400" b="1" kern="100" dirty="0">
+                        <a:effectLst/>
+                        <a:latin typeface="Times New Roman" panose="02020603050405020304" pitchFamily="18" charset="0"/>
+                        <a:ea typeface="宋体" panose="02010600030101010101" pitchFamily="2" charset="-122"/>
+                      </a:endParaRPr>
+                    </a:p>
+                  </a:txBody>
+                  <a:tcPr marL="68580" marR="68580" marT="0" marB="0"/>
+                </a:tc>
+                <a:extLst>
+                  <a:ext uri="{0D108BD9-81ED-4DB2-BD59-A6C34878D82A}">
+                    <a16:rowId xmlns:a16="http://schemas.microsoft.com/office/drawing/2014/main" val="1226778857"/>
+                  </a:ext>
+                </a:extLst>
+              </a:tr>
+              <a:tr h="0">
+                <a:tc>
+                  <a:txBody>
+                    <a:bodyPr/>
+                    <a:lstStyle/>
+                    <a:p>
+                      <a:pPr algn="ctr">
+                        <a:lnSpc>
+                          <a:spcPct val="115000"/>
+                        </a:lnSpc>
+                        <a:spcAft>
+                          <a:spcPts val="0"/>
+                        </a:spcAft>
+                      </a:pPr>
+                      <a:r>
+                        <a:rPr lang="en-US" sz="1800" kern="100">
+                          <a:effectLst/>
+                        </a:rPr>
+                        <a:t>a(b|c)+d*e?f</a:t>
+                      </a:r>
+                      <a:endParaRPr lang="zh-CN" sz="1400" kern="100">
+                        <a:effectLst/>
+                        <a:latin typeface="Times New Roman" panose="02020603050405020304" pitchFamily="18" charset="0"/>
+                        <a:ea typeface="宋体" panose="02010600030101010101" pitchFamily="2" charset="-122"/>
+                      </a:endParaRPr>
+                    </a:p>
+                  </a:txBody>
+                  <a:tcPr marL="68580" marR="68580" marT="0" marB="0"/>
+                </a:tc>
+                <a:tc>
+                  <a:txBody>
+                    <a:bodyPr/>
+                    <a:lstStyle/>
+                    <a:p>
+                      <a:pPr algn="ctr">
+                        <a:lnSpc>
+                          <a:spcPct val="115000"/>
+                        </a:lnSpc>
+                        <a:spcAft>
+                          <a:spcPts val="0"/>
+                        </a:spcAft>
+                      </a:pPr>
+                      <a:r>
+                        <a:rPr lang="en-US" sz="1800" kern="100" dirty="0">
+                          <a:effectLst/>
+                        </a:rPr>
+                        <a:t>[ 'a', '(</a:t>
+                      </a:r>
+                      <a:r>
+                        <a:rPr lang="en-US" sz="1800" kern="100" dirty="0" err="1">
+                          <a:effectLst/>
+                        </a:rPr>
+                        <a:t>b|c</a:t>
+                      </a:r>
+                      <a:r>
+                        <a:rPr lang="en-US" sz="1800" kern="100" dirty="0">
+                          <a:effectLst/>
+                        </a:rPr>
+                        <a:t>)+', 'd*', 'e?', 'f' ]</a:t>
+                      </a:r>
+                      <a:endParaRPr lang="zh-CN" sz="1400" kern="100" dirty="0">
+                        <a:effectLst/>
+                        <a:latin typeface="Times New Roman" panose="02020603050405020304" pitchFamily="18" charset="0"/>
+                        <a:ea typeface="宋体" panose="02010600030101010101" pitchFamily="2" charset="-122"/>
+                      </a:endParaRPr>
+                    </a:p>
+                  </a:txBody>
+                  <a:tcPr marL="68580" marR="68580" marT="0" marB="0"/>
+                </a:tc>
+                <a:extLst>
+                  <a:ext uri="{0D108BD9-81ED-4DB2-BD59-A6C34878D82A}">
+                    <a16:rowId xmlns:a16="http://schemas.microsoft.com/office/drawing/2014/main" val="751064074"/>
+                  </a:ext>
+                </a:extLst>
+              </a:tr>
+            </a:tbl>
+          </a:graphicData>
+        </a:graphic>
+      </p:graphicFrame>
+      <p:sp>
+        <p:nvSpPr>
+          <p:cNvPr id="14" name="文本框 13">
+            <a:extLst>
+              <a:ext uri="{FF2B5EF4-FFF2-40B4-BE49-F238E27FC236}">
+                <a16:creationId xmlns:a16="http://schemas.microsoft.com/office/drawing/2014/main" id="{E2948280-86BB-470F-8622-E319357D5CA8}"/>
+              </a:ext>
+            </a:extLst>
+          </p:cNvPr>
+          <p:cNvSpPr txBox="1"/>
+          <p:nvPr/>
+        </p:nvSpPr>
+        <p:spPr>
+          <a:xfrm>
+            <a:off x="5465645" y="3395289"/>
+            <a:ext cx="6303146" cy="2543132"/>
+          </a:xfrm>
+          <a:prstGeom prst="rect">
+            <a:avLst/>
+          </a:prstGeom>
+          <a:noFill/>
+        </p:spPr>
+        <p:txBody>
+          <a:bodyPr wrap="square" rtlCol="0">
+            <a:spAutoFit/>
+          </a:bodyPr>
+          <a:lstStyle/>
+          <a:p>
+            <a:pPr>
+              <a:lnSpc>
+                <a:spcPct val="150000"/>
+              </a:lnSpc>
+            </a:pPr>
+            <a:r>
+              <a:rPr lang="zh-CN" altLang="en-US" b="1" dirty="0"/>
+              <a:t>另外一些需要注意的点：</a:t>
+            </a:r>
+            <a:endParaRPr lang="en-US" altLang="zh-CN" b="1" dirty="0"/>
+          </a:p>
+          <a:p>
+            <a:pPr>
+              <a:lnSpc>
+                <a:spcPct val="150000"/>
+              </a:lnSpc>
+            </a:pPr>
+            <a:r>
+              <a:rPr lang="zh-CN" altLang="zh-CN" dirty="0"/>
+              <a:t>①不能见到反斜杠就作转义，例如</a:t>
+            </a:r>
+            <a:r>
+              <a:rPr lang="en-US" altLang="zh-CN" dirty="0"/>
+              <a:t>\\s</a:t>
+            </a:r>
+            <a:r>
+              <a:rPr lang="zh-CN" altLang="zh-CN" dirty="0"/>
+              <a:t>就不是对</a:t>
+            </a:r>
+            <a:r>
+              <a:rPr lang="en-US" altLang="zh-CN" dirty="0"/>
+              <a:t>s</a:t>
+            </a:r>
+            <a:r>
+              <a:rPr lang="zh-CN" altLang="zh-CN" dirty="0"/>
+              <a:t>的转义；</a:t>
+            </a:r>
+            <a:endParaRPr lang="en-US" altLang="zh-CN" dirty="0"/>
+          </a:p>
+          <a:p>
+            <a:pPr>
+              <a:lnSpc>
+                <a:spcPct val="150000"/>
+              </a:lnSpc>
+            </a:pPr>
+            <a:r>
+              <a:rPr lang="zh-CN" altLang="zh-CN" dirty="0"/>
+              <a:t>②在非转义引号间的内容不能转义</a:t>
+            </a:r>
+            <a:r>
+              <a:rPr lang="zh-CN" altLang="en-US" dirty="0"/>
+              <a:t>；</a:t>
+            </a:r>
+            <a:endParaRPr lang="en-US" altLang="zh-CN" dirty="0"/>
+          </a:p>
+          <a:p>
+            <a:pPr>
+              <a:lnSpc>
+                <a:spcPct val="150000"/>
+              </a:lnSpc>
+            </a:pPr>
+            <a:r>
+              <a:rPr lang="zh-CN" altLang="en-US" dirty="0"/>
+              <a:t>③</a:t>
+            </a:r>
+            <a:r>
+              <a:rPr lang="zh-CN" altLang="zh-CN" dirty="0"/>
+              <a:t>要检查是否有方框重叠的情况；</a:t>
+            </a:r>
+            <a:endParaRPr lang="en-US" altLang="zh-CN" dirty="0"/>
+          </a:p>
+          <a:p>
+            <a:pPr>
+              <a:lnSpc>
+                <a:spcPct val="150000"/>
+              </a:lnSpc>
+            </a:pPr>
+            <a:r>
+              <a:rPr lang="zh-CN" altLang="en-US" dirty="0"/>
+              <a:t>④</a:t>
+            </a:r>
+            <a:r>
+              <a:rPr lang="zh-CN" altLang="zh-CN" dirty="0"/>
+              <a:t>展开</a:t>
+            </a:r>
+            <a:r>
+              <a:rPr lang="en-US" altLang="zh-CN" dirty="0"/>
+              <a:t>X-Y</a:t>
+            </a:r>
+            <a:r>
+              <a:rPr lang="zh-CN" altLang="zh-CN" dirty="0"/>
+              <a:t>时要检查</a:t>
+            </a:r>
+            <a:r>
+              <a:rPr lang="en-US" altLang="zh-CN" dirty="0"/>
+              <a:t>Y</a:t>
+            </a:r>
+            <a:r>
+              <a:rPr lang="zh-CN" altLang="zh-CN" dirty="0"/>
+              <a:t>的</a:t>
+            </a:r>
+            <a:r>
+              <a:rPr lang="en-US" altLang="zh-CN" dirty="0"/>
+              <a:t>ASCII</a:t>
+            </a:r>
+            <a:r>
+              <a:rPr lang="zh-CN" altLang="zh-CN" dirty="0"/>
+              <a:t>是否大于等于</a:t>
+            </a:r>
+            <a:r>
+              <a:rPr lang="en-US" altLang="zh-CN" dirty="0"/>
+              <a:t>X</a:t>
+            </a:r>
+            <a:r>
+              <a:rPr lang="zh-CN" altLang="zh-CN" dirty="0"/>
+              <a:t>的，否则要报错</a:t>
+            </a:r>
+            <a:r>
+              <a:rPr lang="zh-CN" altLang="en-US" dirty="0"/>
+              <a:t>；</a:t>
+            </a:r>
+            <a:endParaRPr lang="en-US" altLang="zh-CN" dirty="0"/>
+          </a:p>
+          <a:p>
+            <a:pPr>
+              <a:lnSpc>
+                <a:spcPct val="150000"/>
+              </a:lnSpc>
+            </a:pPr>
+            <a:r>
+              <a:rPr lang="zh-CN" altLang="en-US" dirty="0"/>
+              <a:t>⑤</a:t>
+            </a:r>
+            <a:r>
+              <a:rPr lang="zh-CN" altLang="zh-CN" dirty="0"/>
+              <a:t>不要忘记处理剩余字符，如</a:t>
+            </a:r>
+            <a:r>
+              <a:rPr lang="en-US" altLang="zh-CN" dirty="0"/>
+              <a:t>[0-9_\t]</a:t>
+            </a:r>
+            <a:r>
+              <a:rPr lang="zh-CN" altLang="zh-CN" dirty="0"/>
+              <a:t>中还有一个下划线和</a:t>
+            </a:r>
+            <a:r>
+              <a:rPr lang="en-US" altLang="zh-CN" dirty="0"/>
+              <a:t>tab</a:t>
+            </a:r>
+            <a:endParaRPr lang="zh-CN" altLang="en-US" dirty="0"/>
+          </a:p>
+        </p:txBody>
+      </p:sp>
+    </p:spTree>
+    <p:extLst>
+      <p:ext uri="{BB962C8B-B14F-4D97-AF65-F5344CB8AC3E}">
+        <p14:creationId xmlns:p14="http://schemas.microsoft.com/office/powerpoint/2010/main" val="624898425"/>
+      </p:ext>
+    </p:extLst>
+  </p:cSld>
+  <p:clrMapOvr>
+    <a:masterClrMapping/>
+  </p:clrMapOvr>
+</p:sld>
+</file>
+
+<file path=ppt/slides/slide8.xml><?xml version="1.0" encoding="utf-8"?>
+<p:sld xmlns:a="http://schemas.openxmlformats.org/drawingml/2006/main" xmlns:r="http://schemas.openxmlformats.org/officeDocument/2006/relationships" xmlns:p="http://schemas.openxmlformats.org/presentationml/2006/main">
+  <p:cSld>
+    <p:spTree>
+      <p:nvGrpSpPr>
+        <p:cNvPr id="1" name=""/>
+        <p:cNvGrpSpPr/>
+        <p:nvPr/>
+      </p:nvGrpSpPr>
+      <p:grpSpPr>
+        <a:xfrm>
+          <a:off x="0" y="0"/>
+          <a:ext cx="0" cy="0"/>
+          <a:chOff x="0" y="0"/>
+          <a:chExt cx="0" cy="0"/>
+        </a:xfrm>
+      </p:grpSpPr>
+      <p:sp>
+        <p:nvSpPr>
+          <p:cNvPr id="4" name="文本框 3">
+            <a:extLst>
+              <a:ext uri="{FF2B5EF4-FFF2-40B4-BE49-F238E27FC236}">
+                <a16:creationId xmlns:a16="http://schemas.microsoft.com/office/drawing/2014/main" id="{504A3B42-D0BC-4815-9440-77E3805D9E0D}"/>
+              </a:ext>
+            </a:extLst>
+          </p:cNvPr>
+          <p:cNvSpPr txBox="1"/>
+          <p:nvPr/>
+        </p:nvSpPr>
+        <p:spPr>
+          <a:xfrm>
+            <a:off x="301841" y="734335"/>
+            <a:ext cx="3454638" cy="400110"/>
+          </a:xfrm>
+          <a:prstGeom prst="rect">
+            <a:avLst/>
+          </a:prstGeom>
+          <a:noFill/>
+        </p:spPr>
+        <p:txBody>
+          <a:bodyPr wrap="square" rtlCol="0">
+            <a:spAutoFit/>
+          </a:bodyPr>
+          <a:lstStyle/>
+          <a:p>
+            <a:r>
+              <a:rPr lang="zh-CN" altLang="en-US" sz="2000" b="1" u="sng" dirty="0"/>
+              <a:t>有限状态自动机相关</a:t>
+            </a:r>
+            <a:r>
+              <a:rPr lang="zh-CN" altLang="en-US" sz="2000" b="1" dirty="0"/>
+              <a:t> </a:t>
+            </a:r>
+            <a:r>
+              <a:rPr lang="en-US" altLang="zh-CN" b="1" dirty="0" err="1"/>
+              <a:t>FA.ts</a:t>
+            </a:r>
+            <a:endParaRPr lang="zh-CN" altLang="en-US" b="1" dirty="0"/>
+          </a:p>
+        </p:txBody>
+      </p:sp>
+      <p:sp>
+        <p:nvSpPr>
+          <p:cNvPr id="6" name="文本框 5">
+            <a:extLst>
+              <a:ext uri="{FF2B5EF4-FFF2-40B4-BE49-F238E27FC236}">
+                <a16:creationId xmlns:a16="http://schemas.microsoft.com/office/drawing/2014/main" id="{9C286978-6CDE-4FC0-B172-A20228241E01}"/>
+              </a:ext>
+            </a:extLst>
+          </p:cNvPr>
+          <p:cNvSpPr txBox="1"/>
+          <p:nvPr/>
+        </p:nvSpPr>
+        <p:spPr>
+          <a:xfrm>
+            <a:off x="96176" y="124288"/>
+            <a:ext cx="5999824" cy="523220"/>
+          </a:xfrm>
+          <a:prstGeom prst="rect">
+            <a:avLst/>
+          </a:prstGeom>
+          <a:noFill/>
+        </p:spPr>
+        <p:txBody>
+          <a:bodyPr wrap="square" rtlCol="0">
+            <a:spAutoFit/>
+          </a:bodyPr>
+          <a:lstStyle/>
+          <a:p>
+            <a:pPr algn="ctr"/>
+            <a:r>
+              <a:rPr lang="en-US" altLang="zh-CN" sz="2800" b="1" dirty="0"/>
+              <a:t>PART1 – </a:t>
+            </a:r>
+            <a:r>
+              <a:rPr lang="zh-CN" altLang="en-US" sz="2800" b="1" dirty="0"/>
+              <a:t>词法分析器的生成器</a:t>
+            </a:r>
+            <a:r>
+              <a:rPr lang="en-US" altLang="zh-CN" sz="2800" b="1" dirty="0" err="1"/>
+              <a:t>SeuLex</a:t>
+            </a:r>
+            <a:endParaRPr lang="zh-CN" altLang="en-US" sz="2800" b="1" dirty="0"/>
+          </a:p>
+        </p:txBody>
+      </p:sp>
+      <p:sp>
+        <p:nvSpPr>
+          <p:cNvPr id="7" name="文本框 6">
+            <a:extLst>
+              <a:ext uri="{FF2B5EF4-FFF2-40B4-BE49-F238E27FC236}">
+                <a16:creationId xmlns:a16="http://schemas.microsoft.com/office/drawing/2014/main" id="{6BBA1D33-28A2-4B9E-955D-97D0ADB8C88C}"/>
+              </a:ext>
+            </a:extLst>
+          </p:cNvPr>
+          <p:cNvSpPr txBox="1"/>
+          <p:nvPr/>
+        </p:nvSpPr>
+        <p:spPr>
+          <a:xfrm>
+            <a:off x="301841" y="1133709"/>
+            <a:ext cx="3036164" cy="369332"/>
+          </a:xfrm>
+          <a:prstGeom prst="rect">
+            <a:avLst/>
+          </a:prstGeom>
+          <a:noFill/>
+        </p:spPr>
+        <p:txBody>
+          <a:bodyPr wrap="square" rtlCol="0">
+            <a:spAutoFit/>
+          </a:bodyPr>
+          <a:lstStyle/>
+          <a:p>
+            <a:r>
+              <a:rPr lang="zh-CN" altLang="en-US" dirty="0"/>
+              <a:t>介绍一些数据结构上的设计</a:t>
+            </a:r>
+          </a:p>
+        </p:txBody>
+      </p:sp>
+      <p:sp>
+        <p:nvSpPr>
+          <p:cNvPr id="8" name="矩形 7">
+            <a:extLst>
+              <a:ext uri="{FF2B5EF4-FFF2-40B4-BE49-F238E27FC236}">
+                <a16:creationId xmlns:a16="http://schemas.microsoft.com/office/drawing/2014/main" id="{1A4FBD38-1CA6-4770-8FEB-5204C846A3B6}"/>
+              </a:ext>
+            </a:extLst>
+          </p:cNvPr>
+          <p:cNvSpPr/>
+          <p:nvPr/>
+        </p:nvSpPr>
+        <p:spPr>
+          <a:xfrm>
+            <a:off x="793812" y="1589868"/>
+            <a:ext cx="10604376" cy="4620624"/>
+          </a:xfrm>
+          <a:prstGeom prst="rect">
+            <a:avLst/>
+          </a:prstGeom>
+        </p:spPr>
+        <p:txBody>
+          <a:bodyPr wrap="square">
+            <a:spAutoFit/>
+          </a:bodyPr>
+          <a:lstStyle/>
+          <a:p>
+            <a:pPr>
+              <a:lnSpc>
+                <a:spcPct val="150000"/>
+              </a:lnSpc>
+            </a:pPr>
+            <a:r>
+              <a:rPr lang="zh-CN" altLang="zh-CN" b="1" u="sng" dirty="0"/>
+              <a:t>自动机状态类</a:t>
+            </a:r>
+            <a:r>
+              <a:rPr lang="en-US" altLang="zh-CN" b="1" u="sng" dirty="0"/>
+              <a:t> State</a:t>
+            </a:r>
+          </a:p>
+          <a:p>
+            <a:pPr>
+              <a:lnSpc>
+                <a:spcPct val="150000"/>
+              </a:lnSpc>
+            </a:pPr>
+            <a:r>
+              <a:rPr lang="en-US" altLang="zh-CN" dirty="0"/>
+              <a:t>       </a:t>
+            </a:r>
+            <a:r>
+              <a:rPr lang="zh-CN" altLang="zh-CN" dirty="0"/>
+              <a:t>每一个状态使用一个全局唯一的</a:t>
+            </a:r>
+            <a:r>
+              <a:rPr lang="en-US" altLang="zh-CN" dirty="0"/>
+              <a:t>symbol</a:t>
+            </a:r>
+            <a:r>
+              <a:rPr lang="zh-CN" altLang="zh-CN" dirty="0"/>
+              <a:t>（</a:t>
+            </a:r>
+            <a:r>
+              <a:rPr lang="en-US" altLang="zh-CN" dirty="0"/>
+              <a:t>JS ES6</a:t>
+            </a:r>
+            <a:r>
+              <a:rPr lang="zh-CN" altLang="zh-CN" dirty="0"/>
+              <a:t>标准的新数据类型，可作为</a:t>
+            </a:r>
+            <a:r>
+              <a:rPr lang="en-US" altLang="zh-CN" dirty="0" err="1"/>
+              <a:t>uuid</a:t>
+            </a:r>
+            <a:r>
+              <a:rPr lang="zh-CN" altLang="zh-CN" dirty="0"/>
+              <a:t>）进行标识</a:t>
+            </a:r>
+            <a:endParaRPr lang="en-US" altLang="zh-CN" dirty="0"/>
+          </a:p>
+          <a:p>
+            <a:pPr>
+              <a:lnSpc>
+                <a:spcPct val="150000"/>
+              </a:lnSpc>
+            </a:pPr>
+            <a:r>
+              <a:rPr lang="zh-CN" altLang="zh-CN" b="1" u="sng" dirty="0"/>
+              <a:t>自动机迁移边类</a:t>
+            </a:r>
+            <a:r>
+              <a:rPr lang="en-US" altLang="zh-CN" b="1" u="sng" dirty="0"/>
+              <a:t> Transform</a:t>
+            </a:r>
+          </a:p>
+          <a:p>
+            <a:pPr>
+              <a:lnSpc>
+                <a:spcPct val="150000"/>
+              </a:lnSpc>
+            </a:pPr>
+            <a:r>
+              <a:rPr lang="en-US" altLang="zh-CN" dirty="0"/>
+              <a:t>        </a:t>
+            </a:r>
+            <a:r>
+              <a:rPr lang="zh-CN" altLang="zh-CN" dirty="0"/>
+              <a:t>包括</a:t>
+            </a:r>
+            <a:r>
+              <a:rPr lang="en-US" altLang="zh-CN" dirty="0"/>
+              <a:t>alpha</a:t>
+            </a:r>
+            <a:r>
+              <a:rPr lang="zh-CN" altLang="zh-CN" dirty="0"/>
+              <a:t>属性（边上的字母在自动机字母表中的下标，使用</a:t>
+            </a:r>
+            <a:r>
+              <a:rPr lang="en-US" altLang="zh-CN" dirty="0"/>
+              <a:t>-1</a:t>
+            </a:r>
+            <a:r>
+              <a:rPr lang="zh-CN" altLang="zh-CN" dirty="0"/>
+              <a:t>标识</a:t>
+            </a:r>
+            <a:r>
+              <a:rPr lang="en-US" altLang="zh-CN" dirty="0"/>
+              <a:t>epsilon</a:t>
+            </a:r>
+            <a:r>
+              <a:rPr lang="zh-CN" altLang="zh-CN" dirty="0"/>
+              <a:t>，</a:t>
+            </a:r>
+            <a:r>
+              <a:rPr lang="en-US" altLang="zh-CN" dirty="0"/>
+              <a:t>-2</a:t>
+            </a:r>
+            <a:r>
+              <a:rPr lang="zh-CN" altLang="zh-CN" dirty="0"/>
+              <a:t>表示</a:t>
+            </a:r>
+            <a:r>
+              <a:rPr lang="en-US" altLang="zh-CN" dirty="0"/>
+              <a:t>ANY</a:t>
+            </a:r>
+            <a:r>
+              <a:rPr lang="zh-CN" altLang="zh-CN" dirty="0"/>
+              <a:t>，</a:t>
+            </a:r>
+            <a:r>
+              <a:rPr lang="en-US" altLang="zh-CN" dirty="0"/>
+              <a:t>-3</a:t>
+            </a:r>
+            <a:r>
+              <a:rPr lang="zh-CN" altLang="zh-CN" dirty="0"/>
+              <a:t>表示</a:t>
+            </a:r>
+            <a:r>
+              <a:rPr lang="en-US" altLang="zh-CN" dirty="0"/>
+              <a:t>OTHER</a:t>
+            </a:r>
+            <a:r>
+              <a:rPr lang="zh-CN" altLang="zh-CN" dirty="0"/>
+              <a:t>）和</a:t>
+            </a:r>
+            <a:r>
+              <a:rPr lang="en-US" altLang="zh-CN" dirty="0"/>
+              <a:t>target</a:t>
+            </a:r>
+            <a:r>
+              <a:rPr lang="zh-CN" altLang="zh-CN" dirty="0"/>
+              <a:t>属性（转移到的状态在自动机状态表中的下标）</a:t>
+            </a:r>
+          </a:p>
+          <a:p>
+            <a:pPr>
+              <a:lnSpc>
+                <a:spcPct val="150000"/>
+              </a:lnSpc>
+            </a:pPr>
+            <a:r>
+              <a:rPr lang="zh-CN" altLang="zh-CN" b="1" u="sng" dirty="0"/>
+              <a:t>有限状态自动机</a:t>
+            </a:r>
+            <a:r>
+              <a:rPr lang="zh-CN" altLang="en-US" b="1" u="sng" dirty="0"/>
+              <a:t>基</a:t>
+            </a:r>
+            <a:r>
+              <a:rPr lang="zh-CN" altLang="zh-CN" b="1" u="sng" dirty="0"/>
+              <a:t>类</a:t>
+            </a:r>
+            <a:r>
+              <a:rPr lang="en-US" altLang="zh-CN" b="1" u="sng" dirty="0"/>
+              <a:t> FA</a:t>
+            </a:r>
+          </a:p>
+          <a:p>
+            <a:pPr>
+              <a:lnSpc>
+                <a:spcPct val="150000"/>
+              </a:lnSpc>
+            </a:pPr>
+            <a:r>
+              <a:rPr lang="en-US" altLang="zh-CN" dirty="0"/>
+              <a:t>        </a:t>
+            </a:r>
+            <a:r>
+              <a:rPr lang="zh-CN" altLang="zh-CN" dirty="0"/>
+              <a:t>包括</a:t>
+            </a:r>
+            <a:r>
+              <a:rPr lang="zh-CN" altLang="zh-CN" b="1" dirty="0">
+                <a:solidFill>
+                  <a:srgbClr val="FF0000"/>
+                </a:solidFill>
+              </a:rPr>
+              <a:t>字母表</a:t>
+            </a:r>
+            <a:r>
+              <a:rPr lang="en-US" altLang="zh-CN" b="1" dirty="0">
+                <a:solidFill>
+                  <a:srgbClr val="FF0000"/>
+                </a:solidFill>
+              </a:rPr>
+              <a:t>alphabet</a:t>
+            </a:r>
+            <a:r>
+              <a:rPr lang="zh-CN" altLang="zh-CN" dirty="0"/>
+              <a:t>（</a:t>
+            </a:r>
+            <a:r>
+              <a:rPr lang="en-US" altLang="zh-CN" dirty="0"/>
+              <a:t>string</a:t>
+            </a:r>
+            <a:r>
+              <a:rPr lang="zh-CN" altLang="zh-CN" dirty="0"/>
+              <a:t>数组，使用字母表可以利用下标而不是字母本身定位字母，使用负下标表示特殊字母，这样功能强大且不易出错）</a:t>
+            </a:r>
+            <a:r>
+              <a:rPr lang="zh-CN" altLang="en-US" dirty="0"/>
+              <a:t>、</a:t>
+            </a:r>
+            <a:endParaRPr lang="en-US" altLang="zh-CN" dirty="0"/>
+          </a:p>
+          <a:p>
+            <a:pPr>
+              <a:lnSpc>
+                <a:spcPct val="150000"/>
+              </a:lnSpc>
+            </a:pPr>
+            <a:r>
+              <a:rPr lang="en-US" altLang="zh-CN" dirty="0"/>
+              <a:t>        </a:t>
+            </a:r>
+            <a:r>
+              <a:rPr lang="zh-CN" altLang="zh-CN" dirty="0"/>
+              <a:t>状态数组</a:t>
+            </a:r>
+            <a:r>
+              <a:rPr lang="en-US" altLang="zh-CN" dirty="0"/>
+              <a:t>states</a:t>
+            </a:r>
+            <a:r>
+              <a:rPr lang="zh-CN" altLang="zh-CN" dirty="0"/>
+              <a:t>，初始状态数组</a:t>
+            </a:r>
+            <a:r>
+              <a:rPr lang="en-US" altLang="zh-CN" dirty="0" err="1"/>
+              <a:t>startStates</a:t>
+            </a:r>
+            <a:r>
+              <a:rPr lang="zh-CN" altLang="zh-CN" dirty="0"/>
+              <a:t>（通常只有一个）</a:t>
+            </a:r>
+            <a:r>
+              <a:rPr lang="zh-CN" altLang="en-US" dirty="0"/>
+              <a:t>、</a:t>
+            </a:r>
+            <a:r>
+              <a:rPr lang="zh-CN" altLang="zh-CN" dirty="0"/>
+              <a:t>接收状态数组</a:t>
+            </a:r>
+            <a:r>
+              <a:rPr lang="en-US" altLang="zh-CN" dirty="0" err="1"/>
+              <a:t>acceptStates</a:t>
+            </a:r>
+            <a:r>
+              <a:rPr lang="zh-CN" altLang="zh-CN" dirty="0"/>
+              <a:t>。</a:t>
+            </a:r>
+            <a:endParaRPr lang="en-US" altLang="zh-CN" dirty="0"/>
+          </a:p>
+          <a:p>
+            <a:pPr>
+              <a:lnSpc>
+                <a:spcPct val="150000"/>
+              </a:lnSpc>
+            </a:pPr>
+            <a:r>
+              <a:rPr lang="en-US" altLang="zh-CN" dirty="0"/>
+              <a:t>        </a:t>
+            </a:r>
+            <a:r>
+              <a:rPr lang="zh-CN" altLang="zh-CN" dirty="0"/>
+              <a:t>另外，注意到自动机的状态数将会是巨大的，而连接边的数量是稀疏的，所以我们选用</a:t>
+            </a:r>
+            <a:r>
+              <a:rPr lang="zh-CN" altLang="zh-CN" b="1" dirty="0">
+                <a:solidFill>
+                  <a:srgbClr val="FF0000"/>
+                </a:solidFill>
+              </a:rPr>
+              <a:t>邻接链表</a:t>
+            </a:r>
+            <a:r>
+              <a:rPr lang="zh-CN" altLang="zh-CN" dirty="0"/>
+              <a:t>来表示边，相比邻接矩阵可以节省大量空间，提高算法效率。</a:t>
+            </a:r>
+          </a:p>
+        </p:txBody>
+      </p:sp>
+    </p:spTree>
+    <p:extLst>
+      <p:ext uri="{BB962C8B-B14F-4D97-AF65-F5344CB8AC3E}">
+        <p14:creationId xmlns:p14="http://schemas.microsoft.com/office/powerpoint/2010/main" val="889854096"/>
+      </p:ext>
+    </p:extLst>
+  </p:cSld>
+  <p:clrMapOvr>
+    <a:masterClrMapping/>
+  </p:clrMapOvr>
+</p:sld>
+</file>
+
+<file path=ppt/slides/slide9.xml><?xml version="1.0" encoding="utf-8"?>
+<p:sld xmlns:a="http://schemas.openxmlformats.org/drawingml/2006/main" xmlns:r="http://schemas.openxmlformats.org/officeDocument/2006/relationships" xmlns:p="http://schemas.openxmlformats.org/presentationml/2006/main">
+  <p:cSld>
+    <p:spTree>
+      <p:nvGrpSpPr>
+        <p:cNvPr id="1" name=""/>
+        <p:cNvGrpSpPr/>
+        <p:nvPr/>
+      </p:nvGrpSpPr>
+      <p:grpSpPr>
+        <a:xfrm>
+          <a:off x="0" y="0"/>
+          <a:ext cx="0" cy="0"/>
+          <a:chOff x="0" y="0"/>
+          <a:chExt cx="0" cy="0"/>
+        </a:xfrm>
+      </p:grpSpPr>
+      <p:sp>
+        <p:nvSpPr>
+          <p:cNvPr id="4" name="文本框 3">
+            <a:extLst>
+              <a:ext uri="{FF2B5EF4-FFF2-40B4-BE49-F238E27FC236}">
+                <a16:creationId xmlns:a16="http://schemas.microsoft.com/office/drawing/2014/main" id="{AD60AB86-B1C2-489A-9F8D-A1C85FC6B375}"/>
+              </a:ext>
+            </a:extLst>
+          </p:cNvPr>
+          <p:cNvSpPr txBox="1"/>
+          <p:nvPr/>
+        </p:nvSpPr>
+        <p:spPr>
+          <a:xfrm>
+            <a:off x="119064" y="617336"/>
+            <a:ext cx="5433135" cy="400110"/>
+          </a:xfrm>
+          <a:prstGeom prst="rect">
+            <a:avLst/>
+          </a:prstGeom>
+          <a:noFill/>
+        </p:spPr>
+        <p:txBody>
+          <a:bodyPr wrap="square" rtlCol="0">
+            <a:spAutoFit/>
+          </a:bodyPr>
+          <a:lstStyle/>
+          <a:p>
+            <a:r>
+              <a:rPr lang="zh-CN" altLang="en-US" sz="2000" b="1" u="sng" dirty="0"/>
+              <a:t>非确定有限状态自动机相关</a:t>
+            </a:r>
+            <a:r>
+              <a:rPr lang="zh-CN" altLang="en-US" sz="2000" b="1" dirty="0"/>
+              <a:t> </a:t>
+            </a:r>
+            <a:r>
+              <a:rPr lang="en-US" altLang="zh-CN" sz="2000" b="1" dirty="0" err="1"/>
+              <a:t>N</a:t>
+            </a:r>
+            <a:r>
+              <a:rPr lang="en-US" altLang="zh-CN" b="1" dirty="0" err="1"/>
+              <a:t>FA.ts</a:t>
+            </a:r>
+            <a:endParaRPr lang="zh-CN" altLang="en-US" b="1" dirty="0"/>
+          </a:p>
+        </p:txBody>
+      </p:sp>
+      <p:sp>
+        <p:nvSpPr>
+          <p:cNvPr id="5" name="文本框 4">
+            <a:extLst>
+              <a:ext uri="{FF2B5EF4-FFF2-40B4-BE49-F238E27FC236}">
+                <a16:creationId xmlns:a16="http://schemas.microsoft.com/office/drawing/2014/main" id="{5E7765DC-1E78-4B31-91BC-B2E23F826BCE}"/>
+              </a:ext>
+            </a:extLst>
+          </p:cNvPr>
+          <p:cNvSpPr txBox="1"/>
+          <p:nvPr/>
+        </p:nvSpPr>
+        <p:spPr>
+          <a:xfrm>
+            <a:off x="96176" y="124288"/>
+            <a:ext cx="5999824" cy="523220"/>
+          </a:xfrm>
+          <a:prstGeom prst="rect">
+            <a:avLst/>
+          </a:prstGeom>
+          <a:noFill/>
+        </p:spPr>
+        <p:txBody>
+          <a:bodyPr wrap="square" rtlCol="0">
+            <a:spAutoFit/>
+          </a:bodyPr>
+          <a:lstStyle/>
+          <a:p>
+            <a:pPr algn="ctr"/>
+            <a:r>
+              <a:rPr lang="en-US" altLang="zh-CN" sz="2800" b="1" dirty="0"/>
+              <a:t>PART1 – </a:t>
+            </a:r>
+            <a:r>
+              <a:rPr lang="zh-CN" altLang="en-US" sz="2800" b="1" dirty="0"/>
+              <a:t>词法分析器的生成器</a:t>
+            </a:r>
+            <a:r>
+              <a:rPr lang="en-US" altLang="zh-CN" sz="2800" b="1" dirty="0" err="1"/>
+              <a:t>SeuLex</a:t>
+            </a:r>
+            <a:endParaRPr lang="zh-CN" altLang="en-US" sz="2800" b="1" dirty="0"/>
+          </a:p>
+        </p:txBody>
+      </p:sp>
+      <p:pic>
+        <p:nvPicPr>
+          <p:cNvPr id="8194" name="图片 1">
+            <a:extLst>
+              <a:ext uri="{FF2B5EF4-FFF2-40B4-BE49-F238E27FC236}">
+                <a16:creationId xmlns:a16="http://schemas.microsoft.com/office/drawing/2014/main" id="{A82FFCE6-2825-49EE-8B7C-687CEDB6F754}"/>
+              </a:ext>
+            </a:extLst>
+          </p:cNvPr>
+          <p:cNvPicPr>
+            <a:picLocks noChangeAspect="1" noChangeArrowheads="1"/>
+          </p:cNvPicPr>
+          <p:nvPr/>
+        </p:nvPicPr>
+        <p:blipFill>
+          <a:blip r:embed="rId2">
+            <a:extLst>
+              <a:ext uri="{28A0092B-C50C-407E-A947-70E740481C1C}">
+                <a14:useLocalDpi xmlns:a14="http://schemas.microsoft.com/office/drawing/2010/main" val="0"/>
+              </a:ext>
+            </a:extLst>
+          </a:blip>
+          <a:srcRect/>
+          <a:stretch>
+            <a:fillRect/>
+          </a:stretch>
+        </p:blipFill>
+        <p:spPr bwMode="auto">
+          <a:xfrm>
+            <a:off x="5384632" y="3908177"/>
+            <a:ext cx="6245116" cy="2787491"/>
+          </a:xfrm>
+          <a:prstGeom prst="rect">
+            <a:avLst/>
+          </a:prstGeom>
+          <a:noFill/>
+          <a:ln>
+            <a:noFill/>
+          </a:ln>
+          <a:extLst>
+            <a:ext uri="{909E8E84-426E-40DD-AFC4-6F175D3DCCD1}">
+              <a14:hiddenFill xmlns:a14="http://schemas.microsoft.com/office/drawing/2010/main">
+                <a:solidFill>
+                  <a:srgbClr val="FFFFFF"/>
+                </a:solidFill>
+              </a14:hiddenFill>
+            </a:ext>
+            <a:ext uri="{91240B29-F687-4F45-9708-019B960494DF}">
+              <a14:hiddenLine xmlns:a14="http://schemas.microsoft.com/office/drawing/2010/main" w="9525">
+                <a:solidFill>
+                  <a:srgbClr val="000000"/>
+                </a:solidFill>
+                <a:miter lim="800000"/>
+                <a:headEnd/>
+                <a:tailEnd/>
+              </a14:hiddenLine>
+            </a:ext>
+          </a:extLst>
+        </p:spPr>
+      </p:pic>
+      <p:sp>
+        <p:nvSpPr>
+          <p:cNvPr id="6" name="文本框 5">
+            <a:extLst>
+              <a:ext uri="{FF2B5EF4-FFF2-40B4-BE49-F238E27FC236}">
+                <a16:creationId xmlns:a16="http://schemas.microsoft.com/office/drawing/2014/main" id="{3A40F445-6300-41A9-8DC6-F31CFA47BAAC}"/>
+              </a:ext>
+            </a:extLst>
+          </p:cNvPr>
+          <p:cNvSpPr txBox="1"/>
+          <p:nvPr/>
+        </p:nvSpPr>
+        <p:spPr>
+          <a:xfrm>
+            <a:off x="119063" y="1017446"/>
+            <a:ext cx="12072937" cy="369332"/>
+          </a:xfrm>
+          <a:prstGeom prst="rect">
+            <a:avLst/>
+          </a:prstGeom>
+          <a:noFill/>
+        </p:spPr>
+        <p:txBody>
+          <a:bodyPr wrap="square" rtlCol="0">
+            <a:spAutoFit/>
+          </a:bodyPr>
+          <a:lstStyle/>
+          <a:p>
+            <a:r>
+              <a:rPr lang="zh-CN" altLang="en-US" dirty="0"/>
+              <a:t>负责从</a:t>
+            </a:r>
+            <a:r>
+              <a:rPr lang="en-US" altLang="zh-CN" dirty="0" err="1"/>
+              <a:t>LexParser</a:t>
+            </a:r>
+            <a:r>
+              <a:rPr lang="zh-CN" altLang="en-US" dirty="0"/>
+              <a:t>中的所有后缀正则表达式构建</a:t>
+            </a:r>
+            <a:r>
+              <a:rPr lang="en-US" altLang="zh-CN" dirty="0"/>
+              <a:t>NFA</a:t>
+            </a:r>
+            <a:r>
+              <a:rPr lang="zh-CN" altLang="en-US" dirty="0"/>
+              <a:t>，然后并联成一个不收束尾部（否则不能绑定动作代码）的大</a:t>
+            </a:r>
+            <a:r>
+              <a:rPr lang="en-US" altLang="zh-CN" dirty="0"/>
+              <a:t>NFA</a:t>
+            </a:r>
+            <a:r>
+              <a:rPr lang="zh-CN" altLang="en-US" dirty="0"/>
+              <a:t>。</a:t>
+            </a:r>
+          </a:p>
+        </p:txBody>
+      </p:sp>
+      <p:sp>
+        <p:nvSpPr>
+          <p:cNvPr id="8" name="文本框 7">
+            <a:extLst>
+              <a:ext uri="{FF2B5EF4-FFF2-40B4-BE49-F238E27FC236}">
+                <a16:creationId xmlns:a16="http://schemas.microsoft.com/office/drawing/2014/main" id="{B5941B44-15DC-470F-B44C-C047C583C3DA}"/>
+              </a:ext>
+            </a:extLst>
+          </p:cNvPr>
+          <p:cNvSpPr txBox="1"/>
+          <p:nvPr/>
+        </p:nvSpPr>
+        <p:spPr>
+          <a:xfrm>
+            <a:off x="223768" y="3708122"/>
+            <a:ext cx="1721922" cy="400110"/>
+          </a:xfrm>
+          <a:prstGeom prst="rect">
+            <a:avLst/>
+          </a:prstGeom>
+          <a:noFill/>
+        </p:spPr>
+        <p:txBody>
+          <a:bodyPr wrap="square" rtlCol="0">
+            <a:spAutoFit/>
+          </a:bodyPr>
+          <a:lstStyle/>
+          <a:p>
+            <a:r>
+              <a:rPr lang="zh-CN" altLang="en-US" sz="2000" b="1" u="sng" dirty="0"/>
+              <a:t>问题与解决</a:t>
+            </a:r>
+          </a:p>
+        </p:txBody>
+      </p:sp>
+      <p:sp>
+        <p:nvSpPr>
+          <p:cNvPr id="9" name="矩形 8">
+            <a:extLst>
+              <a:ext uri="{FF2B5EF4-FFF2-40B4-BE49-F238E27FC236}">
+                <a16:creationId xmlns:a16="http://schemas.microsoft.com/office/drawing/2014/main" id="{E871C7F4-EBF4-4ED6-B2B6-158FC129427C}"/>
+              </a:ext>
+            </a:extLst>
+          </p:cNvPr>
+          <p:cNvSpPr/>
+          <p:nvPr/>
+        </p:nvSpPr>
+        <p:spPr>
+          <a:xfrm>
+            <a:off x="321423" y="4248180"/>
+            <a:ext cx="4605860" cy="2396971"/>
+          </a:xfrm>
+          <a:prstGeom prst="rect">
+            <a:avLst/>
+          </a:prstGeom>
+          <a:solidFill>
+            <a:schemeClr val="accent5">
+              <a:lumMod val="20000"/>
+              <a:lumOff val="80000"/>
+            </a:schemeClr>
+          </a:solidFill>
+        </p:spPr>
+        <p:style>
+          <a:lnRef idx="2">
+            <a:schemeClr val="accent3">
+              <a:shade val="50000"/>
+            </a:schemeClr>
+          </a:lnRef>
+          <a:fillRef idx="1">
+            <a:schemeClr val="accent3"/>
+          </a:fillRef>
+          <a:effectRef idx="0">
+            <a:schemeClr val="accent3"/>
+          </a:effectRef>
+          <a:fontRef idx="minor">
+            <a:schemeClr val="lt1"/>
+          </a:fontRef>
+        </p:style>
+        <p:txBody>
+          <a:bodyPr rtlCol="0" anchor="ctr"/>
+          <a:lstStyle/>
+          <a:p>
+            <a:pPr algn="ctr"/>
+            <a:endParaRPr lang="zh-CN" altLang="en-US"/>
+          </a:p>
+        </p:txBody>
+      </p:sp>
+      <p:sp>
+        <p:nvSpPr>
+          <p:cNvPr id="10" name="矩形 9">
+            <a:extLst>
+              <a:ext uri="{FF2B5EF4-FFF2-40B4-BE49-F238E27FC236}">
+                <a16:creationId xmlns:a16="http://schemas.microsoft.com/office/drawing/2014/main" id="{9866465C-5776-4C88-BFD5-F89852D3C799}"/>
+              </a:ext>
+            </a:extLst>
+          </p:cNvPr>
+          <p:cNvSpPr/>
+          <p:nvPr/>
+        </p:nvSpPr>
+        <p:spPr>
+          <a:xfrm>
+            <a:off x="365464" y="4345987"/>
+            <a:ext cx="4605861" cy="923330"/>
+          </a:xfrm>
+          <a:prstGeom prst="rect">
+            <a:avLst/>
+          </a:prstGeom>
+        </p:spPr>
+        <p:txBody>
+          <a:bodyPr wrap="square">
+            <a:spAutoFit/>
+          </a:bodyPr>
+          <a:lstStyle/>
+          <a:p>
+            <a:r>
+              <a:rPr lang="zh-CN" altLang="en-US" b="1" dirty="0"/>
+              <a:t>在处理表示任意字符的点号“</a:t>
+            </a:r>
+            <a:r>
+              <a:rPr lang="en-US" altLang="zh-CN" b="1" dirty="0"/>
+              <a:t>.</a:t>
+            </a:r>
+            <a:r>
+              <a:rPr lang="zh-CN" altLang="en-US" b="1" dirty="0"/>
+              <a:t>”时，如果将它展开为字符全集，状态数量将爆炸增长，严重影响效率。</a:t>
+            </a:r>
+          </a:p>
+        </p:txBody>
+      </p:sp>
+      <p:sp>
+        <p:nvSpPr>
+          <p:cNvPr id="7" name="矩形 6">
+            <a:extLst>
+              <a:ext uri="{FF2B5EF4-FFF2-40B4-BE49-F238E27FC236}">
+                <a16:creationId xmlns:a16="http://schemas.microsoft.com/office/drawing/2014/main" id="{BE2C3B29-176F-47D9-8BC9-B1884EC05C20}"/>
+              </a:ext>
+            </a:extLst>
+          </p:cNvPr>
+          <p:cNvSpPr/>
+          <p:nvPr/>
+        </p:nvSpPr>
+        <p:spPr>
+          <a:xfrm>
+            <a:off x="401975" y="5458537"/>
+            <a:ext cx="4444755" cy="923330"/>
+          </a:xfrm>
+          <a:prstGeom prst="rect">
+            <a:avLst/>
+          </a:prstGeom>
+        </p:spPr>
+        <p:txBody>
+          <a:bodyPr wrap="square">
+            <a:spAutoFit/>
+          </a:bodyPr>
+          <a:lstStyle/>
+          <a:p>
+            <a:r>
+              <a:rPr lang="zh-CN" altLang="en-US" dirty="0">
+                <a:latin typeface="Times New Roman" panose="02020603050405020304" pitchFamily="18" charset="0"/>
+                <a:cs typeface="Times New Roman" panose="02020603050405020304" pitchFamily="18" charset="0"/>
+              </a:rPr>
+              <a:t>不展开为字符全集，而是</a:t>
+            </a:r>
+            <a:r>
+              <a:rPr lang="zh-CN" altLang="zh-CN" dirty="0">
+                <a:latin typeface="Times New Roman" panose="02020603050405020304" pitchFamily="18" charset="0"/>
+                <a:cs typeface="Times New Roman" panose="02020603050405020304" pitchFamily="18" charset="0"/>
+              </a:rPr>
+              <a:t>引入了一个特别的</a:t>
+            </a:r>
+            <a:r>
+              <a:rPr lang="en-US" altLang="zh-CN" dirty="0">
+                <a:latin typeface="Times New Roman" panose="02020603050405020304" pitchFamily="18" charset="0"/>
+                <a:cs typeface="Times New Roman" panose="02020603050405020304" pitchFamily="18" charset="0"/>
+              </a:rPr>
+              <a:t>ANY</a:t>
+            </a:r>
+            <a:r>
+              <a:rPr lang="zh-CN" altLang="zh-CN" dirty="0">
+                <a:latin typeface="Times New Roman" panose="02020603050405020304" pitchFamily="18" charset="0"/>
+                <a:cs typeface="Times New Roman" panose="02020603050405020304" pitchFamily="18" charset="0"/>
+              </a:rPr>
+              <a:t>边，入栈一个</a:t>
+            </a:r>
+            <a:r>
+              <a:rPr lang="zh-CN" altLang="en-US" dirty="0">
+                <a:latin typeface="Times New Roman" panose="02020603050405020304" pitchFamily="18" charset="0"/>
+                <a:cs typeface="Times New Roman" panose="02020603050405020304" pitchFamily="18" charset="0"/>
+              </a:rPr>
+              <a:t>迁移为</a:t>
+            </a:r>
+            <a:r>
+              <a:rPr lang="en-US" altLang="zh-CN" dirty="0">
+                <a:latin typeface="Times New Roman" panose="02020603050405020304" pitchFamily="18" charset="0"/>
+                <a:cs typeface="Times New Roman" panose="02020603050405020304" pitchFamily="18" charset="0"/>
+              </a:rPr>
+              <a:t>ANY</a:t>
+            </a:r>
+            <a:r>
+              <a:rPr lang="zh-CN" altLang="zh-CN" dirty="0">
+                <a:latin typeface="Times New Roman" panose="02020603050405020304" pitchFamily="18" charset="0"/>
+                <a:cs typeface="Times New Roman" panose="02020603050405020304" pitchFamily="18" charset="0"/>
+              </a:rPr>
+              <a:t>边的原子</a:t>
+            </a:r>
+            <a:r>
+              <a:rPr lang="en-US" altLang="zh-CN" dirty="0">
+                <a:latin typeface="Times New Roman" panose="02020603050405020304" pitchFamily="18" charset="0"/>
+                <a:cs typeface="Times New Roman" panose="02020603050405020304" pitchFamily="18" charset="0"/>
+              </a:rPr>
+              <a:t>NFA</a:t>
+            </a:r>
+            <a:r>
+              <a:rPr lang="zh-CN" altLang="en-US" dirty="0">
+                <a:latin typeface="Times New Roman" panose="02020603050405020304" pitchFamily="18" charset="0"/>
+                <a:cs typeface="Times New Roman" panose="02020603050405020304" pitchFamily="18" charset="0"/>
+              </a:rPr>
+              <a:t>。</a:t>
+            </a:r>
+          </a:p>
+        </p:txBody>
+      </p:sp>
+      <p:sp>
+        <p:nvSpPr>
+          <p:cNvPr id="11" name="矩形 10">
+            <a:extLst>
+              <a:ext uri="{FF2B5EF4-FFF2-40B4-BE49-F238E27FC236}">
+                <a16:creationId xmlns:a16="http://schemas.microsoft.com/office/drawing/2014/main" id="{5D0F633F-B685-4132-A2B1-90FB4501B629}"/>
+              </a:ext>
+            </a:extLst>
+          </p:cNvPr>
+          <p:cNvSpPr/>
+          <p:nvPr/>
+        </p:nvSpPr>
+        <p:spPr>
+          <a:xfrm>
+            <a:off x="321423" y="1386778"/>
+            <a:ext cx="9175856" cy="2308324"/>
+          </a:xfrm>
+          <a:prstGeom prst="rect">
+            <a:avLst/>
+          </a:prstGeom>
+        </p:spPr>
+        <p:txBody>
+          <a:bodyPr wrap="square">
+            <a:spAutoFit/>
+          </a:bodyPr>
+          <a:lstStyle/>
+          <a:p>
+            <a:r>
+              <a:rPr lang="zh-CN" altLang="zh-CN" dirty="0">
+                <a:latin typeface="Times New Roman" panose="02020603050405020304" pitchFamily="18" charset="0"/>
+                <a:cs typeface="Times New Roman" panose="02020603050405020304" pitchFamily="18" charset="0"/>
+              </a:rPr>
+              <a:t>①如果是转义反斜杠，则进入转义字符状态，下一个字符成为被转义字符；</a:t>
+            </a:r>
+            <a:endParaRPr lang="en-US" altLang="zh-CN" dirty="0">
+              <a:latin typeface="Times New Roman" panose="02020603050405020304" pitchFamily="18" charset="0"/>
+              <a:cs typeface="Times New Roman" panose="02020603050405020304" pitchFamily="18" charset="0"/>
+            </a:endParaRPr>
+          </a:p>
+          <a:p>
+            <a:r>
+              <a:rPr lang="zh-CN" altLang="zh-CN" dirty="0">
+                <a:latin typeface="Times New Roman" panose="02020603050405020304" pitchFamily="18" charset="0"/>
+                <a:cs typeface="Times New Roman" panose="02020603050405020304" pitchFamily="18" charset="0"/>
+              </a:rPr>
+              <a:t>②如果是或符</a:t>
+            </a:r>
+            <a:r>
+              <a:rPr lang="en-US" altLang="zh-CN" dirty="0">
+                <a:latin typeface="Times New Roman" panose="02020603050405020304" pitchFamily="18" charset="0"/>
+                <a:cs typeface="Times New Roman" panose="02020603050405020304" pitchFamily="18" charset="0"/>
+              </a:rPr>
+              <a:t>|</a:t>
+            </a:r>
+            <a:r>
+              <a:rPr lang="zh-CN" altLang="zh-CN" dirty="0">
+                <a:latin typeface="Times New Roman" panose="02020603050405020304" pitchFamily="18" charset="0"/>
+                <a:cs typeface="Times New Roman" panose="02020603050405020304" pitchFamily="18" charset="0"/>
+              </a:rPr>
+              <a:t>，则弹出栈顶两个</a:t>
+            </a:r>
+            <a:r>
+              <a:rPr lang="en-US" altLang="zh-CN" dirty="0">
+                <a:latin typeface="Times New Roman" panose="02020603050405020304" pitchFamily="18" charset="0"/>
+                <a:cs typeface="Times New Roman" panose="02020603050405020304" pitchFamily="18" charset="0"/>
+              </a:rPr>
+              <a:t>NFA</a:t>
+            </a:r>
+            <a:r>
+              <a:rPr lang="zh-CN" altLang="zh-CN" dirty="0">
+                <a:latin typeface="Times New Roman" panose="02020603050405020304" pitchFamily="18" charset="0"/>
+                <a:cs typeface="Times New Roman" panose="02020603050405020304" pitchFamily="18" charset="0"/>
+              </a:rPr>
+              <a:t>，进行并联后放回；</a:t>
+            </a:r>
+            <a:endParaRPr lang="en-US" altLang="zh-CN" dirty="0">
+              <a:latin typeface="Times New Roman" panose="02020603050405020304" pitchFamily="18" charset="0"/>
+              <a:cs typeface="Times New Roman" panose="02020603050405020304" pitchFamily="18" charset="0"/>
+            </a:endParaRPr>
+          </a:p>
+          <a:p>
+            <a:r>
+              <a:rPr lang="zh-CN" altLang="zh-CN" dirty="0">
+                <a:latin typeface="Times New Roman" panose="02020603050405020304" pitchFamily="18" charset="0"/>
+                <a:cs typeface="Times New Roman" panose="02020603050405020304" pitchFamily="18" charset="0"/>
+              </a:rPr>
+              <a:t>③如果是加点连缀符，则弹出栈顶两个</a:t>
+            </a:r>
+            <a:r>
+              <a:rPr lang="en-US" altLang="zh-CN" dirty="0">
+                <a:latin typeface="Times New Roman" panose="02020603050405020304" pitchFamily="18" charset="0"/>
+                <a:cs typeface="Times New Roman" panose="02020603050405020304" pitchFamily="18" charset="0"/>
+              </a:rPr>
+              <a:t>NFA</a:t>
+            </a:r>
+            <a:r>
+              <a:rPr lang="zh-CN" altLang="zh-CN" dirty="0">
+                <a:latin typeface="Times New Roman" panose="02020603050405020304" pitchFamily="18" charset="0"/>
+                <a:cs typeface="Times New Roman" panose="02020603050405020304" pitchFamily="18" charset="0"/>
+              </a:rPr>
+              <a:t>，进行串联后放回；</a:t>
+            </a:r>
+            <a:endParaRPr lang="en-US" altLang="zh-CN" dirty="0">
+              <a:latin typeface="Times New Roman" panose="02020603050405020304" pitchFamily="18" charset="0"/>
+              <a:cs typeface="Times New Roman" panose="02020603050405020304" pitchFamily="18" charset="0"/>
+            </a:endParaRPr>
+          </a:p>
+          <a:p>
+            <a:r>
+              <a:rPr lang="zh-CN" altLang="zh-CN" dirty="0">
+                <a:latin typeface="Times New Roman" panose="02020603050405020304" pitchFamily="18" charset="0"/>
+                <a:cs typeface="Times New Roman" panose="02020603050405020304" pitchFamily="18" charset="0"/>
+              </a:rPr>
+              <a:t>④如果是星闭包符</a:t>
+            </a:r>
+            <a:r>
+              <a:rPr lang="en-US" altLang="zh-CN" dirty="0">
+                <a:latin typeface="Times New Roman" panose="02020603050405020304" pitchFamily="18" charset="0"/>
+                <a:cs typeface="Times New Roman" panose="02020603050405020304" pitchFamily="18" charset="0"/>
+              </a:rPr>
+              <a:t>*</a:t>
+            </a:r>
+            <a:r>
+              <a:rPr lang="zh-CN" altLang="zh-CN" dirty="0">
+                <a:latin typeface="Times New Roman" panose="02020603050405020304" pitchFamily="18" charset="0"/>
+                <a:cs typeface="Times New Roman" panose="02020603050405020304" pitchFamily="18" charset="0"/>
+              </a:rPr>
+              <a:t>，则弹出栈顶一个</a:t>
+            </a:r>
+            <a:r>
+              <a:rPr lang="en-US" altLang="zh-CN" dirty="0">
+                <a:latin typeface="Times New Roman" panose="02020603050405020304" pitchFamily="18" charset="0"/>
+                <a:cs typeface="Times New Roman" panose="02020603050405020304" pitchFamily="18" charset="0"/>
+              </a:rPr>
+              <a:t>NFA</a:t>
+            </a:r>
+            <a:r>
+              <a:rPr lang="zh-CN" altLang="zh-CN" dirty="0">
+                <a:latin typeface="Times New Roman" panose="02020603050405020304" pitchFamily="18" charset="0"/>
+                <a:cs typeface="Times New Roman" panose="02020603050405020304" pitchFamily="18" charset="0"/>
+              </a:rPr>
+              <a:t>，作</a:t>
+            </a:r>
+            <a:r>
+              <a:rPr lang="en-US" altLang="zh-CN" dirty="0">
+                <a:latin typeface="Times New Roman" panose="02020603050405020304" pitchFamily="18" charset="0"/>
+                <a:cs typeface="Times New Roman" panose="02020603050405020304" pitchFamily="18" charset="0"/>
+              </a:rPr>
+              <a:t>Kleene</a:t>
+            </a:r>
+            <a:r>
+              <a:rPr lang="zh-CN" altLang="zh-CN" dirty="0">
+                <a:latin typeface="Times New Roman" panose="02020603050405020304" pitchFamily="18" charset="0"/>
+                <a:cs typeface="Times New Roman" panose="02020603050405020304" pitchFamily="18" charset="0"/>
+              </a:rPr>
+              <a:t>闭包后放回；</a:t>
+            </a:r>
+            <a:endParaRPr lang="en-US" altLang="zh-CN" dirty="0">
+              <a:latin typeface="Times New Roman" panose="02020603050405020304" pitchFamily="18" charset="0"/>
+              <a:cs typeface="Times New Roman" panose="02020603050405020304" pitchFamily="18" charset="0"/>
+            </a:endParaRPr>
+          </a:p>
+          <a:p>
+            <a:r>
+              <a:rPr lang="zh-CN" altLang="zh-CN" dirty="0">
+                <a:latin typeface="Times New Roman" panose="02020603050405020304" pitchFamily="18" charset="0"/>
+                <a:cs typeface="Times New Roman" panose="02020603050405020304" pitchFamily="18" charset="0"/>
+              </a:rPr>
+              <a:t>⑤如果是正闭包符</a:t>
+            </a:r>
+            <a:r>
+              <a:rPr lang="en-US" altLang="zh-CN" dirty="0">
+                <a:latin typeface="Times New Roman" panose="02020603050405020304" pitchFamily="18" charset="0"/>
+                <a:cs typeface="Times New Roman" panose="02020603050405020304" pitchFamily="18" charset="0"/>
+              </a:rPr>
+              <a:t>+</a:t>
+            </a:r>
+            <a:r>
+              <a:rPr lang="zh-CN" altLang="zh-CN" dirty="0">
+                <a:latin typeface="Times New Roman" panose="02020603050405020304" pitchFamily="18" charset="0"/>
+                <a:cs typeface="Times New Roman" panose="02020603050405020304" pitchFamily="18" charset="0"/>
+              </a:rPr>
+              <a:t>，则利用</a:t>
+            </a:r>
+            <a:r>
+              <a:rPr lang="en-US" altLang="zh-CN" dirty="0">
+                <a:latin typeface="Times New Roman" panose="02020603050405020304" pitchFamily="18" charset="0"/>
+                <a:cs typeface="Times New Roman" panose="02020603050405020304" pitchFamily="18" charset="0"/>
+              </a:rPr>
+              <a:t>A+</a:t>
+            </a:r>
+            <a:r>
+              <a:rPr lang="zh-CN" altLang="zh-CN" dirty="0">
+                <a:latin typeface="Times New Roman" panose="02020603050405020304" pitchFamily="18" charset="0"/>
+                <a:cs typeface="Times New Roman" panose="02020603050405020304" pitchFamily="18" charset="0"/>
+              </a:rPr>
+              <a:t>是</a:t>
+            </a:r>
+            <a:r>
+              <a:rPr lang="en-US" altLang="zh-CN" dirty="0">
+                <a:latin typeface="Times New Roman" panose="02020603050405020304" pitchFamily="18" charset="0"/>
+                <a:cs typeface="Times New Roman" panose="02020603050405020304" pitchFamily="18" charset="0"/>
+              </a:rPr>
+              <a:t>AA*</a:t>
+            </a:r>
+            <a:r>
+              <a:rPr lang="zh-CN" altLang="zh-CN" dirty="0">
+                <a:latin typeface="Times New Roman" panose="02020603050405020304" pitchFamily="18" charset="0"/>
+                <a:cs typeface="Times New Roman" panose="02020603050405020304" pitchFamily="18" charset="0"/>
+              </a:rPr>
+              <a:t>，即串联</a:t>
+            </a:r>
+            <a:r>
+              <a:rPr lang="en-US" altLang="zh-CN" dirty="0">
+                <a:latin typeface="Times New Roman" panose="02020603050405020304" pitchFamily="18" charset="0"/>
+                <a:cs typeface="Times New Roman" panose="02020603050405020304" pitchFamily="18" charset="0"/>
+              </a:rPr>
+              <a:t>A</a:t>
+            </a:r>
+            <a:r>
+              <a:rPr lang="zh-CN" altLang="zh-CN" dirty="0">
+                <a:latin typeface="Times New Roman" panose="02020603050405020304" pitchFamily="18" charset="0"/>
+                <a:cs typeface="Times New Roman" panose="02020603050405020304" pitchFamily="18" charset="0"/>
+              </a:rPr>
+              <a:t>和</a:t>
+            </a:r>
+            <a:r>
+              <a:rPr lang="en-US" altLang="zh-CN" dirty="0">
+                <a:latin typeface="Times New Roman" panose="02020603050405020304" pitchFamily="18" charset="0"/>
+                <a:cs typeface="Times New Roman" panose="02020603050405020304" pitchFamily="18" charset="0"/>
+              </a:rPr>
+              <a:t>A</a:t>
+            </a:r>
+            <a:r>
+              <a:rPr lang="zh-CN" altLang="zh-CN" dirty="0">
+                <a:latin typeface="Times New Roman" panose="02020603050405020304" pitchFamily="18" charset="0"/>
+                <a:cs typeface="Times New Roman" panose="02020603050405020304" pitchFamily="18" charset="0"/>
+              </a:rPr>
+              <a:t>作</a:t>
+            </a:r>
+            <a:r>
+              <a:rPr lang="en-US" altLang="zh-CN" dirty="0">
+                <a:latin typeface="Times New Roman" panose="02020603050405020304" pitchFamily="18" charset="0"/>
+                <a:cs typeface="Times New Roman" panose="02020603050405020304" pitchFamily="18" charset="0"/>
+              </a:rPr>
+              <a:t>Kleene</a:t>
+            </a:r>
+            <a:r>
+              <a:rPr lang="zh-CN" altLang="zh-CN" dirty="0">
+                <a:latin typeface="Times New Roman" panose="02020603050405020304" pitchFamily="18" charset="0"/>
+                <a:cs typeface="Times New Roman" panose="02020603050405020304" pitchFamily="18" charset="0"/>
+              </a:rPr>
+              <a:t>闭包后的结果后放回；</a:t>
+            </a:r>
+            <a:endParaRPr lang="en-US" altLang="zh-CN" dirty="0">
+              <a:latin typeface="Times New Roman" panose="02020603050405020304" pitchFamily="18" charset="0"/>
+              <a:cs typeface="Times New Roman" panose="02020603050405020304" pitchFamily="18" charset="0"/>
+            </a:endParaRPr>
+          </a:p>
+          <a:p>
+            <a:r>
+              <a:rPr lang="zh-CN" altLang="zh-CN" dirty="0">
+                <a:latin typeface="Times New Roman" panose="02020603050405020304" pitchFamily="18" charset="0"/>
+                <a:cs typeface="Times New Roman" panose="02020603050405020304" pitchFamily="18" charset="0"/>
+              </a:rPr>
+              <a:t>⑥如果是零或一次符</a:t>
+            </a:r>
+            <a:r>
+              <a:rPr lang="en-US" altLang="zh-CN" dirty="0">
+                <a:latin typeface="Times New Roman" panose="02020603050405020304" pitchFamily="18" charset="0"/>
+                <a:cs typeface="Times New Roman" panose="02020603050405020304" pitchFamily="18" charset="0"/>
+              </a:rPr>
+              <a:t>?</a:t>
+            </a:r>
+            <a:r>
+              <a:rPr lang="zh-CN" altLang="zh-CN" dirty="0">
+                <a:latin typeface="Times New Roman" panose="02020603050405020304" pitchFamily="18" charset="0"/>
+                <a:cs typeface="Times New Roman" panose="02020603050405020304" pitchFamily="18" charset="0"/>
+              </a:rPr>
+              <a:t>，则弹出栈顶一个</a:t>
+            </a:r>
+            <a:r>
+              <a:rPr lang="en-US" altLang="zh-CN" dirty="0">
+                <a:latin typeface="Times New Roman" panose="02020603050405020304" pitchFamily="18" charset="0"/>
+                <a:cs typeface="Times New Roman" panose="02020603050405020304" pitchFamily="18" charset="0"/>
+              </a:rPr>
+              <a:t>NFA</a:t>
+            </a:r>
+            <a:r>
+              <a:rPr lang="zh-CN" altLang="zh-CN" dirty="0">
+                <a:latin typeface="Times New Roman" panose="02020603050405020304" pitchFamily="18" charset="0"/>
+                <a:cs typeface="Times New Roman" panose="02020603050405020304" pitchFamily="18" charset="0"/>
+              </a:rPr>
+              <a:t>，在开始和接收态之间添加</a:t>
+            </a:r>
+            <a:r>
+              <a:rPr lang="en-US" altLang="zh-CN" dirty="0">
+                <a:latin typeface="Times New Roman" panose="02020603050405020304" pitchFamily="18" charset="0"/>
+                <a:cs typeface="Times New Roman" panose="02020603050405020304" pitchFamily="18" charset="0"/>
+              </a:rPr>
+              <a:t>epsilon</a:t>
+            </a:r>
+            <a:r>
+              <a:rPr lang="zh-CN" altLang="zh-CN" dirty="0">
+                <a:latin typeface="Times New Roman" panose="02020603050405020304" pitchFamily="18" charset="0"/>
+                <a:cs typeface="Times New Roman" panose="02020603050405020304" pitchFamily="18" charset="0"/>
+              </a:rPr>
+              <a:t>边后放回；</a:t>
+            </a:r>
+            <a:endParaRPr lang="en-US" altLang="zh-CN" dirty="0">
+              <a:latin typeface="Times New Roman" panose="02020603050405020304" pitchFamily="18" charset="0"/>
+              <a:cs typeface="Times New Roman" panose="02020603050405020304" pitchFamily="18" charset="0"/>
+            </a:endParaRPr>
+          </a:p>
+          <a:p>
+            <a:r>
+              <a:rPr lang="zh-CN" altLang="en-US" dirty="0">
+                <a:latin typeface="Times New Roman" panose="02020603050405020304" pitchFamily="18" charset="0"/>
+                <a:cs typeface="Times New Roman" panose="02020603050405020304" pitchFamily="18" charset="0"/>
+              </a:rPr>
+              <a:t>⑦</a:t>
+            </a:r>
+            <a:r>
+              <a:rPr lang="zh-CN" altLang="zh-CN" dirty="0">
+                <a:latin typeface="Times New Roman" panose="02020603050405020304" pitchFamily="18" charset="0"/>
+                <a:cs typeface="Times New Roman" panose="02020603050405020304" pitchFamily="18" charset="0"/>
+              </a:rPr>
+              <a:t>其他情况是普通字符的，入栈一个该字符为边的原子</a:t>
+            </a:r>
+            <a:r>
+              <a:rPr lang="en-US" altLang="zh-CN" dirty="0">
+                <a:latin typeface="Times New Roman" panose="02020603050405020304" pitchFamily="18" charset="0"/>
+                <a:cs typeface="Times New Roman" panose="02020603050405020304" pitchFamily="18" charset="0"/>
+              </a:rPr>
+              <a:t>NFA</a:t>
+            </a:r>
+            <a:r>
+              <a:rPr lang="zh-CN" altLang="en-US" dirty="0">
+                <a:latin typeface="Times New Roman" panose="02020603050405020304" pitchFamily="18" charset="0"/>
+                <a:cs typeface="Times New Roman" panose="02020603050405020304" pitchFamily="18" charset="0"/>
+              </a:rPr>
+              <a:t>；</a:t>
+            </a:r>
+            <a:endParaRPr lang="en-US" altLang="zh-CN" dirty="0">
+              <a:latin typeface="Times New Roman" panose="02020603050405020304" pitchFamily="18" charset="0"/>
+              <a:cs typeface="Times New Roman" panose="02020603050405020304" pitchFamily="18" charset="0"/>
+            </a:endParaRPr>
+          </a:p>
+          <a:p>
+            <a:r>
+              <a:rPr lang="zh-CN" altLang="en-US" dirty="0">
+                <a:latin typeface="Times New Roman" panose="02020603050405020304" pitchFamily="18" charset="0"/>
+                <a:cs typeface="Times New Roman" panose="02020603050405020304" pitchFamily="18" charset="0"/>
+              </a:rPr>
+              <a:t>如此处理，最后栈内只剩下一个</a:t>
+            </a:r>
+            <a:r>
+              <a:rPr lang="en-US" altLang="zh-CN" dirty="0">
+                <a:latin typeface="Times New Roman" panose="02020603050405020304" pitchFamily="18" charset="0"/>
+                <a:cs typeface="Times New Roman" panose="02020603050405020304" pitchFamily="18" charset="0"/>
+              </a:rPr>
+              <a:t>NFA</a:t>
+            </a:r>
+            <a:r>
+              <a:rPr lang="zh-CN" altLang="en-US" dirty="0">
+                <a:latin typeface="Times New Roman" panose="02020603050405020304" pitchFamily="18" charset="0"/>
+                <a:cs typeface="Times New Roman" panose="02020603050405020304" pitchFamily="18" charset="0"/>
+              </a:rPr>
+              <a:t>，即为该正则对应的</a:t>
+            </a:r>
+            <a:r>
+              <a:rPr lang="en-US" altLang="zh-CN" dirty="0">
+                <a:latin typeface="Times New Roman" panose="02020603050405020304" pitchFamily="18" charset="0"/>
+                <a:cs typeface="Times New Roman" panose="02020603050405020304" pitchFamily="18" charset="0"/>
+              </a:rPr>
+              <a:t>NFA</a:t>
+            </a:r>
+            <a:r>
+              <a:rPr lang="zh-CN" altLang="en-US" dirty="0">
+                <a:latin typeface="Times New Roman" panose="02020603050405020304" pitchFamily="18" charset="0"/>
+                <a:cs typeface="Times New Roman" panose="02020603050405020304" pitchFamily="18" charset="0"/>
+              </a:rPr>
+              <a:t>。</a:t>
+            </a:r>
+          </a:p>
+        </p:txBody>
+      </p:sp>
+    </p:spTree>
+    <p:extLst>
+      <p:ext uri="{BB962C8B-B14F-4D97-AF65-F5344CB8AC3E}">
+        <p14:creationId xmlns:p14="http://schemas.microsoft.com/office/powerpoint/2010/main" val="2657044522"/>
       </p:ext>
     </p:extLst>
   </p:cSld>

--- a/doc/答辩Slides.pptx
+++ b/doc/答辩Slides.pptx
@@ -3664,7 +3664,11 @@
             <a:lstStyle/>
             <a:p>
               <a:r>
-                <a:rPr lang="zh-CN" altLang="en-US" dirty="0"/>
+                <a:rPr lang="zh-CN" altLang="en-US" dirty="0">
+                  <a:solidFill>
+                    <a:srgbClr val="FF0000"/>
+                  </a:solidFill>
+                </a:rPr>
                 <a:t>如有任何问题，欢迎随时打断</a:t>
               </a:r>
             </a:p>
@@ -4828,8 +4832,8 @@
         </p:nvSpPr>
         <p:spPr>
           <a:xfrm>
-            <a:off x="580007" y="1434158"/>
-            <a:ext cx="10517080" cy="2308196"/>
+            <a:off x="0" y="1017446"/>
+            <a:ext cx="11191783" cy="2321661"/>
           </a:xfrm>
           <a:prstGeom prst="rect">
             <a:avLst/>
@@ -4843,7 +4847,7 @@
           <a:p>
             <a:pPr algn="just">
               <a:lnSpc>
-                <a:spcPct val="115000"/>
+                <a:spcPct val="150000"/>
               </a:lnSpc>
               <a:spcAft>
                 <a:spcPts val="0"/>
@@ -4863,13 +4867,13 @@
             </a:r>
             <a:r>
               <a:rPr lang="zh-CN" altLang="zh-CN" sz="1400" dirty="0"/>
-              <a:t>解析出的直接复制部分；</a:t>
+              <a:t>解析出的直接复制部分</a:t>
             </a:r>
           </a:p>
           <a:p>
             <a:pPr algn="just">
               <a:lnSpc>
-                <a:spcPct val="115000"/>
+                <a:spcPct val="150000"/>
               </a:lnSpc>
               <a:spcAft>
                 <a:spcPts val="0"/>
@@ -4907,7 +4911,7 @@
           <a:p>
             <a:pPr algn="just">
               <a:lnSpc>
-                <a:spcPct val="115000"/>
+                <a:spcPct val="150000"/>
               </a:lnSpc>
               <a:spcAft>
                 <a:spcPts val="0"/>
@@ -4939,65 +4943,133 @@
             </a:r>
             <a:r>
               <a:rPr lang="zh-CN" altLang="zh-CN" sz="1400" dirty="0"/>
-              <a:t>，元素</a:t>
-            </a:r>
-            <a:r>
-              <a:rPr lang="en-US" altLang="zh-CN" sz="1400" dirty="0"/>
+              <a:t>，</a:t>
+            </a:r>
+            <a:r>
+              <a:rPr lang="zh-CN" altLang="zh-CN" sz="1400" b="1" dirty="0">
+                <a:solidFill>
+                  <a:srgbClr val="FF0000"/>
+                </a:solidFill>
+              </a:rPr>
+              <a:t>元素</a:t>
+            </a:r>
+            <a:r>
+              <a:rPr lang="en-US" altLang="zh-CN" sz="1400" b="1" dirty="0">
+                <a:solidFill>
+                  <a:srgbClr val="FF0000"/>
+                </a:solidFill>
+              </a:rPr>
               <a:t>[</a:t>
             </a:r>
             <a:r>
-              <a:rPr lang="en-US" altLang="zh-CN" sz="1400" dirty="0" err="1"/>
+              <a:rPr lang="en-US" altLang="zh-CN" sz="1400" b="1" dirty="0" err="1">
+                <a:solidFill>
+                  <a:srgbClr val="FF0000"/>
+                </a:solidFill>
+              </a:rPr>
               <a:t>i</a:t>
             </a:r>
             <a:r>
-              <a:rPr lang="en-US" altLang="zh-CN" sz="1400" dirty="0"/>
+              <a:rPr lang="en-US" altLang="zh-CN" sz="1400" b="1" dirty="0">
+                <a:solidFill>
+                  <a:srgbClr val="FF0000"/>
+                </a:solidFill>
+              </a:rPr>
               <a:t>][k]</a:t>
             </a:r>
             <a:r>
-              <a:rPr lang="zh-CN" altLang="zh-CN" sz="1400" dirty="0"/>
+              <a:rPr lang="zh-CN" altLang="zh-CN" sz="1400" b="1" dirty="0">
+                <a:solidFill>
+                  <a:srgbClr val="FF0000"/>
+                </a:solidFill>
+              </a:rPr>
               <a:t>表示在</a:t>
             </a:r>
             <a:r>
-              <a:rPr lang="en-US" altLang="zh-CN" sz="1400" dirty="0" err="1"/>
+              <a:rPr lang="en-US" altLang="zh-CN" sz="1400" b="1" dirty="0" err="1">
+                <a:solidFill>
+                  <a:srgbClr val="FF0000"/>
+                </a:solidFill>
+              </a:rPr>
               <a:t>i</a:t>
             </a:r>
             <a:r>
-              <a:rPr lang="zh-CN" altLang="zh-CN" sz="1400" dirty="0"/>
+              <a:rPr lang="zh-CN" altLang="zh-CN" sz="1400" b="1" dirty="0">
+                <a:solidFill>
+                  <a:srgbClr val="FF0000"/>
+                </a:solidFill>
+              </a:rPr>
               <a:t>状态收到</a:t>
             </a:r>
             <a:r>
-              <a:rPr lang="en-US" altLang="zh-CN" sz="1400" dirty="0"/>
+              <a:rPr lang="en-US" altLang="zh-CN" sz="1400" b="1" dirty="0">
+                <a:solidFill>
+                  <a:srgbClr val="FF0000"/>
+                </a:solidFill>
+              </a:rPr>
               <a:t>k</a:t>
             </a:r>
             <a:r>
-              <a:rPr lang="zh-CN" altLang="zh-CN" sz="1400" dirty="0"/>
+              <a:rPr lang="zh-CN" altLang="zh-CN" sz="1400" b="1" dirty="0">
+                <a:solidFill>
+                  <a:srgbClr val="FF0000"/>
+                </a:solidFill>
+              </a:rPr>
               <a:t>字符（</a:t>
             </a:r>
             <a:r>
-              <a:rPr lang="en-US" altLang="zh-CN" sz="1400" dirty="0"/>
+              <a:rPr lang="en-US" altLang="zh-CN" sz="1400" b="1" dirty="0">
+                <a:solidFill>
+                  <a:srgbClr val="FF0000"/>
+                </a:solidFill>
+              </a:rPr>
               <a:t>ASCII</a:t>
             </a:r>
             <a:r>
-              <a:rPr lang="zh-CN" altLang="zh-CN" sz="1400" dirty="0"/>
+              <a:rPr lang="zh-CN" altLang="zh-CN" sz="1400" b="1" dirty="0">
+                <a:solidFill>
+                  <a:srgbClr val="FF0000"/>
+                </a:solidFill>
+              </a:rPr>
               <a:t>码）后转移到的状态的编号，</a:t>
             </a:r>
             <a:r>
-              <a:rPr lang="en-US" altLang="zh-CN" sz="1400" dirty="0"/>
+              <a:rPr lang="en-US" altLang="zh-CN" sz="1400" b="1" dirty="0">
+                <a:solidFill>
+                  <a:srgbClr val="FF0000"/>
+                </a:solidFill>
+              </a:rPr>
               <a:t>-1</a:t>
             </a:r>
             <a:r>
-              <a:rPr lang="zh-CN" altLang="zh-CN" sz="1400" dirty="0"/>
+              <a:rPr lang="zh-CN" altLang="zh-CN" sz="1400" b="1" dirty="0">
+                <a:solidFill>
+                  <a:srgbClr val="FF0000"/>
+                </a:solidFill>
+              </a:rPr>
               <a:t>表示没有此转移</a:t>
             </a:r>
             <a:r>
-              <a:rPr lang="en-US" altLang="zh-CN" sz="1400" dirty="0"/>
-              <a:t>       </a:t>
+              <a:rPr lang="en-US" altLang="zh-CN" sz="1400" b="1" dirty="0">
+                <a:solidFill>
+                  <a:srgbClr val="FF0000"/>
+                </a:solidFill>
+              </a:rPr>
+              <a:t> </a:t>
+            </a:r>
+            <a:r>
+              <a:rPr lang="en-US" altLang="zh-CN" sz="1400" dirty="0">
+                <a:solidFill>
+                  <a:srgbClr val="FF0000"/>
+                </a:solidFill>
+              </a:rPr>
+              <a:t>      </a:t>
             </a:r>
           </a:p>
           <a:p>
             <a:pPr algn="just">
               <a:lnSpc>
-                <a:spcPct val="115000"/>
+                <a:spcPct val="150000"/>
               </a:lnSpc>
               <a:spcAft>
                 <a:spcPts val="0"/>
@@ -5020,66 +5092,122 @@
               <a:t>的映射表，</a:t>
             </a:r>
             <a:r>
-              <a:rPr lang="en-US" altLang="zh-CN" sz="1400" dirty="0"/>
+              <a:rPr lang="en-US" altLang="zh-CN" sz="1400" b="1" dirty="0">
+                <a:solidFill>
+                  <a:srgbClr val="FF0000"/>
+                </a:solidFill>
+              </a:rPr>
               <a:t>_</a:t>
             </a:r>
             <a:r>
-              <a:rPr lang="en-US" altLang="zh-CN" sz="1400" dirty="0" err="1"/>
+              <a:rPr lang="en-US" altLang="zh-CN" sz="1400" b="1" dirty="0" err="1">
+                <a:solidFill>
+                  <a:srgbClr val="FF0000"/>
+                </a:solidFill>
+              </a:rPr>
               <a:t>swi_case</a:t>
             </a:r>
             <a:r>
-              <a:rPr lang="en-US" altLang="zh-CN" sz="1400" dirty="0"/>
+              <a:rPr lang="en-US" altLang="zh-CN" sz="1400" b="1" dirty="0">
+                <a:solidFill>
+                  <a:srgbClr val="FF0000"/>
+                </a:solidFill>
+              </a:rPr>
               <a:t>[j]=x</a:t>
             </a:r>
             <a:r>
-              <a:rPr lang="zh-CN" altLang="zh-CN" sz="1400" dirty="0"/>
+              <a:rPr lang="zh-CN" altLang="zh-CN" sz="1400" b="1" dirty="0">
+                <a:solidFill>
+                  <a:srgbClr val="FF0000"/>
+                </a:solidFill>
+              </a:rPr>
               <a:t>在</a:t>
             </a:r>
             <a:r>
-              <a:rPr lang="en-US" altLang="zh-CN" sz="1400" dirty="0"/>
+              <a:rPr lang="en-US" altLang="zh-CN" sz="1400" b="1" dirty="0">
+                <a:solidFill>
+                  <a:srgbClr val="FF0000"/>
+                </a:solidFill>
+              </a:rPr>
               <a:t>x</a:t>
             </a:r>
             <a:r>
-              <a:rPr lang="zh-CN" altLang="zh-CN" sz="1400" dirty="0"/>
+              <a:rPr lang="zh-CN" altLang="zh-CN" sz="1400" b="1" dirty="0">
+                <a:solidFill>
+                  <a:srgbClr val="FF0000"/>
+                </a:solidFill>
+              </a:rPr>
               <a:t>大于等于</a:t>
             </a:r>
             <a:r>
-              <a:rPr lang="en-US" altLang="zh-CN" sz="1400" dirty="0"/>
+              <a:rPr lang="en-US" altLang="zh-CN" sz="1400" b="1" dirty="0">
+                <a:solidFill>
+                  <a:srgbClr val="FF0000"/>
+                </a:solidFill>
+              </a:rPr>
               <a:t>0</a:t>
             </a:r>
             <a:r>
-              <a:rPr lang="zh-CN" altLang="zh-CN" sz="1400" dirty="0"/>
+              <a:rPr lang="zh-CN" altLang="zh-CN" sz="1400" b="1" dirty="0">
+                <a:solidFill>
+                  <a:srgbClr val="FF0000"/>
+                </a:solidFill>
+              </a:rPr>
               <a:t>时表示是状态</a:t>
             </a:r>
             <a:r>
-              <a:rPr lang="en-US" altLang="zh-CN" sz="1400" dirty="0"/>
+              <a:rPr lang="en-US" altLang="zh-CN" sz="1400" b="1" dirty="0">
+                <a:solidFill>
+                  <a:srgbClr val="FF0000"/>
+                </a:solidFill>
+              </a:rPr>
               <a:t>j</a:t>
             </a:r>
             <a:r>
-              <a:rPr lang="zh-CN" altLang="zh-CN" sz="1400" dirty="0"/>
+              <a:rPr lang="zh-CN" altLang="zh-CN" sz="1400" b="1" dirty="0">
+                <a:solidFill>
+                  <a:srgbClr val="FF0000"/>
+                </a:solidFill>
+              </a:rPr>
               <a:t>是接收态，</a:t>
             </a:r>
             <a:r>
-              <a:rPr lang="en-US" altLang="zh-CN" sz="1400" dirty="0"/>
+              <a:rPr lang="en-US" altLang="zh-CN" sz="1400" b="1" dirty="0">
+                <a:solidFill>
+                  <a:srgbClr val="FF0000"/>
+                </a:solidFill>
+              </a:rPr>
               <a:t>x</a:t>
             </a:r>
             <a:r>
-              <a:rPr lang="zh-CN" altLang="zh-CN" sz="1400" dirty="0"/>
+              <a:rPr lang="zh-CN" altLang="zh-CN" sz="1400" b="1" dirty="0">
+                <a:solidFill>
+                  <a:srgbClr val="FF0000"/>
+                </a:solidFill>
+              </a:rPr>
               <a:t>是动作代码的</a:t>
             </a:r>
             <a:r>
-              <a:rPr lang="en-US" altLang="zh-CN" sz="1400" dirty="0"/>
+              <a:rPr lang="en-US" altLang="zh-CN" sz="1400" b="1" dirty="0">
+                <a:solidFill>
+                  <a:srgbClr val="FF0000"/>
+                </a:solidFill>
+              </a:rPr>
               <a:t>case</a:t>
             </a:r>
             <a:r>
-              <a:rPr lang="zh-CN" altLang="zh-CN" sz="1400" dirty="0"/>
-              <a:t>编号；</a:t>
+              <a:rPr lang="zh-CN" altLang="zh-CN" sz="1400" b="1" dirty="0">
+                <a:solidFill>
+                  <a:srgbClr val="FF0000"/>
+                </a:solidFill>
+              </a:rPr>
+              <a:t>编号</a:t>
             </a:r>
           </a:p>
           <a:p>
             <a:pPr algn="just">
               <a:lnSpc>
-                <a:spcPct val="115000"/>
+                <a:spcPct val="150000"/>
               </a:lnSpc>
               <a:spcAft>
                 <a:spcPts val="0"/>
@@ -5099,7 +5227,7 @@
             </a:r>
             <a:r>
               <a:rPr lang="zh-CN" altLang="zh-CN" sz="1400" dirty="0"/>
-              <a:t>函数，这是一个及其关键的函数，每当用户调用</a:t>
+              <a:t>函数，每当用户调用</a:t>
             </a:r>
             <a:r>
               <a:rPr lang="en-US" altLang="zh-CN" sz="1400" dirty="0" err="1"/>
@@ -5115,158 +5243,430 @@
             </a:r>
             <a:r>
               <a:rPr lang="zh-CN" altLang="zh-CN" sz="1400" dirty="0"/>
-              <a:t>就匹配一个新的词法单元，并执行对应的动作代码。</a:t>
-            </a:r>
-          </a:p>
-          <a:p>
-            <a:pPr indent="279400" algn="just">
+              <a:t>就匹配一个新的词法单元，并执行对应的动作代码</a:t>
+            </a:r>
+            <a:endParaRPr lang="en-US" altLang="zh-CN" sz="1400" dirty="0"/>
+          </a:p>
+          <a:p>
+            <a:pPr algn="just">
               <a:lnSpc>
-                <a:spcPct val="115000"/>
+                <a:spcPct val="150000"/>
               </a:lnSpc>
               <a:spcAft>
                 <a:spcPts val="0"/>
               </a:spcAft>
             </a:pPr>
             <a:r>
+              <a:rPr lang="en-US" altLang="zh-CN" sz="1400" dirty="0"/>
+              <a:t>    </a:t>
+            </a:r>
+            <a:r>
               <a:rPr lang="zh-CN" altLang="zh-CN" sz="1400" dirty="0"/>
-              <a:t>在</a:t>
+              <a:t>⑥生成</a:t>
             </a:r>
             <a:r>
               <a:rPr lang="en-US" altLang="zh-CN" sz="1400" dirty="0" err="1"/>
-              <a:t>yylex</a:t>
+              <a:t>yyless</a:t>
             </a:r>
             <a:r>
               <a:rPr lang="zh-CN" altLang="zh-CN" sz="1400" dirty="0"/>
-              <a:t>的过程中，碰到换行则</a:t>
+              <a:t>、</a:t>
             </a:r>
             <a:r>
               <a:rPr lang="en-US" altLang="zh-CN" sz="1400" dirty="0" err="1"/>
-              <a:t>yylineno</a:t>
+              <a:t>yymore</a:t>
             </a:r>
             <a:r>
               <a:rPr lang="zh-CN" altLang="zh-CN" sz="1400" dirty="0"/>
-              <a:t>加</a:t>
-            </a:r>
-            <a:r>
-              <a:rPr lang="en-US" altLang="zh-CN" sz="1400" dirty="0"/>
-              <a:t>1</a:t>
-            </a:r>
-            <a:r>
-              <a:rPr lang="zh-CN" altLang="zh-CN" sz="1400" dirty="0"/>
-              <a:t>，碰到</a:t>
-            </a:r>
-            <a:r>
-              <a:rPr lang="en-US" altLang="zh-CN" sz="1400" dirty="0"/>
-              <a:t>EOF</a:t>
-            </a:r>
-            <a:r>
-              <a:rPr lang="zh-CN" altLang="zh-CN" sz="1400" dirty="0"/>
-              <a:t>后，如果</a:t>
-            </a:r>
-            <a:r>
-              <a:rPr lang="en-US" altLang="zh-CN" sz="1400" dirty="0" err="1"/>
-              <a:t>yywrap</a:t>
-            </a:r>
-            <a:r>
-              <a:rPr lang="en-US" altLang="zh-CN" sz="1400" dirty="0"/>
-              <a:t>()</a:t>
-            </a:r>
-            <a:r>
-              <a:rPr lang="zh-CN" altLang="zh-CN" sz="1400" dirty="0"/>
-              <a:t>不返回</a:t>
-            </a:r>
-            <a:r>
-              <a:rPr lang="en-US" altLang="zh-CN" sz="1400" dirty="0"/>
-              <a:t>1</a:t>
-            </a:r>
-            <a:r>
-              <a:rPr lang="zh-CN" altLang="zh-CN" sz="1400" dirty="0"/>
-              <a:t>，则重置</a:t>
-            </a:r>
-            <a:r>
-              <a:rPr lang="en-US" altLang="zh-CN" sz="1400" dirty="0" err="1"/>
-              <a:t>yyin</a:t>
-            </a:r>
-            <a:r>
-              <a:rPr lang="zh-CN" altLang="zh-CN" sz="1400" dirty="0"/>
-              <a:t>指针及各个变量，开始新一轮词法分析。</a:t>
-            </a:r>
-          </a:p>
-          <a:p>
-            <a:pPr indent="279400" algn="just">
+              <a:t>函数</a:t>
+            </a:r>
+            <a:endParaRPr lang="en-US" altLang="zh-CN" sz="1400" dirty="0"/>
+          </a:p>
+          <a:p>
+            <a:pPr algn="just">
               <a:lnSpc>
-                <a:spcPct val="115000"/>
+                <a:spcPct val="150000"/>
               </a:lnSpc>
               <a:spcAft>
                 <a:spcPts val="0"/>
               </a:spcAft>
             </a:pPr>
             <a:r>
+              <a:rPr lang="en-US" altLang="zh-CN" sz="1400" dirty="0"/>
+              <a:t>    </a:t>
+            </a:r>
+            <a:r>
               <a:rPr lang="zh-CN" altLang="zh-CN" sz="1400" dirty="0"/>
-              <a:t>⑥生成</a:t>
-            </a:r>
-            <a:r>
-              <a:rPr lang="en-US" altLang="zh-CN" sz="1400" dirty="0" err="1"/>
+              <a:t>⑦最后加上用户代码段部分，即完成了词法分析器代码生成</a:t>
+            </a:r>
+          </a:p>
+        </p:txBody>
+      </p:sp>
+      <p:sp>
+        <p:nvSpPr>
+          <p:cNvPr id="7" name="文本框 6">
+            <a:extLst>
+              <a:ext uri="{FF2B5EF4-FFF2-40B4-BE49-F238E27FC236}">
+                <a16:creationId xmlns:a16="http://schemas.microsoft.com/office/drawing/2014/main" id="{D5092191-8EF5-47F4-A728-7F4F8FED70C7}"/>
+              </a:ext>
+            </a:extLst>
+          </p:cNvPr>
+          <p:cNvSpPr txBox="1"/>
+          <p:nvPr/>
+        </p:nvSpPr>
+        <p:spPr>
+          <a:xfrm>
+            <a:off x="119064" y="3339107"/>
+            <a:ext cx="1721922" cy="400110"/>
+          </a:xfrm>
+          <a:prstGeom prst="rect">
+            <a:avLst/>
+          </a:prstGeom>
+          <a:noFill/>
+        </p:spPr>
+        <p:txBody>
+          <a:bodyPr wrap="square" rtlCol="0">
+            <a:spAutoFit/>
+          </a:bodyPr>
+          <a:lstStyle/>
+          <a:p>
+            <a:r>
+              <a:rPr lang="zh-CN" altLang="en-US" sz="2000" b="1" u="sng" dirty="0"/>
+              <a:t>问题与解决</a:t>
+            </a:r>
+          </a:p>
+        </p:txBody>
+      </p:sp>
+      <p:sp>
+        <p:nvSpPr>
+          <p:cNvPr id="8" name="矩形 7">
+            <a:extLst>
+              <a:ext uri="{FF2B5EF4-FFF2-40B4-BE49-F238E27FC236}">
+                <a16:creationId xmlns:a16="http://schemas.microsoft.com/office/drawing/2014/main" id="{70640682-2627-4E3F-96FF-40D10AE8B777}"/>
+              </a:ext>
+            </a:extLst>
+          </p:cNvPr>
+          <p:cNvSpPr/>
+          <p:nvPr/>
+        </p:nvSpPr>
+        <p:spPr>
+          <a:xfrm>
+            <a:off x="1763783" y="3901612"/>
+            <a:ext cx="8664433" cy="2694496"/>
+          </a:xfrm>
+          <a:prstGeom prst="rect">
+            <a:avLst/>
+          </a:prstGeom>
+          <a:solidFill>
+            <a:schemeClr val="accent5">
+              <a:lumMod val="20000"/>
+              <a:lumOff val="80000"/>
+            </a:schemeClr>
+          </a:solidFill>
+        </p:spPr>
+        <p:style>
+          <a:lnRef idx="2">
+            <a:schemeClr val="accent3">
+              <a:shade val="50000"/>
+            </a:schemeClr>
+          </a:lnRef>
+          <a:fillRef idx="1">
+            <a:schemeClr val="accent3"/>
+          </a:fillRef>
+          <a:effectRef idx="0">
+            <a:schemeClr val="accent3"/>
+          </a:effectRef>
+          <a:fontRef idx="minor">
+            <a:schemeClr val="lt1"/>
+          </a:fontRef>
+        </p:style>
+        <p:txBody>
+          <a:bodyPr rtlCol="0" anchor="ctr"/>
+          <a:lstStyle/>
+          <a:p>
+            <a:pPr algn="ctr"/>
+            <a:endParaRPr lang="zh-CN" altLang="en-US"/>
+          </a:p>
+        </p:txBody>
+      </p:sp>
+      <p:sp>
+        <p:nvSpPr>
+          <p:cNvPr id="9" name="矩形 8">
+            <a:extLst>
+              <a:ext uri="{FF2B5EF4-FFF2-40B4-BE49-F238E27FC236}">
+                <a16:creationId xmlns:a16="http://schemas.microsoft.com/office/drawing/2014/main" id="{D348B8BF-F61F-47D0-A17A-A1F1014513AE}"/>
+              </a:ext>
+            </a:extLst>
+          </p:cNvPr>
+          <p:cNvSpPr/>
+          <p:nvPr/>
+        </p:nvSpPr>
+        <p:spPr>
+          <a:xfrm>
+            <a:off x="1763783" y="3928957"/>
+            <a:ext cx="4605861" cy="369332"/>
+          </a:xfrm>
+          <a:prstGeom prst="rect">
+            <a:avLst/>
+          </a:prstGeom>
+        </p:spPr>
+        <p:txBody>
+          <a:bodyPr wrap="square">
+            <a:spAutoFit/>
+          </a:bodyPr>
+          <a:lstStyle/>
+          <a:p>
+            <a:r>
+              <a:rPr lang="zh-CN" altLang="en-US" b="1" dirty="0"/>
+              <a:t>最长匹配要求的实现</a:t>
+            </a:r>
+          </a:p>
+        </p:txBody>
+      </p:sp>
+      <p:sp>
+        <p:nvSpPr>
+          <p:cNvPr id="10" name="矩形 9">
+            <a:extLst>
+              <a:ext uri="{FF2B5EF4-FFF2-40B4-BE49-F238E27FC236}">
+                <a16:creationId xmlns:a16="http://schemas.microsoft.com/office/drawing/2014/main" id="{EB2C6211-987E-4071-95BD-B37CFE67E6BE}"/>
+              </a:ext>
+            </a:extLst>
+          </p:cNvPr>
+          <p:cNvSpPr/>
+          <p:nvPr/>
+        </p:nvSpPr>
+        <p:spPr>
+          <a:xfrm>
+            <a:off x="6124027" y="4133168"/>
+            <a:ext cx="4125158" cy="1200329"/>
+          </a:xfrm>
+          <a:prstGeom prst="rect">
+            <a:avLst/>
+          </a:prstGeom>
+        </p:spPr>
+        <p:txBody>
+          <a:bodyPr wrap="square">
+            <a:spAutoFit/>
+          </a:bodyPr>
+          <a:lstStyle/>
+          <a:p>
+            <a:r>
+              <a:rPr lang="zh-CN" altLang="en-US" dirty="0"/>
+              <a:t>到了接收状态暂时记录下来，继续跑看看有没有严格更长的（等长的不能覆盖，这是</a:t>
+            </a:r>
+            <a:r>
+              <a:rPr lang="en-US" altLang="zh-CN" dirty="0"/>
+              <a:t>Lex</a:t>
+            </a:r>
+            <a:r>
+              <a:rPr lang="zh-CN" altLang="en-US" dirty="0"/>
+              <a:t>先定义优先的体现）。</a:t>
+            </a:r>
+            <a:endParaRPr lang="en-US" altLang="zh-CN" dirty="0"/>
+          </a:p>
+          <a:p>
+            <a:r>
+              <a:rPr lang="zh-CN" altLang="en-US" dirty="0"/>
+              <a:t>直到失败，把失败的多余匹配全部回退。</a:t>
+            </a:r>
+          </a:p>
+        </p:txBody>
+      </p:sp>
+      <p:sp>
+        <p:nvSpPr>
+          <p:cNvPr id="2" name="矩形 1">
+            <a:extLst>
+              <a:ext uri="{FF2B5EF4-FFF2-40B4-BE49-F238E27FC236}">
+                <a16:creationId xmlns:a16="http://schemas.microsoft.com/office/drawing/2014/main" id="{4D5D0CC0-C837-4DBB-8C9C-BE32125B6AAF}"/>
+              </a:ext>
+            </a:extLst>
+          </p:cNvPr>
+          <p:cNvSpPr/>
+          <p:nvPr/>
+        </p:nvSpPr>
+        <p:spPr>
+          <a:xfrm>
+            <a:off x="1881327" y="4683595"/>
+            <a:ext cx="4125157" cy="1200329"/>
+          </a:xfrm>
+          <a:prstGeom prst="rect">
+            <a:avLst/>
+          </a:prstGeom>
+        </p:spPr>
+        <p:txBody>
+          <a:bodyPr wrap="square">
+            <a:spAutoFit/>
+          </a:bodyPr>
+          <a:lstStyle/>
+          <a:p>
+            <a:r>
+              <a:rPr lang="en-US" altLang="zh-CN" dirty="0">
+                <a:latin typeface="Iosevka SS01" panose="02000509000000000000" pitchFamily="49" charset="0"/>
+              </a:rPr>
+              <a:t>if (_</a:t>
+            </a:r>
+            <a:r>
+              <a:rPr lang="en-US" altLang="zh-CN" dirty="0" err="1">
+                <a:latin typeface="Iosevka SS01" panose="02000509000000000000" pitchFamily="49" charset="0"/>
+              </a:rPr>
+              <a:t>swi_case</a:t>
+            </a:r>
+            <a:r>
+              <a:rPr lang="en-US" altLang="zh-CN" dirty="0">
+                <a:latin typeface="Iosevka SS01" panose="02000509000000000000" pitchFamily="49" charset="0"/>
+              </a:rPr>
+              <a:t>[_</a:t>
+            </a:r>
+            <a:r>
+              <a:rPr lang="en-US" altLang="zh-CN" dirty="0" err="1">
+                <a:latin typeface="Iosevka SS01" panose="02000509000000000000" pitchFamily="49" charset="0"/>
+              </a:rPr>
+              <a:t>cur_state</a:t>
+            </a:r>
+            <a:r>
+              <a:rPr lang="en-US" altLang="zh-CN" dirty="0">
+                <a:latin typeface="Iosevka SS01" panose="02000509000000000000" pitchFamily="49" charset="0"/>
+              </a:rPr>
+              <a:t>] != -1) {</a:t>
+            </a:r>
+          </a:p>
+          <a:p>
+            <a:r>
+              <a:rPr lang="en-US" altLang="zh-CN" dirty="0">
+                <a:latin typeface="Iosevka SS01" panose="02000509000000000000" pitchFamily="49" charset="0"/>
+              </a:rPr>
+              <a:t>    _</a:t>
+            </a:r>
+            <a:r>
+              <a:rPr lang="en-US" altLang="zh-CN" dirty="0" err="1">
+                <a:latin typeface="Iosevka SS01" panose="02000509000000000000" pitchFamily="49" charset="0"/>
+              </a:rPr>
+              <a:t>lat_acc_state</a:t>
+            </a:r>
+            <a:r>
+              <a:rPr lang="en-US" altLang="zh-CN" dirty="0">
+                <a:latin typeface="Iosevka SS01" panose="02000509000000000000" pitchFamily="49" charset="0"/>
+              </a:rPr>
+              <a:t> = _</a:t>
+            </a:r>
+            <a:r>
+              <a:rPr lang="en-US" altLang="zh-CN" dirty="0" err="1">
+                <a:latin typeface="Iosevka SS01" panose="02000509000000000000" pitchFamily="49" charset="0"/>
+              </a:rPr>
+              <a:t>cur_state</a:t>
+            </a:r>
+            <a:r>
+              <a:rPr lang="en-US" altLang="zh-CN" dirty="0">
+                <a:latin typeface="Iosevka SS01" panose="02000509000000000000" pitchFamily="49" charset="0"/>
+              </a:rPr>
+              <a:t>;</a:t>
+            </a:r>
+          </a:p>
+          <a:p>
+            <a:r>
+              <a:rPr lang="en-US" altLang="zh-CN" dirty="0">
+                <a:latin typeface="Iosevka SS01" panose="02000509000000000000" pitchFamily="49" charset="0"/>
+              </a:rPr>
+              <a:t>    _</a:t>
+            </a:r>
+            <a:r>
+              <a:rPr lang="en-US" altLang="zh-CN" dirty="0" err="1">
+                <a:latin typeface="Iosevka SS01" panose="02000509000000000000" pitchFamily="49" charset="0"/>
+              </a:rPr>
+              <a:t>lat_acc_ptr</a:t>
+            </a:r>
+            <a:r>
+              <a:rPr lang="en-US" altLang="zh-CN" dirty="0">
+                <a:latin typeface="Iosevka SS01" panose="02000509000000000000" pitchFamily="49" charset="0"/>
+              </a:rPr>
+              <a:t> = _</a:t>
+            </a:r>
+            <a:r>
+              <a:rPr lang="en-US" altLang="zh-CN" dirty="0" err="1">
+                <a:latin typeface="Iosevka SS01" panose="02000509000000000000" pitchFamily="49" charset="0"/>
+              </a:rPr>
+              <a:t>cur_ptr</a:t>
+            </a:r>
+            <a:r>
+              <a:rPr lang="en-US" altLang="zh-CN" dirty="0">
+                <a:latin typeface="Iosevka SS01" panose="02000509000000000000" pitchFamily="49" charset="0"/>
+              </a:rPr>
+              <a:t> - 1;</a:t>
+            </a:r>
+          </a:p>
+          <a:p>
+            <a:r>
+              <a:rPr lang="en-US" altLang="zh-CN" dirty="0">
+                <a:latin typeface="Iosevka SS01" panose="02000509000000000000" pitchFamily="49" charset="0"/>
+              </a:rPr>
+              <a:t>}</a:t>
+            </a:r>
+            <a:endParaRPr lang="en-US" altLang="zh-CN" b="0" dirty="0">
+              <a:effectLst/>
+              <a:latin typeface="Iosevka SS01" panose="02000509000000000000" pitchFamily="49" charset="0"/>
+            </a:endParaRPr>
+          </a:p>
+        </p:txBody>
+      </p:sp>
+      <p:sp>
+        <p:nvSpPr>
+          <p:cNvPr id="3" name="文本框 2">
+            <a:extLst>
+              <a:ext uri="{FF2B5EF4-FFF2-40B4-BE49-F238E27FC236}">
+                <a16:creationId xmlns:a16="http://schemas.microsoft.com/office/drawing/2014/main" id="{B9BDA281-7A7C-48B5-B793-BF07E53C1B9C}"/>
+              </a:ext>
+            </a:extLst>
+          </p:cNvPr>
+          <p:cNvSpPr txBox="1"/>
+          <p:nvPr/>
+        </p:nvSpPr>
+        <p:spPr>
+          <a:xfrm>
+            <a:off x="6124027" y="5503137"/>
+            <a:ext cx="2651462" cy="923330"/>
+          </a:xfrm>
+          <a:prstGeom prst="rect">
+            <a:avLst/>
+          </a:prstGeom>
+          <a:noFill/>
+        </p:spPr>
+        <p:txBody>
+          <a:bodyPr wrap="square" rtlCol="0">
+            <a:spAutoFit/>
+          </a:bodyPr>
+          <a:lstStyle/>
+          <a:p>
+            <a:r>
+              <a:rPr lang="zh-CN" altLang="en-US" b="1" dirty="0"/>
+              <a:t>需要注意的点</a:t>
+            </a:r>
+            <a:r>
+              <a:rPr lang="zh-CN" altLang="en-US" dirty="0"/>
+              <a:t>：</a:t>
+            </a:r>
+            <a:endParaRPr lang="en-US" altLang="zh-CN" dirty="0"/>
+          </a:p>
+          <a:p>
+            <a:r>
+              <a:rPr lang="en-US" altLang="zh-CN" dirty="0" err="1"/>
               <a:t>yyless</a:t>
             </a:r>
             <a:r>
-              <a:rPr lang="zh-CN" altLang="zh-CN" sz="1400" dirty="0"/>
-              <a:t>、</a:t>
-            </a:r>
-            <a:r>
-              <a:rPr lang="en-US" altLang="zh-CN" sz="1400" dirty="0" err="1"/>
-              <a:t>yymore</a:t>
-            </a:r>
-            <a:r>
-              <a:rPr lang="zh-CN" altLang="zh-CN" sz="1400" dirty="0"/>
-              <a:t>函数，</a:t>
-            </a:r>
-            <a:r>
-              <a:rPr lang="en-US" altLang="zh-CN" sz="1400" dirty="0" err="1"/>
-              <a:t>yyless</a:t>
-            </a:r>
-            <a:r>
-              <a:rPr lang="en-US" altLang="zh-CN" sz="1400" dirty="0"/>
-              <a:t>(int n)</a:t>
-            </a:r>
-            <a:r>
-              <a:rPr lang="zh-CN" altLang="zh-CN" sz="1400" dirty="0"/>
-              <a:t>允许用户回退</a:t>
-            </a:r>
-            <a:r>
-              <a:rPr lang="en-US" altLang="zh-CN" sz="1400" dirty="0"/>
-              <a:t>n</a:t>
-            </a:r>
-            <a:r>
-              <a:rPr lang="zh-CN" altLang="zh-CN" sz="1400" dirty="0"/>
-              <a:t>字符，</a:t>
-            </a:r>
-            <a:r>
-              <a:rPr lang="en-US" altLang="zh-CN" sz="1400" dirty="0" err="1"/>
-              <a:t>yymore</a:t>
-            </a:r>
-            <a:r>
-              <a:rPr lang="en-US" altLang="zh-CN" sz="1400" dirty="0"/>
-              <a:t>()</a:t>
-            </a:r>
-            <a:r>
-              <a:rPr lang="zh-CN" altLang="zh-CN" sz="1400" dirty="0"/>
-              <a:t>允许用户追加移进一个词法单元。</a:t>
-            </a:r>
-          </a:p>
-          <a:p>
-            <a:pPr indent="279400" algn="just">
-              <a:lnSpc>
-                <a:spcPct val="115000"/>
-              </a:lnSpc>
-              <a:spcAft>
-                <a:spcPts val="0"/>
-              </a:spcAft>
-            </a:pPr>
-            <a:r>
-              <a:rPr lang="zh-CN" altLang="zh-CN" sz="1400" dirty="0"/>
-              <a:t>⑦最后加上用户代码段部分，即完成了词法分析器代码生成。</a:t>
-            </a:r>
+              <a:rPr lang="zh-CN" altLang="en-US" dirty="0"/>
+              <a:t>和最长匹配回退时，</a:t>
+            </a:r>
+            <a:endParaRPr lang="en-US" altLang="zh-CN" dirty="0"/>
+          </a:p>
+          <a:p>
+            <a:r>
+              <a:rPr lang="zh-CN" altLang="en-US" dirty="0"/>
+              <a:t>需要同时回退</a:t>
+            </a:r>
+            <a:r>
+              <a:rPr lang="en-US" altLang="zh-CN" dirty="0" err="1"/>
+              <a:t>yylineno</a:t>
+            </a:r>
+            <a:endParaRPr lang="zh-CN" altLang="en-US" dirty="0"/>
           </a:p>
         </p:txBody>
       </p:sp>
@@ -5395,12 +5795,19 @@
         </p:nvSpPr>
         <p:spPr>
           <a:xfrm>
-            <a:off x="310718" y="1260629"/>
-            <a:ext cx="4607511" cy="1908699"/>
+            <a:off x="378462" y="1403233"/>
+            <a:ext cx="5705383" cy="2499065"/>
           </a:xfrm>
           <a:prstGeom prst="rect">
             <a:avLst/>
           </a:prstGeom>
+          <a:noFill/>
+          <a:ln w="19050">
+            <a:solidFill>
+              <a:schemeClr val="tx1"/>
+            </a:solidFill>
+            <a:prstDash val="sysDot"/>
+          </a:ln>
         </p:spPr>
         <p:style>
           <a:lnRef idx="2">
@@ -5423,30 +5830,372 @@
           <a:lstStyle/>
           <a:p>
             <a:pPr algn="ctr"/>
-            <a:endParaRPr lang="zh-CN" altLang="en-US"/>
-          </a:p>
-        </p:txBody>
-      </p:sp>
-      <p:sp>
-        <p:nvSpPr>
-          <p:cNvPr id="9" name="矩形 8">
-            <a:extLst>
-              <a:ext uri="{FF2B5EF4-FFF2-40B4-BE49-F238E27FC236}">
-                <a16:creationId xmlns:a16="http://schemas.microsoft.com/office/drawing/2014/main" id="{DBC5CE5C-C568-4DF2-AD69-0125DB2102AA}"/>
-              </a:ext>
-            </a:extLst>
-          </p:cNvPr>
-          <p:cNvSpPr/>
+            <a:endParaRPr lang="zh-CN" altLang="en-US" dirty="0"/>
+          </a:p>
+        </p:txBody>
+      </p:sp>
+      <p:pic>
+        <p:nvPicPr>
+          <p:cNvPr id="2" name="图片 1">
+            <a:extLst>
+              <a:ext uri="{FF2B5EF4-FFF2-40B4-BE49-F238E27FC236}">
+                <a16:creationId xmlns:a16="http://schemas.microsoft.com/office/drawing/2014/main" id="{98F1AD10-1686-4F00-9079-46F22C3DBE97}"/>
+              </a:ext>
+            </a:extLst>
+          </p:cNvPr>
+          <p:cNvPicPr>
+            <a:picLocks noChangeAspect="1"/>
+          </p:cNvPicPr>
           <p:nvPr/>
-        </p:nvSpPr>
+        </p:nvPicPr>
+        <p:blipFill>
+          <a:blip r:embed="rId2"/>
+          <a:stretch>
+            <a:fillRect/>
+          </a:stretch>
+        </p:blipFill>
         <p:spPr>
           <a:xfrm>
-            <a:off x="310718" y="4616388"/>
-            <a:ext cx="4962618" cy="1908699"/>
+            <a:off x="500613" y="2286614"/>
+            <a:ext cx="5461079" cy="1539373"/>
           </a:xfrm>
           <a:prstGeom prst="rect">
             <a:avLst/>
           </a:prstGeom>
+        </p:spPr>
+      </p:pic>
+      <p:sp>
+        <p:nvSpPr>
+          <p:cNvPr id="3" name="矩形 2">
+            <a:extLst>
+              <a:ext uri="{FF2B5EF4-FFF2-40B4-BE49-F238E27FC236}">
+                <a16:creationId xmlns:a16="http://schemas.microsoft.com/office/drawing/2014/main" id="{E8359B27-207F-49FD-B3D3-24259B88F417}"/>
+              </a:ext>
+            </a:extLst>
+          </p:cNvPr>
+          <p:cNvSpPr/>
+          <p:nvPr/>
+        </p:nvSpPr>
+        <p:spPr>
+          <a:xfrm>
+            <a:off x="500613" y="1475592"/>
+            <a:ext cx="1250663" cy="369332"/>
+          </a:xfrm>
+          <a:prstGeom prst="rect">
+            <a:avLst/>
+          </a:prstGeom>
+        </p:spPr>
+        <p:txBody>
+          <a:bodyPr wrap="none">
+            <a:spAutoFit/>
+          </a:bodyPr>
+          <a:lstStyle/>
+          <a:p>
+            <a:r>
+              <a:rPr lang="en-US" altLang="zh-CN" b="1" u="sng" dirty="0"/>
+              <a:t>C</a:t>
+            </a:r>
+            <a:r>
+              <a:rPr lang="zh-CN" altLang="en-US" b="1" u="sng" dirty="0"/>
+              <a:t>代码美化</a:t>
+            </a:r>
+            <a:endParaRPr lang="zh-CN" altLang="en-US" dirty="0"/>
+          </a:p>
+        </p:txBody>
+      </p:sp>
+      <p:sp>
+        <p:nvSpPr>
+          <p:cNvPr id="6" name="文本框 5">
+            <a:extLst>
+              <a:ext uri="{FF2B5EF4-FFF2-40B4-BE49-F238E27FC236}">
+                <a16:creationId xmlns:a16="http://schemas.microsoft.com/office/drawing/2014/main" id="{6CDC3A83-4535-4C87-AE23-7A8731595769}"/>
+              </a:ext>
+            </a:extLst>
+          </p:cNvPr>
+          <p:cNvSpPr txBox="1"/>
+          <p:nvPr/>
+        </p:nvSpPr>
+        <p:spPr>
+          <a:xfrm>
+            <a:off x="453755" y="1870701"/>
+            <a:ext cx="5507937" cy="369332"/>
+          </a:xfrm>
+          <a:prstGeom prst="rect">
+            <a:avLst/>
+          </a:prstGeom>
+          <a:noFill/>
+        </p:spPr>
+        <p:txBody>
+          <a:bodyPr wrap="square" rtlCol="0">
+            <a:spAutoFit/>
+          </a:bodyPr>
+          <a:lstStyle/>
+          <a:p>
+            <a:r>
+              <a:rPr lang="zh-CN" altLang="en-US" dirty="0"/>
+              <a:t>进行</a:t>
+            </a:r>
+            <a:r>
+              <a:rPr lang="en-US" altLang="zh-CN" dirty="0"/>
+              <a:t>C</a:t>
+            </a:r>
+            <a:r>
+              <a:rPr lang="zh-CN" altLang="en-US" dirty="0"/>
+              <a:t>代码生成时无暇顾及代码格式，最后统一美化</a:t>
+            </a:r>
+          </a:p>
+        </p:txBody>
+      </p:sp>
+      <p:grpSp>
+        <p:nvGrpSpPr>
+          <p:cNvPr id="19" name="组合 18">
+            <a:extLst>
+              <a:ext uri="{FF2B5EF4-FFF2-40B4-BE49-F238E27FC236}">
+                <a16:creationId xmlns:a16="http://schemas.microsoft.com/office/drawing/2014/main" id="{9C08749E-EE28-41D5-87A6-1164B29C30AE}"/>
+              </a:ext>
+            </a:extLst>
+          </p:cNvPr>
+          <p:cNvGrpSpPr/>
+          <p:nvPr/>
+        </p:nvGrpSpPr>
+        <p:grpSpPr>
+          <a:xfrm>
+            <a:off x="6625042" y="124288"/>
+            <a:ext cx="5398282" cy="5471293"/>
+            <a:chOff x="6280950" y="148272"/>
+            <a:chExt cx="5398282" cy="5471293"/>
+          </a:xfrm>
+        </p:grpSpPr>
+        <p:sp>
+          <p:nvSpPr>
+            <p:cNvPr id="12" name="矩形 11">
+              <a:extLst>
+                <a:ext uri="{FF2B5EF4-FFF2-40B4-BE49-F238E27FC236}">
+                  <a16:creationId xmlns:a16="http://schemas.microsoft.com/office/drawing/2014/main" id="{CC295A3E-96A1-4F60-A216-B2BA1F7AD8E1}"/>
+                </a:ext>
+              </a:extLst>
+            </p:cNvPr>
+            <p:cNvSpPr/>
+            <p:nvPr/>
+          </p:nvSpPr>
+          <p:spPr>
+            <a:xfrm>
+              <a:off x="6280951" y="148272"/>
+              <a:ext cx="5340652" cy="5471293"/>
+            </a:xfrm>
+            <a:prstGeom prst="rect">
+              <a:avLst/>
+            </a:prstGeom>
+            <a:noFill/>
+            <a:ln w="19050">
+              <a:solidFill>
+                <a:schemeClr val="tx1"/>
+              </a:solidFill>
+              <a:prstDash val="sysDot"/>
+            </a:ln>
+          </p:spPr>
+          <p:style>
+            <a:lnRef idx="2">
+              <a:schemeClr val="accent1">
+                <a:shade val="50000"/>
+              </a:schemeClr>
+            </a:lnRef>
+            <a:fillRef idx="1">
+              <a:schemeClr val="accent1"/>
+            </a:fillRef>
+            <a:effectRef idx="0">
+              <a:schemeClr val="accent1"/>
+            </a:effectRef>
+            <a:fontRef idx="minor">
+              <a:schemeClr val="lt1"/>
+            </a:fontRef>
+          </p:style>
+          <p:txBody>
+            <a:bodyPr rtlCol="0" anchor="ctr"/>
+            <a:lstStyle/>
+            <a:p>
+              <a:pPr algn="ctr"/>
+              <a:endParaRPr lang="zh-CN" altLang="en-US" dirty="0"/>
+            </a:p>
+          </p:txBody>
+        </p:sp>
+        <p:sp>
+          <p:nvSpPr>
+            <p:cNvPr id="13" name="矩形 12">
+              <a:extLst>
+                <a:ext uri="{FF2B5EF4-FFF2-40B4-BE49-F238E27FC236}">
+                  <a16:creationId xmlns:a16="http://schemas.microsoft.com/office/drawing/2014/main" id="{C99C4396-5DB5-4F63-A7ED-5E32199B0637}"/>
+                </a:ext>
+              </a:extLst>
+            </p:cNvPr>
+            <p:cNvSpPr/>
+            <p:nvPr/>
+          </p:nvSpPr>
+          <p:spPr>
+            <a:xfrm>
+              <a:off x="6396213" y="278176"/>
+              <a:ext cx="1569660" cy="369332"/>
+            </a:xfrm>
+            <a:prstGeom prst="rect">
+              <a:avLst/>
+            </a:prstGeom>
+          </p:spPr>
+          <p:txBody>
+            <a:bodyPr wrap="none">
+              <a:spAutoFit/>
+            </a:bodyPr>
+            <a:lstStyle/>
+            <a:p>
+              <a:r>
+                <a:rPr lang="zh-CN" altLang="en-US" b="1" u="sng" dirty="0"/>
+                <a:t>自动机可视化</a:t>
+              </a:r>
+            </a:p>
+          </p:txBody>
+        </p:sp>
+        <p:sp>
+          <p:nvSpPr>
+            <p:cNvPr id="7" name="矩形 6">
+              <a:extLst>
+                <a:ext uri="{FF2B5EF4-FFF2-40B4-BE49-F238E27FC236}">
+                  <a16:creationId xmlns:a16="http://schemas.microsoft.com/office/drawing/2014/main" id="{56256C56-9969-433F-B346-74264E327193}"/>
+                </a:ext>
+              </a:extLst>
+            </p:cNvPr>
+            <p:cNvSpPr/>
+            <p:nvPr/>
+          </p:nvSpPr>
+          <p:spPr>
+            <a:xfrm>
+              <a:off x="6510944" y="652563"/>
+              <a:ext cx="5168288" cy="646331"/>
+            </a:xfrm>
+            <a:prstGeom prst="rect">
+              <a:avLst/>
+            </a:prstGeom>
+          </p:spPr>
+          <p:txBody>
+            <a:bodyPr wrap="square">
+              <a:spAutoFit/>
+            </a:bodyPr>
+            <a:lstStyle/>
+            <a:p>
+              <a:r>
+                <a:rPr lang="zh-CN" altLang="zh-CN" dirty="0"/>
+                <a:t>如果自动机只是看不见摸不着的一堆数据结构，</a:t>
+              </a:r>
+              <a:endParaRPr lang="en-US" altLang="zh-CN" dirty="0"/>
+            </a:p>
+            <a:p>
+              <a:r>
+                <a:rPr lang="zh-CN" altLang="zh-CN" dirty="0"/>
+                <a:t>对我们的调试效率有很大影响</a:t>
+              </a:r>
+              <a:endParaRPr lang="zh-CN" altLang="en-US" dirty="0"/>
+            </a:p>
+          </p:txBody>
+        </p:sp>
+        <p:pic>
+          <p:nvPicPr>
+            <p:cNvPr id="17" name="图片 16">
+              <a:extLst>
+                <a:ext uri="{FF2B5EF4-FFF2-40B4-BE49-F238E27FC236}">
+                  <a16:creationId xmlns:a16="http://schemas.microsoft.com/office/drawing/2014/main" id="{D83566E1-4306-4B7E-83EE-92376C145A41}"/>
+                </a:ext>
+              </a:extLst>
+            </p:cNvPr>
+            <p:cNvPicPr>
+              <a:picLocks noChangeAspect="1"/>
+            </p:cNvPicPr>
+            <p:nvPr/>
+          </p:nvPicPr>
+          <p:blipFill>
+            <a:blip r:embed="rId3"/>
+            <a:stretch>
+              <a:fillRect/>
+            </a:stretch>
+          </p:blipFill>
+          <p:spPr>
+            <a:xfrm>
+              <a:off x="6510944" y="1437150"/>
+              <a:ext cx="4213427" cy="3983699"/>
+            </a:xfrm>
+            <a:prstGeom prst="rect">
+              <a:avLst/>
+            </a:prstGeom>
+          </p:spPr>
+        </p:pic>
+        <p:sp>
+          <p:nvSpPr>
+            <p:cNvPr id="18" name="文本框 17">
+              <a:extLst>
+                <a:ext uri="{FF2B5EF4-FFF2-40B4-BE49-F238E27FC236}">
+                  <a16:creationId xmlns:a16="http://schemas.microsoft.com/office/drawing/2014/main" id="{29FB7ED5-AFBD-4998-B336-032975545AAE}"/>
+                </a:ext>
+              </a:extLst>
+            </p:cNvPr>
+            <p:cNvSpPr txBox="1"/>
+            <p:nvPr/>
+          </p:nvSpPr>
+          <p:spPr>
+            <a:xfrm>
+              <a:off x="6280950" y="5236183"/>
+              <a:ext cx="2450237" cy="369332"/>
+            </a:xfrm>
+            <a:prstGeom prst="rect">
+              <a:avLst/>
+            </a:prstGeom>
+            <a:noFill/>
+          </p:spPr>
+          <p:txBody>
+            <a:bodyPr wrap="square" rtlCol="0">
+              <a:spAutoFit/>
+            </a:bodyPr>
+            <a:lstStyle/>
+            <a:p>
+              <a:r>
+                <a:rPr lang="zh-CN" altLang="en-US" b="1" i="1" dirty="0"/>
+                <a:t>基于</a:t>
+              </a:r>
+              <a:r>
+                <a:rPr lang="en-US" altLang="zh-CN" b="1" i="1" dirty="0"/>
+                <a:t>Dagre-d3</a:t>
+              </a:r>
+              <a:r>
+                <a:rPr lang="zh-CN" altLang="en-US" b="1" i="1" dirty="0"/>
+                <a:t>库实现</a:t>
+              </a:r>
+            </a:p>
+          </p:txBody>
+        </p:sp>
+      </p:grpSp>
+      <p:sp>
+        <p:nvSpPr>
+          <p:cNvPr id="20" name="矩形 19">
+            <a:extLst>
+              <a:ext uri="{FF2B5EF4-FFF2-40B4-BE49-F238E27FC236}">
+                <a16:creationId xmlns:a16="http://schemas.microsoft.com/office/drawing/2014/main" id="{B9D9CBCE-44B0-4D29-B6BA-B250119B47ED}"/>
+              </a:ext>
+            </a:extLst>
+          </p:cNvPr>
+          <p:cNvSpPr/>
+          <p:nvPr/>
+        </p:nvSpPr>
+        <p:spPr>
+          <a:xfrm>
+            <a:off x="156521" y="3995460"/>
+            <a:ext cx="6221765" cy="2215032"/>
+          </a:xfrm>
+          <a:prstGeom prst="rect">
+            <a:avLst/>
+          </a:prstGeom>
+          <a:noFill/>
+          <a:ln w="19050">
+            <a:solidFill>
+              <a:schemeClr val="tx1"/>
+            </a:solidFill>
+            <a:prstDash val="sysDot"/>
+          </a:ln>
         </p:spPr>
         <p:style>
           <a:lnRef idx="2">
@@ -5469,16 +6218,16 @@
           <a:lstStyle/>
           <a:p>
             <a:pPr algn="ctr"/>
-            <a:endParaRPr lang="zh-CN" altLang="en-US"/>
-          </a:p>
-        </p:txBody>
-      </p:sp>
-      <p:sp>
-        <p:nvSpPr>
-          <p:cNvPr id="10" name="矩形 9">
-            <a:extLst>
-              <a:ext uri="{FF2B5EF4-FFF2-40B4-BE49-F238E27FC236}">
-                <a16:creationId xmlns:a16="http://schemas.microsoft.com/office/drawing/2014/main" id="{53D65669-2AD0-4DA7-943A-1321BFC6132A}"/>
+            <a:endParaRPr lang="zh-CN" altLang="en-US" dirty="0"/>
+          </a:p>
+        </p:txBody>
+      </p:sp>
+      <p:sp>
+        <p:nvSpPr>
+          <p:cNvPr id="21" name="矩形 20">
+            <a:extLst>
+              <a:ext uri="{FF2B5EF4-FFF2-40B4-BE49-F238E27FC236}">
+                <a16:creationId xmlns:a16="http://schemas.microsoft.com/office/drawing/2014/main" id="{9439069B-D5C1-413D-89B0-E6BF593DFA2A}"/>
               </a:ext>
             </a:extLst>
           </p:cNvPr>
@@ -5487,12 +6236,171 @@
         </p:nvSpPr>
         <p:spPr>
           <a:xfrm>
-            <a:off x="6096000" y="1260629"/>
-            <a:ext cx="5080986" cy="1669002"/>
+            <a:off x="270619" y="4022098"/>
+            <a:ext cx="1553630" cy="369332"/>
           </a:xfrm>
           <a:prstGeom prst="rect">
             <a:avLst/>
           </a:prstGeom>
+        </p:spPr>
+        <p:txBody>
+          <a:bodyPr wrap="none">
+            <a:spAutoFit/>
+          </a:bodyPr>
+          <a:lstStyle/>
+          <a:p>
+            <a:r>
+              <a:rPr lang="en-US" altLang="zh-CN" b="1" u="sng" dirty="0"/>
+              <a:t>GCC</a:t>
+            </a:r>
+            <a:r>
+              <a:rPr lang="zh-CN" altLang="en-US" b="1" u="sng" dirty="0"/>
+              <a:t>自动调用</a:t>
+            </a:r>
+            <a:endParaRPr lang="zh-CN" altLang="en-US" dirty="0"/>
+          </a:p>
+        </p:txBody>
+      </p:sp>
+      <p:sp>
+        <p:nvSpPr>
+          <p:cNvPr id="22" name="矩形 21">
+            <a:extLst>
+              <a:ext uri="{FF2B5EF4-FFF2-40B4-BE49-F238E27FC236}">
+                <a16:creationId xmlns:a16="http://schemas.microsoft.com/office/drawing/2014/main" id="{D598D4CD-8046-49B7-887C-FEE72B1B91CA}"/>
+              </a:ext>
+            </a:extLst>
+          </p:cNvPr>
+          <p:cNvSpPr/>
+          <p:nvPr/>
+        </p:nvSpPr>
+        <p:spPr>
+          <a:xfrm>
+            <a:off x="247079" y="4391430"/>
+            <a:ext cx="5484619" cy="923330"/>
+          </a:xfrm>
+          <a:prstGeom prst="rect">
+            <a:avLst/>
+          </a:prstGeom>
+        </p:spPr>
+        <p:txBody>
+          <a:bodyPr wrap="square">
+            <a:spAutoFit/>
+          </a:bodyPr>
+          <a:lstStyle/>
+          <a:p>
+            <a:r>
+              <a:rPr lang="zh-CN" altLang="zh-CN" dirty="0"/>
+              <a:t>在调用</a:t>
+            </a:r>
+            <a:r>
+              <a:rPr lang="en-US" altLang="zh-CN" dirty="0" err="1"/>
+              <a:t>seulex</a:t>
+            </a:r>
+            <a:r>
+              <a:rPr lang="zh-CN" altLang="zh-CN" dirty="0"/>
+              <a:t>时，附加</a:t>
+            </a:r>
+            <a:r>
+              <a:rPr lang="en-US" altLang="zh-CN" dirty="0"/>
+              <a:t>-c</a:t>
+            </a:r>
+            <a:r>
+              <a:rPr lang="zh-CN" altLang="zh-CN" dirty="0"/>
+              <a:t>参数，则</a:t>
+            </a:r>
+            <a:r>
+              <a:rPr lang="en-US" altLang="zh-CN" dirty="0" err="1"/>
+              <a:t>seulex</a:t>
+            </a:r>
+            <a:r>
+              <a:rPr lang="zh-CN" altLang="zh-CN" dirty="0"/>
+              <a:t>会使用</a:t>
+            </a:r>
+            <a:r>
+              <a:rPr lang="en-US" altLang="zh-CN" dirty="0" err="1"/>
+              <a:t>ChildProcess</a:t>
+            </a:r>
+            <a:r>
+              <a:rPr lang="zh-CN" altLang="zh-CN" dirty="0"/>
+              <a:t>自动唤起</a:t>
+            </a:r>
+            <a:r>
+              <a:rPr lang="en-US" altLang="zh-CN" dirty="0"/>
+              <a:t>GCC</a:t>
+            </a:r>
+            <a:r>
+              <a:rPr lang="zh-CN" altLang="zh-CN" dirty="0"/>
+              <a:t>，传递合适的参数，编译生成的</a:t>
+            </a:r>
+            <a:r>
+              <a:rPr lang="en-US" altLang="zh-CN" dirty="0" err="1"/>
+              <a:t>yy.seulex.c</a:t>
+            </a:r>
+            <a:r>
+              <a:rPr lang="zh-CN" altLang="zh-CN" dirty="0"/>
+              <a:t>文件</a:t>
+            </a:r>
+            <a:endParaRPr lang="zh-CN" altLang="en-US" dirty="0"/>
+          </a:p>
+        </p:txBody>
+      </p:sp>
+      <p:pic>
+        <p:nvPicPr>
+          <p:cNvPr id="23" name="图片 22">
+            <a:extLst>
+              <a:ext uri="{FF2B5EF4-FFF2-40B4-BE49-F238E27FC236}">
+                <a16:creationId xmlns:a16="http://schemas.microsoft.com/office/drawing/2014/main" id="{DBC2EF07-2109-4EF5-9CE1-91D484505DCD}"/>
+              </a:ext>
+            </a:extLst>
+          </p:cNvPr>
+          <p:cNvPicPr>
+            <a:picLocks noChangeAspect="1"/>
+          </p:cNvPicPr>
+          <p:nvPr/>
+        </p:nvPicPr>
+        <p:blipFill>
+          <a:blip r:embed="rId4"/>
+          <a:stretch>
+            <a:fillRect/>
+          </a:stretch>
+        </p:blipFill>
+        <p:spPr>
+          <a:xfrm>
+            <a:off x="287942" y="5356369"/>
+            <a:ext cx="5958921" cy="708721"/>
+          </a:xfrm>
+          <a:prstGeom prst="rect">
+            <a:avLst/>
+          </a:prstGeom>
+        </p:spPr>
+      </p:pic>
+      <p:sp>
+        <p:nvSpPr>
+          <p:cNvPr id="24" name="矩形 23">
+            <a:extLst>
+              <a:ext uri="{FF2B5EF4-FFF2-40B4-BE49-F238E27FC236}">
+                <a16:creationId xmlns:a16="http://schemas.microsoft.com/office/drawing/2014/main" id="{1024B4A4-B995-48AC-B686-2F9C90EB2750}"/>
+              </a:ext>
+            </a:extLst>
+          </p:cNvPr>
+          <p:cNvSpPr/>
+          <p:nvPr/>
+        </p:nvSpPr>
+        <p:spPr>
+          <a:xfrm>
+            <a:off x="6625042" y="5710573"/>
+            <a:ext cx="5340652" cy="1023139"/>
+          </a:xfrm>
+          <a:prstGeom prst="rect">
+            <a:avLst/>
+          </a:prstGeom>
+          <a:noFill/>
+          <a:ln w="19050">
+            <a:solidFill>
+              <a:schemeClr val="tx1"/>
+            </a:solidFill>
+            <a:prstDash val="sysDot"/>
+          </a:ln>
         </p:spPr>
         <p:style>
           <a:lnRef idx="2">
@@ -5515,16 +6423,36 @@
           <a:lstStyle/>
           <a:p>
             <a:pPr algn="ctr"/>
-            <a:endParaRPr lang="zh-CN" altLang="en-US"/>
-          </a:p>
-        </p:txBody>
-      </p:sp>
-      <p:sp>
-        <p:nvSpPr>
-          <p:cNvPr id="11" name="矩形 10">
-            <a:extLst>
-              <a:ext uri="{FF2B5EF4-FFF2-40B4-BE49-F238E27FC236}">
-                <a16:creationId xmlns:a16="http://schemas.microsoft.com/office/drawing/2014/main" id="{E115D52D-E12E-4C25-88AD-5B575D00EBE6}"/>
+            <a:r>
+              <a:rPr lang="zh-CN" altLang="zh-CN"/>
+              <a:t>方便用户在</a:t>
+            </a:r>
+            <a:r>
+              <a:rPr lang="en-US" altLang="zh-CN"/>
+              <a:t>.l</a:t>
+            </a:r>
+            <a:r>
+              <a:rPr lang="zh-CN" altLang="zh-CN"/>
+              <a:t>文件中对</a:t>
+            </a:r>
+            <a:r>
+              <a:rPr lang="en-US" altLang="zh-CN"/>
+              <a:t>yytext</a:t>
+            </a:r>
+            <a:r>
+              <a:rPr lang="zh-CN" altLang="zh-CN"/>
+              <a:t>等字符串进行操作</a:t>
+            </a:r>
+            <a:endParaRPr lang="zh-CN" altLang="en-US" dirty="0"/>
+          </a:p>
+        </p:txBody>
+      </p:sp>
+      <p:sp>
+        <p:nvSpPr>
+          <p:cNvPr id="25" name="矩形 24">
+            <a:extLst>
+              <a:ext uri="{FF2B5EF4-FFF2-40B4-BE49-F238E27FC236}">
+                <a16:creationId xmlns:a16="http://schemas.microsoft.com/office/drawing/2014/main" id="{3EA201F2-0A06-4F48-AFB6-C6E39BF03374}"/>
               </a:ext>
             </a:extLst>
           </p:cNvPr>
@@ -5533,35 +6461,79 @@
         </p:nvSpPr>
         <p:spPr>
           <a:xfrm>
-            <a:off x="6374167" y="4374471"/>
-            <a:ext cx="4802819" cy="2392532"/>
+            <a:off x="6739140" y="5768187"/>
+            <a:ext cx="1250663" cy="369332"/>
           </a:xfrm>
           <a:prstGeom prst="rect">
             <a:avLst/>
           </a:prstGeom>
         </p:spPr>
-        <p:style>
-          <a:lnRef idx="2">
-            <a:schemeClr val="accent1">
-              <a:shade val="50000"/>
-            </a:schemeClr>
-          </a:lnRef>
-          <a:fillRef idx="1">
-            <a:schemeClr val="accent1"/>
-          </a:fillRef>
-          <a:effectRef idx="0">
-            <a:schemeClr val="accent1"/>
-          </a:effectRef>
-          <a:fontRef idx="minor">
-            <a:schemeClr val="lt1"/>
-          </a:fontRef>
-        </p:style>
-        <p:txBody>
-          <a:bodyPr rtlCol="0" anchor="ctr"/>
+        <p:txBody>
+          <a:bodyPr wrap="none">
+            <a:spAutoFit/>
+          </a:bodyPr>
           <a:lstStyle/>
           <a:p>
-            <a:pPr algn="ctr"/>
-            <a:endParaRPr lang="zh-CN" altLang="en-US"/>
+            <a:r>
+              <a:rPr lang="en-US" altLang="zh-CN" b="1" u="sng" dirty="0"/>
+              <a:t>C</a:t>
+            </a:r>
+            <a:r>
+              <a:rPr lang="zh-CN" altLang="en-US" b="1" u="sng" dirty="0"/>
+              <a:t>字符串库</a:t>
+            </a:r>
+            <a:endParaRPr lang="zh-CN" altLang="en-US" dirty="0"/>
+          </a:p>
+        </p:txBody>
+      </p:sp>
+      <p:sp>
+        <p:nvSpPr>
+          <p:cNvPr id="26" name="矩形 25">
+            <a:extLst>
+              <a:ext uri="{FF2B5EF4-FFF2-40B4-BE49-F238E27FC236}">
+                <a16:creationId xmlns:a16="http://schemas.microsoft.com/office/drawing/2014/main" id="{2177BF69-78E4-40FE-99D0-323B01847F5A}"/>
+              </a:ext>
+            </a:extLst>
+          </p:cNvPr>
+          <p:cNvSpPr/>
+          <p:nvPr/>
+        </p:nvSpPr>
+        <p:spPr>
+          <a:xfrm>
+            <a:off x="6739140" y="6194764"/>
+            <a:ext cx="4807726" cy="369332"/>
+          </a:xfrm>
+          <a:prstGeom prst="rect">
+            <a:avLst/>
+          </a:prstGeom>
+        </p:spPr>
+        <p:txBody>
+          <a:bodyPr wrap="none">
+            <a:spAutoFit/>
+          </a:bodyPr>
+          <a:lstStyle/>
+          <a:p>
+            <a:r>
+              <a:rPr lang="zh-CN" altLang="zh-CN" dirty="0"/>
+              <a:t>方便用户在</a:t>
+            </a:r>
+            <a:r>
+              <a:rPr lang="en-US" altLang="zh-CN" dirty="0"/>
+              <a:t>.l</a:t>
+            </a:r>
+            <a:r>
+              <a:rPr lang="zh-CN" altLang="zh-CN" dirty="0"/>
+              <a:t>文件中对</a:t>
+            </a:r>
+            <a:r>
+              <a:rPr lang="en-US" altLang="zh-CN" dirty="0" err="1"/>
+              <a:t>yytext</a:t>
+            </a:r>
+            <a:r>
+              <a:rPr lang="zh-CN" altLang="zh-CN" dirty="0"/>
+              <a:t>等字符串进行操作</a:t>
+            </a:r>
+            <a:endParaRPr lang="zh-CN" altLang="en-US" dirty="0"/>
           </a:p>
         </p:txBody>
       </p:sp>
@@ -6318,7 +7290,7 @@
         <p:spPr>
           <a:xfrm>
             <a:off x="597240" y="226628"/>
-            <a:ext cx="11112407" cy="3374129"/>
+            <a:ext cx="11112407" cy="2958630"/>
           </a:xfrm>
           <a:prstGeom prst="rect">
             <a:avLst/>
@@ -6478,25 +7450,8 @@
             </a:pPr>
             <a:r>
               <a:rPr lang="zh-CN" altLang="en-US" b="1" u="sng" dirty="0"/>
-              <a:t>支持的</a:t>
-            </a:r>
-            <a:r>
-              <a:rPr lang="en-US" altLang="zh-CN" b="1" u="sng" dirty="0" err="1"/>
-              <a:t>Yacc</a:t>
-            </a:r>
-            <a:r>
-              <a:rPr lang="zh-CN" altLang="en-US" b="1" u="sng" dirty="0"/>
-              <a:t>特性：</a:t>
-            </a:r>
-            <a:endParaRPr lang="en-US" altLang="zh-CN" b="1" u="sng" dirty="0"/>
-          </a:p>
-          <a:p>
-            <a:pPr>
-              <a:lnSpc>
-                <a:spcPct val="150000"/>
-              </a:lnSpc>
-            </a:pPr>
-            <a:endParaRPr lang="zh-CN" altLang="en-US" b="1" dirty="0"/>
+              <a:t>主要特色：</a:t>
+            </a:r>
           </a:p>
         </p:txBody>
       </p:sp>
@@ -6515,14 +7470,14 @@
           <p:nvPr>
             <p:extLst>
               <p:ext uri="{D42A27DB-BD31-4B8C-83A1-F6EECF244321}">
-                <p14:modId xmlns:p14="http://schemas.microsoft.com/office/powerpoint/2010/main" val="2935225503"/>
+                <p14:modId xmlns:p14="http://schemas.microsoft.com/office/powerpoint/2010/main" val="2780108205"/>
               </p:ext>
             </p:extLst>
           </p:nvPr>
         </p:nvGraphicFramePr>
         <p:xfrm>
-          <a:off x="1030796" y="3286957"/>
-          <a:ext cx="10130407" cy="3708400"/>
+          <a:off x="968652" y="3301575"/>
+          <a:ext cx="10130407" cy="2926080"/>
         </p:xfrm>
         <a:graphic>
           <a:graphicData uri="http://schemas.openxmlformats.org/drawingml/2006/table">
@@ -6539,64 +7494,49 @@
                   </a:extLst>
                 </a:gridCol>
               </a:tblGrid>
-              <a:tr h="370840">
+              <a:tr h="343732">
                 <a:tc>
                   <a:txBody>
                     <a:bodyPr/>
                     <a:lstStyle/>
                     <a:p>
                       <a:r>
+                        <a:rPr lang="en-US" altLang="zh-CN" dirty="0"/>
+                        <a:t>.y</a:t>
+                      </a:r>
+                      <a:r>
                         <a:rPr lang="zh-CN" altLang="en-US" dirty="0"/>
-                        <a:t>完整支持正则表达式</a:t>
+                        <a:t>文件头部声明支持</a:t>
+                      </a:r>
+                      <a:r>
+                        <a:rPr lang="en-US" altLang="zh-CN" b="1" dirty="0"/>
+                        <a:t>%token</a:t>
                       </a:r>
                       <a:r>
                         <a:rPr lang="zh-CN" altLang="en-US" b="1" dirty="0"/>
-                        <a:t>五大元符号</a:t>
-                      </a:r>
-                      <a:r>
-                        <a:rPr lang="zh-CN" altLang="en-US" dirty="0"/>
-                        <a:t>：</a:t>
-                      </a:r>
-                      <a:r>
-                        <a:rPr lang="en-US" altLang="zh-CN" dirty="0"/>
-                        <a:t>? + * | .</a:t>
-                      </a:r>
-                      <a:r>
-                        <a:rPr lang="zh-CN" altLang="en-US" dirty="0"/>
-                        <a:t>（</a:t>
-                      </a:r>
-                      <a:r>
-                        <a:rPr lang="en-US" altLang="zh-CN" dirty="0"/>
-                        <a:t>0</a:t>
-                      </a:r>
-                      <a:r>
-                        <a:rPr lang="zh-CN" altLang="en-US" dirty="0"/>
-                        <a:t>或</a:t>
-                      </a:r>
-                      <a:r>
-                        <a:rPr lang="en-US" altLang="zh-CN" dirty="0"/>
-                        <a:t>1</a:t>
-                      </a:r>
-                      <a:r>
-                        <a:rPr lang="zh-CN" altLang="en-US" dirty="0"/>
-                        <a:t>次，</a:t>
-                      </a:r>
-                      <a:r>
-                        <a:rPr lang="en-US" altLang="zh-CN" dirty="0"/>
-                        <a:t>1</a:t>
-                      </a:r>
-                      <a:r>
-                        <a:rPr lang="zh-CN" altLang="en-US" dirty="0"/>
-                        <a:t>次或以上，</a:t>
-                      </a:r>
-                      <a:r>
-                        <a:rPr lang="en-US" altLang="zh-CN" dirty="0"/>
-                        <a:t>0</a:t>
-                      </a:r>
-                      <a:r>
-                        <a:rPr lang="zh-CN" altLang="en-US" dirty="0"/>
-                        <a:t>次或以上，或，任意字符）</a:t>
-                      </a:r>
+                        <a:t>、</a:t>
+                      </a:r>
+                      <a:r>
+                        <a:rPr lang="en-US" altLang="zh-CN" b="1" dirty="0"/>
+                        <a:t>%left</a:t>
+                      </a:r>
+                      <a:r>
+                        <a:rPr lang="zh-CN" altLang="en-US" b="1" dirty="0"/>
+                        <a:t>、</a:t>
+                      </a:r>
+                      <a:r>
+                        <a:rPr lang="en-US" altLang="zh-CN" b="1" dirty="0"/>
+                        <a:t>%right</a:t>
+                      </a:r>
+                      <a:r>
+                        <a:rPr lang="zh-CN" altLang="en-US" b="1" dirty="0"/>
+                        <a:t>、</a:t>
+                      </a:r>
+                      <a:r>
+                        <a:rPr lang="en-US" altLang="zh-CN" b="1" dirty="0"/>
+                        <a:t>%start</a:t>
+                      </a:r>
+                      <a:endParaRPr lang="zh-CN" altLang="en-US" b="1" dirty="0"/>
                     </a:p>
                   </a:txBody>
                   <a:tcPr/>
@@ -6607,7 +7547,7 @@
                   </a:ext>
                 </a:extLst>
               </a:tr>
-              <a:tr h="370840">
+              <a:tr h="343732">
                 <a:tc>
                   <a:txBody>
                     <a:bodyPr/>
@@ -6615,27 +7555,39 @@
                     <a:p>
                       <a:r>
                         <a:rPr lang="zh-CN" altLang="en-US" dirty="0"/>
-                        <a:t>正则</a:t>
-                      </a:r>
-                      <a:r>
-                        <a:rPr lang="en-US" altLang="zh-CN" dirty="0"/>
-                        <a:t>-</a:t>
+                        <a:t>动作代码部分可以使用</a:t>
+                      </a:r>
+                      <a:r>
+                        <a:rPr lang="en-US" altLang="zh-CN" b="1" dirty="0"/>
+                        <a:t>$$</a:t>
+                      </a:r>
+                      <a:r>
+                        <a:rPr lang="zh-CN" altLang="en-US" b="1" dirty="0"/>
+                        <a:t>、</a:t>
+                      </a:r>
+                      <a:r>
+                        <a:rPr lang="en-US" altLang="zh-CN" b="1" dirty="0"/>
+                        <a:t>$1</a:t>
+                      </a:r>
+                      <a:r>
+                        <a:rPr lang="zh-CN" altLang="en-US" b="1" dirty="0"/>
+                        <a:t>、</a:t>
+                      </a:r>
+                      <a:r>
+                        <a:rPr lang="en-US" altLang="zh-CN" b="1" dirty="0"/>
+                        <a:t>$2</a:t>
+                      </a:r>
+                      <a:r>
+                        <a:rPr lang="zh-CN" altLang="en-US" b="1" dirty="0"/>
+                        <a:t>、</a:t>
+                      </a:r>
+                      <a:r>
+                        <a:rPr lang="en-US" altLang="zh-CN" b="1" dirty="0"/>
+                        <a:t>$3</a:t>
                       </a:r>
                       <a:r>
                         <a:rPr lang="zh-CN" altLang="en-US" dirty="0"/>
-                        <a:t>动作定义部分可以使用</a:t>
-                      </a:r>
-                      <a:r>
-                        <a:rPr lang="zh-CN" altLang="en-US" b="1" dirty="0"/>
-                        <a:t>或符</a:t>
-                      </a:r>
-                      <a:r>
-                        <a:rPr lang="en-US" altLang="zh-CN" b="1" dirty="0"/>
-                        <a:t>|</a:t>
-                      </a:r>
-                      <a:r>
-                        <a:rPr lang="zh-CN" altLang="en-US" dirty="0"/>
-                        <a:t>，让多条正则共享动作代码</a:t>
+                        <a:t>等获取栈内元素</a:t>
                       </a:r>
                     </a:p>
                   </a:txBody>
@@ -6647,7 +7599,7 @@
                   </a:ext>
                 </a:extLst>
               </a:tr>
-              <a:tr h="370840">
+              <a:tr h="343732">
                 <a:tc>
                   <a:txBody>
                     <a:bodyPr/>
@@ -6655,15 +7607,27 @@
                     <a:p>
                       <a:r>
                         <a:rPr lang="zh-CN" altLang="en-US" dirty="0"/>
-                        <a:t>支持</a:t>
+                        <a:t>生成</a:t>
+                      </a:r>
+                      <a:r>
+                        <a:rPr lang="en-US" altLang="zh-CN" dirty="0"/>
+                        <a:t>LR1</a:t>
+                      </a:r>
+                      <a:r>
+                        <a:rPr lang="zh-CN" altLang="en-US" dirty="0"/>
+                        <a:t>语法分析表时，求取</a:t>
+                      </a:r>
+                      <a:r>
+                        <a:rPr lang="en-US" altLang="zh-CN" dirty="0"/>
+                        <a:t>GOTO</a:t>
+                      </a:r>
+                      <a:r>
+                        <a:rPr lang="zh-CN" altLang="en-US" dirty="0"/>
+                        <a:t>时采用了空间换时间的</a:t>
                       </a:r>
                       <a:r>
                         <a:rPr lang="zh-CN" altLang="en-US" b="1" dirty="0"/>
-                        <a:t>正则别名</a:t>
-                      </a:r>
-                      <a:r>
-                        <a:rPr lang="zh-CN" altLang="en-US" dirty="0"/>
-                        <a:t>定义</a:t>
+                        <a:t>缓存技术</a:t>
                       </a:r>
                     </a:p>
                   </a:txBody>
@@ -6675,7 +7639,7 @@
                   </a:ext>
                 </a:extLst>
               </a:tr>
-              <a:tr h="370840">
+              <a:tr h="343732">
                 <a:tc>
                   <a:txBody>
                     <a:bodyPr/>
@@ -6683,37 +7647,16 @@
                     <a:p>
                       <a:r>
                         <a:rPr lang="zh-CN" altLang="en-US" dirty="0"/>
-                        <a:t>支持正则表达式</a:t>
-                      </a:r>
-                      <a:r>
-                        <a:rPr lang="zh-CN" altLang="en-US" b="1" dirty="0"/>
-                        <a:t>范围与范围补</a:t>
+                        <a:t>可以选择将文法转换为</a:t>
+                      </a:r>
+                      <a:r>
+                        <a:rPr lang="en-US" altLang="zh-CN" b="1" dirty="0"/>
+                        <a:t>LALR</a:t>
                       </a:r>
                       <a:r>
                         <a:rPr lang="zh-CN" altLang="en-US" dirty="0"/>
-                        <a:t>（</a:t>
-                      </a:r>
-                      <a:r>
-                        <a:rPr lang="en-US" altLang="zh-CN" dirty="0"/>
-                        <a:t>ASCII</a:t>
-                      </a:r>
-                      <a:r>
-                        <a:rPr lang="zh-CN" altLang="en-US" dirty="0"/>
-                        <a:t>为全集）：</a:t>
-                      </a:r>
-                      <a:r>
-                        <a:rPr lang="en-US" altLang="zh-CN" dirty="0"/>
-                        <a:t>[A-Za-z0-9_]</a:t>
-                      </a:r>
-                      <a:r>
-                        <a:rPr lang="zh-CN" altLang="en-US" dirty="0"/>
-                        <a:t>、</a:t>
-                      </a:r>
-                      <a:r>
-                        <a:rPr lang="en-US" altLang="zh-CN" dirty="0"/>
-                        <a:t>[^"]</a:t>
-                      </a:r>
-                      <a:endParaRPr lang="zh-CN" altLang="en-US" dirty="0"/>
+                        <a:t>的</a:t>
+                      </a:r>
                     </a:p>
                   </a:txBody>
                   <a:tcPr/>
@@ -6724,7 +7667,7 @@
                   </a:ext>
                 </a:extLst>
               </a:tr>
-              <a:tr h="370840">
+              <a:tr h="343732">
                 <a:tc>
                   <a:txBody>
                     <a:bodyPr/>
@@ -6732,43 +7675,23 @@
                     <a:p>
                       <a:r>
                         <a:rPr lang="zh-CN" altLang="en-US" dirty="0"/>
-                        <a:t>可以使用</a:t>
+                        <a:t>提供了</a:t>
                       </a:r>
                       <a:r>
                         <a:rPr lang="zh-CN" altLang="en-US" b="1" dirty="0"/>
-                        <a:t>范围型转义字符</a:t>
-                      </a:r>
-                      <a:r>
-                        <a:rPr lang="en-US" altLang="zh-CN" dirty="0"/>
-                        <a:t>\d</a:t>
+                        <a:t>自动机可视化、</a:t>
+                      </a:r>
+                      <a:r>
+                        <a:rPr lang="en-US" altLang="zh-CN" b="1" dirty="0"/>
+                        <a:t>ACTION-GOTO</a:t>
+                      </a:r>
+                      <a:r>
+                        <a:rPr lang="zh-CN" altLang="en-US" b="1" dirty="0"/>
+                        <a:t>表可视化、语法树可视化</a:t>
                       </a:r>
                       <a:r>
                         <a:rPr lang="zh-CN" altLang="en-US" dirty="0"/>
-                        <a:t>（</a:t>
-                      </a:r>
-                      <a:r>
-                        <a:rPr lang="en-US" altLang="zh-CN" dirty="0"/>
-                        <a:t>[0-9]</a:t>
-                      </a:r>
-                      <a:r>
-                        <a:rPr lang="zh-CN" altLang="en-US" dirty="0"/>
-                        <a:t>）和</a:t>
-                      </a:r>
-                      <a:r>
-                        <a:rPr lang="en-US" altLang="zh-CN" dirty="0"/>
-                        <a:t>\s</a:t>
-                      </a:r>
-                      <a:r>
-                        <a:rPr lang="zh-CN" altLang="en-US" dirty="0"/>
-                        <a:t>（</a:t>
-                      </a:r>
-                      <a:r>
-                        <a:rPr lang="en-US" altLang="zh-CN" dirty="0"/>
-                        <a:t>[ \t\r\n]</a:t>
-                      </a:r>
-                      <a:r>
-                        <a:rPr lang="zh-CN" altLang="en-US" dirty="0"/>
-                        <a:t>）</a:t>
+                        <a:t>功能</a:t>
                       </a:r>
                     </a:p>
                   </a:txBody>
@@ -6780,7 +7703,7 @@
                   </a:ext>
                 </a:extLst>
               </a:tr>
-              <a:tr h="370840">
+              <a:tr h="343732">
                 <a:tc>
                   <a:txBody>
                     <a:bodyPr/>
@@ -6788,31 +7711,23 @@
                     <a:p>
                       <a:r>
                         <a:rPr lang="zh-CN" altLang="en-US" dirty="0"/>
-                        <a:t>支持</a:t>
-                      </a:r>
-                      <a:r>
-                        <a:rPr lang="en-US" altLang="zh-CN" b="1" dirty="0" err="1"/>
-                        <a:t>yylineno</a:t>
+                        <a:t>进行</a:t>
+                      </a:r>
+                      <a:r>
+                        <a:rPr lang="en-US" altLang="zh-CN" dirty="0"/>
+                        <a:t>LR1</a:t>
                       </a:r>
                       <a:r>
                         <a:rPr lang="zh-CN" altLang="en-US" dirty="0"/>
-                        <a:t>获取行号、</a:t>
-                      </a:r>
-                      <a:r>
-                        <a:rPr lang="en-US" altLang="zh-CN" b="1" dirty="0" err="1"/>
-                        <a:t>yyleng</a:t>
+                        <a:t>分析时，对产生式、状态、符号等全部进行编号，利用</a:t>
+                      </a:r>
+                      <a:r>
+                        <a:rPr lang="zh-CN" altLang="en-US" b="1" dirty="0"/>
+                        <a:t>编号索引</a:t>
                       </a:r>
                       <a:r>
                         <a:rPr lang="zh-CN" altLang="en-US" dirty="0"/>
-                        <a:t>获取词法单元长度、</a:t>
-                      </a:r>
-                      <a:r>
-                        <a:rPr lang="en-US" altLang="zh-CN" b="1" dirty="0" err="1"/>
-                        <a:t>yytext</a:t>
-                      </a:r>
-                      <a:r>
-                        <a:rPr lang="zh-CN" altLang="en-US" dirty="0"/>
-                        <a:t>获取当前匹配字符串</a:t>
+                        <a:t>，节省空间，效率高</a:t>
                       </a:r>
                     </a:p>
                   </a:txBody>
@@ -6820,11 +7735,11 @@
                 </a:tc>
                 <a:extLst>
                   <a:ext uri="{0D108BD9-81ED-4DB2-BD59-A6C34878D82A}">
-                    <a16:rowId xmlns:a16="http://schemas.microsoft.com/office/drawing/2014/main" val="2247018593"/>
+                    <a16:rowId xmlns:a16="http://schemas.microsoft.com/office/drawing/2014/main" val="331494638"/>
                   </a:ext>
                 </a:extLst>
               </a:tr>
-              <a:tr h="370840">
+              <a:tr h="343732">
                 <a:tc>
                   <a:txBody>
                     <a:bodyPr/>
@@ -6832,23 +7747,15 @@
                     <a:p>
                       <a:r>
                         <a:rPr lang="zh-CN" altLang="en-US" dirty="0"/>
-                        <a:t>支持</a:t>
-                      </a:r>
-                      <a:r>
-                        <a:rPr lang="en-US" altLang="zh-CN" b="1" dirty="0" err="1"/>
-                        <a:t>yyless</a:t>
+                        <a:t>提供了</a:t>
+                      </a:r>
+                      <a:r>
+                        <a:rPr lang="zh-CN" altLang="en-US" b="1" dirty="0"/>
+                        <a:t>符号表功能</a:t>
                       </a:r>
                       <a:r>
                         <a:rPr lang="zh-CN" altLang="en-US" dirty="0"/>
-                        <a:t>回退词法单元、</a:t>
-                      </a:r>
-                      <a:r>
-                        <a:rPr lang="en-US" altLang="zh-CN" b="1" dirty="0" err="1"/>
-                        <a:t>yymore</a:t>
-                      </a:r>
-                      <a:r>
-                        <a:rPr lang="zh-CN" altLang="en-US" dirty="0"/>
-                        <a:t>补进词法单元</a:t>
+                        <a:t>，用户可以在动作代码内新增或更新符号元素，这为中间代码生成打下基础</a:t>
                       </a:r>
                     </a:p>
                   </a:txBody>
@@ -6856,40 +7763,16 @@
                 </a:tc>
                 <a:extLst>
                   <a:ext uri="{0D108BD9-81ED-4DB2-BD59-A6C34878D82A}">
-                    <a16:rowId xmlns:a16="http://schemas.microsoft.com/office/drawing/2014/main" val="3695011139"/>
+                    <a16:rowId xmlns:a16="http://schemas.microsoft.com/office/drawing/2014/main" val="3938512222"/>
                   </a:ext>
                 </a:extLst>
               </a:tr>
-              <a:tr h="370840">
+              <a:tr h="343732">
                 <a:tc>
                   <a:txBody>
                     <a:bodyPr/>
                     <a:lstStyle/>
                     <a:p>
-                      <a:r>
-                        <a:rPr lang="zh-CN" altLang="en-US" dirty="0"/>
-                        <a:t>支持</a:t>
-                      </a:r>
-                      <a:r>
-                        <a:rPr lang="en-US" altLang="zh-CN" b="1" dirty="0" err="1"/>
-                        <a:t>yywrap</a:t>
-                      </a:r>
-                      <a:r>
-                        <a:rPr lang="zh-CN" altLang="en-US" dirty="0"/>
-                        <a:t>多输入文件连续处理、</a:t>
-                      </a:r>
-                      <a:r>
-                        <a:rPr lang="en-US" altLang="zh-CN" b="1" dirty="0"/>
-                        <a:t>ECHO</a:t>
-                      </a:r>
-                      <a:r>
-                        <a:rPr lang="zh-CN" altLang="en-US" dirty="0"/>
-                        <a:t>输出</a:t>
-                      </a:r>
-                      <a:r>
-                        <a:rPr lang="en-US" altLang="zh-CN" dirty="0" err="1"/>
-                        <a:t>yytext</a:t>
-                      </a:r>
                       <a:endParaRPr lang="zh-CN" altLang="en-US" dirty="0"/>
                     </a:p>
                   </a:txBody>
@@ -6897,80 +7780,7 @@
                 </a:tc>
                 <a:extLst>
                   <a:ext uri="{0D108BD9-81ED-4DB2-BD59-A6C34878D82A}">
-                    <a16:rowId xmlns:a16="http://schemas.microsoft.com/office/drawing/2014/main" val="2267204239"/>
-                  </a:ext>
-                </a:extLst>
-              </a:tr>
-              <a:tr h="370840">
-                <a:tc>
-                  <a:txBody>
-                    <a:bodyPr/>
-                    <a:lstStyle/>
-                    <a:p>
-                      <a:r>
-                        <a:rPr lang="zh-CN" altLang="en-US" dirty="0"/>
-                        <a:t>实现了</a:t>
-                      </a:r>
-                      <a:r>
-                        <a:rPr lang="zh-CN" altLang="en-US" b="1" dirty="0"/>
-                        <a:t>最长匹配原则</a:t>
-                      </a:r>
-                    </a:p>
-                  </a:txBody>
-                  <a:tcPr/>
-                </a:tc>
-                <a:extLst>
-                  <a:ext uri="{0D108BD9-81ED-4DB2-BD59-A6C34878D82A}">
-                    <a16:rowId xmlns:a16="http://schemas.microsoft.com/office/drawing/2014/main" val="1062450618"/>
-                  </a:ext>
-                </a:extLst>
-              </a:tr>
-              <a:tr h="370840">
-                <a:tc>
-                  <a:txBody>
-                    <a:bodyPr/>
-                    <a:lstStyle/>
-                    <a:p>
-                      <a:r>
-                        <a:rPr lang="zh-CN" altLang="en-US" dirty="0"/>
-                        <a:t>可在用户程序段重定向</a:t>
-                      </a:r>
-                      <a:r>
-                        <a:rPr lang="en-US" altLang="zh-CN" b="1" dirty="0" err="1"/>
-                        <a:t>yyin</a:t>
-                      </a:r>
-                      <a:r>
-                        <a:rPr lang="zh-CN" altLang="en-US" dirty="0"/>
-                        <a:t>和</a:t>
-                      </a:r>
-                      <a:r>
-                        <a:rPr lang="en-US" altLang="zh-CN" b="1" dirty="0" err="1"/>
-                        <a:t>yyout</a:t>
-                      </a:r>
-                      <a:r>
-                        <a:rPr lang="zh-CN" altLang="en-US" dirty="0"/>
-                        <a:t>输出流，默认为</a:t>
-                      </a:r>
-                      <a:r>
-                        <a:rPr lang="en-US" altLang="zh-CN" dirty="0" err="1"/>
-                        <a:t>yyout</a:t>
-                      </a:r>
-                      <a:r>
-                        <a:rPr lang="en-US" altLang="zh-CN" dirty="0"/>
-                        <a:t> = </a:t>
-                      </a:r>
-                      <a:r>
-                        <a:rPr lang="en-US" altLang="zh-CN" dirty="0" err="1"/>
-                        <a:t>stdout</a:t>
-                      </a:r>
-                      <a:endParaRPr lang="zh-CN" altLang="en-US" dirty="0"/>
-                    </a:p>
-                  </a:txBody>
-                  <a:tcPr/>
-                </a:tc>
-                <a:extLst>
-                  <a:ext uri="{0D108BD9-81ED-4DB2-BD59-A6C34878D82A}">
-                    <a16:rowId xmlns:a16="http://schemas.microsoft.com/office/drawing/2014/main" val="3015836943"/>
+                    <a16:rowId xmlns:a16="http://schemas.microsoft.com/office/drawing/2014/main" val="4263735627"/>
                   </a:ext>
                 </a:extLst>
               </a:tr>
@@ -7089,6 +7899,101 @@
           <a:chExt cx="0" cy="0"/>
         </a:xfrm>
       </p:grpSpPr>
+      <p:pic>
+        <p:nvPicPr>
+          <p:cNvPr id="2" name="图片 1">
+            <a:extLst>
+              <a:ext uri="{FF2B5EF4-FFF2-40B4-BE49-F238E27FC236}">
+                <a16:creationId xmlns:a16="http://schemas.microsoft.com/office/drawing/2014/main" id="{39B6020E-EF8D-4A91-BC82-A31AEF8D8DED}"/>
+              </a:ext>
+            </a:extLst>
+          </p:cNvPr>
+          <p:cNvPicPr>
+            <a:picLocks noChangeAspect="1" noChangeArrowheads="1"/>
+          </p:cNvPicPr>
+          <p:nvPr/>
+        </p:nvPicPr>
+        <p:blipFill>
+          <a:blip r:embed="rId2">
+            <a:extLst>
+              <a:ext uri="{28A0092B-C50C-407E-A947-70E740481C1C}">
+                <a14:useLocalDpi xmlns:a14="http://schemas.microsoft.com/office/drawing/2010/main" val="0"/>
+              </a:ext>
+            </a:extLst>
+          </a:blip>
+          <a:srcRect/>
+          <a:stretch>
+            <a:fillRect/>
+          </a:stretch>
+        </p:blipFill>
+        <p:spPr bwMode="auto">
+          <a:xfrm>
+            <a:off x="3010250" y="2068497"/>
+            <a:ext cx="5364855" cy="3680630"/>
+          </a:xfrm>
+          <a:prstGeom prst="rect">
+            <a:avLst/>
+          </a:prstGeom>
+          <a:noFill/>
+          <a:ln>
+            <a:noFill/>
+          </a:ln>
+          <a:extLst>
+            <a:ext uri="{909E8E84-426E-40DD-AFC4-6F175D3DCCD1}">
+              <a14:hiddenFill xmlns:a14="http://schemas.microsoft.com/office/drawing/2010/main">
+                <a:solidFill>
+                  <a:srgbClr val="FFFFFF"/>
+                </a:solidFill>
+              </a14:hiddenFill>
+            </a:ext>
+            <a:ext uri="{91240B29-F687-4F45-9708-019B960494DF}">
+              <a14:hiddenLine xmlns:a14="http://schemas.microsoft.com/office/drawing/2010/main" w="9525">
+                <a:solidFill>
+                  <a:srgbClr val="000000"/>
+                </a:solidFill>
+                <a:miter lim="800000"/>
+                <a:headEnd/>
+                <a:tailEnd/>
+              </a14:hiddenLine>
+            </a:ext>
+          </a:extLst>
+        </p:spPr>
+      </p:pic>
+      <p:sp>
+        <p:nvSpPr>
+          <p:cNvPr id="3" name="文本框 2">
+            <a:extLst>
+              <a:ext uri="{FF2B5EF4-FFF2-40B4-BE49-F238E27FC236}">
+                <a16:creationId xmlns:a16="http://schemas.microsoft.com/office/drawing/2014/main" id="{56BB80B7-9A93-4806-9665-4E3DF116D9B1}"/>
+              </a:ext>
+            </a:extLst>
+          </p:cNvPr>
+          <p:cNvSpPr txBox="1"/>
+          <p:nvPr/>
+        </p:nvSpPr>
+        <p:spPr>
+          <a:xfrm>
+            <a:off x="2379540" y="1321937"/>
+            <a:ext cx="2476870" cy="369332"/>
+          </a:xfrm>
+          <a:prstGeom prst="rect">
+            <a:avLst/>
+          </a:prstGeom>
+          <a:noFill/>
+        </p:spPr>
+        <p:txBody>
+          <a:bodyPr wrap="square" rtlCol="0">
+            <a:spAutoFit/>
+          </a:bodyPr>
+          <a:lstStyle/>
+          <a:p>
+            <a:r>
+              <a:rPr lang="zh-CN" altLang="en-US" b="1" u="sng" dirty="0"/>
+              <a:t>主体部分工作流图</a:t>
+            </a:r>
+          </a:p>
+        </p:txBody>
+      </p:sp>
     </p:spTree>
     <p:extLst>
       <p:ext uri="{BB962C8B-B14F-4D97-AF65-F5344CB8AC3E}">

--- a/doc/答辩Slides.pptx
+++ b/doc/答辩Slides.pptx
@@ -20,9 +20,12 @@
     <p:sldId id="269" r:id="rId14"/>
     <p:sldId id="267" r:id="rId15"/>
     <p:sldId id="270" r:id="rId16"/>
-    <p:sldId id="271" r:id="rId17"/>
-    <p:sldId id="273" r:id="rId18"/>
-    <p:sldId id="272" r:id="rId19"/>
+    <p:sldId id="273" r:id="rId17"/>
+    <p:sldId id="277" r:id="rId18"/>
+    <p:sldId id="274" r:id="rId19"/>
+    <p:sldId id="275" r:id="rId20"/>
+    <p:sldId id="278" r:id="rId21"/>
+    <p:sldId id="272" r:id="rId22"/>
   </p:sldIdLst>
   <p:sldSz cx="12192000" cy="6858000"/>
   <p:notesSz cx="6858000" cy="9144000"/>
@@ -276,7 +279,7 @@
           <a:p>
             <a:fld id="{744E1E94-173C-4C0A-90C0-87392909BC0E}" type="datetimeFigureOut">
               <a:rPr lang="zh-CN" altLang="en-US" smtClean="0"/>
-              <a:t>2020/6/6</a:t>
+              <a:t>2020/6/7</a:t>
             </a:fld>
             <a:endParaRPr lang="zh-CN" altLang="en-US"/>
           </a:p>
@@ -474,7 +477,7 @@
           <a:p>
             <a:fld id="{744E1E94-173C-4C0A-90C0-87392909BC0E}" type="datetimeFigureOut">
               <a:rPr lang="zh-CN" altLang="en-US" smtClean="0"/>
-              <a:t>2020/6/6</a:t>
+              <a:t>2020/6/7</a:t>
             </a:fld>
             <a:endParaRPr lang="zh-CN" altLang="en-US"/>
           </a:p>
@@ -682,7 +685,7 @@
           <a:p>
             <a:fld id="{744E1E94-173C-4C0A-90C0-87392909BC0E}" type="datetimeFigureOut">
               <a:rPr lang="zh-CN" altLang="en-US" smtClean="0"/>
-              <a:t>2020/6/6</a:t>
+              <a:t>2020/6/7</a:t>
             </a:fld>
             <a:endParaRPr lang="zh-CN" altLang="en-US"/>
           </a:p>
@@ -880,7 +883,7 @@
           <a:p>
             <a:fld id="{744E1E94-173C-4C0A-90C0-87392909BC0E}" type="datetimeFigureOut">
               <a:rPr lang="zh-CN" altLang="en-US" smtClean="0"/>
-              <a:t>2020/6/6</a:t>
+              <a:t>2020/6/7</a:t>
             </a:fld>
             <a:endParaRPr lang="zh-CN" altLang="en-US"/>
           </a:p>
@@ -1155,7 +1158,7 @@
           <a:p>
             <a:fld id="{744E1E94-173C-4C0A-90C0-87392909BC0E}" type="datetimeFigureOut">
               <a:rPr lang="zh-CN" altLang="en-US" smtClean="0"/>
-              <a:t>2020/6/6</a:t>
+              <a:t>2020/6/7</a:t>
             </a:fld>
             <a:endParaRPr lang="zh-CN" altLang="en-US"/>
           </a:p>
@@ -1420,7 +1423,7 @@
           <a:p>
             <a:fld id="{744E1E94-173C-4C0A-90C0-87392909BC0E}" type="datetimeFigureOut">
               <a:rPr lang="zh-CN" altLang="en-US" smtClean="0"/>
-              <a:t>2020/6/6</a:t>
+              <a:t>2020/6/7</a:t>
             </a:fld>
             <a:endParaRPr lang="zh-CN" altLang="en-US"/>
           </a:p>
@@ -1832,7 +1835,7 @@
           <a:p>
             <a:fld id="{744E1E94-173C-4C0A-90C0-87392909BC0E}" type="datetimeFigureOut">
               <a:rPr lang="zh-CN" altLang="en-US" smtClean="0"/>
-              <a:t>2020/6/6</a:t>
+              <a:t>2020/6/7</a:t>
             </a:fld>
             <a:endParaRPr lang="zh-CN" altLang="en-US"/>
           </a:p>
@@ -1973,7 +1976,7 @@
           <a:p>
             <a:fld id="{744E1E94-173C-4C0A-90C0-87392909BC0E}" type="datetimeFigureOut">
               <a:rPr lang="zh-CN" altLang="en-US" smtClean="0"/>
-              <a:t>2020/6/6</a:t>
+              <a:t>2020/6/7</a:t>
             </a:fld>
             <a:endParaRPr lang="zh-CN" altLang="en-US"/>
           </a:p>
@@ -2086,7 +2089,7 @@
           <a:p>
             <a:fld id="{744E1E94-173C-4C0A-90C0-87392909BC0E}" type="datetimeFigureOut">
               <a:rPr lang="zh-CN" altLang="en-US" smtClean="0"/>
-              <a:t>2020/6/6</a:t>
+              <a:t>2020/6/7</a:t>
             </a:fld>
             <a:endParaRPr lang="zh-CN" altLang="en-US"/>
           </a:p>
@@ -2397,7 +2400,7 @@
           <a:p>
             <a:fld id="{744E1E94-173C-4C0A-90C0-87392909BC0E}" type="datetimeFigureOut">
               <a:rPr lang="zh-CN" altLang="en-US" smtClean="0"/>
-              <a:t>2020/6/6</a:t>
+              <a:t>2020/6/7</a:t>
             </a:fld>
             <a:endParaRPr lang="zh-CN" altLang="en-US"/>
           </a:p>
@@ -2685,7 +2688,7 @@
           <a:p>
             <a:fld id="{744E1E94-173C-4C0A-90C0-87392909BC0E}" type="datetimeFigureOut">
               <a:rPr lang="zh-CN" altLang="en-US" smtClean="0"/>
-              <a:t>2020/6/6</a:t>
+              <a:t>2020/6/7</a:t>
             </a:fld>
             <a:endParaRPr lang="zh-CN" altLang="en-US"/>
           </a:p>
@@ -2926,7 +2929,7 @@
           <a:p>
             <a:fld id="{744E1E94-173C-4C0A-90C0-87392909BC0E}" type="datetimeFigureOut">
               <a:rPr lang="zh-CN" altLang="en-US" smtClean="0"/>
-              <a:t>2020/6/6</a:t>
+              <a:t>2020/6/7</a:t>
             </a:fld>
             <a:endParaRPr lang="zh-CN" altLang="en-US"/>
           </a:p>
@@ -7899,72 +7902,12 @@
           <a:chExt cx="0" cy="0"/>
         </a:xfrm>
       </p:grpSpPr>
-      <p:pic>
-        <p:nvPicPr>
-          <p:cNvPr id="2" name="图片 1">
-            <a:extLst>
-              <a:ext uri="{FF2B5EF4-FFF2-40B4-BE49-F238E27FC236}">
-                <a16:creationId xmlns:a16="http://schemas.microsoft.com/office/drawing/2014/main" id="{39B6020E-EF8D-4A91-BC82-A31AEF8D8DED}"/>
-              </a:ext>
-            </a:extLst>
-          </p:cNvPr>
-          <p:cNvPicPr>
-            <a:picLocks noChangeAspect="1" noChangeArrowheads="1"/>
-          </p:cNvPicPr>
-          <p:nvPr/>
-        </p:nvPicPr>
-        <p:blipFill>
-          <a:blip r:embed="rId2">
-            <a:extLst>
-              <a:ext uri="{28A0092B-C50C-407E-A947-70E740481C1C}">
-                <a14:useLocalDpi xmlns:a14="http://schemas.microsoft.com/office/drawing/2010/main" val="0"/>
-              </a:ext>
-            </a:extLst>
-          </a:blip>
-          <a:srcRect/>
-          <a:stretch>
-            <a:fillRect/>
-          </a:stretch>
-        </p:blipFill>
-        <p:spPr bwMode="auto">
-          <a:xfrm>
-            <a:off x="3010250" y="2068497"/>
-            <a:ext cx="5364855" cy="3680630"/>
-          </a:xfrm>
-          <a:prstGeom prst="rect">
-            <a:avLst/>
-          </a:prstGeom>
-          <a:noFill/>
-          <a:ln>
-            <a:noFill/>
-          </a:ln>
-          <a:extLst>
-            <a:ext uri="{909E8E84-426E-40DD-AFC4-6F175D3DCCD1}">
-              <a14:hiddenFill xmlns:a14="http://schemas.microsoft.com/office/drawing/2010/main">
-                <a:solidFill>
-                  <a:srgbClr val="FFFFFF"/>
-                </a:solidFill>
-              </a14:hiddenFill>
-            </a:ext>
-            <a:ext uri="{91240B29-F687-4F45-9708-019B960494DF}">
-              <a14:hiddenLine xmlns:a14="http://schemas.microsoft.com/office/drawing/2010/main" w="9525">
-                <a:solidFill>
-                  <a:srgbClr val="000000"/>
-                </a:solidFill>
-                <a:miter lim="800000"/>
-                <a:headEnd/>
-                <a:tailEnd/>
-              </a14:hiddenLine>
-            </a:ext>
-          </a:extLst>
-        </p:spPr>
-      </p:pic>
       <p:sp>
         <p:nvSpPr>
           <p:cNvPr id="3" name="文本框 2">
             <a:extLst>
               <a:ext uri="{FF2B5EF4-FFF2-40B4-BE49-F238E27FC236}">
-                <a16:creationId xmlns:a16="http://schemas.microsoft.com/office/drawing/2014/main" id="{56BB80B7-9A93-4806-9665-4E3DF116D9B1}"/>
+                <a16:creationId xmlns:a16="http://schemas.microsoft.com/office/drawing/2014/main" id="{CEF2F3F9-61A2-4244-8A77-88C5A961B0FE}"/>
               </a:ext>
             </a:extLst>
           </p:cNvPr>
@@ -7973,8 +7916,8 @@
         </p:nvSpPr>
         <p:spPr>
           <a:xfrm>
-            <a:off x="2379540" y="1321937"/>
-            <a:ext cx="2476870" cy="369332"/>
+            <a:off x="96176" y="124288"/>
+            <a:ext cx="6402278" cy="523220"/>
           </a:xfrm>
           <a:prstGeom prst="rect">
             <a:avLst/>
@@ -7987,17 +7930,506 @@
           </a:bodyPr>
           <a:lstStyle/>
           <a:p>
-            <a:r>
-              <a:rPr lang="zh-CN" altLang="en-US" b="1" u="sng" dirty="0"/>
-              <a:t>主体部分工作流图</a:t>
-            </a:r>
+            <a:pPr algn="ctr"/>
+            <a:r>
+              <a:rPr lang="en-US" altLang="zh-CN" sz="2800" b="1" dirty="0"/>
+              <a:t>PART2 – </a:t>
+            </a:r>
+            <a:r>
+              <a:rPr lang="zh-CN" altLang="en-US" sz="2800" b="1" dirty="0"/>
+              <a:t>词法分析器的生成器</a:t>
+            </a:r>
+            <a:r>
+              <a:rPr lang="en-US" altLang="zh-CN" sz="2800" b="1" dirty="0" err="1"/>
+              <a:t>SeuYacc</a:t>
+            </a:r>
+            <a:endParaRPr lang="zh-CN" altLang="en-US" sz="2800" b="1" dirty="0"/>
+          </a:p>
+        </p:txBody>
+      </p:sp>
+      <p:sp>
+        <p:nvSpPr>
+          <p:cNvPr id="8" name="矩形 7">
+            <a:extLst>
+              <a:ext uri="{FF2B5EF4-FFF2-40B4-BE49-F238E27FC236}">
+                <a16:creationId xmlns:a16="http://schemas.microsoft.com/office/drawing/2014/main" id="{1F181220-7C92-4AFA-9211-47BC01B21D62}"/>
+              </a:ext>
+            </a:extLst>
+          </p:cNvPr>
+          <p:cNvSpPr/>
+          <p:nvPr/>
+        </p:nvSpPr>
+        <p:spPr>
+          <a:xfrm>
+            <a:off x="578950" y="928251"/>
+            <a:ext cx="3488455" cy="400110"/>
+          </a:xfrm>
+          <a:prstGeom prst="rect">
+            <a:avLst/>
+          </a:prstGeom>
+        </p:spPr>
+        <p:txBody>
+          <a:bodyPr wrap="none">
+            <a:spAutoFit/>
+          </a:bodyPr>
+          <a:lstStyle/>
+          <a:p>
+            <a:r>
+              <a:rPr lang="en-US" altLang="zh-CN" sz="2000" b="1" u="sng" dirty="0" err="1"/>
+              <a:t>Yacc</a:t>
+            </a:r>
+            <a:r>
+              <a:rPr lang="zh-CN" altLang="zh-CN" sz="2000" b="1" u="sng" dirty="0"/>
+              <a:t>文件解析器</a:t>
+            </a:r>
+            <a:r>
+              <a:rPr lang="en-US" altLang="zh-CN" sz="2000" b="1" dirty="0"/>
+              <a:t>  </a:t>
+            </a:r>
+            <a:r>
+              <a:rPr lang="en-US" altLang="zh-CN" b="1" dirty="0" err="1"/>
+              <a:t>YaccParser.ts</a:t>
+            </a:r>
+            <a:endParaRPr lang="zh-CN" altLang="en-US" b="1" dirty="0"/>
+          </a:p>
+        </p:txBody>
+      </p:sp>
+      <p:sp>
+        <p:nvSpPr>
+          <p:cNvPr id="9" name="文本框 8">
+            <a:extLst>
+              <a:ext uri="{FF2B5EF4-FFF2-40B4-BE49-F238E27FC236}">
+                <a16:creationId xmlns:a16="http://schemas.microsoft.com/office/drawing/2014/main" id="{3DAC9A6F-A5F2-4FF3-AB89-3B078C87B367}"/>
+              </a:ext>
+            </a:extLst>
+          </p:cNvPr>
+          <p:cNvSpPr txBox="1"/>
+          <p:nvPr/>
+        </p:nvSpPr>
+        <p:spPr>
+          <a:xfrm>
+            <a:off x="791853" y="1486557"/>
+            <a:ext cx="9747315" cy="369332"/>
+          </a:xfrm>
+          <a:prstGeom prst="rect">
+            <a:avLst/>
+          </a:prstGeom>
+          <a:noFill/>
+        </p:spPr>
+        <p:txBody>
+          <a:bodyPr wrap="square" rtlCol="0">
+            <a:spAutoFit/>
+          </a:bodyPr>
+          <a:lstStyle/>
+          <a:p>
+            <a:r>
+              <a:rPr lang="zh-CN" altLang="en-US" dirty="0"/>
+              <a:t>负责解析出四部分文本：直接复制部分、</a:t>
+            </a:r>
+            <a:r>
+              <a:rPr lang="en-US" altLang="zh-CN" dirty="0"/>
+              <a:t>%xxx</a:t>
+            </a:r>
+            <a:r>
+              <a:rPr lang="zh-CN" altLang="en-US" dirty="0"/>
+              <a:t>声明部分、产生式</a:t>
+            </a:r>
+            <a:r>
+              <a:rPr lang="en-US" altLang="zh-CN" dirty="0"/>
+              <a:t>-</a:t>
+            </a:r>
+            <a:r>
+              <a:rPr lang="zh-CN" altLang="en-US" dirty="0"/>
+              <a:t>动作部分、用户代码部分</a:t>
+            </a:r>
+          </a:p>
+        </p:txBody>
+      </p:sp>
+      <p:sp>
+        <p:nvSpPr>
+          <p:cNvPr id="10" name="文本框 9">
+            <a:extLst>
+              <a:ext uri="{FF2B5EF4-FFF2-40B4-BE49-F238E27FC236}">
+                <a16:creationId xmlns:a16="http://schemas.microsoft.com/office/drawing/2014/main" id="{CFFC717A-6AED-492B-96DE-08FEAF22335E}"/>
+              </a:ext>
+            </a:extLst>
+          </p:cNvPr>
+          <p:cNvSpPr txBox="1"/>
+          <p:nvPr/>
+        </p:nvSpPr>
+        <p:spPr>
+          <a:xfrm>
+            <a:off x="791853" y="2008843"/>
+            <a:ext cx="5552388" cy="369332"/>
+          </a:xfrm>
+          <a:prstGeom prst="rect">
+            <a:avLst/>
+          </a:prstGeom>
+          <a:noFill/>
+        </p:spPr>
+        <p:txBody>
+          <a:bodyPr wrap="square" rtlCol="0">
+            <a:spAutoFit/>
+          </a:bodyPr>
+          <a:lstStyle/>
+          <a:p>
+            <a:r>
+              <a:rPr lang="zh-CN" altLang="en-US" dirty="0"/>
+              <a:t>该部分操作和特色与</a:t>
+            </a:r>
+            <a:r>
+              <a:rPr lang="en-US" altLang="zh-CN" dirty="0" err="1"/>
+              <a:t>LexParser</a:t>
+            </a:r>
+            <a:r>
+              <a:rPr lang="zh-CN" altLang="en-US" dirty="0"/>
+              <a:t>基本相同，不再赘述</a:t>
+            </a:r>
+          </a:p>
+        </p:txBody>
+      </p:sp>
+      <p:sp>
+        <p:nvSpPr>
+          <p:cNvPr id="11" name="矩形 10">
+            <a:extLst>
+              <a:ext uri="{FF2B5EF4-FFF2-40B4-BE49-F238E27FC236}">
+                <a16:creationId xmlns:a16="http://schemas.microsoft.com/office/drawing/2014/main" id="{182DBE55-3D09-450F-A427-81D04B1C385C}"/>
+              </a:ext>
+            </a:extLst>
+          </p:cNvPr>
+          <p:cNvSpPr/>
+          <p:nvPr/>
+        </p:nvSpPr>
+        <p:spPr>
+          <a:xfrm>
+            <a:off x="578950" y="2494883"/>
+            <a:ext cx="5532284" cy="400110"/>
+          </a:xfrm>
+          <a:prstGeom prst="rect">
+            <a:avLst/>
+          </a:prstGeom>
+        </p:spPr>
+        <p:txBody>
+          <a:bodyPr wrap="none">
+            <a:spAutoFit/>
+          </a:bodyPr>
+          <a:lstStyle/>
+          <a:p>
+            <a:r>
+              <a:rPr lang="zh-CN" altLang="en-US" sz="2000" b="1" u="sng" dirty="0"/>
+              <a:t>数据结构设计</a:t>
+            </a:r>
+            <a:r>
+              <a:rPr lang="zh-CN" altLang="en-US" sz="2000" b="1" dirty="0"/>
+              <a:t> </a:t>
+            </a:r>
+            <a:r>
+              <a:rPr lang="en-US" altLang="zh-CN" sz="2000" b="1" dirty="0" err="1"/>
+              <a:t>Grammar.ts</a:t>
+            </a:r>
+            <a:r>
+              <a:rPr lang="en-US" altLang="zh-CN" sz="2000" b="1" dirty="0"/>
+              <a:t> ——</a:t>
+            </a:r>
+            <a:r>
+              <a:rPr lang="zh-CN" altLang="en-US" sz="2000" b="1" dirty="0"/>
+              <a:t>分级，面向对象</a:t>
+            </a:r>
+          </a:p>
+        </p:txBody>
+      </p:sp>
+      <p:pic>
+        <p:nvPicPr>
+          <p:cNvPr id="13" name="图片 12">
+            <a:extLst>
+              <a:ext uri="{FF2B5EF4-FFF2-40B4-BE49-F238E27FC236}">
+                <a16:creationId xmlns:a16="http://schemas.microsoft.com/office/drawing/2014/main" id="{49FAB241-5D50-44D8-B849-C5C26A366C0B}"/>
+              </a:ext>
+            </a:extLst>
+          </p:cNvPr>
+          <p:cNvPicPr>
+            <a:picLocks noChangeAspect="1"/>
+          </p:cNvPicPr>
+          <p:nvPr/>
+        </p:nvPicPr>
+        <p:blipFill>
+          <a:blip r:embed="rId2">
+            <a:extLst>
+              <a:ext uri="{28A0092B-C50C-407E-A947-70E740481C1C}">
+                <a14:useLocalDpi xmlns:a14="http://schemas.microsoft.com/office/drawing/2010/main" val="0"/>
+              </a:ext>
+            </a:extLst>
+          </a:blip>
+          <a:stretch>
+            <a:fillRect/>
+          </a:stretch>
+        </p:blipFill>
+        <p:spPr>
+          <a:xfrm>
+            <a:off x="1719015" y="3129698"/>
+            <a:ext cx="2891808" cy="3018688"/>
+          </a:xfrm>
+          <a:prstGeom prst="rect">
+            <a:avLst/>
+          </a:prstGeom>
+        </p:spPr>
+      </p:pic>
+      <p:sp>
+        <p:nvSpPr>
+          <p:cNvPr id="14" name="文本框 13">
+            <a:extLst>
+              <a:ext uri="{FF2B5EF4-FFF2-40B4-BE49-F238E27FC236}">
+                <a16:creationId xmlns:a16="http://schemas.microsoft.com/office/drawing/2014/main" id="{674CEC95-4CAE-456A-83C9-410670A4DB59}"/>
+              </a:ext>
+            </a:extLst>
+          </p:cNvPr>
+          <p:cNvSpPr txBox="1"/>
+          <p:nvPr/>
+        </p:nvSpPr>
+        <p:spPr>
+          <a:xfrm>
+            <a:off x="2651920" y="6144873"/>
+            <a:ext cx="2215299" cy="369332"/>
+          </a:xfrm>
+          <a:prstGeom prst="rect">
+            <a:avLst/>
+          </a:prstGeom>
+          <a:noFill/>
+        </p:spPr>
+        <p:txBody>
+          <a:bodyPr wrap="square" rtlCol="0">
+            <a:spAutoFit/>
+          </a:bodyPr>
+          <a:lstStyle/>
+          <a:p>
+            <a:r>
+              <a:rPr lang="en-US" altLang="zh-CN" dirty="0"/>
+              <a:t>LR1DFA</a:t>
+            </a:r>
+            <a:endParaRPr lang="zh-CN" altLang="en-US" dirty="0"/>
+          </a:p>
+        </p:txBody>
+      </p:sp>
+      <p:pic>
+        <p:nvPicPr>
+          <p:cNvPr id="16" name="图片 15">
+            <a:extLst>
+              <a:ext uri="{FF2B5EF4-FFF2-40B4-BE49-F238E27FC236}">
+                <a16:creationId xmlns:a16="http://schemas.microsoft.com/office/drawing/2014/main" id="{8B0883F2-99A2-498B-9440-E45B5BE1E386}"/>
+              </a:ext>
+            </a:extLst>
+          </p:cNvPr>
+          <p:cNvPicPr>
+            <a:picLocks noChangeAspect="1"/>
+          </p:cNvPicPr>
+          <p:nvPr/>
+        </p:nvPicPr>
+        <p:blipFill>
+          <a:blip r:embed="rId3">
+            <a:extLst>
+              <a:ext uri="{28A0092B-C50C-407E-A947-70E740481C1C}">
+                <a14:useLocalDpi xmlns:a14="http://schemas.microsoft.com/office/drawing/2010/main" val="0"/>
+              </a:ext>
+            </a:extLst>
+          </a:blip>
+          <a:stretch>
+            <a:fillRect/>
+          </a:stretch>
+        </p:blipFill>
+        <p:spPr>
+          <a:xfrm>
+            <a:off x="4867219" y="3365368"/>
+            <a:ext cx="2695575" cy="2486025"/>
+          </a:xfrm>
+          <a:prstGeom prst="rect">
+            <a:avLst/>
+          </a:prstGeom>
+        </p:spPr>
+      </p:pic>
+      <p:sp>
+        <p:nvSpPr>
+          <p:cNvPr id="17" name="文本框 16">
+            <a:extLst>
+              <a:ext uri="{FF2B5EF4-FFF2-40B4-BE49-F238E27FC236}">
+                <a16:creationId xmlns:a16="http://schemas.microsoft.com/office/drawing/2014/main" id="{B7B486B0-492F-406D-B82C-1A4703A8B33C}"/>
+              </a:ext>
+            </a:extLst>
+          </p:cNvPr>
+          <p:cNvSpPr txBox="1"/>
+          <p:nvPr/>
+        </p:nvSpPr>
+        <p:spPr>
+          <a:xfrm>
+            <a:off x="5620872" y="5931302"/>
+            <a:ext cx="2215299" cy="369332"/>
+          </a:xfrm>
+          <a:prstGeom prst="rect">
+            <a:avLst/>
+          </a:prstGeom>
+          <a:noFill/>
+        </p:spPr>
+        <p:txBody>
+          <a:bodyPr wrap="square" rtlCol="0">
+            <a:spAutoFit/>
+          </a:bodyPr>
+          <a:lstStyle/>
+          <a:p>
+            <a:r>
+              <a:rPr lang="en-US" altLang="zh-CN" dirty="0"/>
+              <a:t>LR1State</a:t>
+            </a:r>
+            <a:endParaRPr lang="zh-CN" altLang="en-US" dirty="0"/>
+          </a:p>
+        </p:txBody>
+      </p:sp>
+      <p:pic>
+        <p:nvPicPr>
+          <p:cNvPr id="19" name="图片 18">
+            <a:extLst>
+              <a:ext uri="{FF2B5EF4-FFF2-40B4-BE49-F238E27FC236}">
+                <a16:creationId xmlns:a16="http://schemas.microsoft.com/office/drawing/2014/main" id="{0DA92A91-AE69-4C7C-9C43-C9E7DF23DE36}"/>
+              </a:ext>
+            </a:extLst>
+          </p:cNvPr>
+          <p:cNvPicPr>
+            <a:picLocks noChangeAspect="1"/>
+          </p:cNvPicPr>
+          <p:nvPr/>
+        </p:nvPicPr>
+        <p:blipFill>
+          <a:blip r:embed="rId4">
+            <a:extLst>
+              <a:ext uri="{28A0092B-C50C-407E-A947-70E740481C1C}">
+                <a14:useLocalDpi xmlns:a14="http://schemas.microsoft.com/office/drawing/2010/main" val="0"/>
+              </a:ext>
+            </a:extLst>
+          </a:blip>
+          <a:stretch>
+            <a:fillRect/>
+          </a:stretch>
+        </p:blipFill>
+        <p:spPr>
+          <a:xfrm>
+            <a:off x="7836171" y="3600352"/>
+            <a:ext cx="1943100" cy="352425"/>
+          </a:xfrm>
+          <a:prstGeom prst="rect">
+            <a:avLst/>
+          </a:prstGeom>
+        </p:spPr>
+      </p:pic>
+      <p:sp>
+        <p:nvSpPr>
+          <p:cNvPr id="20" name="文本框 19">
+            <a:extLst>
+              <a:ext uri="{FF2B5EF4-FFF2-40B4-BE49-F238E27FC236}">
+                <a16:creationId xmlns:a16="http://schemas.microsoft.com/office/drawing/2014/main" id="{F1041247-DCA0-4265-B13D-D5077D0452FC}"/>
+              </a:ext>
+            </a:extLst>
+          </p:cNvPr>
+          <p:cNvSpPr txBox="1"/>
+          <p:nvPr/>
+        </p:nvSpPr>
+        <p:spPr>
+          <a:xfrm>
+            <a:off x="8266269" y="4025498"/>
+            <a:ext cx="2215299" cy="369332"/>
+          </a:xfrm>
+          <a:prstGeom prst="rect">
+            <a:avLst/>
+          </a:prstGeom>
+          <a:noFill/>
+        </p:spPr>
+        <p:txBody>
+          <a:bodyPr wrap="square" rtlCol="0">
+            <a:spAutoFit/>
+          </a:bodyPr>
+          <a:lstStyle/>
+          <a:p>
+            <a:r>
+              <a:rPr lang="en-US" altLang="zh-CN" dirty="0"/>
+              <a:t>LR1Item</a:t>
+            </a:r>
+            <a:endParaRPr lang="zh-CN" altLang="en-US" dirty="0"/>
+          </a:p>
+        </p:txBody>
+      </p:sp>
+      <p:pic>
+        <p:nvPicPr>
+          <p:cNvPr id="22" name="图片 21">
+            <a:extLst>
+              <a:ext uri="{FF2B5EF4-FFF2-40B4-BE49-F238E27FC236}">
+                <a16:creationId xmlns:a16="http://schemas.microsoft.com/office/drawing/2014/main" id="{9F065265-45AD-4261-898E-C1176B802E8D}"/>
+              </a:ext>
+            </a:extLst>
+          </p:cNvPr>
+          <p:cNvPicPr>
+            <a:picLocks noChangeAspect="1"/>
+          </p:cNvPicPr>
+          <p:nvPr/>
+        </p:nvPicPr>
+        <p:blipFill>
+          <a:blip r:embed="rId5">
+            <a:extLst>
+              <a:ext uri="{28A0092B-C50C-407E-A947-70E740481C1C}">
+                <a14:useLocalDpi xmlns:a14="http://schemas.microsoft.com/office/drawing/2010/main" val="0"/>
+              </a:ext>
+            </a:extLst>
+          </a:blip>
+          <a:stretch>
+            <a:fillRect/>
+          </a:stretch>
+        </p:blipFill>
+        <p:spPr>
+          <a:xfrm>
+            <a:off x="8121921" y="4666782"/>
+            <a:ext cx="1371600" cy="285750"/>
+          </a:xfrm>
+          <a:prstGeom prst="rect">
+            <a:avLst/>
+          </a:prstGeom>
+        </p:spPr>
+      </p:pic>
+      <p:sp>
+        <p:nvSpPr>
+          <p:cNvPr id="23" name="文本框 22">
+            <a:extLst>
+              <a:ext uri="{FF2B5EF4-FFF2-40B4-BE49-F238E27FC236}">
+                <a16:creationId xmlns:a16="http://schemas.microsoft.com/office/drawing/2014/main" id="{6F6455EA-BB23-4C9E-B16C-44AFBF00FE80}"/>
+              </a:ext>
+            </a:extLst>
+          </p:cNvPr>
+          <p:cNvSpPr txBox="1"/>
+          <p:nvPr/>
+        </p:nvSpPr>
+        <p:spPr>
+          <a:xfrm>
+            <a:off x="7912423" y="5039818"/>
+            <a:ext cx="2215299" cy="369332"/>
+          </a:xfrm>
+          <a:prstGeom prst="rect">
+            <a:avLst/>
+          </a:prstGeom>
+          <a:noFill/>
+        </p:spPr>
+        <p:txBody>
+          <a:bodyPr wrap="square" rtlCol="0">
+            <a:spAutoFit/>
+          </a:bodyPr>
+          <a:lstStyle/>
+          <a:p>
+            <a:r>
+              <a:rPr lang="en-US" altLang="zh-CN" dirty="0"/>
+              <a:t>Producer (no dot)</a:t>
+            </a:r>
+            <a:endParaRPr lang="zh-CN" altLang="en-US" dirty="0"/>
           </a:p>
         </p:txBody>
       </p:sp>
     </p:spTree>
     <p:extLst>
       <p:ext uri="{BB962C8B-B14F-4D97-AF65-F5344CB8AC3E}">
-        <p14:creationId xmlns:p14="http://schemas.microsoft.com/office/powerpoint/2010/main" val="132415710"/>
+        <p14:creationId xmlns:p14="http://schemas.microsoft.com/office/powerpoint/2010/main" val="3404420247"/>
       </p:ext>
     </p:extLst>
   </p:cSld>
@@ -8024,10 +8456,615 @@
           <a:chExt cx="0" cy="0"/>
         </a:xfrm>
       </p:grpSpPr>
+      <p:sp>
+        <p:nvSpPr>
+          <p:cNvPr id="4" name="文本框 3">
+            <a:extLst>
+              <a:ext uri="{FF2B5EF4-FFF2-40B4-BE49-F238E27FC236}">
+                <a16:creationId xmlns:a16="http://schemas.microsoft.com/office/drawing/2014/main" id="{6ABAD727-98B9-4EEE-B10A-83F2C0C9F834}"/>
+              </a:ext>
+            </a:extLst>
+          </p:cNvPr>
+          <p:cNvSpPr txBox="1"/>
+          <p:nvPr/>
+        </p:nvSpPr>
+        <p:spPr>
+          <a:xfrm>
+            <a:off x="96176" y="124288"/>
+            <a:ext cx="6402278" cy="523220"/>
+          </a:xfrm>
+          <a:prstGeom prst="rect">
+            <a:avLst/>
+          </a:prstGeom>
+          <a:noFill/>
+        </p:spPr>
+        <p:txBody>
+          <a:bodyPr wrap="square" rtlCol="0">
+            <a:spAutoFit/>
+          </a:bodyPr>
+          <a:lstStyle/>
+          <a:p>
+            <a:pPr algn="ctr"/>
+            <a:r>
+              <a:rPr lang="en-US" altLang="zh-CN" sz="2800" b="1" dirty="0"/>
+              <a:t>PART2 – </a:t>
+            </a:r>
+            <a:r>
+              <a:rPr lang="zh-CN" altLang="en-US" sz="2800" b="1" dirty="0"/>
+              <a:t>词法分析器的生成器</a:t>
+            </a:r>
+            <a:r>
+              <a:rPr lang="en-US" altLang="zh-CN" sz="2800" b="1" dirty="0" err="1"/>
+              <a:t>SeuYacc</a:t>
+            </a:r>
+            <a:endParaRPr lang="zh-CN" altLang="en-US" sz="2800" b="1" dirty="0"/>
+          </a:p>
+        </p:txBody>
+      </p:sp>
+      <p:sp>
+        <p:nvSpPr>
+          <p:cNvPr id="5" name="矩形 4">
+            <a:extLst>
+              <a:ext uri="{FF2B5EF4-FFF2-40B4-BE49-F238E27FC236}">
+                <a16:creationId xmlns:a16="http://schemas.microsoft.com/office/drawing/2014/main" id="{AE181845-669C-4A3D-83CF-B6963765F3E3}"/>
+              </a:ext>
+            </a:extLst>
+          </p:cNvPr>
+          <p:cNvSpPr/>
+          <p:nvPr/>
+        </p:nvSpPr>
+        <p:spPr>
+          <a:xfrm>
+            <a:off x="267865" y="647508"/>
+            <a:ext cx="2632452" cy="400110"/>
+          </a:xfrm>
+          <a:prstGeom prst="rect">
+            <a:avLst/>
+          </a:prstGeom>
+        </p:spPr>
+        <p:txBody>
+          <a:bodyPr wrap="none">
+            <a:spAutoFit/>
+          </a:bodyPr>
+          <a:lstStyle/>
+          <a:p>
+            <a:r>
+              <a:rPr lang="en-US" altLang="zh-CN" sz="2000" b="1" u="sng" dirty="0"/>
+              <a:t>LR1</a:t>
+            </a:r>
+            <a:r>
+              <a:rPr lang="zh-CN" altLang="en-US" sz="2000" b="1" u="sng" dirty="0"/>
+              <a:t>文法分析器</a:t>
+            </a:r>
+            <a:r>
+              <a:rPr lang="zh-CN" altLang="en-US" sz="2000" b="1" dirty="0"/>
+              <a:t> </a:t>
+            </a:r>
+            <a:r>
+              <a:rPr lang="en-US" altLang="zh-CN" sz="2000" b="1" dirty="0"/>
+              <a:t>LR1</a:t>
+            </a:r>
+            <a:r>
+              <a:rPr lang="en-US" altLang="zh-CN" b="1" dirty="0"/>
+              <a:t>.ts</a:t>
+            </a:r>
+            <a:endParaRPr lang="zh-CN" altLang="en-US" b="1" dirty="0"/>
+          </a:p>
+        </p:txBody>
+      </p:sp>
+      <p:sp>
+        <p:nvSpPr>
+          <p:cNvPr id="6" name="文本框 5">
+            <a:extLst>
+              <a:ext uri="{FF2B5EF4-FFF2-40B4-BE49-F238E27FC236}">
+                <a16:creationId xmlns:a16="http://schemas.microsoft.com/office/drawing/2014/main" id="{5B8DAC78-F5B4-4B57-93E1-B6FA6436F946}"/>
+              </a:ext>
+            </a:extLst>
+          </p:cNvPr>
+          <p:cNvSpPr txBox="1"/>
+          <p:nvPr/>
+        </p:nvSpPr>
+        <p:spPr>
+          <a:xfrm>
+            <a:off x="267865" y="1170728"/>
+            <a:ext cx="6664841" cy="3789627"/>
+          </a:xfrm>
+          <a:prstGeom prst="rect">
+            <a:avLst/>
+          </a:prstGeom>
+          <a:noFill/>
+        </p:spPr>
+        <p:txBody>
+          <a:bodyPr wrap="square" rtlCol="0">
+            <a:spAutoFit/>
+          </a:bodyPr>
+          <a:lstStyle/>
+          <a:p>
+            <a:pPr>
+              <a:lnSpc>
+                <a:spcPct val="150000"/>
+              </a:lnSpc>
+            </a:pPr>
+            <a:r>
+              <a:rPr lang="zh-CN" altLang="en-US" dirty="0"/>
+              <a:t>① 为文法符号（终结符、非终结符、特殊符号）分配编号</a:t>
+            </a:r>
+          </a:p>
+          <a:p>
+            <a:pPr>
+              <a:lnSpc>
+                <a:spcPct val="150000"/>
+              </a:lnSpc>
+            </a:pPr>
+            <a:r>
+              <a:rPr lang="en-US" altLang="zh-CN" dirty="0"/>
+              <a:t>    // </a:t>
+            </a:r>
+            <a:r>
+              <a:rPr lang="zh-CN" altLang="en-US" dirty="0"/>
+              <a:t>处理方式参考</a:t>
+            </a:r>
+            <a:r>
+              <a:rPr lang="en-US" altLang="zh-CN" dirty="0"/>
+              <a:t>《Flex</a:t>
+            </a:r>
+            <a:r>
+              <a:rPr lang="zh-CN" altLang="en-US" dirty="0"/>
+              <a:t>与</a:t>
+            </a:r>
+            <a:r>
+              <a:rPr lang="en-US" altLang="zh-CN" dirty="0"/>
+              <a:t>Bison》P165</a:t>
+            </a:r>
+            <a:endParaRPr lang="zh-CN" altLang="en-US" dirty="0"/>
+          </a:p>
+          <a:p>
+            <a:pPr>
+              <a:lnSpc>
+                <a:spcPct val="150000"/>
+              </a:lnSpc>
+            </a:pPr>
+            <a:r>
+              <a:rPr lang="en-US" altLang="zh-CN" dirty="0"/>
+              <a:t>    // 0~127 ASCII</a:t>
+            </a:r>
+            <a:r>
+              <a:rPr lang="zh-CN" altLang="en-US" dirty="0"/>
+              <a:t>文字符号编号</a:t>
+            </a:r>
+          </a:p>
+          <a:p>
+            <a:pPr>
+              <a:lnSpc>
+                <a:spcPct val="150000"/>
+              </a:lnSpc>
+            </a:pPr>
+            <a:r>
+              <a:rPr lang="en-US" altLang="zh-CN" dirty="0"/>
+              <a:t>    // 128~X Token</a:t>
+            </a:r>
+            <a:r>
+              <a:rPr lang="zh-CN" altLang="en-US" dirty="0"/>
+              <a:t>编号</a:t>
+            </a:r>
+          </a:p>
+          <a:p>
+            <a:pPr>
+              <a:lnSpc>
+                <a:spcPct val="150000"/>
+              </a:lnSpc>
+            </a:pPr>
+            <a:r>
+              <a:rPr lang="en-US" altLang="zh-CN" dirty="0"/>
+              <a:t>    // X+1~Y </a:t>
+            </a:r>
+            <a:r>
+              <a:rPr lang="zh-CN" altLang="en-US" dirty="0"/>
+              <a:t>非终结符编号</a:t>
+            </a:r>
+          </a:p>
+          <a:p>
+            <a:pPr>
+              <a:lnSpc>
+                <a:spcPct val="150000"/>
+              </a:lnSpc>
+            </a:pPr>
+            <a:r>
+              <a:rPr lang="en-US" altLang="zh-CN" dirty="0"/>
+              <a:t>    // Y+1~Y+3 </a:t>
+            </a:r>
+            <a:r>
+              <a:rPr lang="zh-CN" altLang="en-US" dirty="0"/>
+              <a:t>特殊符号：</a:t>
+            </a:r>
+            <a:r>
+              <a:rPr lang="en-US" altLang="zh-CN" dirty="0"/>
+              <a:t>$</a:t>
+            </a:r>
+            <a:r>
+              <a:rPr lang="zh-CN" altLang="en-US" dirty="0"/>
+              <a:t>、</a:t>
+            </a:r>
+            <a:r>
+              <a:rPr lang="en-US" altLang="zh-CN" dirty="0"/>
+              <a:t>EPSILON</a:t>
+            </a:r>
+            <a:r>
+              <a:rPr lang="zh-CN" altLang="en-US" dirty="0"/>
+              <a:t>、增广</a:t>
+            </a:r>
+            <a:r>
+              <a:rPr lang="en-US" altLang="zh-CN" dirty="0"/>
+              <a:t>S’</a:t>
+            </a:r>
+            <a:endParaRPr lang="zh-CN" altLang="en-US" dirty="0"/>
+          </a:p>
+          <a:p>
+            <a:pPr>
+              <a:lnSpc>
+                <a:spcPct val="150000"/>
+              </a:lnSpc>
+            </a:pPr>
+            <a:r>
+              <a:rPr lang="zh-CN" altLang="en-US" dirty="0"/>
+              <a:t>② 将产生式转换为单条存储的、数字</a:t>
+            </a:r>
+            <a:r>
+              <a:rPr lang="en-US" altLang="zh-CN" dirty="0"/>
+              <a:t>-&gt;</a:t>
+            </a:r>
+            <a:r>
+              <a:rPr lang="zh-CN" altLang="en-US" dirty="0"/>
+              <a:t>数字</a:t>
+            </a:r>
+            <a:r>
+              <a:rPr lang="en-US" altLang="zh-CN" dirty="0"/>
+              <a:t>[]</a:t>
+            </a:r>
+            <a:r>
+              <a:rPr lang="zh-CN" altLang="en-US" dirty="0"/>
+              <a:t>形式</a:t>
+            </a:r>
+            <a:endParaRPr lang="en-US" altLang="zh-CN" dirty="0"/>
+          </a:p>
+          <a:p>
+            <a:pPr>
+              <a:lnSpc>
+                <a:spcPct val="150000"/>
+              </a:lnSpc>
+            </a:pPr>
+            <a:r>
+              <a:rPr lang="zh-CN" altLang="en-US" dirty="0"/>
+              <a:t>③ 构建</a:t>
+            </a:r>
+            <a:r>
+              <a:rPr lang="en-US" altLang="zh-CN" dirty="0"/>
+              <a:t>LR1</a:t>
+            </a:r>
+            <a:r>
+              <a:rPr lang="zh-CN" altLang="en-US" dirty="0"/>
+              <a:t>自动机（龙书算法</a:t>
+            </a:r>
+            <a:r>
+              <a:rPr lang="en-US" altLang="zh-CN" dirty="0"/>
+              <a:t>4.53</a:t>
+            </a:r>
+            <a:r>
+              <a:rPr lang="zh-CN" altLang="en-US" dirty="0"/>
+              <a:t>）</a:t>
+            </a:r>
+            <a:endParaRPr lang="en-US" altLang="zh-CN" dirty="0"/>
+          </a:p>
+          <a:p>
+            <a:pPr>
+              <a:lnSpc>
+                <a:spcPct val="150000"/>
+              </a:lnSpc>
+            </a:pPr>
+            <a:r>
+              <a:rPr lang="zh-CN" altLang="en-US" dirty="0"/>
+              <a:t>④ 构建</a:t>
+            </a:r>
+            <a:r>
+              <a:rPr lang="en-US" altLang="zh-CN" dirty="0"/>
+              <a:t>LR1</a:t>
+            </a:r>
+            <a:r>
+              <a:rPr lang="zh-CN" altLang="en-US" dirty="0"/>
+              <a:t>分析表（</a:t>
+            </a:r>
+            <a:r>
+              <a:rPr lang="en-US" altLang="zh-CN" dirty="0"/>
+              <a:t>ACTION-GOTO</a:t>
+            </a:r>
+            <a:r>
+              <a:rPr lang="zh-CN" altLang="en-US" dirty="0"/>
+              <a:t>表）</a:t>
+            </a:r>
+          </a:p>
+        </p:txBody>
+      </p:sp>
+      <p:sp>
+        <p:nvSpPr>
+          <p:cNvPr id="7" name="矩形 6">
+            <a:extLst>
+              <a:ext uri="{FF2B5EF4-FFF2-40B4-BE49-F238E27FC236}">
+                <a16:creationId xmlns:a16="http://schemas.microsoft.com/office/drawing/2014/main" id="{A1A12370-B659-410D-BCBD-BC90A44D594A}"/>
+              </a:ext>
+            </a:extLst>
+          </p:cNvPr>
+          <p:cNvSpPr/>
+          <p:nvPr/>
+        </p:nvSpPr>
+        <p:spPr>
+          <a:xfrm>
+            <a:off x="7283659" y="442443"/>
+            <a:ext cx="4605860" cy="2986557"/>
+          </a:xfrm>
+          <a:prstGeom prst="rect">
+            <a:avLst/>
+          </a:prstGeom>
+          <a:solidFill>
+            <a:schemeClr val="accent5">
+              <a:lumMod val="20000"/>
+              <a:lumOff val="80000"/>
+            </a:schemeClr>
+          </a:solidFill>
+        </p:spPr>
+        <p:style>
+          <a:lnRef idx="2">
+            <a:schemeClr val="accent3">
+              <a:shade val="50000"/>
+            </a:schemeClr>
+          </a:lnRef>
+          <a:fillRef idx="1">
+            <a:schemeClr val="accent3"/>
+          </a:fillRef>
+          <a:effectRef idx="0">
+            <a:schemeClr val="accent3"/>
+          </a:effectRef>
+          <a:fontRef idx="minor">
+            <a:schemeClr val="lt1"/>
+          </a:fontRef>
+        </p:style>
+        <p:txBody>
+          <a:bodyPr rtlCol="0" anchor="ctr"/>
+          <a:lstStyle/>
+          <a:p>
+            <a:pPr algn="ctr"/>
+            <a:endParaRPr lang="zh-CN" altLang="en-US"/>
+          </a:p>
+        </p:txBody>
+      </p:sp>
+      <p:sp>
+        <p:nvSpPr>
+          <p:cNvPr id="8" name="矩形 7">
+            <a:extLst>
+              <a:ext uri="{FF2B5EF4-FFF2-40B4-BE49-F238E27FC236}">
+                <a16:creationId xmlns:a16="http://schemas.microsoft.com/office/drawing/2014/main" id="{E5C1CFED-583A-406A-B02C-5BF091B0444C}"/>
+              </a:ext>
+            </a:extLst>
+          </p:cNvPr>
+          <p:cNvSpPr/>
+          <p:nvPr/>
+        </p:nvSpPr>
+        <p:spPr>
+          <a:xfrm>
+            <a:off x="7327700" y="540250"/>
+            <a:ext cx="4605861" cy="923330"/>
+          </a:xfrm>
+          <a:prstGeom prst="rect">
+            <a:avLst/>
+          </a:prstGeom>
+        </p:spPr>
+        <p:txBody>
+          <a:bodyPr wrap="square">
+            <a:spAutoFit/>
+          </a:bodyPr>
+          <a:lstStyle/>
+          <a:p>
+            <a:r>
+              <a:rPr lang="zh-CN" altLang="en-US" dirty="0"/>
+              <a:t>构建分析表时需要求取</a:t>
+            </a:r>
+            <a:r>
+              <a:rPr lang="en-US" altLang="zh-CN" dirty="0"/>
+              <a:t>GOTO(I, X)</a:t>
+            </a:r>
+            <a:r>
+              <a:rPr lang="zh-CN" altLang="en-US" dirty="0"/>
+              <a:t>，这个过程需要深递归，且可能对某组参数重复进行，因此使用</a:t>
+            </a:r>
+            <a:r>
+              <a:rPr lang="zh-CN" altLang="en-US" b="1" dirty="0"/>
+              <a:t>空间换时间的缓存策略</a:t>
+            </a:r>
+            <a:r>
+              <a:rPr lang="zh-CN" altLang="en-US" dirty="0"/>
+              <a:t>进行优化。</a:t>
+            </a:r>
+          </a:p>
+        </p:txBody>
+      </p:sp>
+      <p:pic>
+        <p:nvPicPr>
+          <p:cNvPr id="9" name="图片 8">
+            <a:extLst>
+              <a:ext uri="{FF2B5EF4-FFF2-40B4-BE49-F238E27FC236}">
+                <a16:creationId xmlns:a16="http://schemas.microsoft.com/office/drawing/2014/main" id="{F689FC0E-43F5-47FA-B349-5BBA393A10F4}"/>
+              </a:ext>
+            </a:extLst>
+          </p:cNvPr>
+          <p:cNvPicPr>
+            <a:picLocks noChangeAspect="1"/>
+          </p:cNvPicPr>
+          <p:nvPr/>
+        </p:nvPicPr>
+        <p:blipFill rotWithShape="1">
+          <a:blip r:embed="rId2"/>
+          <a:srcRect t="1600"/>
+          <a:stretch/>
+        </p:blipFill>
+        <p:spPr>
+          <a:xfrm>
+            <a:off x="7422780" y="1561387"/>
+            <a:ext cx="3602407" cy="1709091"/>
+          </a:xfrm>
+          <a:prstGeom prst="rect">
+            <a:avLst/>
+          </a:prstGeom>
+        </p:spPr>
+      </p:pic>
+      <p:sp>
+        <p:nvSpPr>
+          <p:cNvPr id="10" name="矩形 9">
+            <a:extLst>
+              <a:ext uri="{FF2B5EF4-FFF2-40B4-BE49-F238E27FC236}">
+                <a16:creationId xmlns:a16="http://schemas.microsoft.com/office/drawing/2014/main" id="{154B309F-F30A-4C11-9D77-166128C73FDF}"/>
+              </a:ext>
+            </a:extLst>
+          </p:cNvPr>
+          <p:cNvSpPr/>
+          <p:nvPr/>
+        </p:nvSpPr>
+        <p:spPr>
+          <a:xfrm>
+            <a:off x="7283659" y="3931008"/>
+            <a:ext cx="4605860" cy="2683130"/>
+          </a:xfrm>
+          <a:prstGeom prst="rect">
+            <a:avLst/>
+          </a:prstGeom>
+          <a:solidFill>
+            <a:schemeClr val="accent5">
+              <a:lumMod val="20000"/>
+              <a:lumOff val="80000"/>
+            </a:schemeClr>
+          </a:solidFill>
+        </p:spPr>
+        <p:style>
+          <a:lnRef idx="2">
+            <a:schemeClr val="accent3">
+              <a:shade val="50000"/>
+            </a:schemeClr>
+          </a:lnRef>
+          <a:fillRef idx="1">
+            <a:schemeClr val="accent3"/>
+          </a:fillRef>
+          <a:effectRef idx="0">
+            <a:schemeClr val="accent3"/>
+          </a:effectRef>
+          <a:fontRef idx="minor">
+            <a:schemeClr val="lt1"/>
+          </a:fontRef>
+        </p:style>
+        <p:txBody>
+          <a:bodyPr rtlCol="0" anchor="ctr"/>
+          <a:lstStyle/>
+          <a:p>
+            <a:pPr algn="ctr"/>
+            <a:endParaRPr lang="zh-CN" altLang="en-US"/>
+          </a:p>
+        </p:txBody>
+      </p:sp>
+      <p:sp>
+        <p:nvSpPr>
+          <p:cNvPr id="12" name="矩形 11">
+            <a:extLst>
+              <a:ext uri="{FF2B5EF4-FFF2-40B4-BE49-F238E27FC236}">
+                <a16:creationId xmlns:a16="http://schemas.microsoft.com/office/drawing/2014/main" id="{B62763DE-85F6-47D9-8506-3EEA3AAFD7D7}"/>
+              </a:ext>
+            </a:extLst>
+          </p:cNvPr>
+          <p:cNvSpPr/>
+          <p:nvPr/>
+        </p:nvSpPr>
+        <p:spPr>
+          <a:xfrm>
+            <a:off x="7283659" y="4009932"/>
+            <a:ext cx="4605861" cy="2585323"/>
+          </a:xfrm>
+          <a:prstGeom prst="rect">
+            <a:avLst/>
+          </a:prstGeom>
+        </p:spPr>
+        <p:txBody>
+          <a:bodyPr wrap="square">
+            <a:spAutoFit/>
+          </a:bodyPr>
+          <a:lstStyle/>
+          <a:p>
+            <a:r>
+              <a:rPr lang="zh-CN" altLang="en-US" b="1" dirty="0"/>
+              <a:t>构建</a:t>
+            </a:r>
+            <a:r>
+              <a:rPr lang="en-US" altLang="zh-CN" b="1" dirty="0"/>
+              <a:t>LR1</a:t>
+            </a:r>
+            <a:r>
+              <a:rPr lang="zh-CN" altLang="en-US" b="1" dirty="0"/>
+              <a:t>分析表时，遵从如下规则解决冲突：</a:t>
+            </a:r>
+            <a:endParaRPr lang="en-US" altLang="zh-CN" b="1" dirty="0"/>
+          </a:p>
+          <a:p>
+            <a:r>
+              <a:rPr lang="zh-CN" altLang="en-US" dirty="0"/>
+              <a:t>默认移进。</a:t>
+            </a:r>
+            <a:endParaRPr lang="en-US" altLang="zh-CN" dirty="0"/>
+          </a:p>
+          <a:p>
+            <a:r>
+              <a:rPr lang="zh-CN" altLang="en-US" b="1" dirty="0"/>
+              <a:t>移进</a:t>
+            </a:r>
+            <a:r>
+              <a:rPr lang="en-US" altLang="zh-CN" b="1" dirty="0"/>
+              <a:t>-</a:t>
+            </a:r>
+            <a:r>
+              <a:rPr lang="zh-CN" altLang="en-US" b="1" dirty="0"/>
+              <a:t>规约冲突：</a:t>
+            </a:r>
+            <a:endParaRPr lang="en-US" altLang="zh-CN" b="1" dirty="0"/>
+          </a:p>
+          <a:p>
+            <a:r>
+              <a:rPr lang="zh-CN" altLang="en-US" dirty="0"/>
+              <a:t>展望符的优先级就是移进的优先级，最后一个终结符的优先级就是规约的优先级。若后者更高，则动作替换为规约；若二者相等，则考虑结合性，左结合就规约</a:t>
+            </a:r>
+            <a:endParaRPr lang="en-US" altLang="zh-CN" dirty="0"/>
+          </a:p>
+          <a:p>
+            <a:r>
+              <a:rPr lang="zh-CN" altLang="en-US" b="1" dirty="0"/>
+              <a:t>规约</a:t>
+            </a:r>
+            <a:r>
+              <a:rPr lang="en-US" altLang="zh-CN" b="1" dirty="0"/>
+              <a:t>-</a:t>
+            </a:r>
+            <a:r>
+              <a:rPr lang="zh-CN" altLang="en-US" b="1" dirty="0"/>
+              <a:t>规约冲突：</a:t>
+            </a:r>
+            <a:endParaRPr lang="en-US" altLang="zh-CN" b="1" dirty="0"/>
+          </a:p>
+          <a:p>
+            <a:r>
+              <a:rPr lang="zh-CN" altLang="en-US" dirty="0"/>
+              <a:t>越早定义的产生式优先级越高</a:t>
+            </a:r>
+            <a:endParaRPr lang="en-US" altLang="zh-CN" dirty="0"/>
+          </a:p>
+        </p:txBody>
+      </p:sp>
     </p:spTree>
     <p:extLst>
       <p:ext uri="{BB962C8B-B14F-4D97-AF65-F5344CB8AC3E}">
-        <p14:creationId xmlns:p14="http://schemas.microsoft.com/office/powerpoint/2010/main" val="3404420247"/>
+        <p14:creationId xmlns:p14="http://schemas.microsoft.com/office/powerpoint/2010/main" val="1589950422"/>
       </p:ext>
     </p:extLst>
   </p:cSld>
@@ -8056,10 +9093,10 @@
       </p:grpSpPr>
       <p:sp>
         <p:nvSpPr>
-          <p:cNvPr id="5" name="文本框 4">
-            <a:extLst>
-              <a:ext uri="{FF2B5EF4-FFF2-40B4-BE49-F238E27FC236}">
-                <a16:creationId xmlns:a16="http://schemas.microsoft.com/office/drawing/2014/main" id="{94ED1E4E-0B48-4C4A-8293-9D37C345CE22}"/>
+          <p:cNvPr id="3" name="文本框 2">
+            <a:extLst>
+              <a:ext uri="{FF2B5EF4-FFF2-40B4-BE49-F238E27FC236}">
+                <a16:creationId xmlns:a16="http://schemas.microsoft.com/office/drawing/2014/main" id="{CEF2F3F9-61A2-4244-8A77-88C5A961B0FE}"/>
               </a:ext>
             </a:extLst>
           </p:cNvPr>
@@ -8068,8 +9105,8 @@
         </p:nvSpPr>
         <p:spPr>
           <a:xfrm>
-            <a:off x="2082554" y="2883893"/>
-            <a:ext cx="8026891" cy="646331"/>
+            <a:off x="96176" y="124288"/>
+            <a:ext cx="6402278" cy="523220"/>
           </a:xfrm>
           <a:prstGeom prst="rect">
             <a:avLst/>
@@ -8084,21 +9121,1610 @@
           <a:p>
             <a:pPr algn="ctr"/>
             <a:r>
-              <a:rPr lang="zh-CN" altLang="en-US" sz="3600" b="1" dirty="0"/>
-              <a:t>集中</a:t>
-            </a:r>
-            <a:r>
-              <a:rPr lang="en-US" altLang="zh-CN" sz="3600" b="1" dirty="0"/>
-              <a:t>Q&amp;A</a:t>
-            </a:r>
-            <a:endParaRPr lang="zh-CN" altLang="en-US" sz="3600" b="1" dirty="0"/>
-          </a:p>
-        </p:txBody>
-      </p:sp>
+              <a:rPr lang="en-US" altLang="zh-CN" sz="2800" b="1" dirty="0"/>
+              <a:t>PART2 – </a:t>
+            </a:r>
+            <a:r>
+              <a:rPr lang="zh-CN" altLang="en-US" sz="2800" b="1" dirty="0"/>
+              <a:t>词法分析器的生成器</a:t>
+            </a:r>
+            <a:r>
+              <a:rPr lang="en-US" altLang="zh-CN" sz="2800" b="1" dirty="0" err="1"/>
+              <a:t>SeuYacc</a:t>
+            </a:r>
+            <a:endParaRPr lang="zh-CN" altLang="en-US" sz="2800" b="1" dirty="0"/>
+          </a:p>
+        </p:txBody>
+      </p:sp>
+      <p:sp>
+        <p:nvSpPr>
+          <p:cNvPr id="5" name="矩形 4">
+            <a:extLst>
+              <a:ext uri="{FF2B5EF4-FFF2-40B4-BE49-F238E27FC236}">
+                <a16:creationId xmlns:a16="http://schemas.microsoft.com/office/drawing/2014/main" id="{CAE67744-E95E-4221-8A6B-786ED92A63E2}"/>
+              </a:ext>
+            </a:extLst>
+          </p:cNvPr>
+          <p:cNvSpPr/>
+          <p:nvPr/>
+        </p:nvSpPr>
+        <p:spPr>
+          <a:xfrm>
+            <a:off x="267865" y="647508"/>
+            <a:ext cx="2940228" cy="400110"/>
+          </a:xfrm>
+          <a:prstGeom prst="rect">
+            <a:avLst/>
+          </a:prstGeom>
+        </p:spPr>
+        <p:txBody>
+          <a:bodyPr wrap="none">
+            <a:spAutoFit/>
+          </a:bodyPr>
+          <a:lstStyle/>
+          <a:p>
+            <a:r>
+              <a:rPr lang="en-US" altLang="zh-CN" sz="2000" b="1" u="sng" dirty="0"/>
+              <a:t>LALR</a:t>
+            </a:r>
+            <a:r>
+              <a:rPr lang="zh-CN" altLang="en-US" sz="2000" b="1" u="sng" dirty="0"/>
+              <a:t>文法分析器</a:t>
+            </a:r>
+            <a:r>
+              <a:rPr lang="zh-CN" altLang="en-US" sz="2000" b="1" dirty="0"/>
+              <a:t> </a:t>
+            </a:r>
+            <a:r>
+              <a:rPr lang="en-US" altLang="zh-CN" sz="2000" b="1" dirty="0" err="1"/>
+              <a:t>LALR</a:t>
+            </a:r>
+            <a:r>
+              <a:rPr lang="en-US" altLang="zh-CN" b="1" dirty="0" err="1"/>
+              <a:t>.ts</a:t>
+            </a:r>
+            <a:endParaRPr lang="zh-CN" altLang="en-US" b="1" dirty="0"/>
+          </a:p>
+        </p:txBody>
+      </p:sp>
+      <p:sp>
+        <p:nvSpPr>
+          <p:cNvPr id="6" name="文本框 5">
+            <a:extLst>
+              <a:ext uri="{FF2B5EF4-FFF2-40B4-BE49-F238E27FC236}">
+                <a16:creationId xmlns:a16="http://schemas.microsoft.com/office/drawing/2014/main" id="{A3543AB4-5233-4771-940D-42ADAFD79B7F}"/>
+              </a:ext>
+            </a:extLst>
+          </p:cNvPr>
+          <p:cNvSpPr txBox="1"/>
+          <p:nvPr/>
+        </p:nvSpPr>
+        <p:spPr>
+          <a:xfrm>
+            <a:off x="267865" y="1170728"/>
+            <a:ext cx="7239786" cy="369332"/>
+          </a:xfrm>
+          <a:prstGeom prst="rect">
+            <a:avLst/>
+          </a:prstGeom>
+          <a:noFill/>
+        </p:spPr>
+        <p:txBody>
+          <a:bodyPr wrap="square" rtlCol="0">
+            <a:spAutoFit/>
+          </a:bodyPr>
+          <a:lstStyle/>
+          <a:p>
+            <a:r>
+              <a:rPr lang="zh-CN" altLang="en-US" dirty="0"/>
+              <a:t>提供一个函数</a:t>
+            </a:r>
+            <a:r>
+              <a:rPr lang="en-US" altLang="zh-CN" dirty="0"/>
+              <a:t>LR1DFAtoLALRDFA</a:t>
+            </a:r>
+            <a:r>
+              <a:rPr lang="zh-CN" altLang="en-US" dirty="0"/>
+              <a:t>将</a:t>
+            </a:r>
+            <a:r>
+              <a:rPr lang="en-US" altLang="zh-CN" dirty="0"/>
+              <a:t>LR1</a:t>
+            </a:r>
+            <a:r>
+              <a:rPr lang="zh-CN" altLang="en-US" dirty="0"/>
+              <a:t>的</a:t>
+            </a:r>
+            <a:r>
+              <a:rPr lang="en-US" altLang="zh-CN" dirty="0"/>
+              <a:t>DFA</a:t>
+            </a:r>
+            <a:r>
+              <a:rPr lang="zh-CN" altLang="en-US" dirty="0"/>
+              <a:t>转换为</a:t>
+            </a:r>
+            <a:r>
+              <a:rPr lang="en-US" altLang="zh-CN" dirty="0"/>
+              <a:t>LALR</a:t>
+            </a:r>
+            <a:r>
+              <a:rPr lang="zh-CN" altLang="en-US" dirty="0"/>
+              <a:t>的。</a:t>
+            </a:r>
+            <a:endParaRPr lang="en-US" altLang="zh-CN" dirty="0"/>
+          </a:p>
+        </p:txBody>
+      </p:sp>
+      <p:sp>
+        <p:nvSpPr>
+          <p:cNvPr id="7" name="文本框 6">
+            <a:extLst>
+              <a:ext uri="{FF2B5EF4-FFF2-40B4-BE49-F238E27FC236}">
+                <a16:creationId xmlns:a16="http://schemas.microsoft.com/office/drawing/2014/main" id="{5CADC985-FF7C-42B4-8A0B-4691DFEBD027}"/>
+              </a:ext>
+            </a:extLst>
+          </p:cNvPr>
+          <p:cNvSpPr txBox="1"/>
+          <p:nvPr/>
+        </p:nvSpPr>
+        <p:spPr>
+          <a:xfrm>
+            <a:off x="267865" y="1625100"/>
+            <a:ext cx="9379670" cy="742639"/>
+          </a:xfrm>
+          <a:prstGeom prst="rect">
+            <a:avLst/>
+          </a:prstGeom>
+          <a:noFill/>
+        </p:spPr>
+        <p:txBody>
+          <a:bodyPr wrap="square" rtlCol="0">
+            <a:spAutoFit/>
+          </a:bodyPr>
+          <a:lstStyle/>
+          <a:p>
+            <a:r>
+              <a:rPr lang="zh-CN" altLang="en-US" dirty="0"/>
+              <a:t>同心：两个</a:t>
+            </a:r>
+            <a:r>
+              <a:rPr lang="en-US" altLang="zh-CN" dirty="0"/>
+              <a:t>State</a:t>
+            </a:r>
+            <a:r>
+              <a:rPr lang="zh-CN" altLang="en-US" dirty="0"/>
+              <a:t>的</a:t>
+            </a:r>
+            <a:r>
+              <a:rPr lang="en-US" altLang="zh-CN" dirty="0"/>
+              <a:t>Items</a:t>
+            </a:r>
+            <a:r>
+              <a:rPr lang="zh-CN" altLang="en-US" dirty="0"/>
+              <a:t>的第一分量（即忽略展望）完全相同，则称这两个</a:t>
+            </a:r>
+            <a:r>
+              <a:rPr lang="en-US" altLang="zh-CN" dirty="0"/>
+              <a:t>Item</a:t>
+            </a:r>
+            <a:r>
+              <a:rPr lang="zh-CN" altLang="en-US" dirty="0"/>
+              <a:t>同心</a:t>
+            </a:r>
+            <a:endParaRPr lang="en-US" altLang="zh-CN" dirty="0"/>
+          </a:p>
+          <a:p>
+            <a:pPr>
+              <a:lnSpc>
+                <a:spcPct val="150000"/>
+              </a:lnSpc>
+            </a:pPr>
+            <a:r>
+              <a:rPr lang="en-US" altLang="zh-CN" dirty="0"/>
+              <a:t>LALRDFA</a:t>
+            </a:r>
+            <a:r>
+              <a:rPr lang="zh-CN" altLang="en-US" dirty="0"/>
+              <a:t>的构建就是</a:t>
+            </a:r>
+            <a:r>
+              <a:rPr lang="zh-CN" altLang="en-US" b="1" dirty="0">
+                <a:solidFill>
+                  <a:srgbClr val="FF0000"/>
+                </a:solidFill>
+              </a:rPr>
+              <a:t>合并同心项为一个同心集作为新状态</a:t>
+            </a:r>
+            <a:r>
+              <a:rPr lang="zh-CN" altLang="en-US" dirty="0"/>
+              <a:t>，这与</a:t>
+            </a:r>
+            <a:r>
+              <a:rPr lang="en-US" altLang="zh-CN" dirty="0"/>
+              <a:t>DFA</a:t>
+            </a:r>
+            <a:r>
+              <a:rPr lang="zh-CN" altLang="en-US" dirty="0"/>
+              <a:t>最小化有异曲同工之妙</a:t>
+            </a:r>
+          </a:p>
+        </p:txBody>
+      </p:sp>
+      <p:pic>
+        <p:nvPicPr>
+          <p:cNvPr id="9" name="图片 8">
+            <a:extLst>
+              <a:ext uri="{FF2B5EF4-FFF2-40B4-BE49-F238E27FC236}">
+                <a16:creationId xmlns:a16="http://schemas.microsoft.com/office/drawing/2014/main" id="{D706A86D-847E-4420-85C7-A73CBFCF940A}"/>
+              </a:ext>
+            </a:extLst>
+          </p:cNvPr>
+          <p:cNvPicPr>
+            <a:picLocks noChangeAspect="1"/>
+          </p:cNvPicPr>
+          <p:nvPr/>
+        </p:nvPicPr>
+        <p:blipFill>
+          <a:blip r:embed="rId2"/>
+          <a:stretch>
+            <a:fillRect/>
+          </a:stretch>
+        </p:blipFill>
+        <p:spPr>
+          <a:xfrm>
+            <a:off x="175507" y="2523901"/>
+            <a:ext cx="6734342" cy="557621"/>
+          </a:xfrm>
+          <a:prstGeom prst="rect">
+            <a:avLst/>
+          </a:prstGeom>
+        </p:spPr>
+      </p:pic>
+      <p:sp>
+        <p:nvSpPr>
+          <p:cNvPr id="10" name="文本框 9">
+            <a:extLst>
+              <a:ext uri="{FF2B5EF4-FFF2-40B4-BE49-F238E27FC236}">
+                <a16:creationId xmlns:a16="http://schemas.microsoft.com/office/drawing/2014/main" id="{13FAD122-C568-4E16-BE85-F2A364D1C34F}"/>
+              </a:ext>
+            </a:extLst>
+          </p:cNvPr>
+          <p:cNvSpPr txBox="1"/>
+          <p:nvPr/>
+        </p:nvSpPr>
+        <p:spPr>
+          <a:xfrm>
+            <a:off x="267865" y="3051909"/>
+            <a:ext cx="11336531" cy="1296637"/>
+          </a:xfrm>
+          <a:prstGeom prst="rect">
+            <a:avLst/>
+          </a:prstGeom>
+          <a:noFill/>
+        </p:spPr>
+        <p:txBody>
+          <a:bodyPr wrap="square" rtlCol="0">
+            <a:spAutoFit/>
+          </a:bodyPr>
+          <a:lstStyle/>
+          <a:p>
+            <a:pPr>
+              <a:lnSpc>
+                <a:spcPct val="150000"/>
+              </a:lnSpc>
+            </a:pPr>
+            <a:r>
+              <a:rPr lang="zh-CN" altLang="en-US" b="1" dirty="0"/>
+              <a:t>由龙书可以看到，从</a:t>
+            </a:r>
+            <a:r>
+              <a:rPr lang="en-US" altLang="zh-CN" b="1" dirty="0"/>
+              <a:t>LR1</a:t>
+            </a:r>
+            <a:r>
+              <a:rPr lang="zh-CN" altLang="en-US" b="1" dirty="0"/>
+              <a:t>构造</a:t>
+            </a:r>
+            <a:r>
+              <a:rPr lang="en-US" altLang="zh-CN" b="1" dirty="0"/>
+              <a:t>LALRDFA</a:t>
+            </a:r>
+            <a:r>
+              <a:rPr lang="zh-CN" altLang="en-US" b="1" dirty="0"/>
+              <a:t>是“简单，但空间需求大”的，实际上它的效率也是不高的。</a:t>
+            </a:r>
+            <a:endParaRPr lang="en-US" altLang="zh-CN" b="1" dirty="0"/>
+          </a:p>
+          <a:p>
+            <a:pPr>
+              <a:lnSpc>
+                <a:spcPct val="150000"/>
+              </a:lnSpc>
+            </a:pPr>
+            <a:r>
+              <a:rPr lang="zh-CN" altLang="en-US" dirty="0"/>
+              <a:t>我们的思考：</a:t>
+            </a:r>
+            <a:r>
+              <a:rPr lang="en-US" altLang="zh-CN" dirty="0"/>
+              <a:t>Items</a:t>
+            </a:r>
+            <a:r>
+              <a:rPr lang="zh-CN" altLang="en-US" dirty="0"/>
+              <a:t>的第一分量（忽略展望）实际上就是</a:t>
+            </a:r>
+            <a:r>
+              <a:rPr lang="en-US" altLang="zh-CN" dirty="0"/>
+              <a:t>LR0</a:t>
+            </a:r>
+            <a:r>
+              <a:rPr lang="zh-CN" altLang="en-US" dirty="0"/>
+              <a:t>的项目集。因此可能可以从</a:t>
+            </a:r>
+            <a:r>
+              <a:rPr lang="en-US" altLang="zh-CN" dirty="0"/>
+              <a:t>LR0</a:t>
+            </a:r>
+            <a:r>
+              <a:rPr lang="zh-CN" altLang="en-US" dirty="0"/>
+              <a:t>出发构造</a:t>
+            </a:r>
+            <a:r>
+              <a:rPr lang="en-US" altLang="zh-CN" dirty="0"/>
+              <a:t>LALRDFA</a:t>
+            </a:r>
+            <a:r>
+              <a:rPr lang="zh-CN" altLang="en-US" dirty="0"/>
+              <a:t>。</a:t>
+            </a:r>
+            <a:endParaRPr lang="en-US" altLang="zh-CN" dirty="0"/>
+          </a:p>
+          <a:p>
+            <a:pPr>
+              <a:lnSpc>
+                <a:spcPct val="150000"/>
+              </a:lnSpc>
+            </a:pPr>
+            <a:r>
+              <a:rPr lang="zh-CN" altLang="en-US" dirty="0"/>
+              <a:t>经翻看龙书，可见：</a:t>
+            </a:r>
+            <a:endParaRPr lang="en-US" altLang="zh-CN" dirty="0"/>
+          </a:p>
+        </p:txBody>
+      </p:sp>
+      <p:pic>
+        <p:nvPicPr>
+          <p:cNvPr id="11" name="图片 10">
+            <a:extLst>
+              <a:ext uri="{FF2B5EF4-FFF2-40B4-BE49-F238E27FC236}">
+                <a16:creationId xmlns:a16="http://schemas.microsoft.com/office/drawing/2014/main" id="{CD3A2DBE-B748-467B-98F3-C5AEAB657F03}"/>
+              </a:ext>
+            </a:extLst>
+          </p:cNvPr>
+          <p:cNvPicPr>
+            <a:picLocks noChangeAspect="1"/>
+          </p:cNvPicPr>
+          <p:nvPr/>
+        </p:nvPicPr>
+        <p:blipFill>
+          <a:blip r:embed="rId3"/>
+          <a:stretch>
+            <a:fillRect/>
+          </a:stretch>
+        </p:blipFill>
+        <p:spPr>
+          <a:xfrm>
+            <a:off x="175507" y="4449861"/>
+            <a:ext cx="7135128" cy="1884952"/>
+          </a:xfrm>
+          <a:prstGeom prst="rect">
+            <a:avLst/>
+          </a:prstGeom>
+        </p:spPr>
+      </p:pic>
+      <p:sp>
+        <p:nvSpPr>
+          <p:cNvPr id="12" name="文本框 11">
+            <a:extLst>
+              <a:ext uri="{FF2B5EF4-FFF2-40B4-BE49-F238E27FC236}">
+                <a16:creationId xmlns:a16="http://schemas.microsoft.com/office/drawing/2014/main" id="{B95A5AB8-D66F-4471-A8FE-D0C9D8084341}"/>
+              </a:ext>
+            </a:extLst>
+          </p:cNvPr>
+          <p:cNvSpPr txBox="1"/>
+          <p:nvPr/>
+        </p:nvSpPr>
+        <p:spPr>
+          <a:xfrm>
+            <a:off x="4386511" y="4290788"/>
+            <a:ext cx="3418978" cy="942112"/>
+          </a:xfrm>
+          <a:prstGeom prst="rect">
+            <a:avLst/>
+          </a:prstGeom>
+          <a:noFill/>
+        </p:spPr>
+        <p:txBody>
+          <a:bodyPr wrap="square" rtlCol="0">
+            <a:spAutoFit/>
+          </a:bodyPr>
+          <a:lstStyle/>
+          <a:p>
+            <a:r>
+              <a:rPr lang="zh-CN" altLang="en-US" dirty="0"/>
+              <a:t>这印证了我们的猜想。</a:t>
+            </a:r>
+            <a:endParaRPr lang="en-US" altLang="zh-CN" dirty="0"/>
+          </a:p>
+          <a:p>
+            <a:r>
+              <a:rPr lang="zh-CN" altLang="en-US" dirty="0"/>
+              <a:t>因此后续的优化方向，可以考虑从</a:t>
+            </a:r>
+            <a:r>
+              <a:rPr lang="en-US" altLang="zh-CN" dirty="0"/>
+              <a:t>LR0</a:t>
+            </a:r>
+            <a:r>
+              <a:rPr lang="zh-CN" altLang="en-US" dirty="0"/>
+              <a:t>文法出发构造</a:t>
+            </a:r>
+            <a:r>
+              <a:rPr lang="en-US" altLang="zh-CN" dirty="0"/>
+              <a:t>LALRDFA</a:t>
+            </a:r>
+            <a:r>
+              <a:rPr lang="zh-CN" altLang="en-US" dirty="0"/>
+              <a:t>。</a:t>
+            </a:r>
+          </a:p>
+        </p:txBody>
+      </p:sp>
+      <p:grpSp>
+        <p:nvGrpSpPr>
+          <p:cNvPr id="15" name="组合 14">
+            <a:extLst>
+              <a:ext uri="{FF2B5EF4-FFF2-40B4-BE49-F238E27FC236}">
+                <a16:creationId xmlns:a16="http://schemas.microsoft.com/office/drawing/2014/main" id="{1420F934-315A-44FB-A2C6-4AF5A132B4AF}"/>
+              </a:ext>
+            </a:extLst>
+          </p:cNvPr>
+          <p:cNvGrpSpPr/>
+          <p:nvPr/>
+        </p:nvGrpSpPr>
+        <p:grpSpPr>
+          <a:xfrm>
+            <a:off x="7344604" y="5739679"/>
+            <a:ext cx="4605861" cy="725255"/>
+            <a:chOff x="7283659" y="3970469"/>
+            <a:chExt cx="4605861" cy="725255"/>
+          </a:xfrm>
+        </p:grpSpPr>
+        <p:sp>
+          <p:nvSpPr>
+            <p:cNvPr id="13" name="矩形 12">
+              <a:extLst>
+                <a:ext uri="{FF2B5EF4-FFF2-40B4-BE49-F238E27FC236}">
+                  <a16:creationId xmlns:a16="http://schemas.microsoft.com/office/drawing/2014/main" id="{EFD44D90-05A1-438E-8B80-AC8F399A0765}"/>
+                </a:ext>
+              </a:extLst>
+            </p:cNvPr>
+            <p:cNvSpPr/>
+            <p:nvPr/>
+          </p:nvSpPr>
+          <p:spPr>
+            <a:xfrm>
+              <a:off x="7283659" y="3970469"/>
+              <a:ext cx="4605860" cy="725255"/>
+            </a:xfrm>
+            <a:prstGeom prst="rect">
+              <a:avLst/>
+            </a:prstGeom>
+            <a:solidFill>
+              <a:schemeClr val="accent5">
+                <a:lumMod val="20000"/>
+                <a:lumOff val="80000"/>
+              </a:schemeClr>
+            </a:solidFill>
+          </p:spPr>
+          <p:style>
+            <a:lnRef idx="2">
+              <a:schemeClr val="accent3">
+                <a:shade val="50000"/>
+              </a:schemeClr>
+            </a:lnRef>
+            <a:fillRef idx="1">
+              <a:schemeClr val="accent3"/>
+            </a:fillRef>
+            <a:effectRef idx="0">
+              <a:schemeClr val="accent3"/>
+            </a:effectRef>
+            <a:fontRef idx="minor">
+              <a:schemeClr val="lt1"/>
+            </a:fontRef>
+          </p:style>
+          <p:txBody>
+            <a:bodyPr rtlCol="0" anchor="ctr"/>
+            <a:lstStyle/>
+            <a:p>
+              <a:pPr algn="ctr"/>
+              <a:endParaRPr lang="zh-CN" altLang="en-US"/>
+            </a:p>
+          </p:txBody>
+        </p:sp>
+        <p:sp>
+          <p:nvSpPr>
+            <p:cNvPr id="14" name="矩形 13">
+              <a:extLst>
+                <a:ext uri="{FF2B5EF4-FFF2-40B4-BE49-F238E27FC236}">
+                  <a16:creationId xmlns:a16="http://schemas.microsoft.com/office/drawing/2014/main" id="{8E9931ED-F202-4205-B1A4-147C54CDE0CC}"/>
+                </a:ext>
+              </a:extLst>
+            </p:cNvPr>
+            <p:cNvSpPr/>
+            <p:nvPr/>
+          </p:nvSpPr>
+          <p:spPr>
+            <a:xfrm>
+              <a:off x="7283659" y="4009932"/>
+              <a:ext cx="4605861" cy="646331"/>
+            </a:xfrm>
+            <a:prstGeom prst="rect">
+              <a:avLst/>
+            </a:prstGeom>
+          </p:spPr>
+          <p:txBody>
+            <a:bodyPr wrap="square">
+              <a:spAutoFit/>
+            </a:bodyPr>
+            <a:lstStyle/>
+            <a:p>
+              <a:r>
+                <a:rPr lang="zh-CN" altLang="en-US" b="1" dirty="0"/>
+                <a:t>在构造好</a:t>
+              </a:r>
+              <a:r>
+                <a:rPr lang="en-US" altLang="zh-CN" b="1" dirty="0"/>
+                <a:t>LALRDFA</a:t>
+              </a:r>
+              <a:r>
+                <a:rPr lang="zh-CN" altLang="en-US" b="1" dirty="0"/>
+                <a:t>后，</a:t>
+              </a:r>
+              <a:r>
+                <a:rPr lang="en-US" altLang="zh-CN" b="1" dirty="0"/>
+                <a:t>LALR</a:t>
+              </a:r>
+              <a:r>
+                <a:rPr lang="zh-CN" altLang="en-US" b="1" dirty="0"/>
+                <a:t>分析表的构造与</a:t>
+              </a:r>
+              <a:r>
+                <a:rPr lang="en-US" altLang="zh-CN" b="1" dirty="0"/>
+                <a:t>LR1</a:t>
+              </a:r>
+              <a:r>
+                <a:rPr lang="zh-CN" altLang="en-US" b="1" dirty="0"/>
+                <a:t>的完全相同，可以复用程序。</a:t>
+              </a:r>
+              <a:endParaRPr lang="en-US" altLang="zh-CN" b="1" dirty="0"/>
+            </a:p>
+          </p:txBody>
+        </p:sp>
+      </p:grpSp>
     </p:spTree>
     <p:extLst>
       <p:ext uri="{BB962C8B-B14F-4D97-AF65-F5344CB8AC3E}">
-        <p14:creationId xmlns:p14="http://schemas.microsoft.com/office/powerpoint/2010/main" val="3571861970"/>
+        <p14:creationId xmlns:p14="http://schemas.microsoft.com/office/powerpoint/2010/main" val="3969933835"/>
+      </p:ext>
+    </p:extLst>
+  </p:cSld>
+  <p:clrMapOvr>
+    <a:masterClrMapping/>
+  </p:clrMapOvr>
+</p:sld>
+</file>
+
+<file path=ppt/slides/slide19.xml><?xml version="1.0" encoding="utf-8"?>
+<p:sld xmlns:a="http://schemas.openxmlformats.org/drawingml/2006/main" xmlns:r="http://schemas.openxmlformats.org/officeDocument/2006/relationships" xmlns:p="http://schemas.openxmlformats.org/presentationml/2006/main">
+  <p:cSld>
+    <p:spTree>
+      <p:nvGrpSpPr>
+        <p:cNvPr id="1" name=""/>
+        <p:cNvGrpSpPr/>
+        <p:nvPr/>
+      </p:nvGrpSpPr>
+      <p:grpSpPr>
+        <a:xfrm>
+          <a:off x="0" y="0"/>
+          <a:ext cx="0" cy="0"/>
+          <a:chOff x="0" y="0"/>
+          <a:chExt cx="0" cy="0"/>
+        </a:xfrm>
+      </p:grpSpPr>
+      <p:sp>
+        <p:nvSpPr>
+          <p:cNvPr id="3" name="文本框 2">
+            <a:extLst>
+              <a:ext uri="{FF2B5EF4-FFF2-40B4-BE49-F238E27FC236}">
+                <a16:creationId xmlns:a16="http://schemas.microsoft.com/office/drawing/2014/main" id="{CEF2F3F9-61A2-4244-8A77-88C5A961B0FE}"/>
+              </a:ext>
+            </a:extLst>
+          </p:cNvPr>
+          <p:cNvSpPr txBox="1"/>
+          <p:nvPr/>
+        </p:nvSpPr>
+        <p:spPr>
+          <a:xfrm>
+            <a:off x="96176" y="124288"/>
+            <a:ext cx="6402278" cy="523220"/>
+          </a:xfrm>
+          <a:prstGeom prst="rect">
+            <a:avLst/>
+          </a:prstGeom>
+          <a:noFill/>
+        </p:spPr>
+        <p:txBody>
+          <a:bodyPr wrap="square" rtlCol="0">
+            <a:spAutoFit/>
+          </a:bodyPr>
+          <a:lstStyle/>
+          <a:p>
+            <a:pPr algn="ctr"/>
+            <a:r>
+              <a:rPr lang="en-US" altLang="zh-CN" sz="2800" b="1" dirty="0"/>
+              <a:t>PART2 – </a:t>
+            </a:r>
+            <a:r>
+              <a:rPr lang="zh-CN" altLang="en-US" sz="2800" b="1" dirty="0"/>
+              <a:t>词法分析器的生成器</a:t>
+            </a:r>
+            <a:r>
+              <a:rPr lang="en-US" altLang="zh-CN" sz="2800" b="1" dirty="0" err="1"/>
+              <a:t>SeuYacc</a:t>
+            </a:r>
+            <a:endParaRPr lang="zh-CN" altLang="en-US" sz="2800" b="1" dirty="0"/>
+          </a:p>
+        </p:txBody>
+      </p:sp>
+      <p:sp>
+        <p:nvSpPr>
+          <p:cNvPr id="6" name="文本框 5">
+            <a:extLst>
+              <a:ext uri="{FF2B5EF4-FFF2-40B4-BE49-F238E27FC236}">
+                <a16:creationId xmlns:a16="http://schemas.microsoft.com/office/drawing/2014/main" id="{60D96587-D981-4B9F-BE6B-4D0A44A9CBBE}"/>
+              </a:ext>
+            </a:extLst>
+          </p:cNvPr>
+          <p:cNvSpPr txBox="1"/>
+          <p:nvPr/>
+        </p:nvSpPr>
+        <p:spPr>
+          <a:xfrm>
+            <a:off x="119064" y="617336"/>
+            <a:ext cx="5433135" cy="400110"/>
+          </a:xfrm>
+          <a:prstGeom prst="rect">
+            <a:avLst/>
+          </a:prstGeom>
+          <a:noFill/>
+        </p:spPr>
+        <p:txBody>
+          <a:bodyPr wrap="square" rtlCol="0">
+            <a:spAutoFit/>
+          </a:bodyPr>
+          <a:lstStyle/>
+          <a:p>
+            <a:r>
+              <a:rPr lang="zh-CN" altLang="en-US" sz="2000" b="1" u="sng" dirty="0"/>
+              <a:t>代码生成相关</a:t>
+            </a:r>
+            <a:r>
+              <a:rPr lang="zh-CN" altLang="en-US" sz="2000" b="1" dirty="0"/>
+              <a:t> </a:t>
+            </a:r>
+            <a:r>
+              <a:rPr lang="en-US" altLang="zh-CN" sz="2000" b="1" dirty="0" err="1"/>
+              <a:t>CodeGenerator</a:t>
+            </a:r>
+            <a:r>
+              <a:rPr lang="en-US" altLang="zh-CN" b="1" dirty="0" err="1"/>
+              <a:t>.ts</a:t>
+            </a:r>
+            <a:endParaRPr lang="zh-CN" altLang="en-US" b="1" dirty="0"/>
+          </a:p>
+        </p:txBody>
+      </p:sp>
+      <p:sp>
+        <p:nvSpPr>
+          <p:cNvPr id="7" name="文本框 6">
+            <a:extLst>
+              <a:ext uri="{FF2B5EF4-FFF2-40B4-BE49-F238E27FC236}">
+                <a16:creationId xmlns:a16="http://schemas.microsoft.com/office/drawing/2014/main" id="{CCF0200D-0513-41D6-B530-176DAD04A33F}"/>
+              </a:ext>
+            </a:extLst>
+          </p:cNvPr>
+          <p:cNvSpPr txBox="1"/>
+          <p:nvPr/>
+        </p:nvSpPr>
+        <p:spPr>
+          <a:xfrm>
+            <a:off x="194702" y="1085794"/>
+            <a:ext cx="9982985" cy="1296637"/>
+          </a:xfrm>
+          <a:prstGeom prst="rect">
+            <a:avLst/>
+          </a:prstGeom>
+          <a:noFill/>
+        </p:spPr>
+        <p:txBody>
+          <a:bodyPr wrap="square" rtlCol="0">
+            <a:spAutoFit/>
+          </a:bodyPr>
+          <a:lstStyle/>
+          <a:p>
+            <a:pPr>
+              <a:lnSpc>
+                <a:spcPct val="150000"/>
+              </a:lnSpc>
+            </a:pPr>
+            <a:r>
+              <a:rPr lang="zh-CN" altLang="en-US" dirty="0"/>
+              <a:t>为了与</a:t>
+            </a:r>
+            <a:r>
+              <a:rPr lang="en-US" altLang="zh-CN" dirty="0"/>
+              <a:t>Lex</a:t>
+            </a:r>
+            <a:r>
+              <a:rPr lang="zh-CN" altLang="en-US" dirty="0"/>
+              <a:t>联合使用，代码生成包括两部分：</a:t>
+            </a:r>
+            <a:endParaRPr lang="en-US" altLang="zh-CN" dirty="0"/>
+          </a:p>
+          <a:p>
+            <a:pPr marL="285750" indent="-285750">
+              <a:lnSpc>
+                <a:spcPct val="150000"/>
+              </a:lnSpc>
+              <a:buFontTx/>
+              <a:buChar char="-"/>
+            </a:pPr>
+            <a:r>
+              <a:rPr lang="en-US" altLang="zh-CN" dirty="0" err="1"/>
+              <a:t>yy.tab.h</a:t>
+            </a:r>
+            <a:r>
+              <a:rPr lang="zh-CN" altLang="en-US" dirty="0"/>
+              <a:t>的生成，内含</a:t>
+            </a:r>
+            <a:r>
+              <a:rPr lang="en-US" altLang="zh-CN" dirty="0"/>
+              <a:t>Token</a:t>
+            </a:r>
+            <a:r>
+              <a:rPr lang="zh-CN" altLang="en-US" dirty="0"/>
+              <a:t>的编号信息，给</a:t>
+            </a:r>
+            <a:r>
+              <a:rPr lang="en-US" altLang="zh-CN" dirty="0"/>
+              <a:t>Lex</a:t>
+            </a:r>
+            <a:r>
+              <a:rPr lang="zh-CN" altLang="en-US" dirty="0"/>
+              <a:t>引入，从而返回正确的</a:t>
+            </a:r>
+            <a:r>
+              <a:rPr lang="en-US" altLang="zh-CN" dirty="0"/>
+              <a:t>Token</a:t>
+            </a:r>
+            <a:r>
+              <a:rPr lang="zh-CN" altLang="en-US" dirty="0"/>
+              <a:t>编号</a:t>
+            </a:r>
+            <a:endParaRPr lang="en-US" altLang="zh-CN" dirty="0"/>
+          </a:p>
+          <a:p>
+            <a:pPr marL="285750" indent="-285750">
+              <a:lnSpc>
+                <a:spcPct val="150000"/>
+              </a:lnSpc>
+              <a:buFontTx/>
+              <a:buChar char="-"/>
+            </a:pPr>
+            <a:r>
+              <a:rPr lang="zh-CN" altLang="en-US" dirty="0"/>
+              <a:t>语法分析器代码自身</a:t>
+            </a:r>
+            <a:r>
+              <a:rPr lang="en-US" altLang="zh-CN" dirty="0" err="1"/>
+              <a:t>yy.seuyacc.c</a:t>
+            </a:r>
+            <a:endParaRPr lang="zh-CN" altLang="en-US" dirty="0"/>
+          </a:p>
+        </p:txBody>
+      </p:sp>
+      <p:sp>
+        <p:nvSpPr>
+          <p:cNvPr id="8" name="矩形 7">
+            <a:extLst>
+              <a:ext uri="{FF2B5EF4-FFF2-40B4-BE49-F238E27FC236}">
+                <a16:creationId xmlns:a16="http://schemas.microsoft.com/office/drawing/2014/main" id="{F7CFFC15-D9DD-4EBB-AC4F-A5C6BFF77D47}"/>
+              </a:ext>
+            </a:extLst>
+          </p:cNvPr>
+          <p:cNvSpPr/>
+          <p:nvPr/>
+        </p:nvSpPr>
+        <p:spPr>
+          <a:xfrm>
+            <a:off x="8657139" y="1299878"/>
+            <a:ext cx="3138935" cy="1200329"/>
+          </a:xfrm>
+          <a:prstGeom prst="rect">
+            <a:avLst/>
+          </a:prstGeom>
+        </p:spPr>
+        <p:txBody>
+          <a:bodyPr wrap="square">
+            <a:spAutoFit/>
+          </a:bodyPr>
+          <a:lstStyle/>
+          <a:p>
+            <a:r>
+              <a:rPr lang="en-US" altLang="zh-CN" dirty="0">
+                <a:latin typeface="Iosevka SS01" panose="02000509000000000000" pitchFamily="49" charset="0"/>
+              </a:rPr>
+              <a:t>  extern FILE *</a:t>
+            </a:r>
+            <a:r>
+              <a:rPr lang="en-US" altLang="zh-CN" dirty="0" err="1">
+                <a:latin typeface="Iosevka SS01" panose="02000509000000000000" pitchFamily="49" charset="0"/>
+              </a:rPr>
+              <a:t>yyin</a:t>
+            </a:r>
+            <a:r>
+              <a:rPr lang="en-US" altLang="zh-CN" dirty="0">
+                <a:latin typeface="Iosevka SS01" panose="02000509000000000000" pitchFamily="49" charset="0"/>
+              </a:rPr>
+              <a:t>;</a:t>
+            </a:r>
+          </a:p>
+          <a:p>
+            <a:r>
+              <a:rPr lang="en-US" altLang="zh-CN" dirty="0">
+                <a:latin typeface="Iosevka SS01" panose="02000509000000000000" pitchFamily="49" charset="0"/>
+              </a:rPr>
+              <a:t>  extern char </a:t>
+            </a:r>
+            <a:r>
+              <a:rPr lang="en-US" altLang="zh-CN" dirty="0" err="1">
+                <a:latin typeface="Iosevka SS01" panose="02000509000000000000" pitchFamily="49" charset="0"/>
+              </a:rPr>
+              <a:t>yytext</a:t>
+            </a:r>
+            <a:r>
+              <a:rPr lang="en-US" altLang="zh-CN" dirty="0">
+                <a:latin typeface="Iosevka SS01" panose="02000509000000000000" pitchFamily="49" charset="0"/>
+              </a:rPr>
+              <a:t>[];</a:t>
+            </a:r>
+          </a:p>
+          <a:p>
+            <a:r>
+              <a:rPr lang="en-US" altLang="zh-CN" dirty="0">
+                <a:latin typeface="Iosevka SS01" panose="02000509000000000000" pitchFamily="49" charset="0"/>
+              </a:rPr>
+              <a:t>  extern int </a:t>
+            </a:r>
+            <a:r>
+              <a:rPr lang="en-US" altLang="zh-CN" dirty="0" err="1">
+                <a:latin typeface="Iosevka SS01" panose="02000509000000000000" pitchFamily="49" charset="0"/>
+              </a:rPr>
+              <a:t>yylex</a:t>
+            </a:r>
+            <a:r>
+              <a:rPr lang="en-US" altLang="zh-CN" dirty="0">
+                <a:latin typeface="Iosevka SS01" panose="02000509000000000000" pitchFamily="49" charset="0"/>
+              </a:rPr>
+              <a:t>();</a:t>
+            </a:r>
+          </a:p>
+          <a:p>
+            <a:r>
+              <a:rPr lang="en-US" altLang="zh-CN" dirty="0">
+                <a:latin typeface="Iosevka SS01" panose="02000509000000000000" pitchFamily="49" charset="0"/>
+              </a:rPr>
+              <a:t>  extern FILE *</a:t>
+            </a:r>
+            <a:r>
+              <a:rPr lang="en-US" altLang="zh-CN" dirty="0" err="1">
+                <a:latin typeface="Iosevka SS01" panose="02000509000000000000" pitchFamily="49" charset="0"/>
+              </a:rPr>
+              <a:t>yyout</a:t>
+            </a:r>
+            <a:r>
+              <a:rPr lang="en-US" altLang="zh-CN" dirty="0">
+                <a:latin typeface="Iosevka SS01" panose="02000509000000000000" pitchFamily="49" charset="0"/>
+              </a:rPr>
+              <a:t>;</a:t>
+            </a:r>
+            <a:endParaRPr lang="en-US" altLang="zh-CN" b="0" dirty="0">
+              <a:effectLst/>
+              <a:latin typeface="Iosevka SS01" panose="02000509000000000000" pitchFamily="49" charset="0"/>
+            </a:endParaRPr>
+          </a:p>
+        </p:txBody>
+      </p:sp>
+      <p:sp>
+        <p:nvSpPr>
+          <p:cNvPr id="9" name="矩形 8">
+            <a:extLst>
+              <a:ext uri="{FF2B5EF4-FFF2-40B4-BE49-F238E27FC236}">
+                <a16:creationId xmlns:a16="http://schemas.microsoft.com/office/drawing/2014/main" id="{1EA6DC63-9340-45BD-B4DB-353F6C71594D}"/>
+              </a:ext>
+            </a:extLst>
+          </p:cNvPr>
+          <p:cNvSpPr/>
+          <p:nvPr/>
+        </p:nvSpPr>
+        <p:spPr>
+          <a:xfrm>
+            <a:off x="194702" y="3191413"/>
+            <a:ext cx="4681275" cy="3090048"/>
+          </a:xfrm>
+          <a:prstGeom prst="rect">
+            <a:avLst/>
+          </a:prstGeom>
+          <a:solidFill>
+            <a:schemeClr val="accent5">
+              <a:lumMod val="20000"/>
+              <a:lumOff val="80000"/>
+            </a:schemeClr>
+          </a:solidFill>
+        </p:spPr>
+        <p:style>
+          <a:lnRef idx="2">
+            <a:schemeClr val="accent3">
+              <a:shade val="50000"/>
+            </a:schemeClr>
+          </a:lnRef>
+          <a:fillRef idx="1">
+            <a:schemeClr val="accent3"/>
+          </a:fillRef>
+          <a:effectRef idx="0">
+            <a:schemeClr val="accent3"/>
+          </a:effectRef>
+          <a:fontRef idx="minor">
+            <a:schemeClr val="lt1"/>
+          </a:fontRef>
+        </p:style>
+        <p:txBody>
+          <a:bodyPr rtlCol="0" anchor="ctr"/>
+          <a:lstStyle/>
+          <a:p>
+            <a:pPr algn="ctr"/>
+            <a:endParaRPr lang="zh-CN" altLang="en-US"/>
+          </a:p>
+        </p:txBody>
+      </p:sp>
+      <p:sp>
+        <p:nvSpPr>
+          <p:cNvPr id="10" name="矩形 9">
+            <a:extLst>
+              <a:ext uri="{FF2B5EF4-FFF2-40B4-BE49-F238E27FC236}">
+                <a16:creationId xmlns:a16="http://schemas.microsoft.com/office/drawing/2014/main" id="{A7388689-FA52-41EC-AC01-EEC1A088E577}"/>
+              </a:ext>
+            </a:extLst>
+          </p:cNvPr>
+          <p:cNvSpPr/>
+          <p:nvPr/>
+        </p:nvSpPr>
+        <p:spPr>
+          <a:xfrm>
+            <a:off x="270116" y="3244825"/>
+            <a:ext cx="4605861" cy="369332"/>
+          </a:xfrm>
+          <a:prstGeom prst="rect">
+            <a:avLst/>
+          </a:prstGeom>
+        </p:spPr>
+        <p:txBody>
+          <a:bodyPr wrap="square">
+            <a:spAutoFit/>
+          </a:bodyPr>
+          <a:lstStyle/>
+          <a:p>
+            <a:r>
+              <a:rPr lang="zh-CN" altLang="en-US" b="1" dirty="0"/>
+              <a:t>符号表的支持：</a:t>
+            </a:r>
+            <a:endParaRPr lang="en-US" altLang="zh-CN" b="1" dirty="0"/>
+          </a:p>
+        </p:txBody>
+      </p:sp>
+      <p:sp>
+        <p:nvSpPr>
+          <p:cNvPr id="11" name="文本框 10">
+            <a:extLst>
+              <a:ext uri="{FF2B5EF4-FFF2-40B4-BE49-F238E27FC236}">
+                <a16:creationId xmlns:a16="http://schemas.microsoft.com/office/drawing/2014/main" id="{9284437C-7E45-42C2-8172-F57686B50CB8}"/>
+              </a:ext>
+            </a:extLst>
+          </p:cNvPr>
+          <p:cNvSpPr txBox="1"/>
+          <p:nvPr/>
+        </p:nvSpPr>
+        <p:spPr>
+          <a:xfrm>
+            <a:off x="119064" y="2586867"/>
+            <a:ext cx="1721922" cy="400110"/>
+          </a:xfrm>
+          <a:prstGeom prst="rect">
+            <a:avLst/>
+          </a:prstGeom>
+          <a:noFill/>
+        </p:spPr>
+        <p:txBody>
+          <a:bodyPr wrap="square" rtlCol="0">
+            <a:spAutoFit/>
+          </a:bodyPr>
+          <a:lstStyle/>
+          <a:p>
+            <a:r>
+              <a:rPr lang="zh-CN" altLang="en-US" sz="2000" b="1" u="sng" dirty="0"/>
+              <a:t>问题与解决</a:t>
+            </a:r>
+          </a:p>
+        </p:txBody>
+      </p:sp>
+      <p:sp>
+        <p:nvSpPr>
+          <p:cNvPr id="12" name="矩形 11">
+            <a:extLst>
+              <a:ext uri="{FF2B5EF4-FFF2-40B4-BE49-F238E27FC236}">
+                <a16:creationId xmlns:a16="http://schemas.microsoft.com/office/drawing/2014/main" id="{8044D5F4-8615-4833-9DA9-1B9B8F002875}"/>
+              </a:ext>
+            </a:extLst>
+          </p:cNvPr>
+          <p:cNvSpPr/>
+          <p:nvPr/>
+        </p:nvSpPr>
+        <p:spPr>
+          <a:xfrm>
+            <a:off x="270116" y="3542250"/>
+            <a:ext cx="4605861" cy="2739211"/>
+          </a:xfrm>
+          <a:prstGeom prst="rect">
+            <a:avLst/>
+          </a:prstGeom>
+        </p:spPr>
+        <p:txBody>
+          <a:bodyPr wrap="square">
+            <a:spAutoFit/>
+          </a:bodyPr>
+          <a:lstStyle/>
+          <a:p>
+            <a:r>
+              <a:rPr lang="en-US" altLang="zh-CN" sz="1600" dirty="0">
+                <a:latin typeface="Iosevka SS01" panose="02000509000000000000" pitchFamily="49" charset="0"/>
+              </a:rPr>
+              <a:t>struct </a:t>
+            </a:r>
+            <a:r>
+              <a:rPr lang="en-US" altLang="zh-CN" sz="1600" dirty="0" err="1">
+                <a:latin typeface="Iosevka SS01" panose="02000509000000000000" pitchFamily="49" charset="0"/>
+              </a:rPr>
+              <a:t>SymbolChart</a:t>
+            </a:r>
+            <a:r>
+              <a:rPr lang="en-US" altLang="zh-CN" sz="1600" dirty="0">
+                <a:latin typeface="Iosevka SS01" panose="02000509000000000000" pitchFamily="49" charset="0"/>
+              </a:rPr>
+              <a:t> {</a:t>
+            </a:r>
+          </a:p>
+          <a:p>
+            <a:r>
+              <a:rPr lang="en-US" altLang="zh-CN" sz="1600" dirty="0">
+                <a:latin typeface="Iosevka SS01" panose="02000509000000000000" pitchFamily="49" charset="0"/>
+              </a:rPr>
+              <a:t>    int </a:t>
+            </a:r>
+            <a:r>
+              <a:rPr lang="en-US" altLang="zh-CN" sz="1600" dirty="0" err="1">
+                <a:latin typeface="Iosevka SS01" panose="02000509000000000000" pitchFamily="49" charset="0"/>
+              </a:rPr>
+              <a:t>symbolNum</a:t>
+            </a:r>
+            <a:r>
+              <a:rPr lang="en-US" altLang="zh-CN" sz="1600" dirty="0">
+                <a:latin typeface="Iosevka SS01" panose="02000509000000000000" pitchFamily="49" charset="0"/>
+              </a:rPr>
+              <a:t>;</a:t>
+            </a:r>
+          </a:p>
+          <a:p>
+            <a:r>
+              <a:rPr lang="en-US" altLang="zh-CN" sz="1600" dirty="0">
+                <a:latin typeface="Iosevka SS01" panose="02000509000000000000" pitchFamily="49" charset="0"/>
+              </a:rPr>
+              <a:t>    char *name[SYMBOL_CHART_LIMIT];</a:t>
+            </a:r>
+          </a:p>
+          <a:p>
+            <a:r>
+              <a:rPr lang="en-US" altLang="zh-CN" sz="1600" dirty="0">
+                <a:latin typeface="Iosevka SS01" panose="02000509000000000000" pitchFamily="49" charset="0"/>
+              </a:rPr>
+              <a:t>    char *value[SYMBOL_CHART_LIMIT];</a:t>
+            </a:r>
+          </a:p>
+          <a:p>
+            <a:r>
+              <a:rPr lang="en-US" altLang="zh-CN" sz="1600" dirty="0">
+                <a:latin typeface="Iosevka SS01" panose="02000509000000000000" pitchFamily="49" charset="0"/>
+              </a:rPr>
+              <a:t>}</a:t>
+            </a:r>
+            <a:r>
+              <a:rPr lang="en-US" altLang="zh-CN" sz="1600" dirty="0" err="1">
+                <a:latin typeface="Iosevka SS01" panose="02000509000000000000" pitchFamily="49" charset="0"/>
+              </a:rPr>
+              <a:t>symbolChart</a:t>
+            </a:r>
+            <a:endParaRPr lang="en-US" altLang="zh-CN" sz="1600" dirty="0">
+              <a:latin typeface="Iosevka SS01" panose="02000509000000000000" pitchFamily="49" charset="0"/>
+            </a:endParaRPr>
+          </a:p>
+          <a:p>
+            <a:r>
+              <a:rPr lang="zh-CN" altLang="en-US" dirty="0">
+                <a:latin typeface="Iosevka SS01" panose="02000509000000000000" pitchFamily="49" charset="0"/>
+              </a:rPr>
+              <a:t>暴露给用户两个函数：新建项目和获取项目</a:t>
+            </a:r>
+            <a:endParaRPr lang="en-US" altLang="zh-CN" dirty="0">
+              <a:latin typeface="Iosevka SS01" panose="02000509000000000000" pitchFamily="49" charset="0"/>
+            </a:endParaRPr>
+          </a:p>
+          <a:p>
+            <a:r>
+              <a:rPr lang="en-US" altLang="zh-CN" dirty="0">
+                <a:solidFill>
+                  <a:srgbClr val="FF0000"/>
+                </a:solidFill>
+              </a:rPr>
+              <a:t>char *variable(char *name)</a:t>
+            </a:r>
+            <a:endParaRPr lang="en-US" altLang="zh-CN" dirty="0">
+              <a:solidFill>
+                <a:srgbClr val="FF0000"/>
+              </a:solidFill>
+              <a:latin typeface="Iosevka SS01" panose="02000509000000000000" pitchFamily="49" charset="0"/>
+            </a:endParaRPr>
+          </a:p>
+          <a:p>
+            <a:r>
+              <a:rPr lang="en-US" altLang="zh-CN" dirty="0">
+                <a:solidFill>
+                  <a:srgbClr val="FF0000"/>
+                </a:solidFill>
+              </a:rPr>
+              <a:t>void </a:t>
+            </a:r>
+            <a:r>
+              <a:rPr lang="en-US" altLang="zh-CN" dirty="0" err="1">
+                <a:solidFill>
+                  <a:srgbClr val="FF0000"/>
+                </a:solidFill>
+              </a:rPr>
+              <a:t>createVariable</a:t>
+            </a:r>
+            <a:r>
+              <a:rPr lang="en-US" altLang="zh-CN" dirty="0">
+                <a:solidFill>
+                  <a:srgbClr val="FF0000"/>
+                </a:solidFill>
+              </a:rPr>
+              <a:t>(char *name, char *value)</a:t>
+            </a:r>
+          </a:p>
+          <a:p>
+            <a:r>
+              <a:rPr lang="zh-CN" altLang="en-US" dirty="0"/>
+              <a:t>记录各变量的值，可以为后续中间代码生成打下基础</a:t>
+            </a:r>
+            <a:endParaRPr lang="en-US" altLang="zh-CN" dirty="0"/>
+          </a:p>
+        </p:txBody>
+      </p:sp>
+      <p:sp>
+        <p:nvSpPr>
+          <p:cNvPr id="13" name="矩形 12">
+            <a:extLst>
+              <a:ext uri="{FF2B5EF4-FFF2-40B4-BE49-F238E27FC236}">
+                <a16:creationId xmlns:a16="http://schemas.microsoft.com/office/drawing/2014/main" id="{EA4E0E6E-8BC7-4E1A-A4BE-BF2916D301EE}"/>
+              </a:ext>
+            </a:extLst>
+          </p:cNvPr>
+          <p:cNvSpPr/>
+          <p:nvPr/>
+        </p:nvSpPr>
+        <p:spPr>
+          <a:xfrm>
+            <a:off x="5069016" y="3191413"/>
+            <a:ext cx="3306396" cy="3090048"/>
+          </a:xfrm>
+          <a:prstGeom prst="rect">
+            <a:avLst/>
+          </a:prstGeom>
+          <a:solidFill>
+            <a:schemeClr val="accent5">
+              <a:lumMod val="20000"/>
+              <a:lumOff val="80000"/>
+            </a:schemeClr>
+          </a:solidFill>
+        </p:spPr>
+        <p:style>
+          <a:lnRef idx="2">
+            <a:schemeClr val="accent3">
+              <a:shade val="50000"/>
+            </a:schemeClr>
+          </a:lnRef>
+          <a:fillRef idx="1">
+            <a:schemeClr val="accent3"/>
+          </a:fillRef>
+          <a:effectRef idx="0">
+            <a:schemeClr val="accent3"/>
+          </a:effectRef>
+          <a:fontRef idx="minor">
+            <a:schemeClr val="lt1"/>
+          </a:fontRef>
+        </p:style>
+        <p:txBody>
+          <a:bodyPr rtlCol="0" anchor="ctr"/>
+          <a:lstStyle/>
+          <a:p>
+            <a:pPr algn="ctr"/>
+            <a:endParaRPr lang="zh-CN" altLang="en-US"/>
+          </a:p>
+        </p:txBody>
+      </p:sp>
+      <p:sp>
+        <p:nvSpPr>
+          <p:cNvPr id="14" name="矩形 13">
+            <a:extLst>
+              <a:ext uri="{FF2B5EF4-FFF2-40B4-BE49-F238E27FC236}">
+                <a16:creationId xmlns:a16="http://schemas.microsoft.com/office/drawing/2014/main" id="{0B8E5CB4-5C17-42D4-9B92-55BE6F435BDD}"/>
+              </a:ext>
+            </a:extLst>
+          </p:cNvPr>
+          <p:cNvSpPr/>
+          <p:nvPr/>
+        </p:nvSpPr>
+        <p:spPr>
+          <a:xfrm>
+            <a:off x="5044701" y="3252363"/>
+            <a:ext cx="4605861" cy="369332"/>
+          </a:xfrm>
+          <a:prstGeom prst="rect">
+            <a:avLst/>
+          </a:prstGeom>
+        </p:spPr>
+        <p:txBody>
+          <a:bodyPr wrap="square">
+            <a:spAutoFit/>
+          </a:bodyPr>
+          <a:lstStyle/>
+          <a:p>
+            <a:r>
+              <a:rPr lang="en-US" altLang="zh-CN" b="1" dirty="0"/>
+              <a:t>$</a:t>
+            </a:r>
+            <a:r>
+              <a:rPr lang="en-US" altLang="zh-CN" b="1" dirty="0" err="1"/>
+              <a:t>i</a:t>
+            </a:r>
+            <a:r>
+              <a:rPr lang="zh-CN" altLang="en-US" b="1" dirty="0"/>
+              <a:t>的支持：</a:t>
+            </a:r>
+            <a:endParaRPr lang="en-US" altLang="zh-CN" b="1" dirty="0"/>
+          </a:p>
+        </p:txBody>
+      </p:sp>
+      <p:sp>
+        <p:nvSpPr>
+          <p:cNvPr id="15" name="文本框 14">
+            <a:extLst>
+              <a:ext uri="{FF2B5EF4-FFF2-40B4-BE49-F238E27FC236}">
+                <a16:creationId xmlns:a16="http://schemas.microsoft.com/office/drawing/2014/main" id="{BE7E5643-2C84-49E1-AD96-6F1AC79C61F0}"/>
+              </a:ext>
+            </a:extLst>
+          </p:cNvPr>
+          <p:cNvSpPr txBox="1"/>
+          <p:nvPr/>
+        </p:nvSpPr>
+        <p:spPr>
+          <a:xfrm>
+            <a:off x="5101356" y="3682645"/>
+            <a:ext cx="3306396" cy="923330"/>
+          </a:xfrm>
+          <a:prstGeom prst="rect">
+            <a:avLst/>
+          </a:prstGeom>
+          <a:noFill/>
+        </p:spPr>
+        <p:txBody>
+          <a:bodyPr wrap="square" rtlCol="0">
+            <a:spAutoFit/>
+          </a:bodyPr>
+          <a:lstStyle/>
+          <a:p>
+            <a:r>
+              <a:rPr lang="zh-CN" altLang="en-US" dirty="0"/>
+              <a:t>当发现需要</a:t>
+            </a:r>
+            <a:r>
+              <a:rPr lang="en-US" altLang="zh-CN" dirty="0"/>
+              <a:t>$</a:t>
+            </a:r>
+            <a:r>
+              <a:rPr lang="en-US" altLang="zh-CN" dirty="0" err="1"/>
+              <a:t>i</a:t>
+            </a:r>
+            <a:r>
+              <a:rPr lang="zh-CN" altLang="en-US" dirty="0"/>
+              <a:t>时，就从符号栈内弹出一定量符号，进行操作后放回（赋值给</a:t>
+            </a:r>
+            <a:r>
+              <a:rPr lang="en-US" altLang="zh-CN" dirty="0"/>
+              <a:t>$$</a:t>
+            </a:r>
+            <a:r>
+              <a:rPr lang="zh-CN" altLang="en-US" dirty="0"/>
+              <a:t>）</a:t>
+            </a:r>
+          </a:p>
+        </p:txBody>
+      </p:sp>
+      <p:sp>
+        <p:nvSpPr>
+          <p:cNvPr id="16" name="矩形 15">
+            <a:extLst>
+              <a:ext uri="{FF2B5EF4-FFF2-40B4-BE49-F238E27FC236}">
+                <a16:creationId xmlns:a16="http://schemas.microsoft.com/office/drawing/2014/main" id="{DF730E96-F291-4956-A9B9-43EF9519CB5B}"/>
+              </a:ext>
+            </a:extLst>
+          </p:cNvPr>
+          <p:cNvSpPr/>
+          <p:nvPr/>
+        </p:nvSpPr>
+        <p:spPr>
+          <a:xfrm>
+            <a:off x="5101355" y="4912934"/>
+            <a:ext cx="3688215" cy="1200329"/>
+          </a:xfrm>
+          <a:prstGeom prst="rect">
+            <a:avLst/>
+          </a:prstGeom>
+        </p:spPr>
+        <p:txBody>
+          <a:bodyPr wrap="square">
+            <a:spAutoFit/>
+          </a:bodyPr>
+          <a:lstStyle/>
+          <a:p>
+            <a:r>
+              <a:rPr lang="pt-BR" altLang="zh-CN" dirty="0"/>
+              <a:t>expr PLUS expr  </a:t>
+            </a:r>
+          </a:p>
+          <a:p>
+            <a:r>
+              <a:rPr lang="pt-BR" altLang="zh-CN" dirty="0"/>
+              <a:t>{ out("%s\n", "r(expr+expr)");</a:t>
+            </a:r>
+          </a:p>
+          <a:p>
+            <a:r>
+              <a:rPr lang="pt-BR" altLang="zh-CN" dirty="0"/>
+              <a:t>itoa(atoi($1) + atoi($3), $$, 10);</a:t>
+            </a:r>
+          </a:p>
+          <a:p>
+            <a:r>
+              <a:rPr lang="pt-BR" altLang="zh-CN" dirty="0"/>
+              <a:t>printf("%s,%s,%s\n", $$, $1, $3); }</a:t>
+            </a:r>
+          </a:p>
+        </p:txBody>
+      </p:sp>
+      <p:grpSp>
+        <p:nvGrpSpPr>
+          <p:cNvPr id="24" name="组合 23">
+            <a:extLst>
+              <a:ext uri="{FF2B5EF4-FFF2-40B4-BE49-F238E27FC236}">
+                <a16:creationId xmlns:a16="http://schemas.microsoft.com/office/drawing/2014/main" id="{D41A08FF-6C6B-4569-BE63-7A4428F1F6B4}"/>
+              </a:ext>
+            </a:extLst>
+          </p:cNvPr>
+          <p:cNvGrpSpPr/>
+          <p:nvPr/>
+        </p:nvGrpSpPr>
+        <p:grpSpPr>
+          <a:xfrm>
+            <a:off x="8568451" y="3132847"/>
+            <a:ext cx="4671721" cy="3558016"/>
+            <a:chOff x="6964259" y="2375440"/>
+            <a:chExt cx="4671721" cy="3558016"/>
+          </a:xfrm>
+        </p:grpSpPr>
+        <p:sp>
+          <p:nvSpPr>
+            <p:cNvPr id="18" name="矩形 17">
+              <a:extLst>
+                <a:ext uri="{FF2B5EF4-FFF2-40B4-BE49-F238E27FC236}">
+                  <a16:creationId xmlns:a16="http://schemas.microsoft.com/office/drawing/2014/main" id="{B0240279-0A2D-4541-8C5B-64465B214A8D}"/>
+                </a:ext>
+              </a:extLst>
+            </p:cNvPr>
+            <p:cNvSpPr/>
+            <p:nvPr/>
+          </p:nvSpPr>
+          <p:spPr>
+            <a:xfrm>
+              <a:off x="6964259" y="2375440"/>
+              <a:ext cx="3374944" cy="3558016"/>
+            </a:xfrm>
+            <a:prstGeom prst="rect">
+              <a:avLst/>
+            </a:prstGeom>
+            <a:solidFill>
+              <a:schemeClr val="accent5">
+                <a:lumMod val="20000"/>
+                <a:lumOff val="80000"/>
+              </a:schemeClr>
+            </a:solidFill>
+          </p:spPr>
+          <p:style>
+            <a:lnRef idx="2">
+              <a:schemeClr val="accent3">
+                <a:shade val="50000"/>
+              </a:schemeClr>
+            </a:lnRef>
+            <a:fillRef idx="1">
+              <a:schemeClr val="accent3"/>
+            </a:fillRef>
+            <a:effectRef idx="0">
+              <a:schemeClr val="accent3"/>
+            </a:effectRef>
+            <a:fontRef idx="minor">
+              <a:schemeClr val="lt1"/>
+            </a:fontRef>
+          </p:style>
+          <p:txBody>
+            <a:bodyPr rtlCol="0" anchor="ctr"/>
+            <a:lstStyle/>
+            <a:p>
+              <a:pPr algn="ctr"/>
+              <a:endParaRPr lang="zh-CN" altLang="en-US"/>
+            </a:p>
+          </p:txBody>
+        </p:sp>
+        <p:sp>
+          <p:nvSpPr>
+            <p:cNvPr id="19" name="矩形 18">
+              <a:extLst>
+                <a:ext uri="{FF2B5EF4-FFF2-40B4-BE49-F238E27FC236}">
+                  <a16:creationId xmlns:a16="http://schemas.microsoft.com/office/drawing/2014/main" id="{25DB4A81-D1B9-4469-BAD9-E94087586C63}"/>
+                </a:ext>
+              </a:extLst>
+            </p:cNvPr>
+            <p:cNvSpPr/>
+            <p:nvPr/>
+          </p:nvSpPr>
+          <p:spPr>
+            <a:xfrm>
+              <a:off x="7030119" y="2451600"/>
+              <a:ext cx="4605861" cy="369332"/>
+            </a:xfrm>
+            <a:prstGeom prst="rect">
+              <a:avLst/>
+            </a:prstGeom>
+          </p:spPr>
+          <p:txBody>
+            <a:bodyPr wrap="square">
+              <a:spAutoFit/>
+            </a:bodyPr>
+            <a:lstStyle/>
+            <a:p>
+              <a:r>
+                <a:rPr lang="zh-CN" altLang="en-US" b="1" dirty="0"/>
+                <a:t>语法树的打印：</a:t>
+              </a:r>
+              <a:endParaRPr lang="en-US" altLang="zh-CN" b="1" dirty="0"/>
+            </a:p>
+          </p:txBody>
+        </p:sp>
+        <p:sp>
+          <p:nvSpPr>
+            <p:cNvPr id="20" name="文本框 19">
+              <a:extLst>
+                <a:ext uri="{FF2B5EF4-FFF2-40B4-BE49-F238E27FC236}">
+                  <a16:creationId xmlns:a16="http://schemas.microsoft.com/office/drawing/2014/main" id="{C550ECF4-C3E1-49EC-967C-2CDF4FD0D0B4}"/>
+                </a:ext>
+              </a:extLst>
+            </p:cNvPr>
+            <p:cNvSpPr txBox="1"/>
+            <p:nvPr/>
+          </p:nvSpPr>
+          <p:spPr>
+            <a:xfrm>
+              <a:off x="6996599" y="2841558"/>
+              <a:ext cx="3158048" cy="646331"/>
+            </a:xfrm>
+            <a:prstGeom prst="rect">
+              <a:avLst/>
+            </a:prstGeom>
+            <a:noFill/>
+          </p:spPr>
+          <p:txBody>
+            <a:bodyPr wrap="square" rtlCol="0">
+              <a:spAutoFit/>
+            </a:bodyPr>
+            <a:lstStyle/>
+            <a:p>
+              <a:r>
+                <a:rPr lang="zh-CN" altLang="en-US" dirty="0"/>
+                <a:t>通过在推导过程中边走边存，即可记录语法树结构</a:t>
+              </a:r>
+            </a:p>
+          </p:txBody>
+        </p:sp>
+        <p:pic>
+          <p:nvPicPr>
+            <p:cNvPr id="23" name="图片 22">
+              <a:extLst>
+                <a:ext uri="{FF2B5EF4-FFF2-40B4-BE49-F238E27FC236}">
+                  <a16:creationId xmlns:a16="http://schemas.microsoft.com/office/drawing/2014/main" id="{BF0A3F68-CFF6-4C00-BEE0-3422807F710E}"/>
+                </a:ext>
+              </a:extLst>
+            </p:cNvPr>
+            <p:cNvPicPr>
+              <a:picLocks noChangeAspect="1"/>
+            </p:cNvPicPr>
+            <p:nvPr/>
+          </p:nvPicPr>
+          <p:blipFill>
+            <a:blip r:embed="rId2">
+              <a:extLst>
+                <a:ext uri="{28A0092B-C50C-407E-A947-70E740481C1C}">
+                  <a14:useLocalDpi xmlns:a14="http://schemas.microsoft.com/office/drawing/2010/main" val="0"/>
+                </a:ext>
+              </a:extLst>
+            </a:blip>
+            <a:stretch>
+              <a:fillRect/>
+            </a:stretch>
+          </p:blipFill>
+          <p:spPr>
+            <a:xfrm>
+              <a:off x="7643525" y="3650022"/>
+              <a:ext cx="2140266" cy="2140266"/>
+            </a:xfrm>
+            <a:prstGeom prst="rect">
+              <a:avLst/>
+            </a:prstGeom>
+          </p:spPr>
+        </p:pic>
+      </p:grpSp>
+    </p:spTree>
+    <p:extLst>
+      <p:ext uri="{BB962C8B-B14F-4D97-AF65-F5344CB8AC3E}">
+        <p14:creationId xmlns:p14="http://schemas.microsoft.com/office/powerpoint/2010/main" val="53481442"/>
       </p:ext>
     </p:extLst>
   </p:cSld>
@@ -8174,6 +10800,328 @@
     <p:extLst>
       <p:ext uri="{BB962C8B-B14F-4D97-AF65-F5344CB8AC3E}">
         <p14:creationId xmlns:p14="http://schemas.microsoft.com/office/powerpoint/2010/main" val="2651328713"/>
+      </p:ext>
+    </p:extLst>
+  </p:cSld>
+  <p:clrMapOvr>
+    <a:masterClrMapping/>
+  </p:clrMapOvr>
+</p:sld>
+</file>
+
+<file path=ppt/slides/slide20.xml><?xml version="1.0" encoding="utf-8"?>
+<p:sld xmlns:a="http://schemas.openxmlformats.org/drawingml/2006/main" xmlns:r="http://schemas.openxmlformats.org/officeDocument/2006/relationships" xmlns:p="http://schemas.openxmlformats.org/presentationml/2006/main">
+  <p:cSld>
+    <p:spTree>
+      <p:nvGrpSpPr>
+        <p:cNvPr id="1" name=""/>
+        <p:cNvGrpSpPr/>
+        <p:nvPr/>
+      </p:nvGrpSpPr>
+      <p:grpSpPr>
+        <a:xfrm>
+          <a:off x="0" y="0"/>
+          <a:ext cx="0" cy="0"/>
+          <a:chOff x="0" y="0"/>
+          <a:chExt cx="0" cy="0"/>
+        </a:xfrm>
+      </p:grpSpPr>
+      <p:sp>
+        <p:nvSpPr>
+          <p:cNvPr id="3" name="文本框 2">
+            <a:extLst>
+              <a:ext uri="{FF2B5EF4-FFF2-40B4-BE49-F238E27FC236}">
+                <a16:creationId xmlns:a16="http://schemas.microsoft.com/office/drawing/2014/main" id="{CEF2F3F9-61A2-4244-8A77-88C5A961B0FE}"/>
+              </a:ext>
+            </a:extLst>
+          </p:cNvPr>
+          <p:cNvSpPr txBox="1"/>
+          <p:nvPr/>
+        </p:nvSpPr>
+        <p:spPr>
+          <a:xfrm>
+            <a:off x="96176" y="124288"/>
+            <a:ext cx="6402278" cy="523220"/>
+          </a:xfrm>
+          <a:prstGeom prst="rect">
+            <a:avLst/>
+          </a:prstGeom>
+          <a:noFill/>
+        </p:spPr>
+        <p:txBody>
+          <a:bodyPr wrap="square" rtlCol="0">
+            <a:spAutoFit/>
+          </a:bodyPr>
+          <a:lstStyle/>
+          <a:p>
+            <a:pPr algn="ctr"/>
+            <a:r>
+              <a:rPr lang="en-US" altLang="zh-CN" sz="2800" b="1" dirty="0"/>
+              <a:t>PART2 – </a:t>
+            </a:r>
+            <a:r>
+              <a:rPr lang="zh-CN" altLang="en-US" sz="2800" b="1" dirty="0"/>
+              <a:t>词法分析器的生成器</a:t>
+            </a:r>
+            <a:r>
+              <a:rPr lang="en-US" altLang="zh-CN" sz="2800" b="1" dirty="0" err="1"/>
+              <a:t>SeuYacc</a:t>
+            </a:r>
+            <a:endParaRPr lang="zh-CN" altLang="en-US" sz="2800" b="1" dirty="0"/>
+          </a:p>
+        </p:txBody>
+      </p:sp>
+      <p:sp>
+        <p:nvSpPr>
+          <p:cNvPr id="6" name="文本框 5">
+            <a:extLst>
+              <a:ext uri="{FF2B5EF4-FFF2-40B4-BE49-F238E27FC236}">
+                <a16:creationId xmlns:a16="http://schemas.microsoft.com/office/drawing/2014/main" id="{60D96587-D981-4B9F-BE6B-4D0A44A9CBBE}"/>
+              </a:ext>
+            </a:extLst>
+          </p:cNvPr>
+          <p:cNvSpPr txBox="1"/>
+          <p:nvPr/>
+        </p:nvSpPr>
+        <p:spPr>
+          <a:xfrm>
+            <a:off x="231030" y="770618"/>
+            <a:ext cx="5433135" cy="400110"/>
+          </a:xfrm>
+          <a:prstGeom prst="rect">
+            <a:avLst/>
+          </a:prstGeom>
+          <a:noFill/>
+        </p:spPr>
+        <p:txBody>
+          <a:bodyPr wrap="square" rtlCol="0">
+            <a:spAutoFit/>
+          </a:bodyPr>
+          <a:lstStyle/>
+          <a:p>
+            <a:r>
+              <a:rPr lang="en-US" altLang="zh-CN" sz="2000" b="1" u="sng" dirty="0"/>
+              <a:t>GOTO Graph </a:t>
+            </a:r>
+            <a:r>
+              <a:rPr lang="zh-CN" altLang="en-US" sz="2000" b="1" u="sng" dirty="0"/>
+              <a:t>与 </a:t>
+            </a:r>
+            <a:r>
+              <a:rPr lang="en-US" altLang="zh-CN" sz="2000" b="1" u="sng" dirty="0"/>
+              <a:t>ACTION-GOTO</a:t>
+            </a:r>
+            <a:r>
+              <a:rPr lang="zh-CN" altLang="en-US" sz="2000" b="1" u="sng" dirty="0"/>
+              <a:t> 表可视化</a:t>
+            </a:r>
+            <a:endParaRPr lang="zh-CN" altLang="en-US" b="1" dirty="0"/>
+          </a:p>
+        </p:txBody>
+      </p:sp>
+      <p:sp>
+        <p:nvSpPr>
+          <p:cNvPr id="2" name="矩形 1">
+            <a:extLst>
+              <a:ext uri="{FF2B5EF4-FFF2-40B4-BE49-F238E27FC236}">
+                <a16:creationId xmlns:a16="http://schemas.microsoft.com/office/drawing/2014/main" id="{6C7BEBCF-F7E3-4635-B46B-492C203AF1B0}"/>
+              </a:ext>
+            </a:extLst>
+          </p:cNvPr>
+          <p:cNvSpPr/>
+          <p:nvPr/>
+        </p:nvSpPr>
+        <p:spPr>
+          <a:xfrm>
+            <a:off x="5231363" y="647508"/>
+            <a:ext cx="6096000" cy="646331"/>
+          </a:xfrm>
+          <a:prstGeom prst="rect">
+            <a:avLst/>
+          </a:prstGeom>
+        </p:spPr>
+        <p:txBody>
+          <a:bodyPr>
+            <a:spAutoFit/>
+          </a:bodyPr>
+          <a:lstStyle/>
+          <a:p>
+            <a:r>
+              <a:rPr lang="en-US" altLang="zh-CN" dirty="0" err="1">
+                <a:latin typeface="Iosevka SS01" panose="02000509000000000000" pitchFamily="49" charset="0"/>
+              </a:rPr>
+              <a:t>visualizeGOTOGraph</a:t>
+            </a:r>
+            <a:r>
+              <a:rPr lang="en-US" altLang="zh-CN" dirty="0">
+                <a:latin typeface="Iosevka SS01" panose="02000509000000000000" pitchFamily="49" charset="0"/>
+              </a:rPr>
+              <a:t>(</a:t>
+            </a:r>
+            <a:r>
+              <a:rPr lang="en-US" altLang="zh-CN" dirty="0" err="1">
+                <a:latin typeface="Iosevka SS01" panose="02000509000000000000" pitchFamily="49" charset="0"/>
+              </a:rPr>
+              <a:t>dfa</a:t>
+            </a:r>
+            <a:r>
+              <a:rPr lang="en-US" altLang="zh-CN" dirty="0">
+                <a:latin typeface="Iosevka SS01" panose="02000509000000000000" pitchFamily="49" charset="0"/>
+              </a:rPr>
+              <a:t>, lr1)</a:t>
+            </a:r>
+          </a:p>
+          <a:p>
+            <a:r>
+              <a:rPr lang="en-US" altLang="zh-CN" dirty="0" err="1">
+                <a:latin typeface="Iosevka SS01" panose="02000509000000000000" pitchFamily="49" charset="0"/>
+              </a:rPr>
+              <a:t>visualizeACTIONGOTOTable</a:t>
+            </a:r>
+            <a:r>
+              <a:rPr lang="en-US" altLang="zh-CN" dirty="0">
+                <a:latin typeface="Iosevka SS01" panose="02000509000000000000" pitchFamily="49" charset="0"/>
+              </a:rPr>
+              <a:t>(lr1)</a:t>
+            </a:r>
+            <a:endParaRPr lang="en-US" altLang="zh-CN" b="0" dirty="0">
+              <a:effectLst/>
+              <a:latin typeface="Iosevka SS01" panose="02000509000000000000" pitchFamily="49" charset="0"/>
+            </a:endParaRPr>
+          </a:p>
+        </p:txBody>
+      </p:sp>
+      <p:pic>
+        <p:nvPicPr>
+          <p:cNvPr id="4" name="图片 3">
+            <a:extLst>
+              <a:ext uri="{FF2B5EF4-FFF2-40B4-BE49-F238E27FC236}">
+                <a16:creationId xmlns:a16="http://schemas.microsoft.com/office/drawing/2014/main" id="{FF0E0BA2-3585-406D-9BA9-7F00454E2151}"/>
+              </a:ext>
+            </a:extLst>
+          </p:cNvPr>
+          <p:cNvPicPr>
+            <a:picLocks noChangeAspect="1"/>
+          </p:cNvPicPr>
+          <p:nvPr/>
+        </p:nvPicPr>
+        <p:blipFill>
+          <a:blip r:embed="rId2"/>
+          <a:stretch>
+            <a:fillRect/>
+          </a:stretch>
+        </p:blipFill>
+        <p:spPr>
+          <a:xfrm>
+            <a:off x="231030" y="1293838"/>
+            <a:ext cx="8512298" cy="3922157"/>
+          </a:xfrm>
+          <a:prstGeom prst="rect">
+            <a:avLst/>
+          </a:prstGeom>
+        </p:spPr>
+      </p:pic>
+      <p:pic>
+        <p:nvPicPr>
+          <p:cNvPr id="5" name="图片 4">
+            <a:extLst>
+              <a:ext uri="{FF2B5EF4-FFF2-40B4-BE49-F238E27FC236}">
+                <a16:creationId xmlns:a16="http://schemas.microsoft.com/office/drawing/2014/main" id="{9BF018BD-CE4D-41E0-A802-63442072638C}"/>
+              </a:ext>
+            </a:extLst>
+          </p:cNvPr>
+          <p:cNvPicPr>
+            <a:picLocks noChangeAspect="1"/>
+          </p:cNvPicPr>
+          <p:nvPr/>
+        </p:nvPicPr>
+        <p:blipFill>
+          <a:blip r:embed="rId3"/>
+          <a:stretch>
+            <a:fillRect/>
+          </a:stretch>
+        </p:blipFill>
+        <p:spPr>
+          <a:xfrm>
+            <a:off x="3835941" y="4188726"/>
+            <a:ext cx="8278238" cy="2669274"/>
+          </a:xfrm>
+          <a:prstGeom prst="rect">
+            <a:avLst/>
+          </a:prstGeom>
+        </p:spPr>
+      </p:pic>
+    </p:spTree>
+    <p:extLst>
+      <p:ext uri="{BB962C8B-B14F-4D97-AF65-F5344CB8AC3E}">
+        <p14:creationId xmlns:p14="http://schemas.microsoft.com/office/powerpoint/2010/main" val="2237710958"/>
+      </p:ext>
+    </p:extLst>
+  </p:cSld>
+  <p:clrMapOvr>
+    <a:masterClrMapping/>
+  </p:clrMapOvr>
+</p:sld>
+</file>
+
+<file path=ppt/slides/slide21.xml><?xml version="1.0" encoding="utf-8"?>
+<p:sld xmlns:a="http://schemas.openxmlformats.org/drawingml/2006/main" xmlns:r="http://schemas.openxmlformats.org/officeDocument/2006/relationships" xmlns:p="http://schemas.openxmlformats.org/presentationml/2006/main">
+  <p:cSld>
+    <p:spTree>
+      <p:nvGrpSpPr>
+        <p:cNvPr id="1" name=""/>
+        <p:cNvGrpSpPr/>
+        <p:nvPr/>
+      </p:nvGrpSpPr>
+      <p:grpSpPr>
+        <a:xfrm>
+          <a:off x="0" y="0"/>
+          <a:ext cx="0" cy="0"/>
+          <a:chOff x="0" y="0"/>
+          <a:chExt cx="0" cy="0"/>
+        </a:xfrm>
+      </p:grpSpPr>
+      <p:sp>
+        <p:nvSpPr>
+          <p:cNvPr id="5" name="文本框 4">
+            <a:extLst>
+              <a:ext uri="{FF2B5EF4-FFF2-40B4-BE49-F238E27FC236}">
+                <a16:creationId xmlns:a16="http://schemas.microsoft.com/office/drawing/2014/main" id="{94ED1E4E-0B48-4C4A-8293-9D37C345CE22}"/>
+              </a:ext>
+            </a:extLst>
+          </p:cNvPr>
+          <p:cNvSpPr txBox="1"/>
+          <p:nvPr/>
+        </p:nvSpPr>
+        <p:spPr>
+          <a:xfrm>
+            <a:off x="2082554" y="2659559"/>
+            <a:ext cx="8026891" cy="769441"/>
+          </a:xfrm>
+          <a:prstGeom prst="rect">
+            <a:avLst/>
+          </a:prstGeom>
+          <a:noFill/>
+        </p:spPr>
+        <p:txBody>
+          <a:bodyPr wrap="square" rtlCol="0">
+            <a:spAutoFit/>
+          </a:bodyPr>
+          <a:lstStyle/>
+          <a:p>
+            <a:pPr algn="ctr"/>
+            <a:r>
+              <a:rPr lang="zh-CN" altLang="en-US" sz="4400" b="1"/>
+              <a:t>展示完毕，请老师指导</a:t>
+            </a:r>
+            <a:endParaRPr lang="zh-CN" altLang="en-US" sz="4400" b="1" dirty="0"/>
+          </a:p>
+        </p:txBody>
+      </p:sp>
+    </p:spTree>
+    <p:extLst>
+      <p:ext uri="{BB962C8B-B14F-4D97-AF65-F5344CB8AC3E}">
+        <p14:creationId xmlns:p14="http://schemas.microsoft.com/office/powerpoint/2010/main" val="3571861970"/>
       </p:ext>
     </p:extLst>
   </p:cSld>

--- a/doc/答辩Slides.pptx
+++ b/doc/答辩Slides.pptx
@@ -7203,7 +7203,7 @@
             </a:r>
             <a:r>
               <a:rPr lang="zh-CN" altLang="en-US" sz="2800" b="1" dirty="0"/>
-              <a:t>词法分析器的生成器</a:t>
+              <a:t>语法分析器的生成器</a:t>
             </a:r>
             <a:r>
               <a:rPr lang="en-US" altLang="zh-CN" sz="2800" b="1" dirty="0" err="1"/>
@@ -7389,7 +7389,7 @@
             </a:r>
             <a:r>
               <a:rPr lang="en-US" altLang="zh-CN" dirty="0"/>
-              <a:t>5</a:t>
+              <a:t>1</a:t>
             </a:r>
             <a:r>
               <a:rPr lang="zh-CN" altLang="en-US" dirty="0"/>
@@ -7862,7 +7862,7 @@
             </a:r>
             <a:r>
               <a:rPr lang="zh-CN" altLang="en-US" sz="2800" b="1" dirty="0"/>
-              <a:t>词法分析器的生成器</a:t>
+              <a:t>语法分析器的生成器</a:t>
             </a:r>
             <a:r>
               <a:rPr lang="en-US" altLang="zh-CN" sz="2800" b="1" dirty="0" err="1"/>
@@ -7937,7 +7937,7 @@
             </a:r>
             <a:r>
               <a:rPr lang="zh-CN" altLang="en-US" sz="2800" b="1" dirty="0"/>
-              <a:t>词法分析器的生成器</a:t>
+              <a:t>语法分析器的生成器</a:t>
             </a:r>
             <a:r>
               <a:rPr lang="en-US" altLang="zh-CN" sz="2800" b="1" dirty="0" err="1"/>
@@ -8491,7 +8491,7 @@
             </a:r>
             <a:r>
               <a:rPr lang="zh-CN" altLang="en-US" sz="2800" b="1" dirty="0"/>
-              <a:t>词法分析器的生成器</a:t>
+              <a:t>语法分析器的生成器</a:t>
             </a:r>
             <a:r>
               <a:rPr lang="en-US" altLang="zh-CN" sz="2800" b="1" dirty="0" err="1"/>
@@ -9126,7 +9126,7 @@
             </a:r>
             <a:r>
               <a:rPr lang="zh-CN" altLang="en-US" sz="2800" b="1" dirty="0"/>
-              <a:t>词法分析器的生成器</a:t>
+              <a:t>语法分析器的生成器</a:t>
             </a:r>
             <a:r>
               <a:rPr lang="en-US" altLang="zh-CN" sz="2800" b="1" dirty="0" err="1"/>
@@ -9560,18 +9560,22 @@
           <a:p>
             <a:r>
               <a:rPr lang="zh-CN" altLang="en-US" dirty="0"/>
-              <a:t>因此后续的优化方向，可以考虑从</a:t>
-            </a:r>
-            <a:r>
-              <a:rPr lang="en-US" altLang="zh-CN" dirty="0"/>
+              <a:t>因此后续的优化方向，可以考虑</a:t>
+            </a:r>
+            <a:r>
+              <a:rPr lang="zh-CN" altLang="en-US" b="1" dirty="0"/>
+              <a:t>从</a:t>
+            </a:r>
+            <a:r>
+              <a:rPr lang="en-US" altLang="zh-CN" b="1" dirty="0"/>
               <a:t>LR0</a:t>
             </a:r>
             <a:r>
-              <a:rPr lang="zh-CN" altLang="en-US" dirty="0"/>
+              <a:rPr lang="zh-CN" altLang="en-US" b="1" dirty="0"/>
               <a:t>文法出发构造</a:t>
             </a:r>
             <a:r>
-              <a:rPr lang="en-US" altLang="zh-CN" dirty="0"/>
+              <a:rPr lang="en-US" altLang="zh-CN" b="1" dirty="0"/>
               <a:t>LALRDFA</a:t>
             </a:r>
             <a:r>
@@ -9778,7 +9782,7 @@
             </a:r>
             <a:r>
               <a:rPr lang="zh-CN" altLang="en-US" sz="2800" b="1" dirty="0"/>
-              <a:t>词法分析器的生成器</a:t>
+              <a:t>语法分析器的生成器</a:t>
             </a:r>
             <a:r>
               <a:rPr lang="en-US" altLang="zh-CN" sz="2800" b="1" dirty="0" err="1"/>
@@ -10274,9 +10278,12 @@
               </a:rPr>
               <a:t>symbolChart</a:t>
             </a:r>
-            <a:endParaRPr lang="en-US" altLang="zh-CN" sz="1600" dirty="0">
-              <a:latin typeface="Iosevka SS01" panose="02000509000000000000" pitchFamily="49" charset="0"/>
-            </a:endParaRPr>
+            <a:r>
+              <a:rPr lang="en-US" altLang="zh-CN" sz="1600" dirty="0">
+                <a:latin typeface="Iosevka SS01" panose="02000509000000000000" pitchFamily="49" charset="0"/>
+              </a:rPr>
+              <a:t>;</a:t>
+            </a:r>
           </a:p>
           <a:p>
             <a:r>
@@ -10477,7 +10484,7 @@
             </a:r>
             <a:r>
               <a:rPr lang="zh-CN" altLang="en-US" dirty="0"/>
-              <a:t>时，就从符号栈内弹出一定量符号，进行操作后放回（赋值给</a:t>
+              <a:t>时，就从符号栈内（数组模拟栈）取所需符号，进行操作后放回（赋值给</a:t>
             </a:r>
             <a:r>
               <a:rPr lang="en-US" altLang="zh-CN" dirty="0"/>
@@ -10861,7 +10868,7 @@
             </a:r>
             <a:r>
               <a:rPr lang="zh-CN" altLang="en-US" sz="2800" b="1" dirty="0"/>
-              <a:t>词法分析器的生成器</a:t>
+              <a:t>语法分析器的生成器</a:t>
             </a:r>
             <a:r>
               <a:rPr lang="en-US" altLang="zh-CN" sz="2800" b="1" dirty="0" err="1"/>
@@ -11013,8 +11020,8 @@
         </p:blipFill>
         <p:spPr>
           <a:xfrm>
-            <a:off x="231030" y="1293838"/>
-            <a:ext cx="8512298" cy="3922157"/>
+            <a:off x="231029" y="1293838"/>
+            <a:ext cx="8666785" cy="3993339"/>
           </a:xfrm>
           <a:prstGeom prst="rect">
             <a:avLst/>
@@ -11095,7 +11102,7 @@
         </p:nvSpPr>
         <p:spPr>
           <a:xfrm>
-            <a:off x="2082554" y="2659559"/>
+            <a:off x="2082554" y="1525351"/>
             <a:ext cx="8026891" cy="769441"/>
           </a:xfrm>
           <a:prstGeom prst="rect">
@@ -11115,6 +11122,134 @@
               <a:t>展示完毕，请老师指导</a:t>
             </a:r>
             <a:endParaRPr lang="zh-CN" altLang="en-US" sz="4400" b="1" dirty="0"/>
+          </a:p>
+        </p:txBody>
+      </p:sp>
+      <p:sp>
+        <p:nvSpPr>
+          <p:cNvPr id="2" name="文本框 1">
+            <a:extLst>
+              <a:ext uri="{FF2B5EF4-FFF2-40B4-BE49-F238E27FC236}">
+                <a16:creationId xmlns:a16="http://schemas.microsoft.com/office/drawing/2014/main" id="{312D23B5-6FCB-427B-952A-F277A99A79A7}"/>
+              </a:ext>
+            </a:extLst>
+          </p:cNvPr>
+          <p:cNvSpPr txBox="1"/>
+          <p:nvPr/>
+        </p:nvSpPr>
+        <p:spPr>
+          <a:xfrm>
+            <a:off x="451339" y="2725615"/>
+            <a:ext cx="11289323" cy="2127634"/>
+          </a:xfrm>
+          <a:prstGeom prst="rect">
+            <a:avLst/>
+          </a:prstGeom>
+          <a:noFill/>
+        </p:spPr>
+        <p:txBody>
+          <a:bodyPr wrap="square" rtlCol="0">
+            <a:spAutoFit/>
+          </a:bodyPr>
+          <a:lstStyle/>
+          <a:p>
+            <a:pPr>
+              <a:lnSpc>
+                <a:spcPct val="150000"/>
+              </a:lnSpc>
+            </a:pPr>
+            <a:r>
+              <a:rPr lang="zh-CN" altLang="en-US" dirty="0"/>
+              <a:t>        感谢周老师的</a:t>
+            </a:r>
+            <a:r>
+              <a:rPr lang="en-US" altLang="zh-CN" dirty="0"/>
+              <a:t>《</a:t>
+            </a:r>
+            <a:r>
+              <a:rPr lang="zh-CN" altLang="en-US" dirty="0"/>
+              <a:t>编译原理</a:t>
+            </a:r>
+            <a:r>
+              <a:rPr lang="en-US" altLang="zh-CN" dirty="0"/>
+              <a:t>》</a:t>
+            </a:r>
+            <a:r>
+              <a:rPr lang="zh-CN" altLang="en-US" dirty="0"/>
+              <a:t>课程将我们带入编译原理的世界</a:t>
+            </a:r>
+            <a:endParaRPr lang="en-US" altLang="zh-CN" dirty="0"/>
+          </a:p>
+          <a:p>
+            <a:pPr>
+              <a:lnSpc>
+                <a:spcPct val="150000"/>
+              </a:lnSpc>
+            </a:pPr>
+            <a:r>
+              <a:rPr lang="zh-CN" altLang="en-US" dirty="0"/>
+              <a:t>        感谢我们组的组员们，他们技艺高超，积极主动，我们不会忘记一起熬过的夜、一起讨论过的问题</a:t>
+            </a:r>
+            <a:endParaRPr lang="en-US" altLang="zh-CN" dirty="0"/>
+          </a:p>
+          <a:p>
+            <a:pPr>
+              <a:lnSpc>
+                <a:spcPct val="150000"/>
+              </a:lnSpc>
+            </a:pPr>
+            <a:r>
+              <a:rPr lang="zh-CN" altLang="en-US" b="1" dirty="0"/>
+              <a:t>        编译原理是程序员的浪漫。</a:t>
+            </a:r>
+            <a:r>
+              <a:rPr lang="zh-CN" altLang="en-US" dirty="0"/>
+              <a:t>它不仅仅是</a:t>
+            </a:r>
+            <a:r>
+              <a:rPr lang="en-US" altLang="zh-CN" dirty="0"/>
+              <a:t>old-school</a:t>
+            </a:r>
+            <a:r>
+              <a:rPr lang="zh-CN" altLang="en-US" dirty="0"/>
+              <a:t>的科学研究谈论的东西，而在如前端技术的中</a:t>
+            </a:r>
+            <a:r>
+              <a:rPr lang="en-US" altLang="zh-CN" dirty="0"/>
+              <a:t>Babel</a:t>
+            </a:r>
+            <a:r>
+              <a:rPr lang="zh-CN" altLang="en-US" dirty="0"/>
+              <a:t>、虚拟</a:t>
+            </a:r>
+            <a:r>
+              <a:rPr lang="en-US" altLang="zh-CN" dirty="0"/>
+              <a:t>DOM</a:t>
+            </a:r>
+            <a:r>
+              <a:rPr lang="zh-CN" altLang="en-US" dirty="0"/>
+              <a:t>，也无不渗透着编译原理的知识</a:t>
+            </a:r>
+            <a:endParaRPr lang="en-US" altLang="zh-CN" dirty="0"/>
+          </a:p>
+          <a:p>
+            <a:pPr>
+              <a:lnSpc>
+                <a:spcPct val="150000"/>
+              </a:lnSpc>
+            </a:pPr>
+            <a:r>
+              <a:rPr lang="en-US" altLang="zh-CN" dirty="0"/>
+              <a:t>        </a:t>
+            </a:r>
+            <a:r>
+              <a:rPr lang="en-US" altLang="zh-CN" dirty="0" err="1"/>
+              <a:t>seu-lex-yacc</a:t>
+            </a:r>
+            <a:r>
+              <a:rPr lang="zh-CN" altLang="en-US" dirty="0"/>
+              <a:t>的设计充满了困难，但过来以后，我们也体会到了高屋建瓴的快乐</a:t>
+            </a:r>
           </a:p>
         </p:txBody>
       </p:sp>

--- a/doc/答辩Slides.pptx
+++ b/doc/答辩Slides.pptx
@@ -279,7 +279,7 @@
           <a:p>
             <a:fld id="{744E1E94-173C-4C0A-90C0-87392909BC0E}" type="datetimeFigureOut">
               <a:rPr lang="zh-CN" altLang="en-US" smtClean="0"/>
-              <a:t>2020/6/7</a:t>
+              <a:t>2020/6/14</a:t>
             </a:fld>
             <a:endParaRPr lang="zh-CN" altLang="en-US"/>
           </a:p>
@@ -477,7 +477,7 @@
           <a:p>
             <a:fld id="{744E1E94-173C-4C0A-90C0-87392909BC0E}" type="datetimeFigureOut">
               <a:rPr lang="zh-CN" altLang="en-US" smtClean="0"/>
-              <a:t>2020/6/7</a:t>
+              <a:t>2020/6/14</a:t>
             </a:fld>
             <a:endParaRPr lang="zh-CN" altLang="en-US"/>
           </a:p>
@@ -685,7 +685,7 @@
           <a:p>
             <a:fld id="{744E1E94-173C-4C0A-90C0-87392909BC0E}" type="datetimeFigureOut">
               <a:rPr lang="zh-CN" altLang="en-US" smtClean="0"/>
-              <a:t>2020/6/7</a:t>
+              <a:t>2020/6/14</a:t>
             </a:fld>
             <a:endParaRPr lang="zh-CN" altLang="en-US"/>
           </a:p>
@@ -883,7 +883,7 @@
           <a:p>
             <a:fld id="{744E1E94-173C-4C0A-90C0-87392909BC0E}" type="datetimeFigureOut">
               <a:rPr lang="zh-CN" altLang="en-US" smtClean="0"/>
-              <a:t>2020/6/7</a:t>
+              <a:t>2020/6/14</a:t>
             </a:fld>
             <a:endParaRPr lang="zh-CN" altLang="en-US"/>
           </a:p>
@@ -1158,7 +1158,7 @@
           <a:p>
             <a:fld id="{744E1E94-173C-4C0A-90C0-87392909BC0E}" type="datetimeFigureOut">
               <a:rPr lang="zh-CN" altLang="en-US" smtClean="0"/>
-              <a:t>2020/6/7</a:t>
+              <a:t>2020/6/14</a:t>
             </a:fld>
             <a:endParaRPr lang="zh-CN" altLang="en-US"/>
           </a:p>
@@ -1423,7 +1423,7 @@
           <a:p>
             <a:fld id="{744E1E94-173C-4C0A-90C0-87392909BC0E}" type="datetimeFigureOut">
               <a:rPr lang="zh-CN" altLang="en-US" smtClean="0"/>
-              <a:t>2020/6/7</a:t>
+              <a:t>2020/6/14</a:t>
             </a:fld>
             <a:endParaRPr lang="zh-CN" altLang="en-US"/>
           </a:p>
@@ -1835,7 +1835,7 @@
           <a:p>
             <a:fld id="{744E1E94-173C-4C0A-90C0-87392909BC0E}" type="datetimeFigureOut">
               <a:rPr lang="zh-CN" altLang="en-US" smtClean="0"/>
-              <a:t>2020/6/7</a:t>
+              <a:t>2020/6/14</a:t>
             </a:fld>
             <a:endParaRPr lang="zh-CN" altLang="en-US"/>
           </a:p>
@@ -1976,7 +1976,7 @@
           <a:p>
             <a:fld id="{744E1E94-173C-4C0A-90C0-87392909BC0E}" type="datetimeFigureOut">
               <a:rPr lang="zh-CN" altLang="en-US" smtClean="0"/>
-              <a:t>2020/6/7</a:t>
+              <a:t>2020/6/14</a:t>
             </a:fld>
             <a:endParaRPr lang="zh-CN" altLang="en-US"/>
           </a:p>
@@ -2089,7 +2089,7 @@
           <a:p>
             <a:fld id="{744E1E94-173C-4C0A-90C0-87392909BC0E}" type="datetimeFigureOut">
               <a:rPr lang="zh-CN" altLang="en-US" smtClean="0"/>
-              <a:t>2020/6/7</a:t>
+              <a:t>2020/6/14</a:t>
             </a:fld>
             <a:endParaRPr lang="zh-CN" altLang="en-US"/>
           </a:p>
@@ -2400,7 +2400,7 @@
           <a:p>
             <a:fld id="{744E1E94-173C-4C0A-90C0-87392909BC0E}" type="datetimeFigureOut">
               <a:rPr lang="zh-CN" altLang="en-US" smtClean="0"/>
-              <a:t>2020/6/7</a:t>
+              <a:t>2020/6/14</a:t>
             </a:fld>
             <a:endParaRPr lang="zh-CN" altLang="en-US"/>
           </a:p>
@@ -2688,7 +2688,7 @@
           <a:p>
             <a:fld id="{744E1E94-173C-4C0A-90C0-87392909BC0E}" type="datetimeFigureOut">
               <a:rPr lang="zh-CN" altLang="en-US" smtClean="0"/>
-              <a:t>2020/6/7</a:t>
+              <a:t>2020/6/14</a:t>
             </a:fld>
             <a:endParaRPr lang="zh-CN" altLang="en-US"/>
           </a:p>
@@ -2929,7 +2929,7 @@
           <a:p>
             <a:fld id="{744E1E94-173C-4C0A-90C0-87392909BC0E}" type="datetimeFigureOut">
               <a:rPr lang="zh-CN" altLang="en-US" smtClean="0"/>
-              <a:t>2020/6/7</a:t>
+              <a:t>2020/6/14</a:t>
             </a:fld>
             <a:endParaRPr lang="zh-CN" altLang="en-US"/>
           </a:p>
@@ -8354,57 +8354,21 @@
           </a:p>
         </p:txBody>
       </p:sp>
-      <p:pic>
-        <p:nvPicPr>
-          <p:cNvPr id="22" name="图片 21">
-            <a:extLst>
-              <a:ext uri="{FF2B5EF4-FFF2-40B4-BE49-F238E27FC236}">
-                <a16:creationId xmlns:a16="http://schemas.microsoft.com/office/drawing/2014/main" id="{9F065265-45AD-4261-898E-C1176B802E8D}"/>
-              </a:ext>
-            </a:extLst>
-          </p:cNvPr>
-          <p:cNvPicPr>
-            <a:picLocks noChangeAspect="1"/>
-          </p:cNvPicPr>
+      <p:sp>
+        <p:nvSpPr>
+          <p:cNvPr id="23" name="文本框 22">
+            <a:extLst>
+              <a:ext uri="{FF2B5EF4-FFF2-40B4-BE49-F238E27FC236}">
+                <a16:creationId xmlns:a16="http://schemas.microsoft.com/office/drawing/2014/main" id="{6F6455EA-BB23-4C9E-B16C-44AFBF00FE80}"/>
+              </a:ext>
+            </a:extLst>
+          </p:cNvPr>
+          <p:cNvSpPr txBox="1"/>
           <p:nvPr/>
-        </p:nvPicPr>
-        <p:blipFill>
-          <a:blip r:embed="rId5">
-            <a:extLst>
-              <a:ext uri="{28A0092B-C50C-407E-A947-70E740481C1C}">
-                <a14:useLocalDpi xmlns:a14="http://schemas.microsoft.com/office/drawing/2010/main" val="0"/>
-              </a:ext>
-            </a:extLst>
-          </a:blip>
-          <a:stretch>
-            <a:fillRect/>
-          </a:stretch>
-        </p:blipFill>
+        </p:nvSpPr>
         <p:spPr>
           <a:xfrm>
-            <a:off x="8121921" y="4666782"/>
-            <a:ext cx="1371600" cy="285750"/>
-          </a:xfrm>
-          <a:prstGeom prst="rect">
-            <a:avLst/>
-          </a:prstGeom>
-        </p:spPr>
-      </p:pic>
-      <p:sp>
-        <p:nvSpPr>
-          <p:cNvPr id="23" name="文本框 22">
-            <a:extLst>
-              <a:ext uri="{FF2B5EF4-FFF2-40B4-BE49-F238E27FC236}">
-                <a16:creationId xmlns:a16="http://schemas.microsoft.com/office/drawing/2014/main" id="{6F6455EA-BB23-4C9E-B16C-44AFBF00FE80}"/>
-              </a:ext>
-            </a:extLst>
-          </p:cNvPr>
-          <p:cNvSpPr txBox="1"/>
-          <p:nvPr/>
-        </p:nvSpPr>
-        <p:spPr>
-          <a:xfrm>
-            <a:off x="7912423" y="5039818"/>
+            <a:off x="7836171" y="5008374"/>
             <a:ext cx="2215299" cy="369332"/>
           </a:xfrm>
           <a:prstGeom prst="rect">
@@ -8420,9 +8384,57 @@
           <a:p>
             <a:r>
               <a:rPr lang="en-US" altLang="zh-CN" dirty="0"/>
-              <a:t>Producer (no dot)</a:t>
+              <a:t>LR1Producer (</a:t>
+            </a:r>
+            <a:r>
+              <a:rPr lang="zh-CN" altLang="en-US" dirty="0"/>
+              <a:t>无点</a:t>
+            </a:r>
+            <a:r>
+              <a:rPr lang="en-US" altLang="zh-CN" dirty="0"/>
+              <a:t>)</a:t>
             </a:r>
             <a:endParaRPr lang="zh-CN" altLang="en-US" dirty="0"/>
+          </a:p>
+        </p:txBody>
+      </p:sp>
+      <p:sp>
+        <p:nvSpPr>
+          <p:cNvPr id="4" name="文本框 3">
+            <a:extLst>
+              <a:ext uri="{FF2B5EF4-FFF2-40B4-BE49-F238E27FC236}">
+                <a16:creationId xmlns:a16="http://schemas.microsoft.com/office/drawing/2014/main" id="{50F7C247-AE6C-40CC-8785-E82D0887CA5E}"/>
+              </a:ext>
+            </a:extLst>
+          </p:cNvPr>
+          <p:cNvSpPr txBox="1"/>
+          <p:nvPr/>
+        </p:nvSpPr>
+        <p:spPr>
+          <a:xfrm>
+            <a:off x="8340324" y="4639042"/>
+            <a:ext cx="934794" cy="369332"/>
+          </a:xfrm>
+          <a:prstGeom prst="rect">
+            <a:avLst/>
+          </a:prstGeom>
+          <a:solidFill>
+            <a:schemeClr val="bg1">
+              <a:lumMod val="95000"/>
+            </a:schemeClr>
+          </a:solidFill>
+        </p:spPr>
+        <p:txBody>
+          <a:bodyPr wrap="square" rtlCol="0">
+            <a:spAutoFit/>
+          </a:bodyPr>
+          <a:lstStyle/>
+          <a:p>
+            <a:r>
+              <a:rPr lang="en-US" altLang="zh-CN" b="1" dirty="0"/>
+              <a:t>S’ -&gt; S</a:t>
+            </a:r>
+            <a:endParaRPr lang="zh-CN" altLang="en-US" b="1" dirty="0"/>
           </a:p>
         </p:txBody>
       </p:sp>
@@ -9364,16 +9376,15 @@
           </p:cNvPicPr>
           <p:nvPr/>
         </p:nvPicPr>
-        <p:blipFill>
+        <p:blipFill rotWithShape="1">
           <a:blip r:embed="rId2"/>
-          <a:stretch>
-            <a:fillRect/>
-          </a:stretch>
+          <a:srcRect t="7767" b="-1"/>
+          <a:stretch/>
         </p:blipFill>
         <p:spPr>
           <a:xfrm>
-            <a:off x="175507" y="2523901"/>
-            <a:ext cx="6734342" cy="557621"/>
+            <a:off x="175507" y="2567212"/>
+            <a:ext cx="6734342" cy="514310"/>
           </a:xfrm>
           <a:prstGeom prst="rect">
             <a:avLst/>

--- a/doc/答辩Slides.pptx
+++ b/doc/答辩Slides.pptx
@@ -279,7 +279,7 @@
           <a:p>
             <a:fld id="{744E1E94-173C-4C0A-90C0-87392909BC0E}" type="datetimeFigureOut">
               <a:rPr lang="zh-CN" altLang="en-US" smtClean="0"/>
-              <a:t>2020/6/14</a:t>
+              <a:t>2020/6/15</a:t>
             </a:fld>
             <a:endParaRPr lang="zh-CN" altLang="en-US"/>
           </a:p>
@@ -477,7 +477,7 @@
           <a:p>
             <a:fld id="{744E1E94-173C-4C0A-90C0-87392909BC0E}" type="datetimeFigureOut">
               <a:rPr lang="zh-CN" altLang="en-US" smtClean="0"/>
-              <a:t>2020/6/14</a:t>
+              <a:t>2020/6/15</a:t>
             </a:fld>
             <a:endParaRPr lang="zh-CN" altLang="en-US"/>
           </a:p>
@@ -685,7 +685,7 @@
           <a:p>
             <a:fld id="{744E1E94-173C-4C0A-90C0-87392909BC0E}" type="datetimeFigureOut">
               <a:rPr lang="zh-CN" altLang="en-US" smtClean="0"/>
-              <a:t>2020/6/14</a:t>
+              <a:t>2020/6/15</a:t>
             </a:fld>
             <a:endParaRPr lang="zh-CN" altLang="en-US"/>
           </a:p>
@@ -883,7 +883,7 @@
           <a:p>
             <a:fld id="{744E1E94-173C-4C0A-90C0-87392909BC0E}" type="datetimeFigureOut">
               <a:rPr lang="zh-CN" altLang="en-US" smtClean="0"/>
-              <a:t>2020/6/14</a:t>
+              <a:t>2020/6/15</a:t>
             </a:fld>
             <a:endParaRPr lang="zh-CN" altLang="en-US"/>
           </a:p>
@@ -1158,7 +1158,7 @@
           <a:p>
             <a:fld id="{744E1E94-173C-4C0A-90C0-87392909BC0E}" type="datetimeFigureOut">
               <a:rPr lang="zh-CN" altLang="en-US" smtClean="0"/>
-              <a:t>2020/6/14</a:t>
+              <a:t>2020/6/15</a:t>
             </a:fld>
             <a:endParaRPr lang="zh-CN" altLang="en-US"/>
           </a:p>
@@ -1423,7 +1423,7 @@
           <a:p>
             <a:fld id="{744E1E94-173C-4C0A-90C0-87392909BC0E}" type="datetimeFigureOut">
               <a:rPr lang="zh-CN" altLang="en-US" smtClean="0"/>
-              <a:t>2020/6/14</a:t>
+              <a:t>2020/6/15</a:t>
             </a:fld>
             <a:endParaRPr lang="zh-CN" altLang="en-US"/>
           </a:p>
@@ -1835,7 +1835,7 @@
           <a:p>
             <a:fld id="{744E1E94-173C-4C0A-90C0-87392909BC0E}" type="datetimeFigureOut">
               <a:rPr lang="zh-CN" altLang="en-US" smtClean="0"/>
-              <a:t>2020/6/14</a:t>
+              <a:t>2020/6/15</a:t>
             </a:fld>
             <a:endParaRPr lang="zh-CN" altLang="en-US"/>
           </a:p>
@@ -1976,7 +1976,7 @@
           <a:p>
             <a:fld id="{744E1E94-173C-4C0A-90C0-87392909BC0E}" type="datetimeFigureOut">
               <a:rPr lang="zh-CN" altLang="en-US" smtClean="0"/>
-              <a:t>2020/6/14</a:t>
+              <a:t>2020/6/15</a:t>
             </a:fld>
             <a:endParaRPr lang="zh-CN" altLang="en-US"/>
           </a:p>
@@ -2089,7 +2089,7 @@
           <a:p>
             <a:fld id="{744E1E94-173C-4C0A-90C0-87392909BC0E}" type="datetimeFigureOut">
               <a:rPr lang="zh-CN" altLang="en-US" smtClean="0"/>
-              <a:t>2020/6/14</a:t>
+              <a:t>2020/6/15</a:t>
             </a:fld>
             <a:endParaRPr lang="zh-CN" altLang="en-US"/>
           </a:p>
@@ -2400,7 +2400,7 @@
           <a:p>
             <a:fld id="{744E1E94-173C-4C0A-90C0-87392909BC0E}" type="datetimeFigureOut">
               <a:rPr lang="zh-CN" altLang="en-US" smtClean="0"/>
-              <a:t>2020/6/14</a:t>
+              <a:t>2020/6/15</a:t>
             </a:fld>
             <a:endParaRPr lang="zh-CN" altLang="en-US"/>
           </a:p>
@@ -2688,7 +2688,7 @@
           <a:p>
             <a:fld id="{744E1E94-173C-4C0A-90C0-87392909BC0E}" type="datetimeFigureOut">
               <a:rPr lang="zh-CN" altLang="en-US" smtClean="0"/>
-              <a:t>2020/6/14</a:t>
+              <a:t>2020/6/15</a:t>
             </a:fld>
             <a:endParaRPr lang="zh-CN" altLang="en-US"/>
           </a:p>
@@ -2929,7 +2929,7 @@
           <a:p>
             <a:fld id="{744E1E94-173C-4C0A-90C0-87392909BC0E}" type="datetimeFigureOut">
               <a:rPr lang="zh-CN" altLang="en-US" smtClean="0"/>
-              <a:t>2020/6/14</a:t>
+              <a:t>2020/6/15</a:t>
             </a:fld>
             <a:endParaRPr lang="zh-CN" altLang="en-US"/>
           </a:p>
@@ -10702,43 +10702,42 @@
             </a:p>
           </p:txBody>
         </p:sp>
-        <p:pic>
-          <p:nvPicPr>
-            <p:cNvPr id="23" name="图片 22">
-              <a:extLst>
-                <a:ext uri="{FF2B5EF4-FFF2-40B4-BE49-F238E27FC236}">
-                  <a16:creationId xmlns:a16="http://schemas.microsoft.com/office/drawing/2014/main" id="{BF0A3F68-CFF6-4C00-BEE0-3422807F710E}"/>
-                </a:ext>
-              </a:extLst>
-            </p:cNvPr>
-            <p:cNvPicPr>
-              <a:picLocks noChangeAspect="1"/>
-            </p:cNvPicPr>
-            <p:nvPr/>
-          </p:nvPicPr>
-          <p:blipFill>
-            <a:blip r:embed="rId2">
-              <a:extLst>
-                <a:ext uri="{28A0092B-C50C-407E-A947-70E740481C1C}">
-                  <a14:useLocalDpi xmlns:a14="http://schemas.microsoft.com/office/drawing/2010/main" val="0"/>
-                </a:ext>
-              </a:extLst>
-            </a:blip>
-            <a:stretch>
-              <a:fillRect/>
-            </a:stretch>
-          </p:blipFill>
-          <p:spPr>
-            <a:xfrm>
-              <a:off x="7643525" y="3650022"/>
-              <a:ext cx="2140266" cy="2140266"/>
-            </a:xfrm>
-            <a:prstGeom prst="rect">
-              <a:avLst/>
-            </a:prstGeom>
-          </p:spPr>
-        </p:pic>
       </p:grpSp>
+      <p:pic>
+        <p:nvPicPr>
+          <p:cNvPr id="4" name="图片 3">
+            <a:extLst>
+              <a:ext uri="{FF2B5EF4-FFF2-40B4-BE49-F238E27FC236}">
+                <a16:creationId xmlns:a16="http://schemas.microsoft.com/office/drawing/2014/main" id="{43DDB7D0-5B0B-4FD3-9F82-883E898A1702}"/>
+              </a:ext>
+            </a:extLst>
+          </p:cNvPr>
+          <p:cNvPicPr>
+            <a:picLocks noChangeAspect="1"/>
+          </p:cNvPicPr>
+          <p:nvPr/>
+        </p:nvPicPr>
+        <p:blipFill rotWithShape="1">
+          <a:blip r:embed="rId2">
+            <a:extLst>
+              <a:ext uri="{28A0092B-C50C-407E-A947-70E740481C1C}">
+                <a14:useLocalDpi xmlns:a14="http://schemas.microsoft.com/office/drawing/2010/main" val="0"/>
+              </a:ext>
+            </a:extLst>
+          </a:blip>
+          <a:srcRect b="42976"/>
+          <a:stretch/>
+        </p:blipFill>
+        <p:spPr>
+          <a:xfrm>
+            <a:off x="9403928" y="4186960"/>
+            <a:ext cx="1925108" cy="2484458"/>
+          </a:xfrm>
+          <a:prstGeom prst="rect">
+            <a:avLst/>
+          </a:prstGeom>
+        </p:spPr>
+      </p:pic>
     </p:spTree>
     <p:extLst>
       <p:ext uri="{BB962C8B-B14F-4D97-AF65-F5344CB8AC3E}">

--- a/doc/答辩Slides.pptx
+++ b/doc/答辩Slides.pptx
@@ -279,7 +279,7 @@
           <a:p>
             <a:fld id="{744E1E94-173C-4C0A-90C0-87392909BC0E}" type="datetimeFigureOut">
               <a:rPr lang="zh-CN" altLang="en-US" smtClean="0"/>
-              <a:t>2020/6/7</a:t>
+              <a:t>2020/6/15</a:t>
             </a:fld>
             <a:endParaRPr lang="zh-CN" altLang="en-US"/>
           </a:p>
@@ -477,7 +477,7 @@
           <a:p>
             <a:fld id="{744E1E94-173C-4C0A-90C0-87392909BC0E}" type="datetimeFigureOut">
               <a:rPr lang="zh-CN" altLang="en-US" smtClean="0"/>
-              <a:t>2020/6/7</a:t>
+              <a:t>2020/6/15</a:t>
             </a:fld>
             <a:endParaRPr lang="zh-CN" altLang="en-US"/>
           </a:p>
@@ -685,7 +685,7 @@
           <a:p>
             <a:fld id="{744E1E94-173C-4C0A-90C0-87392909BC0E}" type="datetimeFigureOut">
               <a:rPr lang="zh-CN" altLang="en-US" smtClean="0"/>
-              <a:t>2020/6/7</a:t>
+              <a:t>2020/6/15</a:t>
             </a:fld>
             <a:endParaRPr lang="zh-CN" altLang="en-US"/>
           </a:p>
@@ -883,7 +883,7 @@
           <a:p>
             <a:fld id="{744E1E94-173C-4C0A-90C0-87392909BC0E}" type="datetimeFigureOut">
               <a:rPr lang="zh-CN" altLang="en-US" smtClean="0"/>
-              <a:t>2020/6/7</a:t>
+              <a:t>2020/6/15</a:t>
             </a:fld>
             <a:endParaRPr lang="zh-CN" altLang="en-US"/>
           </a:p>
@@ -1158,7 +1158,7 @@
           <a:p>
             <a:fld id="{744E1E94-173C-4C0A-90C0-87392909BC0E}" type="datetimeFigureOut">
               <a:rPr lang="zh-CN" altLang="en-US" smtClean="0"/>
-              <a:t>2020/6/7</a:t>
+              <a:t>2020/6/15</a:t>
             </a:fld>
             <a:endParaRPr lang="zh-CN" altLang="en-US"/>
           </a:p>
@@ -1423,7 +1423,7 @@
           <a:p>
             <a:fld id="{744E1E94-173C-4C0A-90C0-87392909BC0E}" type="datetimeFigureOut">
               <a:rPr lang="zh-CN" altLang="en-US" smtClean="0"/>
-              <a:t>2020/6/7</a:t>
+              <a:t>2020/6/15</a:t>
             </a:fld>
             <a:endParaRPr lang="zh-CN" altLang="en-US"/>
           </a:p>
@@ -1835,7 +1835,7 @@
           <a:p>
             <a:fld id="{744E1E94-173C-4C0A-90C0-87392909BC0E}" type="datetimeFigureOut">
               <a:rPr lang="zh-CN" altLang="en-US" smtClean="0"/>
-              <a:t>2020/6/7</a:t>
+              <a:t>2020/6/15</a:t>
             </a:fld>
             <a:endParaRPr lang="zh-CN" altLang="en-US"/>
           </a:p>
@@ -1976,7 +1976,7 @@
           <a:p>
             <a:fld id="{744E1E94-173C-4C0A-90C0-87392909BC0E}" type="datetimeFigureOut">
               <a:rPr lang="zh-CN" altLang="en-US" smtClean="0"/>
-              <a:t>2020/6/7</a:t>
+              <a:t>2020/6/15</a:t>
             </a:fld>
             <a:endParaRPr lang="zh-CN" altLang="en-US"/>
           </a:p>
@@ -2089,7 +2089,7 @@
           <a:p>
             <a:fld id="{744E1E94-173C-4C0A-90C0-87392909BC0E}" type="datetimeFigureOut">
               <a:rPr lang="zh-CN" altLang="en-US" smtClean="0"/>
-              <a:t>2020/6/7</a:t>
+              <a:t>2020/6/15</a:t>
             </a:fld>
             <a:endParaRPr lang="zh-CN" altLang="en-US"/>
           </a:p>
@@ -2400,7 +2400,7 @@
           <a:p>
             <a:fld id="{744E1E94-173C-4C0A-90C0-87392909BC0E}" type="datetimeFigureOut">
               <a:rPr lang="zh-CN" altLang="en-US" smtClean="0"/>
-              <a:t>2020/6/7</a:t>
+              <a:t>2020/6/15</a:t>
             </a:fld>
             <a:endParaRPr lang="zh-CN" altLang="en-US"/>
           </a:p>
@@ -2688,7 +2688,7 @@
           <a:p>
             <a:fld id="{744E1E94-173C-4C0A-90C0-87392909BC0E}" type="datetimeFigureOut">
               <a:rPr lang="zh-CN" altLang="en-US" smtClean="0"/>
-              <a:t>2020/6/7</a:t>
+              <a:t>2020/6/15</a:t>
             </a:fld>
             <a:endParaRPr lang="zh-CN" altLang="en-US"/>
           </a:p>
@@ -2929,7 +2929,7 @@
           <a:p>
             <a:fld id="{744E1E94-173C-4C0A-90C0-87392909BC0E}" type="datetimeFigureOut">
               <a:rPr lang="zh-CN" altLang="en-US" smtClean="0"/>
-              <a:t>2020/6/7</a:t>
+              <a:t>2020/6/15</a:t>
             </a:fld>
             <a:endParaRPr lang="zh-CN" altLang="en-US"/>
           </a:p>
@@ -7473,14 +7473,14 @@
           <p:nvPr>
             <p:extLst>
               <p:ext uri="{D42A27DB-BD31-4B8C-83A1-F6EECF244321}">
-                <p14:modId xmlns:p14="http://schemas.microsoft.com/office/powerpoint/2010/main" val="2780108205"/>
+                <p14:modId xmlns:p14="http://schemas.microsoft.com/office/powerpoint/2010/main" val="1071822756"/>
               </p:ext>
             </p:extLst>
           </p:nvPr>
         </p:nvGraphicFramePr>
         <p:xfrm>
           <a:off x="968652" y="3301575"/>
-          <a:ext cx="10130407" cy="2926080"/>
+          <a:ext cx="10532468" cy="2926080"/>
         </p:xfrm>
         <a:graphic>
           <a:graphicData uri="http://schemas.openxmlformats.org/drawingml/2006/table">
@@ -7489,7 +7489,7 @@
                 <a:tableStyleId>{2D5ABB26-0587-4C30-8999-92F81FD0307C}</a:tableStyleId>
               </a:tblPr>
               <a:tblGrid>
-                <a:gridCol w="10130407">
+                <a:gridCol w="10532468">
                   <a:extLst>
                     <a:ext uri="{9D8B030D-6E8A-4147-A177-3AD203B41FA5}">
                       <a16:colId xmlns:a16="http://schemas.microsoft.com/office/drawing/2014/main" val="1145553745"/>
@@ -7750,7 +7750,7 @@
                     <a:p>
                       <a:r>
                         <a:rPr lang="zh-CN" altLang="en-US" dirty="0"/>
-                        <a:t>提供了</a:t>
+                        <a:t>提供了简易的</a:t>
                       </a:r>
                       <a:r>
                         <a:rPr lang="zh-CN" altLang="en-US" b="1" dirty="0"/>
@@ -10075,8 +10075,8 @@
         </p:nvSpPr>
         <p:spPr>
           <a:xfrm>
-            <a:off x="194702" y="3191413"/>
-            <a:ext cx="4681275" cy="3090048"/>
+            <a:off x="194702" y="3191412"/>
+            <a:ext cx="4681275" cy="3558015"/>
           </a:xfrm>
           <a:prstGeom prst="rect">
             <a:avLst/>
@@ -10198,7 +10198,7 @@
         <p:spPr>
           <a:xfrm>
             <a:off x="270116" y="3542250"/>
-            <a:ext cx="4605861" cy="2739211"/>
+            <a:ext cx="4605861" cy="3231654"/>
           </a:xfrm>
           <a:prstGeom prst="rect">
             <a:avLst/>
@@ -10214,7 +10214,7 @@
               <a:rPr lang="en-US" altLang="zh-CN" sz="1600" dirty="0">
                 <a:latin typeface="Iosevka SS01" panose="02000509000000000000" pitchFamily="49" charset="0"/>
               </a:rPr>
-              <a:t>struct </a:t>
+              <a:t> struct </a:t>
             </a:r>
             <a:r>
               <a:rPr lang="en-US" altLang="zh-CN" sz="1600" dirty="0" err="1">
@@ -10226,7 +10226,7 @@
               <a:rPr lang="en-US" altLang="zh-CN" sz="1600" dirty="0">
                 <a:latin typeface="Iosevka SS01" panose="02000509000000000000" pitchFamily="49" charset="0"/>
               </a:rPr>
-              <a:t> {</a:t>
+              <a:t> {</a:t>
             </a:r>
           </a:p>
           <a:p>
@@ -10234,7 +10234,7 @@
               <a:rPr lang="en-US" altLang="zh-CN" sz="1600" dirty="0">
                 <a:latin typeface="Iosevka SS01" panose="02000509000000000000" pitchFamily="49" charset="0"/>
               </a:rPr>
-              <a:t>    int </a:t>
+              <a:t>    int </a:t>
             </a:r>
             <a:r>
               <a:rPr lang="en-US" altLang="zh-CN" sz="1600" dirty="0" err="1">
@@ -10254,7 +10254,7 @@
               <a:rPr lang="en-US" altLang="zh-CN" sz="1600" dirty="0">
                 <a:latin typeface="Iosevka SS01" panose="02000509000000000000" pitchFamily="49" charset="0"/>
               </a:rPr>
-              <a:t>    char *name[SYMBOL_CHART_LIMIT];</a:t>
+              <a:t>    char *name[SYMBOL_CHART_LIMIT];</a:t>
             </a:r>
           </a:p>
           <a:p>
@@ -10262,7 +10262,7 @@
               <a:rPr lang="en-US" altLang="zh-CN" sz="1600" dirty="0">
                 <a:latin typeface="Iosevka SS01" panose="02000509000000000000" pitchFamily="49" charset="0"/>
               </a:rPr>
-              <a:t>    char *value[SYMBOL_CHART_LIMIT];</a:t>
+              <a:t>    char *type[SYMBOL_CHART_LIMIT];</a:t>
             </a:r>
           </a:p>
           <a:p>
@@ -10270,7 +10270,15 @@
               <a:rPr lang="en-US" altLang="zh-CN" sz="1600" dirty="0">
                 <a:latin typeface="Iosevka SS01" panose="02000509000000000000" pitchFamily="49" charset="0"/>
               </a:rPr>
-              <a:t>}</a:t>
+              <a:t>    char *value[SYMBOL_CHART_LIMIT];</a:t>
+            </a:r>
+          </a:p>
+          <a:p>
+            <a:r>
+              <a:rPr lang="en-US" altLang="zh-CN" sz="1600" dirty="0">
+                <a:latin typeface="Iosevka SS01" panose="02000509000000000000" pitchFamily="49" charset="0"/>
+              </a:rPr>
+              <a:t>  }</a:t>
             </a:r>
             <a:r>
               <a:rPr lang="en-US" altLang="zh-CN" sz="1600" dirty="0" err="1">
@@ -10282,7 +10290,19 @@
               <a:rPr lang="en-US" altLang="zh-CN" sz="1600" dirty="0">
                 <a:latin typeface="Iosevka SS01" panose="02000509000000000000" pitchFamily="49" charset="0"/>
               </a:rPr>
-              <a:t>;</a:t>
+              <a:t> = {.</a:t>
+            </a:r>
+            <a:r>
+              <a:rPr lang="en-US" altLang="zh-CN" sz="1600" dirty="0" err="1">
+                <a:latin typeface="Iosevka SS01" panose="02000509000000000000" pitchFamily="49" charset="0"/>
+              </a:rPr>
+              <a:t>symbolNum</a:t>
+            </a:r>
+            <a:r>
+              <a:rPr lang="en-US" altLang="zh-CN" sz="1600" dirty="0">
+                <a:latin typeface="Iosevka SS01" panose="02000509000000000000" pitchFamily="49" charset="0"/>
+              </a:rPr>
+              <a:t> = 0};</a:t>
             </a:r>
           </a:p>
           <a:p>
@@ -10303,14 +10323,8 @@
                   <a:srgbClr val="FF0000"/>
                 </a:solidFill>
               </a:rPr>
-              <a:t>char *variable(char *name)</a:t>
-            </a:r>
-            <a:endParaRPr lang="en-US" altLang="zh-CN" dirty="0">
-              <a:solidFill>
-                <a:srgbClr val="FF0000"/>
-              </a:solidFill>
-              <a:latin typeface="Iosevka SS01" panose="02000509000000000000" pitchFamily="49" charset="0"/>
-            </a:endParaRPr>
+              <a:t>char *value(char *name, char *type)</a:t>
+            </a:r>
           </a:p>
           <a:p>
             <a:r>
@@ -10319,7 +10333,7 @@
                   <a:srgbClr val="FF0000"/>
                 </a:solidFill>
               </a:rPr>
-              <a:t>void </a:t>
+              <a:t>void </a:t>
             </a:r>
             <a:r>
               <a:rPr lang="en-US" altLang="zh-CN" dirty="0" err="1">
@@ -10327,7 +10341,7 @@
                   <a:srgbClr val="FF0000"/>
                 </a:solidFill>
               </a:rPr>
-              <a:t>createVariable</a:t>
+              <a:t>createSymbol</a:t>
             </a:r>
             <a:r>
               <a:rPr lang="en-US" altLang="zh-CN" dirty="0">
@@ -10335,13 +10349,13 @@
                   <a:srgbClr val="FF0000"/>
                 </a:solidFill>
               </a:rPr>
-              <a:t>(char *name, char *value)</a:t>
+              <a:t>(char *name, char *type, int size)</a:t>
             </a:r>
           </a:p>
           <a:p>
             <a:r>
               <a:rPr lang="zh-CN" altLang="en-US" dirty="0"/>
-              <a:t>记录各变量的值，可以为后续中间代码生成打下基础</a:t>
+              <a:t>记录各符号的信息，可以为后续中间代码生成打下基础</a:t>
             </a:r>
             <a:endParaRPr lang="en-US" altLang="zh-CN" dirty="0"/>
           </a:p>
@@ -10691,43 +10705,37 @@
             </a:p>
           </p:txBody>
         </p:sp>
-        <p:pic>
-          <p:nvPicPr>
-            <p:cNvPr id="23" name="图片 22">
-              <a:extLst>
-                <a:ext uri="{FF2B5EF4-FFF2-40B4-BE49-F238E27FC236}">
-                  <a16:creationId xmlns:a16="http://schemas.microsoft.com/office/drawing/2014/main" id="{BF0A3F68-CFF6-4C00-BEE0-3422807F710E}"/>
-                </a:ext>
-              </a:extLst>
-            </p:cNvPr>
-            <p:cNvPicPr>
-              <a:picLocks noChangeAspect="1"/>
-            </p:cNvPicPr>
-            <p:nvPr/>
-          </p:nvPicPr>
-          <p:blipFill>
-            <a:blip r:embed="rId2">
-              <a:extLst>
-                <a:ext uri="{28A0092B-C50C-407E-A947-70E740481C1C}">
-                  <a14:useLocalDpi xmlns:a14="http://schemas.microsoft.com/office/drawing/2010/main" val="0"/>
-                </a:ext>
-              </a:extLst>
-            </a:blip>
-            <a:stretch>
-              <a:fillRect/>
-            </a:stretch>
-          </p:blipFill>
-          <p:spPr>
-            <a:xfrm>
-              <a:off x="7643525" y="3650022"/>
-              <a:ext cx="2140266" cy="2140266"/>
-            </a:xfrm>
-            <a:prstGeom prst="rect">
-              <a:avLst/>
-            </a:prstGeom>
-          </p:spPr>
-        </p:pic>
       </p:grpSp>
+      <p:pic>
+        <p:nvPicPr>
+          <p:cNvPr id="2" name="图片 1">
+            <a:extLst>
+              <a:ext uri="{FF2B5EF4-FFF2-40B4-BE49-F238E27FC236}">
+                <a16:creationId xmlns:a16="http://schemas.microsoft.com/office/drawing/2014/main" id="{1843E999-4280-4E12-9DC1-6C5CE438C355}"/>
+              </a:ext>
+            </a:extLst>
+          </p:cNvPr>
+          <p:cNvPicPr>
+            <a:picLocks noChangeAspect="1"/>
+          </p:cNvPicPr>
+          <p:nvPr/>
+        </p:nvPicPr>
+        <p:blipFill>
+          <a:blip r:embed="rId2"/>
+          <a:stretch>
+            <a:fillRect/>
+          </a:stretch>
+        </p:blipFill>
+        <p:spPr>
+          <a:xfrm>
+            <a:off x="9124315" y="4276211"/>
+            <a:ext cx="2484335" cy="2217612"/>
+          </a:xfrm>
+          <a:prstGeom prst="rect">
+            <a:avLst/>
+          </a:prstGeom>
+        </p:spPr>
+      </p:pic>
     </p:spTree>
     <p:extLst>
       <p:ext uri="{BB962C8B-B14F-4D97-AF65-F5344CB8AC3E}">

--- a/doc/答辩Slides.pptx
+++ b/doc/答辩Slides.pptx
@@ -7473,14 +7473,14 @@
           <p:nvPr>
             <p:extLst>
               <p:ext uri="{D42A27DB-BD31-4B8C-83A1-F6EECF244321}">
-                <p14:modId xmlns:p14="http://schemas.microsoft.com/office/powerpoint/2010/main" val="2780108205"/>
+                <p14:modId xmlns:p14="http://schemas.microsoft.com/office/powerpoint/2010/main" val="1071822756"/>
               </p:ext>
             </p:extLst>
           </p:nvPr>
         </p:nvGraphicFramePr>
         <p:xfrm>
           <a:off x="968652" y="3301575"/>
-          <a:ext cx="10130407" cy="2926080"/>
+          <a:ext cx="10532468" cy="2926080"/>
         </p:xfrm>
         <a:graphic>
           <a:graphicData uri="http://schemas.openxmlformats.org/drawingml/2006/table">
@@ -7489,7 +7489,7 @@
                 <a:tableStyleId>{2D5ABB26-0587-4C30-8999-92F81FD0307C}</a:tableStyleId>
               </a:tblPr>
               <a:tblGrid>
-                <a:gridCol w="10130407">
+                <a:gridCol w="10532468">
                   <a:extLst>
                     <a:ext uri="{9D8B030D-6E8A-4147-A177-3AD203B41FA5}">
                       <a16:colId xmlns:a16="http://schemas.microsoft.com/office/drawing/2014/main" val="1145553745"/>
@@ -7750,7 +7750,7 @@
                     <a:p>
                       <a:r>
                         <a:rPr lang="zh-CN" altLang="en-US" dirty="0"/>
-                        <a:t>提供了</a:t>
+                        <a:t>提供了简易的</a:t>
                       </a:r>
                       <a:r>
                         <a:rPr lang="zh-CN" altLang="en-US" b="1" dirty="0"/>
@@ -8354,6 +8354,42 @@
           </a:p>
         </p:txBody>
       </p:sp>
+      <p:pic>
+        <p:nvPicPr>
+          <p:cNvPr id="22" name="图片 21">
+            <a:extLst>
+              <a:ext uri="{FF2B5EF4-FFF2-40B4-BE49-F238E27FC236}">
+                <a16:creationId xmlns:a16="http://schemas.microsoft.com/office/drawing/2014/main" id="{9F065265-45AD-4261-898E-C1176B802E8D}"/>
+              </a:ext>
+            </a:extLst>
+          </p:cNvPr>
+          <p:cNvPicPr>
+            <a:picLocks noChangeAspect="1"/>
+          </p:cNvPicPr>
+          <p:nvPr/>
+        </p:nvPicPr>
+        <p:blipFill>
+          <a:blip r:embed="rId5">
+            <a:extLst>
+              <a:ext uri="{28A0092B-C50C-407E-A947-70E740481C1C}">
+                <a14:useLocalDpi xmlns:a14="http://schemas.microsoft.com/office/drawing/2010/main" val="0"/>
+              </a:ext>
+            </a:extLst>
+          </a:blip>
+          <a:stretch>
+            <a:fillRect/>
+          </a:stretch>
+        </p:blipFill>
+        <p:spPr>
+          <a:xfrm>
+            <a:off x="8121921" y="4666782"/>
+            <a:ext cx="1371600" cy="285750"/>
+          </a:xfrm>
+          <a:prstGeom prst="rect">
+            <a:avLst/>
+          </a:prstGeom>
+        </p:spPr>
+      </p:pic>
       <p:sp>
         <p:nvSpPr>
           <p:cNvPr id="23" name="文本框 22">
@@ -8368,7 +8404,7 @@
         </p:nvSpPr>
         <p:spPr>
           <a:xfrm>
-            <a:off x="7836171" y="5008374"/>
+            <a:off x="7912423" y="5039818"/>
             <a:ext cx="2215299" cy="369332"/>
           </a:xfrm>
           <a:prstGeom prst="rect">
@@ -8384,57 +8420,9 @@
           <a:p>
             <a:r>
               <a:rPr lang="en-US" altLang="zh-CN" dirty="0"/>
-              <a:t>LR1Producer (</a:t>
-            </a:r>
-            <a:r>
-              <a:rPr lang="zh-CN" altLang="en-US" dirty="0"/>
-              <a:t>无点</a:t>
-            </a:r>
-            <a:r>
-              <a:rPr lang="en-US" altLang="zh-CN" dirty="0"/>
-              <a:t>)</a:t>
+              <a:t>Producer (no dot)</a:t>
             </a:r>
             <a:endParaRPr lang="zh-CN" altLang="en-US" dirty="0"/>
-          </a:p>
-        </p:txBody>
-      </p:sp>
-      <p:sp>
-        <p:nvSpPr>
-          <p:cNvPr id="4" name="文本框 3">
-            <a:extLst>
-              <a:ext uri="{FF2B5EF4-FFF2-40B4-BE49-F238E27FC236}">
-                <a16:creationId xmlns:a16="http://schemas.microsoft.com/office/drawing/2014/main" id="{50F7C247-AE6C-40CC-8785-E82D0887CA5E}"/>
-              </a:ext>
-            </a:extLst>
-          </p:cNvPr>
-          <p:cNvSpPr txBox="1"/>
-          <p:nvPr/>
-        </p:nvSpPr>
-        <p:spPr>
-          <a:xfrm>
-            <a:off x="8340324" y="4639042"/>
-            <a:ext cx="934794" cy="369332"/>
-          </a:xfrm>
-          <a:prstGeom prst="rect">
-            <a:avLst/>
-          </a:prstGeom>
-          <a:solidFill>
-            <a:schemeClr val="bg1">
-              <a:lumMod val="95000"/>
-            </a:schemeClr>
-          </a:solidFill>
-        </p:spPr>
-        <p:txBody>
-          <a:bodyPr wrap="square" rtlCol="0">
-            <a:spAutoFit/>
-          </a:bodyPr>
-          <a:lstStyle/>
-          <a:p>
-            <a:r>
-              <a:rPr lang="en-US" altLang="zh-CN" b="1" dirty="0"/>
-              <a:t>S’ -&gt; S</a:t>
-            </a:r>
-            <a:endParaRPr lang="zh-CN" altLang="en-US" b="1" dirty="0"/>
           </a:p>
         </p:txBody>
       </p:sp>
@@ -9376,15 +9364,16 @@
           </p:cNvPicPr>
           <p:nvPr/>
         </p:nvPicPr>
-        <p:blipFill rotWithShape="1">
+        <p:blipFill>
           <a:blip r:embed="rId2"/>
-          <a:srcRect t="7767" b="-1"/>
-          <a:stretch/>
+          <a:stretch>
+            <a:fillRect/>
+          </a:stretch>
         </p:blipFill>
         <p:spPr>
           <a:xfrm>
-            <a:off x="175507" y="2567212"/>
-            <a:ext cx="6734342" cy="514310"/>
+            <a:off x="175507" y="2523901"/>
+            <a:ext cx="6734342" cy="557621"/>
           </a:xfrm>
           <a:prstGeom prst="rect">
             <a:avLst/>
@@ -10086,8 +10075,8 @@
         </p:nvSpPr>
         <p:spPr>
           <a:xfrm>
-            <a:off x="194702" y="3191413"/>
-            <a:ext cx="4681275" cy="3090048"/>
+            <a:off x="194702" y="3191412"/>
+            <a:ext cx="4681275" cy="3558015"/>
           </a:xfrm>
           <a:prstGeom prst="rect">
             <a:avLst/>
@@ -10209,7 +10198,7 @@
         <p:spPr>
           <a:xfrm>
             <a:off x="270116" y="3542250"/>
-            <a:ext cx="4605861" cy="2739211"/>
+            <a:ext cx="4605861" cy="3231654"/>
           </a:xfrm>
           <a:prstGeom prst="rect">
             <a:avLst/>
@@ -10225,7 +10214,7 @@
               <a:rPr lang="en-US" altLang="zh-CN" sz="1600" dirty="0">
                 <a:latin typeface="Iosevka SS01" panose="02000509000000000000" pitchFamily="49" charset="0"/>
               </a:rPr>
-              <a:t>struct </a:t>
+              <a:t> struct </a:t>
             </a:r>
             <a:r>
               <a:rPr lang="en-US" altLang="zh-CN" sz="1600" dirty="0" err="1">
@@ -10237,7 +10226,7 @@
               <a:rPr lang="en-US" altLang="zh-CN" sz="1600" dirty="0">
                 <a:latin typeface="Iosevka SS01" panose="02000509000000000000" pitchFamily="49" charset="0"/>
               </a:rPr>
-              <a:t> {</a:t>
+              <a:t> {</a:t>
             </a:r>
           </a:p>
           <a:p>
@@ -10245,7 +10234,7 @@
               <a:rPr lang="en-US" altLang="zh-CN" sz="1600" dirty="0">
                 <a:latin typeface="Iosevka SS01" panose="02000509000000000000" pitchFamily="49" charset="0"/>
               </a:rPr>
-              <a:t>    int </a:t>
+              <a:t>    int </a:t>
             </a:r>
             <a:r>
               <a:rPr lang="en-US" altLang="zh-CN" sz="1600" dirty="0" err="1">
@@ -10265,7 +10254,7 @@
               <a:rPr lang="en-US" altLang="zh-CN" sz="1600" dirty="0">
                 <a:latin typeface="Iosevka SS01" panose="02000509000000000000" pitchFamily="49" charset="0"/>
               </a:rPr>
-              <a:t>    char *name[SYMBOL_CHART_LIMIT];</a:t>
+              <a:t>    char *name[SYMBOL_CHART_LIMIT];</a:t>
             </a:r>
           </a:p>
           <a:p>
@@ -10273,7 +10262,7 @@
               <a:rPr lang="en-US" altLang="zh-CN" sz="1600" dirty="0">
                 <a:latin typeface="Iosevka SS01" panose="02000509000000000000" pitchFamily="49" charset="0"/>
               </a:rPr>
-              <a:t>    char *value[SYMBOL_CHART_LIMIT];</a:t>
+              <a:t>    char *type[SYMBOL_CHART_LIMIT];</a:t>
             </a:r>
           </a:p>
           <a:p>
@@ -10281,7 +10270,15 @@
               <a:rPr lang="en-US" altLang="zh-CN" sz="1600" dirty="0">
                 <a:latin typeface="Iosevka SS01" panose="02000509000000000000" pitchFamily="49" charset="0"/>
               </a:rPr>
-              <a:t>}</a:t>
+              <a:t>    char *value[SYMBOL_CHART_LIMIT];</a:t>
+            </a:r>
+          </a:p>
+          <a:p>
+            <a:r>
+              <a:rPr lang="en-US" altLang="zh-CN" sz="1600" dirty="0">
+                <a:latin typeface="Iosevka SS01" panose="02000509000000000000" pitchFamily="49" charset="0"/>
+              </a:rPr>
+              <a:t>  }</a:t>
             </a:r>
             <a:r>
               <a:rPr lang="en-US" altLang="zh-CN" sz="1600" dirty="0" err="1">
@@ -10293,7 +10290,19 @@
               <a:rPr lang="en-US" altLang="zh-CN" sz="1600" dirty="0">
                 <a:latin typeface="Iosevka SS01" panose="02000509000000000000" pitchFamily="49" charset="0"/>
               </a:rPr>
-              <a:t>;</a:t>
+              <a:t> = {.</a:t>
+            </a:r>
+            <a:r>
+              <a:rPr lang="en-US" altLang="zh-CN" sz="1600" dirty="0" err="1">
+                <a:latin typeface="Iosevka SS01" panose="02000509000000000000" pitchFamily="49" charset="0"/>
+              </a:rPr>
+              <a:t>symbolNum</a:t>
+            </a:r>
+            <a:r>
+              <a:rPr lang="en-US" altLang="zh-CN" sz="1600" dirty="0">
+                <a:latin typeface="Iosevka SS01" panose="02000509000000000000" pitchFamily="49" charset="0"/>
+              </a:rPr>
+              <a:t> = 0};</a:t>
             </a:r>
           </a:p>
           <a:p>
@@ -10314,14 +10323,8 @@
                   <a:srgbClr val="FF0000"/>
                 </a:solidFill>
               </a:rPr>
-              <a:t>char *variable(char *name)</a:t>
-            </a:r>
-            <a:endParaRPr lang="en-US" altLang="zh-CN" dirty="0">
-              <a:solidFill>
-                <a:srgbClr val="FF0000"/>
-              </a:solidFill>
-              <a:latin typeface="Iosevka SS01" panose="02000509000000000000" pitchFamily="49" charset="0"/>
-            </a:endParaRPr>
+              <a:t>char *value(char *name, char *type)</a:t>
+            </a:r>
           </a:p>
           <a:p>
             <a:r>
@@ -10330,7 +10333,7 @@
                   <a:srgbClr val="FF0000"/>
                 </a:solidFill>
               </a:rPr>
-              <a:t>void </a:t>
+              <a:t>void </a:t>
             </a:r>
             <a:r>
               <a:rPr lang="en-US" altLang="zh-CN" dirty="0" err="1">
@@ -10338,7 +10341,7 @@
                   <a:srgbClr val="FF0000"/>
                 </a:solidFill>
               </a:rPr>
-              <a:t>createVariable</a:t>
+              <a:t>createSymbol</a:t>
             </a:r>
             <a:r>
               <a:rPr lang="en-US" altLang="zh-CN" dirty="0">
@@ -10346,13 +10349,13 @@
                   <a:srgbClr val="FF0000"/>
                 </a:solidFill>
               </a:rPr>
-              <a:t>(char *name, char *value)</a:t>
+              <a:t>(char *name, char *type, int size)</a:t>
             </a:r>
           </a:p>
           <a:p>
             <a:r>
               <a:rPr lang="zh-CN" altLang="en-US" dirty="0"/>
-              <a:t>记录各变量的值，可以为后续中间代码生成打下基础</a:t>
+              <a:t>记录各符号的信息，可以为后续中间代码生成打下基础</a:t>
             </a:r>
             <a:endParaRPr lang="en-US" altLang="zh-CN" dirty="0"/>
           </a:p>
@@ -10705,10 +10708,10 @@
       </p:grpSp>
       <p:pic>
         <p:nvPicPr>
-          <p:cNvPr id="4" name="图片 3">
-            <a:extLst>
-              <a:ext uri="{FF2B5EF4-FFF2-40B4-BE49-F238E27FC236}">
-                <a16:creationId xmlns:a16="http://schemas.microsoft.com/office/drawing/2014/main" id="{43DDB7D0-5B0B-4FD3-9F82-883E898A1702}"/>
+          <p:cNvPr id="2" name="图片 1">
+            <a:extLst>
+              <a:ext uri="{FF2B5EF4-FFF2-40B4-BE49-F238E27FC236}">
+                <a16:creationId xmlns:a16="http://schemas.microsoft.com/office/drawing/2014/main" id="{1843E999-4280-4E12-9DC1-6C5CE438C355}"/>
               </a:ext>
             </a:extLst>
           </p:cNvPr>
@@ -10717,21 +10720,16 @@
           </p:cNvPicPr>
           <p:nvPr/>
         </p:nvPicPr>
-        <p:blipFill rotWithShape="1">
-          <a:blip r:embed="rId2">
-            <a:extLst>
-              <a:ext uri="{28A0092B-C50C-407E-A947-70E740481C1C}">
-                <a14:useLocalDpi xmlns:a14="http://schemas.microsoft.com/office/drawing/2010/main" val="0"/>
-              </a:ext>
-            </a:extLst>
-          </a:blip>
-          <a:srcRect b="42976"/>
-          <a:stretch/>
+        <p:blipFill>
+          <a:blip r:embed="rId2"/>
+          <a:stretch>
+            <a:fillRect/>
+          </a:stretch>
         </p:blipFill>
         <p:spPr>
           <a:xfrm>
-            <a:off x="9403928" y="4186960"/>
-            <a:ext cx="1925108" cy="2484458"/>
+            <a:off x="9124315" y="4276211"/>
+            <a:ext cx="2484335" cy="2217612"/>
           </a:xfrm>
           <a:prstGeom prst="rect">
             <a:avLst/>
